--- a/week02/Lecture02.pptx
+++ b/week02/Lecture02.pptx
@@ -3639,7 +3639,7 @@
           <a:p>
             <a:fld id="{FC19A4FA-3D9A-4114-B0D5-759CBD56F1AB}" type="datetimeFigureOut">
               <a:rPr lang="zh-CN" altLang="en-US" smtClean="0"/>
-              <a:t>2021/9/2</a:t>
+              <a:t>2021/9/6</a:t>
             </a:fld>
             <a:endParaRPr lang="zh-CN" altLang="en-US"/>
           </a:p>
@@ -3842,7 +3842,7 @@
           <a:p>
             <a:fld id="{FC19A4FA-3D9A-4114-B0D5-759CBD56F1AB}" type="datetimeFigureOut">
               <a:rPr lang="zh-CN" altLang="en-US" smtClean="0"/>
-              <a:t>2021/9/2</a:t>
+              <a:t>2021/9/6</a:t>
             </a:fld>
             <a:endParaRPr lang="zh-CN" altLang="en-US"/>
           </a:p>
@@ -4020,7 +4020,7 @@
           <a:p>
             <a:fld id="{FC19A4FA-3D9A-4114-B0D5-759CBD56F1AB}" type="datetimeFigureOut">
               <a:rPr lang="zh-CN" altLang="en-US" smtClean="0"/>
-              <a:t>2021/9/2</a:t>
+              <a:t>2021/9/6</a:t>
             </a:fld>
             <a:endParaRPr lang="zh-CN" altLang="en-US"/>
           </a:p>
@@ -4209,7 +4209,7 @@
           <a:p>
             <a:fld id="{FC19A4FA-3D9A-4114-B0D5-759CBD56F1AB}" type="datetimeFigureOut">
               <a:rPr lang="zh-CN" altLang="en-US" smtClean="0"/>
-              <a:t>2021/9/2</a:t>
+              <a:t>2021/9/6</a:t>
             </a:fld>
             <a:endParaRPr lang="zh-CN" altLang="en-US"/>
           </a:p>
@@ -4473,7 +4473,7 @@
           <a:p>
             <a:fld id="{FC19A4FA-3D9A-4114-B0D5-759CBD56F1AB}" type="datetimeFigureOut">
               <a:rPr lang="zh-CN" altLang="en-US" smtClean="0"/>
-              <a:t>2021/9/2</a:t>
+              <a:t>2021/9/6</a:t>
             </a:fld>
             <a:endParaRPr lang="zh-CN" altLang="en-US"/>
           </a:p>
@@ -4867,7 +4867,7 @@
           <a:p>
             <a:fld id="{FC19A4FA-3D9A-4114-B0D5-759CBD56F1AB}" type="datetimeFigureOut">
               <a:rPr lang="zh-CN" altLang="en-US" smtClean="0"/>
-              <a:t>2021/9/2</a:t>
+              <a:t>2021/9/6</a:t>
             </a:fld>
             <a:endParaRPr lang="zh-CN" altLang="en-US"/>
           </a:p>
@@ -5142,7 +5142,7 @@
           <a:p>
             <a:fld id="{FC19A4FA-3D9A-4114-B0D5-759CBD56F1AB}" type="datetimeFigureOut">
               <a:rPr lang="zh-CN" altLang="en-US" smtClean="0"/>
-              <a:t>2021/9/2</a:t>
+              <a:t>2021/9/6</a:t>
             </a:fld>
             <a:endParaRPr lang="zh-CN" altLang="en-US"/>
           </a:p>
@@ -5259,7 +5259,7 @@
           <a:p>
             <a:fld id="{FC19A4FA-3D9A-4114-B0D5-759CBD56F1AB}" type="datetimeFigureOut">
               <a:rPr lang="zh-CN" altLang="en-US" smtClean="0"/>
-              <a:t>2021/9/2</a:t>
+              <a:t>2021/9/6</a:t>
             </a:fld>
             <a:endParaRPr lang="zh-CN" altLang="en-US"/>
           </a:p>
@@ -5354,7 +5354,7 @@
           <a:p>
             <a:fld id="{FC19A4FA-3D9A-4114-B0D5-759CBD56F1AB}" type="datetimeFigureOut">
               <a:rPr lang="zh-CN" altLang="en-US" smtClean="0"/>
-              <a:t>2021/9/2</a:t>
+              <a:t>2021/9/6</a:t>
             </a:fld>
             <a:endParaRPr lang="zh-CN" altLang="en-US"/>
           </a:p>
@@ -5629,7 +5629,7 @@
           <a:p>
             <a:fld id="{FC19A4FA-3D9A-4114-B0D5-759CBD56F1AB}" type="datetimeFigureOut">
               <a:rPr lang="zh-CN" altLang="en-US" smtClean="0"/>
-              <a:t>2021/9/2</a:t>
+              <a:t>2021/9/6</a:t>
             </a:fld>
             <a:endParaRPr lang="zh-CN" altLang="en-US"/>
           </a:p>
@@ -5881,7 +5881,7 @@
           <a:p>
             <a:fld id="{FC19A4FA-3D9A-4114-B0D5-759CBD56F1AB}" type="datetimeFigureOut">
               <a:rPr lang="zh-CN" altLang="en-US" smtClean="0"/>
-              <a:t>2021/9/2</a:t>
+              <a:t>2021/9/6</a:t>
             </a:fld>
             <a:endParaRPr lang="zh-CN" altLang="en-US"/>
           </a:p>
@@ -6139,7 +6139,7 @@
           <a:p>
             <a:fld id="{FC19A4FA-3D9A-4114-B0D5-759CBD56F1AB}" type="datetimeFigureOut">
               <a:rPr lang="zh-CN" altLang="en-US" smtClean="0"/>
-              <a:t>2021/9/2</a:t>
+              <a:t>2021/9/6</a:t>
             </a:fld>
             <a:endParaRPr lang="zh-CN" altLang="en-US"/>
           </a:p>
@@ -17525,7 +17525,7 @@
         <p:spPr>
           <a:xfrm>
             <a:off x="954950" y="1022611"/>
-            <a:ext cx="1107996" cy="400110"/>
+            <a:ext cx="1415772" cy="400110"/>
           </a:xfrm>
           <a:prstGeom prst="rect">
             <a:avLst/>
@@ -17550,7 +17550,31 @@
                 </a:highlight>
                 <a:latin typeface="Menlo" panose="020B0609030804020204" pitchFamily="49" charset="0"/>
               </a:rPr>
-              <a:t>init.c</a:t>
+              <a:t>init</a:t>
+            </a:r>
+            <a:r>
+              <a:rPr lang="en" altLang="zh-CN" sz="2000" err="1">
+                <a:solidFill>
+                  <a:srgbClr val="0000CC"/>
+                </a:solidFill>
+                <a:highlight>
+                  <a:srgbClr val="FFFF00"/>
+                </a:highlight>
+                <a:latin typeface="Menlo" panose="020B0609030804020204" pitchFamily="49" charset="0"/>
+              </a:rPr>
+              <a:t>.</a:t>
+            </a:r>
+            <a:r>
+              <a:rPr lang="en" altLang="zh-CN" sz="2000">
+                <a:solidFill>
+                  <a:srgbClr val="0000CC"/>
+                </a:solidFill>
+                <a:highlight>
+                  <a:srgbClr val="FFFF00"/>
+                </a:highlight>
+                <a:latin typeface="Menlo" panose="020B0609030804020204" pitchFamily="49" charset="0"/>
+              </a:rPr>
+              <a:t>cpp</a:t>
             </a:r>
             <a:endParaRPr lang="zh-CN" altLang="en-US" sz="2000" dirty="0">
               <a:solidFill>

--- a/week02/Lecture02.pptx
+++ b/week02/Lecture02.pptx
@@ -22,22 +22,23 @@
     <p:sldId id="271" r:id="rId16"/>
     <p:sldId id="269" r:id="rId17"/>
     <p:sldId id="273" r:id="rId18"/>
-    <p:sldId id="272" r:id="rId19"/>
-    <p:sldId id="288" r:id="rId20"/>
-    <p:sldId id="277" r:id="rId21"/>
-    <p:sldId id="276" r:id="rId22"/>
-    <p:sldId id="275" r:id="rId23"/>
-    <p:sldId id="280" r:id="rId24"/>
-    <p:sldId id="286" r:id="rId25"/>
-    <p:sldId id="274" r:id="rId26"/>
-    <p:sldId id="281" r:id="rId27"/>
-    <p:sldId id="282" r:id="rId28"/>
-    <p:sldId id="283" r:id="rId29"/>
-    <p:sldId id="285" r:id="rId30"/>
-    <p:sldId id="287" r:id="rId31"/>
-    <p:sldId id="418" r:id="rId32"/>
-    <p:sldId id="419" r:id="rId33"/>
-    <p:sldId id="284" r:id="rId34"/>
+    <p:sldId id="420" r:id="rId19"/>
+    <p:sldId id="272" r:id="rId20"/>
+    <p:sldId id="288" r:id="rId21"/>
+    <p:sldId id="277" r:id="rId22"/>
+    <p:sldId id="276" r:id="rId23"/>
+    <p:sldId id="275" r:id="rId24"/>
+    <p:sldId id="280" r:id="rId25"/>
+    <p:sldId id="286" r:id="rId26"/>
+    <p:sldId id="274" r:id="rId27"/>
+    <p:sldId id="281" r:id="rId28"/>
+    <p:sldId id="282" r:id="rId29"/>
+    <p:sldId id="283" r:id="rId30"/>
+    <p:sldId id="285" r:id="rId31"/>
+    <p:sldId id="287" r:id="rId32"/>
+    <p:sldId id="418" r:id="rId33"/>
+    <p:sldId id="419" r:id="rId34"/>
+    <p:sldId id="284" r:id="rId35"/>
   </p:sldIdLst>
   <p:sldSz cx="12192000" cy="6858000"/>
   <p:notesSz cx="6858000" cy="9144000"/>
@@ -6830,7 +6831,7 @@
         <p:spPr>
           <a:xfrm>
             <a:off x="838198" y="2274838"/>
-            <a:ext cx="8292549" cy="1477328"/>
+            <a:ext cx="8292549" cy="2031325"/>
           </a:xfrm>
           <a:prstGeom prst="rect">
             <a:avLst/>
@@ -6863,7 +6864,7 @@
             <a:r>
               <a:rPr lang="en" altLang="zh-CN" dirty="0" err="1">
                 <a:solidFill>
-                  <a:srgbClr val="000000"/>
+                  <a:srgbClr val="001080"/>
                 </a:solidFill>
                 <a:latin typeface="Menlo" panose="020B0609030804020204" pitchFamily="49" charset="0"/>
               </a:rPr>
@@ -6876,14 +6877,88 @@
                 </a:solidFill>
                 <a:latin typeface="Menlo" panose="020B0609030804020204" pitchFamily="49" charset="0"/>
               </a:rPr>
+              <a:t> = </a:t>
+            </a:r>
+            <a:r>
+              <a:rPr lang="en" altLang="zh-CN" dirty="0">
+                <a:solidFill>
+                  <a:srgbClr val="098658"/>
+                </a:solidFill>
+                <a:latin typeface="Menlo" panose="020B0609030804020204" pitchFamily="49" charset="0"/>
+              </a:rPr>
+              <a:t>0</a:t>
+            </a:r>
+            <a:r>
+              <a:rPr lang="en" altLang="zh-CN" dirty="0">
+                <a:solidFill>
+                  <a:srgbClr val="000000"/>
+                </a:solidFill>
+                <a:latin typeface="Menlo" panose="020B0609030804020204" pitchFamily="49" charset="0"/>
+              </a:rPr>
               <a:t>;</a:t>
             </a:r>
           </a:p>
           <a:p>
             <a:r>
+              <a:rPr lang="en" altLang="zh-CN" dirty="0">
+                <a:solidFill>
+                  <a:srgbClr val="0000FF"/>
+                </a:solidFill>
+                <a:latin typeface="Menlo" panose="020B0609030804020204" pitchFamily="49" charset="0"/>
+              </a:rPr>
+              <a:t>short</a:t>
+            </a:r>
+            <a:r>
+              <a:rPr lang="en" altLang="zh-CN" dirty="0">
+                <a:solidFill>
+                  <a:srgbClr val="000000"/>
+                </a:solidFill>
+                <a:latin typeface="Menlo" panose="020B0609030804020204" pitchFamily="49" charset="0"/>
+              </a:rPr>
+              <a:t> </a:t>
+            </a:r>
+            <a:r>
+              <a:rPr lang="en" altLang="zh-CN" dirty="0">
+                <a:solidFill>
+                  <a:srgbClr val="001080"/>
+                </a:solidFill>
+                <a:latin typeface="Menlo" panose="020B0609030804020204" pitchFamily="49" charset="0"/>
+              </a:rPr>
+              <a:t>s</a:t>
+            </a:r>
+            <a:r>
+              <a:rPr lang="en" altLang="zh-CN" dirty="0">
+                <a:solidFill>
+                  <a:srgbClr val="000000"/>
+                </a:solidFill>
+                <a:latin typeface="Menlo" panose="020B0609030804020204" pitchFamily="49" charset="0"/>
+              </a:rPr>
+              <a:t> = </a:t>
+            </a:r>
+            <a:r>
+              <a:rPr lang="en" altLang="zh-CN" dirty="0">
+                <a:solidFill>
+                  <a:srgbClr val="098658"/>
+                </a:solidFill>
+                <a:latin typeface="Menlo" panose="020B0609030804020204" pitchFamily="49" charset="0"/>
+              </a:rPr>
+              <a:t>0</a:t>
+            </a:r>
+            <a:r>
+              <a:rPr lang="en" altLang="zh-CN" dirty="0">
+                <a:solidFill>
+                  <a:srgbClr val="000000"/>
+                </a:solidFill>
+                <a:latin typeface="Menlo" panose="020B0609030804020204" pitchFamily="49" charset="0"/>
+              </a:rPr>
+              <a:t>;</a:t>
+            </a:r>
+          </a:p>
+          <a:p>
+            <a:r>
               <a:rPr lang="en" altLang="zh-CN" dirty="0" err="1">
                 <a:solidFill>
-                  <a:srgbClr val="000000"/>
+                  <a:srgbClr val="001080"/>
                 </a:solidFill>
                 <a:latin typeface="Menlo" panose="020B0609030804020204" pitchFamily="49" charset="0"/>
               </a:rPr>
@@ -6896,7 +6971,25 @@
                 </a:solidFill>
                 <a:latin typeface="Menlo" panose="020B0609030804020204" pitchFamily="49" charset="0"/>
               </a:rPr>
-              <a:t> &lt;&lt; </a:t>
+              <a:t> </a:t>
+            </a:r>
+            <a:r>
+              <a:rPr lang="en" altLang="zh-CN" dirty="0">
+                <a:solidFill>
+                  <a:srgbClr val="795E26"/>
+                </a:solidFill>
+                <a:latin typeface="Menlo" panose="020B0609030804020204" pitchFamily="49" charset="0"/>
+              </a:rPr>
+              <a:t>&lt;&lt;</a:t>
+            </a:r>
+            <a:r>
+              <a:rPr lang="en" altLang="zh-CN" dirty="0">
+                <a:solidFill>
+                  <a:srgbClr val="000000"/>
+                </a:solidFill>
+                <a:latin typeface="Menlo" panose="020B0609030804020204" pitchFamily="49" charset="0"/>
+              </a:rPr>
+              <a:t> </a:t>
             </a:r>
             <a:r>
               <a:rPr lang="en" altLang="zh-CN" dirty="0">
@@ -6932,7 +7025,25 @@
                 </a:solidFill>
                 <a:latin typeface="Menlo" panose="020B0609030804020204" pitchFamily="49" charset="0"/>
               </a:rPr>
-              <a:t> &lt;&lt; </a:t>
+              <a:t> </a:t>
+            </a:r>
+            <a:r>
+              <a:rPr lang="en" altLang="zh-CN" dirty="0">
+                <a:solidFill>
+                  <a:srgbClr val="795E26"/>
+                </a:solidFill>
+                <a:latin typeface="Menlo" panose="020B0609030804020204" pitchFamily="49" charset="0"/>
+              </a:rPr>
+              <a:t>&lt;&lt;</a:t>
+            </a:r>
+            <a:r>
+              <a:rPr lang="en" altLang="zh-CN" dirty="0">
+                <a:solidFill>
+                  <a:srgbClr val="000000"/>
+                </a:solidFill>
+                <a:latin typeface="Menlo" panose="020B0609030804020204" pitchFamily="49" charset="0"/>
+              </a:rPr>
+              <a:t> </a:t>
             </a:r>
             <a:r>
               <a:rPr lang="en" altLang="zh-CN" dirty="0" err="1">
@@ -6968,12 +7079,30 @@
                 </a:solidFill>
                 <a:latin typeface="Menlo" panose="020B0609030804020204" pitchFamily="49" charset="0"/>
               </a:rPr>
-              <a:t>) &lt;&lt; </a:t>
+              <a:t>) </a:t>
+            </a:r>
+            <a:r>
+              <a:rPr lang="en" altLang="zh-CN" dirty="0">
+                <a:solidFill>
+                  <a:srgbClr val="795E26"/>
+                </a:solidFill>
+                <a:latin typeface="Menlo" panose="020B0609030804020204" pitchFamily="49" charset="0"/>
+              </a:rPr>
+              <a:t>&lt;&lt;</a:t>
+            </a:r>
+            <a:r>
+              <a:rPr lang="en" altLang="zh-CN" dirty="0">
+                <a:solidFill>
+                  <a:srgbClr val="000000"/>
+                </a:solidFill>
+                <a:latin typeface="Menlo" panose="020B0609030804020204" pitchFamily="49" charset="0"/>
+              </a:rPr>
+              <a:t> </a:t>
             </a:r>
             <a:r>
               <a:rPr lang="en" altLang="zh-CN" dirty="0" err="1">
                 <a:solidFill>
-                  <a:srgbClr val="000000"/>
+                  <a:srgbClr val="795E26"/>
                 </a:solidFill>
                 <a:latin typeface="Menlo" panose="020B0609030804020204" pitchFamily="49" charset="0"/>
               </a:rPr>
@@ -6993,7 +7122,7 @@
             <a:r>
               <a:rPr lang="en" altLang="zh-CN" dirty="0" err="1">
                 <a:solidFill>
-                  <a:srgbClr val="000000"/>
+                  <a:srgbClr val="001080"/>
                 </a:solidFill>
                 <a:latin typeface="Menlo" panose="020B0609030804020204" pitchFamily="49" charset="0"/>
               </a:rPr>
@@ -7006,7 +7135,25 @@
                 </a:solidFill>
                 <a:latin typeface="Menlo" panose="020B0609030804020204" pitchFamily="49" charset="0"/>
               </a:rPr>
-              <a:t> &lt;&lt; </a:t>
+              <a:t> </a:t>
+            </a:r>
+            <a:r>
+              <a:rPr lang="en" altLang="zh-CN" dirty="0">
+                <a:solidFill>
+                  <a:srgbClr val="795E26"/>
+                </a:solidFill>
+                <a:latin typeface="Menlo" panose="020B0609030804020204" pitchFamily="49" charset="0"/>
+              </a:rPr>
+              <a:t>&lt;&lt;</a:t>
+            </a:r>
+            <a:r>
+              <a:rPr lang="en" altLang="zh-CN" dirty="0">
+                <a:solidFill>
+                  <a:srgbClr val="000000"/>
+                </a:solidFill>
+                <a:latin typeface="Menlo" panose="020B0609030804020204" pitchFamily="49" charset="0"/>
+              </a:rPr>
+              <a:t> </a:t>
             </a:r>
             <a:r>
               <a:rPr lang="en" altLang="zh-CN" dirty="0">
@@ -7060,7 +7207,25 @@
                 </a:solidFill>
                 <a:latin typeface="Menlo" panose="020B0609030804020204" pitchFamily="49" charset="0"/>
               </a:rPr>
-              <a:t> &lt;&lt; </a:t>
+              <a:t> </a:t>
+            </a:r>
+            <a:r>
+              <a:rPr lang="en" altLang="zh-CN" dirty="0">
+                <a:solidFill>
+                  <a:srgbClr val="795E26"/>
+                </a:solidFill>
+                <a:latin typeface="Menlo" panose="020B0609030804020204" pitchFamily="49" charset="0"/>
+              </a:rPr>
+              <a:t>&lt;&lt;</a:t>
+            </a:r>
+            <a:r>
+              <a:rPr lang="en" altLang="zh-CN" dirty="0">
+                <a:solidFill>
+                  <a:srgbClr val="000000"/>
+                </a:solidFill>
+                <a:latin typeface="Menlo" panose="020B0609030804020204" pitchFamily="49" charset="0"/>
+              </a:rPr>
+              <a:t> </a:t>
             </a:r>
             <a:r>
               <a:rPr lang="en" altLang="zh-CN" dirty="0" err="1">
@@ -7083,7 +7248,7 @@
             <a:r>
               <a:rPr lang="en" altLang="zh-CN" dirty="0" err="1">
                 <a:solidFill>
-                  <a:srgbClr val="000000"/>
+                  <a:srgbClr val="001080"/>
                 </a:solidFill>
                 <a:latin typeface="Menlo" panose="020B0609030804020204" pitchFamily="49" charset="0"/>
               </a:rPr>
@@ -7096,12 +7261,30 @@
                 </a:solidFill>
                 <a:latin typeface="Menlo" panose="020B0609030804020204" pitchFamily="49" charset="0"/>
               </a:rPr>
-              <a:t>) &lt;&lt; </a:t>
+              <a:t>) </a:t>
+            </a:r>
+            <a:r>
+              <a:rPr lang="en" altLang="zh-CN" dirty="0">
+                <a:solidFill>
+                  <a:srgbClr val="795E26"/>
+                </a:solidFill>
+                <a:latin typeface="Menlo" panose="020B0609030804020204" pitchFamily="49" charset="0"/>
+              </a:rPr>
+              <a:t>&lt;&lt;</a:t>
+            </a:r>
+            <a:r>
+              <a:rPr lang="en" altLang="zh-CN" dirty="0">
+                <a:solidFill>
+                  <a:srgbClr val="000000"/>
+                </a:solidFill>
+                <a:latin typeface="Menlo" panose="020B0609030804020204" pitchFamily="49" charset="0"/>
+              </a:rPr>
+              <a:t> </a:t>
             </a:r>
             <a:r>
               <a:rPr lang="en" altLang="zh-CN" dirty="0" err="1">
                 <a:solidFill>
-                  <a:srgbClr val="000000"/>
+                  <a:srgbClr val="795E26"/>
                 </a:solidFill>
                 <a:latin typeface="Menlo" panose="020B0609030804020204" pitchFamily="49" charset="0"/>
               </a:rPr>
@@ -7121,7 +7304,7 @@
             <a:r>
               <a:rPr lang="en" altLang="zh-CN" dirty="0" err="1">
                 <a:solidFill>
-                  <a:srgbClr val="000000"/>
+                  <a:srgbClr val="001080"/>
                 </a:solidFill>
                 <a:latin typeface="Menlo" panose="020B0609030804020204" pitchFamily="49" charset="0"/>
               </a:rPr>
@@ -7134,7 +7317,25 @@
                 </a:solidFill>
                 <a:latin typeface="Menlo" panose="020B0609030804020204" pitchFamily="49" charset="0"/>
               </a:rPr>
-              <a:t> &lt;&lt; </a:t>
+              <a:t> </a:t>
+            </a:r>
+            <a:r>
+              <a:rPr lang="en" altLang="zh-CN" dirty="0">
+                <a:solidFill>
+                  <a:srgbClr val="795E26"/>
+                </a:solidFill>
+                <a:latin typeface="Menlo" panose="020B0609030804020204" pitchFamily="49" charset="0"/>
+              </a:rPr>
+              <a:t>&lt;&lt;</a:t>
+            </a:r>
+            <a:r>
+              <a:rPr lang="en" altLang="zh-CN" dirty="0">
+                <a:solidFill>
+                  <a:srgbClr val="000000"/>
+                </a:solidFill>
+                <a:latin typeface="Menlo" panose="020B0609030804020204" pitchFamily="49" charset="0"/>
+              </a:rPr>
+              <a:t> </a:t>
             </a:r>
             <a:r>
               <a:rPr lang="en" altLang="zh-CN" dirty="0">
@@ -7170,7 +7371,25 @@
                 </a:solidFill>
                 <a:latin typeface="Menlo" panose="020B0609030804020204" pitchFamily="49" charset="0"/>
               </a:rPr>
-              <a:t> &lt;&lt; </a:t>
+              <a:t> </a:t>
+            </a:r>
+            <a:r>
+              <a:rPr lang="en" altLang="zh-CN" dirty="0">
+                <a:solidFill>
+                  <a:srgbClr val="795E26"/>
+                </a:solidFill>
+                <a:latin typeface="Menlo" panose="020B0609030804020204" pitchFamily="49" charset="0"/>
+              </a:rPr>
+              <a:t>&lt;&lt;</a:t>
+            </a:r>
+            <a:r>
+              <a:rPr lang="en" altLang="zh-CN" dirty="0">
+                <a:solidFill>
+                  <a:srgbClr val="000000"/>
+                </a:solidFill>
+                <a:latin typeface="Menlo" panose="020B0609030804020204" pitchFamily="49" charset="0"/>
+              </a:rPr>
+              <a:t> </a:t>
             </a:r>
             <a:r>
               <a:rPr lang="en" altLang="zh-CN" dirty="0" err="1">
@@ -7191,27 +7410,209 @@
               <a:t>(</a:t>
             </a:r>
             <a:r>
+              <a:rPr lang="en" altLang="zh-CN" dirty="0">
+                <a:solidFill>
+                  <a:srgbClr val="001080"/>
+                </a:solidFill>
+                <a:latin typeface="Menlo" panose="020B0609030804020204" pitchFamily="49" charset="0"/>
+              </a:rPr>
+              <a:t>s</a:t>
+            </a:r>
+            <a:r>
+              <a:rPr lang="en" altLang="zh-CN" dirty="0">
+                <a:solidFill>
+                  <a:srgbClr val="000000"/>
+                </a:solidFill>
+                <a:latin typeface="Menlo" panose="020B0609030804020204" pitchFamily="49" charset="0"/>
+              </a:rPr>
+              <a:t>) </a:t>
+            </a:r>
+            <a:r>
+              <a:rPr lang="en" altLang="zh-CN" dirty="0">
+                <a:solidFill>
+                  <a:srgbClr val="795E26"/>
+                </a:solidFill>
+                <a:latin typeface="Menlo" panose="020B0609030804020204" pitchFamily="49" charset="0"/>
+              </a:rPr>
+              <a:t>&lt;&lt;</a:t>
+            </a:r>
+            <a:r>
+              <a:rPr lang="en" altLang="zh-CN" dirty="0">
+                <a:solidFill>
+                  <a:srgbClr val="000000"/>
+                </a:solidFill>
+                <a:latin typeface="Menlo" panose="020B0609030804020204" pitchFamily="49" charset="0"/>
+              </a:rPr>
+              <a:t> </a:t>
+            </a:r>
+            <a:r>
               <a:rPr lang="en" altLang="zh-CN" dirty="0" err="1">
                 <a:solidFill>
-                  <a:srgbClr val="000000"/>
-                </a:solidFill>
-                <a:latin typeface="Menlo" panose="020B0609030804020204" pitchFamily="49" charset="0"/>
-              </a:rPr>
-              <a:t>i</a:t>
-            </a:r>
-            <a:r>
-              <a:rPr lang="en" altLang="zh-CN" dirty="0">
-                <a:solidFill>
-                  <a:srgbClr val="000000"/>
-                </a:solidFill>
-                <a:latin typeface="Menlo" panose="020B0609030804020204" pitchFamily="49" charset="0"/>
-              </a:rPr>
-              <a:t>) &lt;&lt; </a:t>
-            </a:r>
+                  <a:srgbClr val="795E26"/>
+                </a:solidFill>
+                <a:latin typeface="Menlo" panose="020B0609030804020204" pitchFamily="49" charset="0"/>
+              </a:rPr>
+              <a:t>endl</a:t>
+            </a:r>
+            <a:r>
+              <a:rPr lang="en" altLang="zh-CN" dirty="0">
+                <a:solidFill>
+                  <a:srgbClr val="000000"/>
+                </a:solidFill>
+                <a:latin typeface="Menlo" panose="020B0609030804020204" pitchFamily="49" charset="0"/>
+              </a:rPr>
+              <a:t>;</a:t>
+            </a:r>
+          </a:p>
+          <a:p>
             <a:r>
               <a:rPr lang="en" altLang="zh-CN" dirty="0" err="1">
                 <a:solidFill>
-                  <a:srgbClr val="000000"/>
+                  <a:srgbClr val="001080"/>
+                </a:solidFill>
+                <a:latin typeface="Menlo" panose="020B0609030804020204" pitchFamily="49" charset="0"/>
+              </a:rPr>
+              <a:t>cout</a:t>
+            </a:r>
+            <a:r>
+              <a:rPr lang="en" altLang="zh-CN" dirty="0">
+                <a:solidFill>
+                  <a:srgbClr val="000000"/>
+                </a:solidFill>
+                <a:latin typeface="Menlo" panose="020B0609030804020204" pitchFamily="49" charset="0"/>
+              </a:rPr>
+              <a:t> </a:t>
+            </a:r>
+            <a:r>
+              <a:rPr lang="en" altLang="zh-CN" dirty="0">
+                <a:solidFill>
+                  <a:srgbClr val="795E26"/>
+                </a:solidFill>
+                <a:latin typeface="Menlo" panose="020B0609030804020204" pitchFamily="49" charset="0"/>
+              </a:rPr>
+              <a:t>&lt;&lt;</a:t>
+            </a:r>
+            <a:r>
+              <a:rPr lang="en" altLang="zh-CN" dirty="0">
+                <a:solidFill>
+                  <a:srgbClr val="000000"/>
+                </a:solidFill>
+                <a:latin typeface="Menlo" panose="020B0609030804020204" pitchFamily="49" charset="0"/>
+              </a:rPr>
+              <a:t> </a:t>
+            </a:r>
+            <a:r>
+              <a:rPr lang="en" altLang="zh-CN" dirty="0">
+                <a:solidFill>
+                  <a:srgbClr val="A31515"/>
+                </a:solidFill>
+                <a:latin typeface="Menlo" panose="020B0609030804020204" pitchFamily="49" charset="0"/>
+              </a:rPr>
+              <a:t>"</a:t>
+            </a:r>
+            <a:r>
+              <a:rPr lang="en" altLang="zh-CN" dirty="0" err="1">
+                <a:solidFill>
+                  <a:srgbClr val="A31515"/>
+                </a:solidFill>
+                <a:latin typeface="Menlo" panose="020B0609030804020204" pitchFamily="49" charset="0"/>
+              </a:rPr>
+              <a:t>sizeof</a:t>
+            </a:r>
+            <a:r>
+              <a:rPr lang="en" altLang="zh-CN" dirty="0">
+                <a:solidFill>
+                  <a:srgbClr val="A31515"/>
+                </a:solidFill>
+                <a:latin typeface="Menlo" panose="020B0609030804020204" pitchFamily="49" charset="0"/>
+              </a:rPr>
+              <a:t>(long)="</a:t>
+            </a:r>
+            <a:r>
+              <a:rPr lang="en" altLang="zh-CN" dirty="0">
+                <a:solidFill>
+                  <a:srgbClr val="000000"/>
+                </a:solidFill>
+                <a:latin typeface="Menlo" panose="020B0609030804020204" pitchFamily="49" charset="0"/>
+              </a:rPr>
+              <a:t> </a:t>
+            </a:r>
+            <a:r>
+              <a:rPr lang="en" altLang="zh-CN" dirty="0">
+                <a:solidFill>
+                  <a:srgbClr val="795E26"/>
+                </a:solidFill>
+                <a:latin typeface="Menlo" panose="020B0609030804020204" pitchFamily="49" charset="0"/>
+              </a:rPr>
+              <a:t>&lt;&lt;</a:t>
+            </a:r>
+            <a:r>
+              <a:rPr lang="en" altLang="zh-CN" dirty="0">
+                <a:solidFill>
+                  <a:srgbClr val="000000"/>
+                </a:solidFill>
+                <a:latin typeface="Menlo" panose="020B0609030804020204" pitchFamily="49" charset="0"/>
+              </a:rPr>
+              <a:t> </a:t>
+            </a:r>
+            <a:r>
+              <a:rPr lang="en" altLang="zh-CN" dirty="0" err="1">
+                <a:solidFill>
+                  <a:srgbClr val="0000FF"/>
+                </a:solidFill>
+                <a:latin typeface="Menlo" panose="020B0609030804020204" pitchFamily="49" charset="0"/>
+              </a:rPr>
+              <a:t>sizeof</a:t>
+            </a:r>
+            <a:r>
+              <a:rPr lang="en" altLang="zh-CN" dirty="0">
+                <a:solidFill>
+                  <a:srgbClr val="000000"/>
+                </a:solidFill>
+                <a:latin typeface="Menlo" panose="020B0609030804020204" pitchFamily="49" charset="0"/>
+              </a:rPr>
+              <a:t>(</a:t>
+            </a:r>
+            <a:r>
+              <a:rPr lang="en" altLang="zh-CN" dirty="0">
+                <a:solidFill>
+                  <a:srgbClr val="0000FF"/>
+                </a:solidFill>
+                <a:latin typeface="Menlo" panose="020B0609030804020204" pitchFamily="49" charset="0"/>
+              </a:rPr>
+              <a:t>long</a:t>
+            </a:r>
+            <a:r>
+              <a:rPr lang="en" altLang="zh-CN" dirty="0">
+                <a:solidFill>
+                  <a:srgbClr val="000000"/>
+                </a:solidFill>
+                <a:latin typeface="Menlo" panose="020B0609030804020204" pitchFamily="49" charset="0"/>
+              </a:rPr>
+              <a:t>) </a:t>
+            </a:r>
+            <a:r>
+              <a:rPr lang="en" altLang="zh-CN" dirty="0">
+                <a:solidFill>
+                  <a:srgbClr val="795E26"/>
+                </a:solidFill>
+                <a:latin typeface="Menlo" panose="020B0609030804020204" pitchFamily="49" charset="0"/>
+              </a:rPr>
+              <a:t>&lt;&lt;</a:t>
+            </a:r>
+            <a:r>
+              <a:rPr lang="en" altLang="zh-CN" dirty="0">
+                <a:solidFill>
+                  <a:srgbClr val="000000"/>
+                </a:solidFill>
+                <a:latin typeface="Menlo" panose="020B0609030804020204" pitchFamily="49" charset="0"/>
+              </a:rPr>
+              <a:t> </a:t>
+            </a:r>
+            <a:r>
+              <a:rPr lang="en" altLang="zh-CN" dirty="0" err="1">
+                <a:solidFill>
+                  <a:srgbClr val="795E26"/>
                 </a:solidFill>
                 <a:latin typeface="Menlo" panose="020B0609030804020204" pitchFamily="49" charset="0"/>
               </a:rPr>
@@ -7231,7 +7632,7 @@
             <a:r>
               <a:rPr lang="en" altLang="zh-CN" dirty="0" err="1">
                 <a:solidFill>
-                  <a:srgbClr val="000000"/>
+                  <a:srgbClr val="001080"/>
                 </a:solidFill>
                 <a:latin typeface="Menlo" panose="020B0609030804020204" pitchFamily="49" charset="0"/>
               </a:rPr>
@@ -7244,7 +7645,25 @@
                 </a:solidFill>
                 <a:latin typeface="Menlo" panose="020B0609030804020204" pitchFamily="49" charset="0"/>
               </a:rPr>
-              <a:t> &lt;&lt; </a:t>
+              <a:t> </a:t>
+            </a:r>
+            <a:r>
+              <a:rPr lang="en" altLang="zh-CN" dirty="0">
+                <a:solidFill>
+                  <a:srgbClr val="795E26"/>
+                </a:solidFill>
+                <a:latin typeface="Menlo" panose="020B0609030804020204" pitchFamily="49" charset="0"/>
+              </a:rPr>
+              <a:t>&lt;&lt;</a:t>
+            </a:r>
+            <a:r>
+              <a:rPr lang="en" altLang="zh-CN" dirty="0">
+                <a:solidFill>
+                  <a:srgbClr val="000000"/>
+                </a:solidFill>
+                <a:latin typeface="Menlo" panose="020B0609030804020204" pitchFamily="49" charset="0"/>
+              </a:rPr>
+              <a:t> </a:t>
             </a:r>
             <a:r>
               <a:rPr lang="en" altLang="zh-CN" dirty="0">
@@ -7271,20 +7690,56 @@
                 </a:solidFill>
                 <a:latin typeface="Menlo" panose="020B0609030804020204" pitchFamily="49" charset="0"/>
               </a:rPr>
-              <a:t>(long)="</a:t>
-            </a:r>
-            <a:r>
-              <a:rPr lang="en" altLang="zh-CN" dirty="0">
-                <a:solidFill>
-                  <a:srgbClr val="000000"/>
-                </a:solidFill>
-                <a:latin typeface="Menlo" panose="020B0609030804020204" pitchFamily="49" charset="0"/>
-              </a:rPr>
-              <a:t> &lt;&lt; </a:t>
+              <a:t>(</a:t>
             </a:r>
             <a:r>
               <a:rPr lang="en" altLang="zh-CN" dirty="0" err="1">
                 <a:solidFill>
+                  <a:srgbClr val="A31515"/>
+                </a:solidFill>
+                <a:latin typeface="Menlo" panose="020B0609030804020204" pitchFamily="49" charset="0"/>
+              </a:rPr>
+              <a:t>size_t</a:t>
+            </a:r>
+            <a:r>
+              <a:rPr lang="en" altLang="zh-CN" dirty="0">
+                <a:solidFill>
+                  <a:srgbClr val="A31515"/>
+                </a:solidFill>
+                <a:latin typeface="Menlo" panose="020B0609030804020204" pitchFamily="49" charset="0"/>
+              </a:rPr>
+              <a:t>)="</a:t>
+            </a:r>
+            <a:r>
+              <a:rPr lang="en" altLang="zh-CN" dirty="0">
+                <a:solidFill>
+                  <a:srgbClr val="000000"/>
+                </a:solidFill>
+                <a:latin typeface="Menlo" panose="020B0609030804020204" pitchFamily="49" charset="0"/>
+              </a:rPr>
+              <a:t> </a:t>
+            </a:r>
+            <a:r>
+              <a:rPr lang="en" altLang="zh-CN" dirty="0">
+                <a:solidFill>
+                  <a:srgbClr val="795E26"/>
+                </a:solidFill>
+                <a:latin typeface="Menlo" panose="020B0609030804020204" pitchFamily="49" charset="0"/>
+              </a:rPr>
+              <a:t>&lt;&lt;</a:t>
+            </a:r>
+            <a:r>
+              <a:rPr lang="en" altLang="zh-CN" dirty="0">
+                <a:solidFill>
+                  <a:srgbClr val="000000"/>
+                </a:solidFill>
+                <a:latin typeface="Menlo" panose="020B0609030804020204" pitchFamily="49" charset="0"/>
+              </a:rPr>
+              <a:t> </a:t>
+            </a:r>
+            <a:r>
+              <a:rPr lang="en" altLang="zh-CN" dirty="0" err="1">
+                <a:solidFill>
                   <a:srgbClr val="0000FF"/>
                 </a:solidFill>
                 <a:latin typeface="Menlo" panose="020B0609030804020204" pitchFamily="49" charset="0"/>
@@ -7301,27 +7756,45 @@
               <a:t>(</a:t>
             </a:r>
             <a:r>
-              <a:rPr lang="en" altLang="zh-CN" dirty="0">
-                <a:solidFill>
-                  <a:srgbClr val="0000FF"/>
-                </a:solidFill>
-                <a:latin typeface="Menlo" panose="020B0609030804020204" pitchFamily="49" charset="0"/>
-              </a:rPr>
-              <a:t>long</a:t>
-            </a:r>
-            <a:r>
-              <a:rPr lang="en" altLang="zh-CN" dirty="0">
-                <a:solidFill>
-                  <a:srgbClr val="000000"/>
-                </a:solidFill>
-                <a:latin typeface="Menlo" panose="020B0609030804020204" pitchFamily="49" charset="0"/>
-              </a:rPr>
-              <a:t>) &lt;&lt; </a:t>
-            </a:r>
-            <a:r>
               <a:rPr lang="en" altLang="zh-CN" dirty="0" err="1">
                 <a:solidFill>
-                  <a:srgbClr val="000000"/>
+                  <a:srgbClr val="267F99"/>
+                </a:solidFill>
+                <a:latin typeface="Menlo" panose="020B0609030804020204" pitchFamily="49" charset="0"/>
+              </a:rPr>
+              <a:t>size_t</a:t>
+            </a:r>
+            <a:r>
+              <a:rPr lang="en" altLang="zh-CN" dirty="0">
+                <a:solidFill>
+                  <a:srgbClr val="000000"/>
+                </a:solidFill>
+                <a:latin typeface="Menlo" panose="020B0609030804020204" pitchFamily="49" charset="0"/>
+              </a:rPr>
+              <a:t>) </a:t>
+            </a:r>
+            <a:r>
+              <a:rPr lang="en" altLang="zh-CN" dirty="0">
+                <a:solidFill>
+                  <a:srgbClr val="795E26"/>
+                </a:solidFill>
+                <a:latin typeface="Menlo" panose="020B0609030804020204" pitchFamily="49" charset="0"/>
+              </a:rPr>
+              <a:t>&lt;&lt;</a:t>
+            </a:r>
+            <a:r>
+              <a:rPr lang="en" altLang="zh-CN" dirty="0">
+                <a:solidFill>
+                  <a:srgbClr val="000000"/>
+                </a:solidFill>
+                <a:latin typeface="Menlo" panose="020B0609030804020204" pitchFamily="49" charset="0"/>
+              </a:rPr>
+              <a:t> </a:t>
+            </a:r>
+            <a:r>
+              <a:rPr lang="en" altLang="zh-CN" dirty="0" err="1">
+                <a:solidFill>
+                  <a:srgbClr val="795E26"/>
                 </a:solidFill>
                 <a:latin typeface="Menlo" panose="020B0609030804020204" pitchFamily="49" charset="0"/>
               </a:rPr>
@@ -8955,7 +9428,7 @@
                   <a:prstClr val="black"/>
                 </a:solidFill>
               </a:rPr>
-              <a:t>Type of the result of the </a:t>
+              <a:t>Type of the result of </a:t>
             </a:r>
             <a:r>
               <a:rPr kumimoji="1" lang="en-US" altLang="zh-CN" sz="2800" dirty="0" err="1">
@@ -10167,6 +10640,953 @@
 </file>
 
 <file path=ppt/slides/slide18.xml><?xml version="1.0" encoding="utf-8"?>
+<p:sld xmlns:a="http://schemas.openxmlformats.org/drawingml/2006/main" xmlns:r="http://schemas.openxmlformats.org/officeDocument/2006/relationships" xmlns:p="http://schemas.openxmlformats.org/presentationml/2006/main">
+  <p:cSld>
+    <p:spTree>
+      <p:nvGrpSpPr>
+        <p:cNvPr id="1" name=""/>
+        <p:cNvGrpSpPr/>
+        <p:nvPr/>
+      </p:nvGrpSpPr>
+      <p:grpSpPr>
+        <a:xfrm>
+          <a:off x="0" y="0"/>
+          <a:ext cx="0" cy="0"/>
+          <a:chOff x="0" y="0"/>
+          <a:chExt cx="0" cy="0"/>
+        </a:xfrm>
+      </p:grpSpPr>
+      <p:sp>
+        <p:nvSpPr>
+          <p:cNvPr id="2" name="标题 1">
+            <a:extLst>
+              <a:ext uri="{FF2B5EF4-FFF2-40B4-BE49-F238E27FC236}">
+                <a16:creationId xmlns:a16="http://schemas.microsoft.com/office/drawing/2014/main" id="{D88AA0EB-8D06-3A42-986C-8FCB909E60C9}"/>
+              </a:ext>
+            </a:extLst>
+          </p:cNvPr>
+          <p:cNvSpPr>
+            <a:spLocks noGrp="1"/>
+          </p:cNvSpPr>
+          <p:nvPr>
+            <p:ph type="title"/>
+          </p:nvPr>
+        </p:nvSpPr>
+        <p:spPr/>
+        <p:txBody>
+          <a:bodyPr/>
+          <a:lstStyle/>
+          <a:p>
+            <a:r>
+              <a:rPr kumimoji="1" lang="en-US" altLang="zh-CN"/>
+              <a:t>What’s the output?</a:t>
+            </a:r>
+            <a:endParaRPr kumimoji="1" lang="zh-CN" altLang="en-US" dirty="0"/>
+          </a:p>
+        </p:txBody>
+      </p:sp>
+      <p:sp>
+        <p:nvSpPr>
+          <p:cNvPr id="3" name="内容占位符 2">
+            <a:extLst>
+              <a:ext uri="{FF2B5EF4-FFF2-40B4-BE49-F238E27FC236}">
+                <a16:creationId xmlns:a16="http://schemas.microsoft.com/office/drawing/2014/main" id="{63868BED-849F-184A-8C4D-F3876C39791C}"/>
+              </a:ext>
+            </a:extLst>
+          </p:cNvPr>
+          <p:cNvSpPr>
+            <a:spLocks noGrp="1"/>
+          </p:cNvSpPr>
+          <p:nvPr>
+            <p:ph idx="1"/>
+          </p:nvPr>
+        </p:nvSpPr>
+        <p:spPr>
+          <a:xfrm>
+            <a:off x="838199" y="1326995"/>
+            <a:ext cx="11593011" cy="5266784"/>
+          </a:xfrm>
+        </p:spPr>
+        <p:txBody>
+          <a:bodyPr>
+            <a:normAutofit/>
+          </a:bodyPr>
+          <a:lstStyle/>
+          <a:p>
+            <a:pPr marL="0" indent="0">
+              <a:buNone/>
+            </a:pPr>
+            <a:r>
+              <a:rPr lang="en" altLang="zh-CN" sz="2000" dirty="0">
+                <a:solidFill>
+                  <a:srgbClr val="AF00DB"/>
+                </a:solidFill>
+                <a:latin typeface="Menlo" panose="020B0609030804020204" pitchFamily="49" charset="0"/>
+              </a:rPr>
+              <a:t>#include</a:t>
+            </a:r>
+            <a:r>
+              <a:rPr lang="en" altLang="zh-CN" sz="2000" dirty="0">
+                <a:solidFill>
+                  <a:srgbClr val="0000FF"/>
+                </a:solidFill>
+                <a:latin typeface="Menlo" panose="020B0609030804020204" pitchFamily="49" charset="0"/>
+              </a:rPr>
+              <a:t> </a:t>
+            </a:r>
+            <a:r>
+              <a:rPr lang="en" altLang="zh-CN" sz="2000" dirty="0">
+                <a:solidFill>
+                  <a:srgbClr val="A31515"/>
+                </a:solidFill>
+                <a:latin typeface="Menlo" panose="020B0609030804020204" pitchFamily="49" charset="0"/>
+              </a:rPr>
+              <a:t>&lt;iostream&gt;</a:t>
+            </a:r>
+            <a:endParaRPr lang="en" altLang="zh-CN" sz="2000" dirty="0">
+              <a:solidFill>
+                <a:srgbClr val="000000"/>
+              </a:solidFill>
+              <a:latin typeface="Menlo" panose="020B0609030804020204" pitchFamily="49" charset="0"/>
+            </a:endParaRPr>
+          </a:p>
+          <a:p>
+            <a:pPr marL="0" indent="0">
+              <a:buNone/>
+            </a:pPr>
+            <a:r>
+              <a:rPr lang="en" altLang="zh-CN" sz="2000" dirty="0">
+                <a:solidFill>
+                  <a:srgbClr val="AF00DB"/>
+                </a:solidFill>
+                <a:latin typeface="Menlo" panose="020B0609030804020204" pitchFamily="49" charset="0"/>
+              </a:rPr>
+              <a:t>#include</a:t>
+            </a:r>
+            <a:r>
+              <a:rPr lang="en" altLang="zh-CN" sz="2000" dirty="0">
+                <a:solidFill>
+                  <a:srgbClr val="0000FF"/>
+                </a:solidFill>
+                <a:latin typeface="Menlo" panose="020B0609030804020204" pitchFamily="49" charset="0"/>
+              </a:rPr>
+              <a:t> </a:t>
+            </a:r>
+            <a:r>
+              <a:rPr lang="en" altLang="zh-CN" sz="2000" dirty="0">
+                <a:solidFill>
+                  <a:srgbClr val="A31515"/>
+                </a:solidFill>
+                <a:latin typeface="Menlo" panose="020B0609030804020204" pitchFamily="49" charset="0"/>
+              </a:rPr>
+              <a:t>&lt;</a:t>
+            </a:r>
+            <a:r>
+              <a:rPr lang="en" altLang="zh-CN" sz="2000" dirty="0" err="1">
+                <a:solidFill>
+                  <a:srgbClr val="A31515"/>
+                </a:solidFill>
+                <a:latin typeface="Menlo" panose="020B0609030804020204" pitchFamily="49" charset="0"/>
+              </a:rPr>
+              <a:t>iomanip</a:t>
+            </a:r>
+            <a:r>
+              <a:rPr lang="en" altLang="zh-CN" sz="2000" dirty="0">
+                <a:solidFill>
+                  <a:srgbClr val="A31515"/>
+                </a:solidFill>
+                <a:latin typeface="Menlo" panose="020B0609030804020204" pitchFamily="49" charset="0"/>
+              </a:rPr>
+              <a:t>&gt;</a:t>
+            </a:r>
+            <a:endParaRPr lang="en" altLang="zh-CN" sz="2000" dirty="0">
+              <a:solidFill>
+                <a:srgbClr val="000000"/>
+              </a:solidFill>
+              <a:latin typeface="Menlo" panose="020B0609030804020204" pitchFamily="49" charset="0"/>
+            </a:endParaRPr>
+          </a:p>
+          <a:p>
+            <a:pPr marL="0" indent="0">
+              <a:buNone/>
+            </a:pPr>
+            <a:r>
+              <a:rPr lang="en" altLang="zh-CN" sz="2000" dirty="0">
+                <a:solidFill>
+                  <a:srgbClr val="AF00DB"/>
+                </a:solidFill>
+                <a:latin typeface="Menlo" panose="020B0609030804020204" pitchFamily="49" charset="0"/>
+              </a:rPr>
+              <a:t>using</a:t>
+            </a:r>
+            <a:r>
+              <a:rPr lang="en" altLang="zh-CN" sz="2000" dirty="0">
+                <a:solidFill>
+                  <a:srgbClr val="000000"/>
+                </a:solidFill>
+                <a:latin typeface="Menlo" panose="020B0609030804020204" pitchFamily="49" charset="0"/>
+              </a:rPr>
+              <a:t> </a:t>
+            </a:r>
+            <a:r>
+              <a:rPr lang="en" altLang="zh-CN" sz="2000" dirty="0">
+                <a:solidFill>
+                  <a:srgbClr val="0000FF"/>
+                </a:solidFill>
+                <a:latin typeface="Menlo" panose="020B0609030804020204" pitchFamily="49" charset="0"/>
+              </a:rPr>
+              <a:t>namespace</a:t>
+            </a:r>
+            <a:r>
+              <a:rPr lang="en" altLang="zh-CN" sz="2000" dirty="0">
+                <a:solidFill>
+                  <a:srgbClr val="000000"/>
+                </a:solidFill>
+                <a:latin typeface="Menlo" panose="020B0609030804020204" pitchFamily="49" charset="0"/>
+              </a:rPr>
+              <a:t> </a:t>
+            </a:r>
+            <a:r>
+              <a:rPr lang="en" altLang="zh-CN" sz="2000" dirty="0">
+                <a:solidFill>
+                  <a:srgbClr val="267F99"/>
+                </a:solidFill>
+                <a:latin typeface="Menlo" panose="020B0609030804020204" pitchFamily="49" charset="0"/>
+              </a:rPr>
+              <a:t>std</a:t>
+            </a:r>
+            <a:r>
+              <a:rPr lang="en" altLang="zh-CN" sz="2000" dirty="0">
+                <a:solidFill>
+                  <a:srgbClr val="000000"/>
+                </a:solidFill>
+                <a:latin typeface="Menlo" panose="020B0609030804020204" pitchFamily="49" charset="0"/>
+              </a:rPr>
+              <a:t>;</a:t>
+            </a:r>
+          </a:p>
+          <a:p>
+            <a:pPr marL="0" indent="0">
+              <a:buNone/>
+            </a:pPr>
+            <a:r>
+              <a:rPr lang="en" altLang="zh-CN" sz="2000" dirty="0">
+                <a:solidFill>
+                  <a:srgbClr val="0000FF"/>
+                </a:solidFill>
+                <a:latin typeface="Menlo" panose="020B0609030804020204" pitchFamily="49" charset="0"/>
+              </a:rPr>
+              <a:t>int</a:t>
+            </a:r>
+            <a:r>
+              <a:rPr lang="en" altLang="zh-CN" sz="2000" dirty="0">
+                <a:solidFill>
+                  <a:srgbClr val="000000"/>
+                </a:solidFill>
+                <a:latin typeface="Menlo" panose="020B0609030804020204" pitchFamily="49" charset="0"/>
+              </a:rPr>
+              <a:t> </a:t>
+            </a:r>
+            <a:r>
+              <a:rPr lang="en" altLang="zh-CN" sz="2000" dirty="0">
+                <a:solidFill>
+                  <a:srgbClr val="795E26"/>
+                </a:solidFill>
+                <a:latin typeface="Menlo" panose="020B0609030804020204" pitchFamily="49" charset="0"/>
+              </a:rPr>
+              <a:t>main</a:t>
+            </a:r>
+            <a:r>
+              <a:rPr lang="en" altLang="zh-CN" sz="2000" dirty="0">
+                <a:solidFill>
+                  <a:srgbClr val="000000"/>
+                </a:solidFill>
+                <a:latin typeface="Menlo" panose="020B0609030804020204" pitchFamily="49" charset="0"/>
+              </a:rPr>
+              <a:t>()</a:t>
+            </a:r>
+          </a:p>
+          <a:p>
+            <a:pPr marL="0" indent="0">
+              <a:buNone/>
+            </a:pPr>
+            <a:r>
+              <a:rPr lang="en" altLang="zh-CN" sz="2000" dirty="0">
+                <a:solidFill>
+                  <a:srgbClr val="000000"/>
+                </a:solidFill>
+                <a:latin typeface="Menlo" panose="020B0609030804020204" pitchFamily="49" charset="0"/>
+              </a:rPr>
+              <a:t>{</a:t>
+            </a:r>
+          </a:p>
+          <a:p>
+            <a:pPr marL="0" indent="0">
+              <a:buNone/>
+            </a:pPr>
+            <a:r>
+              <a:rPr lang="en" altLang="zh-CN" sz="2000" dirty="0">
+                <a:solidFill>
+                  <a:srgbClr val="0000FF"/>
+                </a:solidFill>
+                <a:latin typeface="Menlo" panose="020B0609030804020204" pitchFamily="49" charset="0"/>
+              </a:rPr>
+              <a:t>    float</a:t>
+            </a:r>
+            <a:r>
+              <a:rPr lang="en" altLang="zh-CN" sz="2000" dirty="0">
+                <a:solidFill>
+                  <a:srgbClr val="000000"/>
+                </a:solidFill>
+                <a:latin typeface="Menlo" panose="020B0609030804020204" pitchFamily="49" charset="0"/>
+              </a:rPr>
+              <a:t> </a:t>
+            </a:r>
+            <a:r>
+              <a:rPr lang="en" altLang="zh-CN" sz="2000" dirty="0">
+                <a:solidFill>
+                  <a:srgbClr val="001080"/>
+                </a:solidFill>
+                <a:latin typeface="Menlo" panose="020B0609030804020204" pitchFamily="49" charset="0"/>
+              </a:rPr>
+              <a:t>f1</a:t>
+            </a:r>
+            <a:r>
+              <a:rPr lang="en" altLang="zh-CN" sz="2000" dirty="0">
+                <a:solidFill>
+                  <a:srgbClr val="000000"/>
+                </a:solidFill>
+                <a:latin typeface="Menlo" panose="020B0609030804020204" pitchFamily="49" charset="0"/>
+              </a:rPr>
+              <a:t> = </a:t>
+            </a:r>
+            <a:r>
+              <a:rPr lang="en" altLang="zh-CN" sz="2000" dirty="0">
+                <a:solidFill>
+                  <a:srgbClr val="098658"/>
+                </a:solidFill>
+                <a:latin typeface="Menlo" panose="020B0609030804020204" pitchFamily="49" charset="0"/>
+              </a:rPr>
+              <a:t>1.2f</a:t>
+            </a:r>
+            <a:r>
+              <a:rPr lang="en" altLang="zh-CN" sz="2000" dirty="0">
+                <a:solidFill>
+                  <a:srgbClr val="000000"/>
+                </a:solidFill>
+                <a:latin typeface="Menlo" panose="020B0609030804020204" pitchFamily="49" charset="0"/>
+              </a:rPr>
+              <a:t>;</a:t>
+            </a:r>
+          </a:p>
+          <a:p>
+            <a:pPr marL="0" indent="0">
+              <a:buNone/>
+            </a:pPr>
+            <a:r>
+              <a:rPr lang="en" altLang="zh-CN" sz="2000" dirty="0">
+                <a:solidFill>
+                  <a:srgbClr val="0000FF"/>
+                </a:solidFill>
+                <a:latin typeface="Menlo" panose="020B0609030804020204" pitchFamily="49" charset="0"/>
+              </a:rPr>
+              <a:t>    float</a:t>
+            </a:r>
+            <a:r>
+              <a:rPr lang="en" altLang="zh-CN" sz="2000" dirty="0">
+                <a:solidFill>
+                  <a:srgbClr val="000000"/>
+                </a:solidFill>
+                <a:latin typeface="Menlo" panose="020B0609030804020204" pitchFamily="49" charset="0"/>
+              </a:rPr>
+              <a:t> </a:t>
+            </a:r>
+            <a:r>
+              <a:rPr lang="en" altLang="zh-CN" sz="2000" dirty="0">
+                <a:solidFill>
+                  <a:srgbClr val="001080"/>
+                </a:solidFill>
+                <a:latin typeface="Menlo" panose="020B0609030804020204" pitchFamily="49" charset="0"/>
+              </a:rPr>
+              <a:t>f2</a:t>
+            </a:r>
+            <a:r>
+              <a:rPr lang="en" altLang="zh-CN" sz="2000" dirty="0">
+                <a:solidFill>
+                  <a:srgbClr val="000000"/>
+                </a:solidFill>
+                <a:latin typeface="Menlo" panose="020B0609030804020204" pitchFamily="49" charset="0"/>
+              </a:rPr>
+              <a:t> = </a:t>
+            </a:r>
+            <a:r>
+              <a:rPr lang="en" altLang="zh-CN" sz="2000" dirty="0">
+                <a:solidFill>
+                  <a:srgbClr val="001080"/>
+                </a:solidFill>
+                <a:latin typeface="Menlo" panose="020B0609030804020204" pitchFamily="49" charset="0"/>
+              </a:rPr>
+              <a:t>f1</a:t>
+            </a:r>
+            <a:r>
+              <a:rPr lang="en" altLang="zh-CN" sz="2000" dirty="0">
+                <a:solidFill>
+                  <a:srgbClr val="000000"/>
+                </a:solidFill>
+                <a:latin typeface="Menlo" panose="020B0609030804020204" pitchFamily="49" charset="0"/>
+              </a:rPr>
+              <a:t> * </a:t>
+            </a:r>
+            <a:r>
+              <a:rPr lang="en" altLang="zh-CN" sz="2000" dirty="0">
+                <a:solidFill>
+                  <a:srgbClr val="098658"/>
+                </a:solidFill>
+                <a:latin typeface="Menlo" panose="020B0609030804020204" pitchFamily="49" charset="0"/>
+              </a:rPr>
+              <a:t>1000000000000000</a:t>
+            </a:r>
+            <a:r>
+              <a:rPr lang="en" altLang="zh-CN" sz="2000" dirty="0">
+                <a:solidFill>
+                  <a:srgbClr val="000000"/>
+                </a:solidFill>
+                <a:latin typeface="Menlo" panose="020B0609030804020204" pitchFamily="49" charset="0"/>
+              </a:rPr>
+              <a:t>;</a:t>
+            </a:r>
+          </a:p>
+          <a:p>
+            <a:pPr marL="0" indent="0">
+              <a:buNone/>
+            </a:pPr>
+            <a:r>
+              <a:rPr lang="en" altLang="zh-CN" sz="2000" dirty="0">
+                <a:solidFill>
+                  <a:srgbClr val="001080"/>
+                </a:solidFill>
+                <a:latin typeface="Menlo" panose="020B0609030804020204" pitchFamily="49" charset="0"/>
+              </a:rPr>
+              <a:t>    </a:t>
+            </a:r>
+            <a:r>
+              <a:rPr lang="en" altLang="zh-CN" sz="2000" dirty="0" err="1">
+                <a:solidFill>
+                  <a:srgbClr val="001080"/>
+                </a:solidFill>
+                <a:latin typeface="Menlo" panose="020B0609030804020204" pitchFamily="49" charset="0"/>
+              </a:rPr>
+              <a:t>cout</a:t>
+            </a:r>
+            <a:r>
+              <a:rPr lang="en" altLang="zh-CN" sz="2000" dirty="0">
+                <a:solidFill>
+                  <a:srgbClr val="000000"/>
+                </a:solidFill>
+                <a:latin typeface="Menlo" panose="020B0609030804020204" pitchFamily="49" charset="0"/>
+              </a:rPr>
+              <a:t> </a:t>
+            </a:r>
+            <a:r>
+              <a:rPr lang="en" altLang="zh-CN" sz="2000" dirty="0">
+                <a:solidFill>
+                  <a:srgbClr val="795E26"/>
+                </a:solidFill>
+                <a:latin typeface="Menlo" panose="020B0609030804020204" pitchFamily="49" charset="0"/>
+              </a:rPr>
+              <a:t>&lt;&lt;</a:t>
+            </a:r>
+            <a:r>
+              <a:rPr lang="en" altLang="zh-CN" sz="2000" dirty="0">
+                <a:solidFill>
+                  <a:srgbClr val="000000"/>
+                </a:solidFill>
+                <a:latin typeface="Menlo" panose="020B0609030804020204" pitchFamily="49" charset="0"/>
+              </a:rPr>
+              <a:t> </a:t>
+            </a:r>
+            <a:r>
+              <a:rPr lang="en" altLang="zh-CN" sz="2000" dirty="0">
+                <a:solidFill>
+                  <a:srgbClr val="267F99"/>
+                </a:solidFill>
+                <a:latin typeface="Menlo" panose="020B0609030804020204" pitchFamily="49" charset="0"/>
+              </a:rPr>
+              <a:t>std</a:t>
+            </a:r>
+            <a:r>
+              <a:rPr lang="en" altLang="zh-CN" sz="2000" dirty="0">
+                <a:solidFill>
+                  <a:srgbClr val="000000"/>
+                </a:solidFill>
+                <a:latin typeface="Menlo" panose="020B0609030804020204" pitchFamily="49" charset="0"/>
+              </a:rPr>
+              <a:t>::</a:t>
+            </a:r>
+            <a:r>
+              <a:rPr lang="en" altLang="zh-CN" sz="2000" dirty="0">
+                <a:solidFill>
+                  <a:srgbClr val="795E26"/>
+                </a:solidFill>
+                <a:latin typeface="Menlo" panose="020B0609030804020204" pitchFamily="49" charset="0"/>
+              </a:rPr>
+              <a:t>fixed</a:t>
+            </a:r>
+            <a:r>
+              <a:rPr lang="en" altLang="zh-CN" sz="2000" dirty="0">
+                <a:solidFill>
+                  <a:srgbClr val="000000"/>
+                </a:solidFill>
+                <a:latin typeface="Menlo" panose="020B0609030804020204" pitchFamily="49" charset="0"/>
+              </a:rPr>
+              <a:t> </a:t>
+            </a:r>
+            <a:r>
+              <a:rPr lang="en" altLang="zh-CN" sz="2000" dirty="0">
+                <a:solidFill>
+                  <a:srgbClr val="795E26"/>
+                </a:solidFill>
+                <a:latin typeface="Menlo" panose="020B0609030804020204" pitchFamily="49" charset="0"/>
+              </a:rPr>
+              <a:t>&lt;&lt;</a:t>
+            </a:r>
+            <a:r>
+              <a:rPr lang="en" altLang="zh-CN" sz="2000" dirty="0">
+                <a:solidFill>
+                  <a:srgbClr val="000000"/>
+                </a:solidFill>
+                <a:latin typeface="Menlo" panose="020B0609030804020204" pitchFamily="49" charset="0"/>
+              </a:rPr>
+              <a:t> </a:t>
+            </a:r>
+            <a:r>
+              <a:rPr lang="en" altLang="zh-CN" sz="2000" dirty="0">
+                <a:solidFill>
+                  <a:srgbClr val="267F99"/>
+                </a:solidFill>
+                <a:latin typeface="Menlo" panose="020B0609030804020204" pitchFamily="49" charset="0"/>
+              </a:rPr>
+              <a:t>std</a:t>
+            </a:r>
+            <a:r>
+              <a:rPr lang="en" altLang="zh-CN" sz="2000" dirty="0">
+                <a:solidFill>
+                  <a:srgbClr val="000000"/>
+                </a:solidFill>
+                <a:latin typeface="Menlo" panose="020B0609030804020204" pitchFamily="49" charset="0"/>
+              </a:rPr>
+              <a:t>::</a:t>
+            </a:r>
+            <a:r>
+              <a:rPr lang="en" altLang="zh-CN" sz="2000" dirty="0" err="1">
+                <a:solidFill>
+                  <a:srgbClr val="795E26"/>
+                </a:solidFill>
+                <a:latin typeface="Menlo" panose="020B0609030804020204" pitchFamily="49" charset="0"/>
+              </a:rPr>
+              <a:t>setprecision</a:t>
+            </a:r>
+            <a:r>
+              <a:rPr lang="en" altLang="zh-CN" sz="2000" dirty="0">
+                <a:solidFill>
+                  <a:srgbClr val="000000"/>
+                </a:solidFill>
+                <a:latin typeface="Menlo" panose="020B0609030804020204" pitchFamily="49" charset="0"/>
+              </a:rPr>
+              <a:t>(</a:t>
+            </a:r>
+            <a:r>
+              <a:rPr lang="en" altLang="zh-CN" sz="2000" dirty="0">
+                <a:solidFill>
+                  <a:srgbClr val="098658"/>
+                </a:solidFill>
+                <a:latin typeface="Menlo" panose="020B0609030804020204" pitchFamily="49" charset="0"/>
+              </a:rPr>
+              <a:t>15</a:t>
+            </a:r>
+            <a:r>
+              <a:rPr lang="en" altLang="zh-CN" sz="2000" dirty="0">
+                <a:solidFill>
+                  <a:srgbClr val="000000"/>
+                </a:solidFill>
+                <a:latin typeface="Menlo" panose="020B0609030804020204" pitchFamily="49" charset="0"/>
+              </a:rPr>
+              <a:t>) </a:t>
+            </a:r>
+            <a:r>
+              <a:rPr lang="en" altLang="zh-CN" sz="2000" dirty="0">
+                <a:solidFill>
+                  <a:srgbClr val="795E26"/>
+                </a:solidFill>
+                <a:latin typeface="Menlo" panose="020B0609030804020204" pitchFamily="49" charset="0"/>
+              </a:rPr>
+              <a:t>&lt;&lt;</a:t>
+            </a:r>
+            <a:r>
+              <a:rPr lang="en" altLang="zh-CN" sz="2000" dirty="0">
+                <a:solidFill>
+                  <a:srgbClr val="000000"/>
+                </a:solidFill>
+                <a:latin typeface="Menlo" panose="020B0609030804020204" pitchFamily="49" charset="0"/>
+              </a:rPr>
+              <a:t> </a:t>
+            </a:r>
+            <a:r>
+              <a:rPr lang="en" altLang="zh-CN" sz="2000" dirty="0">
+                <a:solidFill>
+                  <a:srgbClr val="001080"/>
+                </a:solidFill>
+                <a:latin typeface="Menlo" panose="020B0609030804020204" pitchFamily="49" charset="0"/>
+              </a:rPr>
+              <a:t>f1</a:t>
+            </a:r>
+            <a:r>
+              <a:rPr lang="en" altLang="zh-CN" sz="2000" dirty="0">
+                <a:solidFill>
+                  <a:srgbClr val="000000"/>
+                </a:solidFill>
+                <a:latin typeface="Menlo" panose="020B0609030804020204" pitchFamily="49" charset="0"/>
+              </a:rPr>
+              <a:t> </a:t>
+            </a:r>
+            <a:r>
+              <a:rPr lang="en" altLang="zh-CN" sz="2000" dirty="0">
+                <a:solidFill>
+                  <a:srgbClr val="795E26"/>
+                </a:solidFill>
+                <a:latin typeface="Menlo" panose="020B0609030804020204" pitchFamily="49" charset="0"/>
+              </a:rPr>
+              <a:t>&lt;&lt;</a:t>
+            </a:r>
+            <a:r>
+              <a:rPr lang="en" altLang="zh-CN" sz="2000" dirty="0">
+                <a:solidFill>
+                  <a:srgbClr val="000000"/>
+                </a:solidFill>
+                <a:latin typeface="Menlo" panose="020B0609030804020204" pitchFamily="49" charset="0"/>
+              </a:rPr>
+              <a:t> </a:t>
+            </a:r>
+            <a:r>
+              <a:rPr lang="en" altLang="zh-CN" sz="2000" dirty="0" err="1">
+                <a:solidFill>
+                  <a:srgbClr val="795E26"/>
+                </a:solidFill>
+                <a:latin typeface="Menlo" panose="020B0609030804020204" pitchFamily="49" charset="0"/>
+              </a:rPr>
+              <a:t>endl</a:t>
+            </a:r>
+            <a:r>
+              <a:rPr lang="en" altLang="zh-CN" sz="2000" dirty="0">
+                <a:solidFill>
+                  <a:srgbClr val="000000"/>
+                </a:solidFill>
+                <a:latin typeface="Menlo" panose="020B0609030804020204" pitchFamily="49" charset="0"/>
+              </a:rPr>
+              <a:t>;</a:t>
+            </a:r>
+          </a:p>
+          <a:p>
+            <a:pPr marL="0" indent="0">
+              <a:buNone/>
+            </a:pPr>
+            <a:r>
+              <a:rPr lang="en" altLang="zh-CN" sz="2000" dirty="0">
+                <a:solidFill>
+                  <a:srgbClr val="001080"/>
+                </a:solidFill>
+                <a:latin typeface="Menlo" panose="020B0609030804020204" pitchFamily="49" charset="0"/>
+              </a:rPr>
+              <a:t>    </a:t>
+            </a:r>
+            <a:r>
+              <a:rPr lang="en" altLang="zh-CN" sz="2000" dirty="0" err="1">
+                <a:solidFill>
+                  <a:srgbClr val="001080"/>
+                </a:solidFill>
+                <a:latin typeface="Menlo" panose="020B0609030804020204" pitchFamily="49" charset="0"/>
+              </a:rPr>
+              <a:t>cout</a:t>
+            </a:r>
+            <a:r>
+              <a:rPr lang="en" altLang="zh-CN" sz="2000" dirty="0">
+                <a:solidFill>
+                  <a:srgbClr val="000000"/>
+                </a:solidFill>
+                <a:latin typeface="Menlo" panose="020B0609030804020204" pitchFamily="49" charset="0"/>
+              </a:rPr>
+              <a:t> </a:t>
+            </a:r>
+            <a:r>
+              <a:rPr lang="en" altLang="zh-CN" sz="2000" dirty="0">
+                <a:solidFill>
+                  <a:srgbClr val="795E26"/>
+                </a:solidFill>
+                <a:latin typeface="Menlo" panose="020B0609030804020204" pitchFamily="49" charset="0"/>
+              </a:rPr>
+              <a:t>&lt;&lt;</a:t>
+            </a:r>
+            <a:r>
+              <a:rPr lang="en" altLang="zh-CN" sz="2000" dirty="0">
+                <a:solidFill>
+                  <a:srgbClr val="000000"/>
+                </a:solidFill>
+                <a:latin typeface="Menlo" panose="020B0609030804020204" pitchFamily="49" charset="0"/>
+              </a:rPr>
+              <a:t> </a:t>
+            </a:r>
+            <a:r>
+              <a:rPr lang="en" altLang="zh-CN" sz="2000" dirty="0">
+                <a:solidFill>
+                  <a:srgbClr val="267F99"/>
+                </a:solidFill>
+                <a:latin typeface="Menlo" panose="020B0609030804020204" pitchFamily="49" charset="0"/>
+              </a:rPr>
+              <a:t>std</a:t>
+            </a:r>
+            <a:r>
+              <a:rPr lang="en" altLang="zh-CN" sz="2000" dirty="0">
+                <a:solidFill>
+                  <a:srgbClr val="000000"/>
+                </a:solidFill>
+                <a:latin typeface="Menlo" panose="020B0609030804020204" pitchFamily="49" charset="0"/>
+              </a:rPr>
+              <a:t>::</a:t>
+            </a:r>
+            <a:r>
+              <a:rPr lang="en" altLang="zh-CN" sz="2000" dirty="0">
+                <a:solidFill>
+                  <a:srgbClr val="795E26"/>
+                </a:solidFill>
+                <a:latin typeface="Menlo" panose="020B0609030804020204" pitchFamily="49" charset="0"/>
+              </a:rPr>
+              <a:t>fixed</a:t>
+            </a:r>
+            <a:r>
+              <a:rPr lang="en" altLang="zh-CN" sz="2000" dirty="0">
+                <a:solidFill>
+                  <a:srgbClr val="000000"/>
+                </a:solidFill>
+                <a:latin typeface="Menlo" panose="020B0609030804020204" pitchFamily="49" charset="0"/>
+              </a:rPr>
+              <a:t> </a:t>
+            </a:r>
+            <a:r>
+              <a:rPr lang="en" altLang="zh-CN" sz="2000" dirty="0">
+                <a:solidFill>
+                  <a:srgbClr val="795E26"/>
+                </a:solidFill>
+                <a:latin typeface="Menlo" panose="020B0609030804020204" pitchFamily="49" charset="0"/>
+              </a:rPr>
+              <a:t>&lt;&lt;</a:t>
+            </a:r>
+            <a:r>
+              <a:rPr lang="en" altLang="zh-CN" sz="2000" dirty="0">
+                <a:solidFill>
+                  <a:srgbClr val="000000"/>
+                </a:solidFill>
+                <a:latin typeface="Menlo" panose="020B0609030804020204" pitchFamily="49" charset="0"/>
+              </a:rPr>
+              <a:t> </a:t>
+            </a:r>
+            <a:r>
+              <a:rPr lang="en" altLang="zh-CN" sz="2000" dirty="0">
+                <a:solidFill>
+                  <a:srgbClr val="267F99"/>
+                </a:solidFill>
+                <a:latin typeface="Menlo" panose="020B0609030804020204" pitchFamily="49" charset="0"/>
+              </a:rPr>
+              <a:t>std</a:t>
+            </a:r>
+            <a:r>
+              <a:rPr lang="en" altLang="zh-CN" sz="2000" dirty="0">
+                <a:solidFill>
+                  <a:srgbClr val="000000"/>
+                </a:solidFill>
+                <a:latin typeface="Menlo" panose="020B0609030804020204" pitchFamily="49" charset="0"/>
+              </a:rPr>
+              <a:t>::</a:t>
+            </a:r>
+            <a:r>
+              <a:rPr lang="en" altLang="zh-CN" sz="2000" dirty="0" err="1">
+                <a:solidFill>
+                  <a:srgbClr val="795E26"/>
+                </a:solidFill>
+                <a:latin typeface="Menlo" panose="020B0609030804020204" pitchFamily="49" charset="0"/>
+              </a:rPr>
+              <a:t>setprecision</a:t>
+            </a:r>
+            <a:r>
+              <a:rPr lang="en" altLang="zh-CN" sz="2000" dirty="0">
+                <a:solidFill>
+                  <a:srgbClr val="000000"/>
+                </a:solidFill>
+                <a:latin typeface="Menlo" panose="020B0609030804020204" pitchFamily="49" charset="0"/>
+              </a:rPr>
+              <a:t>(</a:t>
+            </a:r>
+            <a:r>
+              <a:rPr lang="en" altLang="zh-CN" sz="2000" dirty="0">
+                <a:solidFill>
+                  <a:srgbClr val="098658"/>
+                </a:solidFill>
+                <a:latin typeface="Menlo" panose="020B0609030804020204" pitchFamily="49" charset="0"/>
+              </a:rPr>
+              <a:t>15</a:t>
+            </a:r>
+            <a:r>
+              <a:rPr lang="en" altLang="zh-CN" sz="2000" dirty="0">
+                <a:solidFill>
+                  <a:srgbClr val="000000"/>
+                </a:solidFill>
+                <a:latin typeface="Menlo" panose="020B0609030804020204" pitchFamily="49" charset="0"/>
+              </a:rPr>
+              <a:t>) </a:t>
+            </a:r>
+            <a:r>
+              <a:rPr lang="en" altLang="zh-CN" sz="2000" dirty="0">
+                <a:solidFill>
+                  <a:srgbClr val="795E26"/>
+                </a:solidFill>
+                <a:latin typeface="Menlo" panose="020B0609030804020204" pitchFamily="49" charset="0"/>
+              </a:rPr>
+              <a:t>&lt;&lt;</a:t>
+            </a:r>
+            <a:r>
+              <a:rPr lang="en" altLang="zh-CN" sz="2000" dirty="0">
+                <a:solidFill>
+                  <a:srgbClr val="000000"/>
+                </a:solidFill>
+                <a:latin typeface="Menlo" panose="020B0609030804020204" pitchFamily="49" charset="0"/>
+              </a:rPr>
+              <a:t> </a:t>
+            </a:r>
+            <a:r>
+              <a:rPr lang="en" altLang="zh-CN" sz="2000" dirty="0">
+                <a:solidFill>
+                  <a:srgbClr val="001080"/>
+                </a:solidFill>
+                <a:latin typeface="Menlo" panose="020B0609030804020204" pitchFamily="49" charset="0"/>
+              </a:rPr>
+              <a:t>f2</a:t>
+            </a:r>
+            <a:r>
+              <a:rPr lang="en" altLang="zh-CN" sz="2000" dirty="0">
+                <a:solidFill>
+                  <a:srgbClr val="000000"/>
+                </a:solidFill>
+                <a:latin typeface="Menlo" panose="020B0609030804020204" pitchFamily="49" charset="0"/>
+              </a:rPr>
+              <a:t> </a:t>
+            </a:r>
+            <a:r>
+              <a:rPr lang="en" altLang="zh-CN" sz="2000" dirty="0">
+                <a:solidFill>
+                  <a:srgbClr val="795E26"/>
+                </a:solidFill>
+                <a:latin typeface="Menlo" panose="020B0609030804020204" pitchFamily="49" charset="0"/>
+              </a:rPr>
+              <a:t>&lt;&lt;</a:t>
+            </a:r>
+            <a:r>
+              <a:rPr lang="en" altLang="zh-CN" sz="2000" dirty="0">
+                <a:solidFill>
+                  <a:srgbClr val="000000"/>
+                </a:solidFill>
+                <a:latin typeface="Menlo" panose="020B0609030804020204" pitchFamily="49" charset="0"/>
+              </a:rPr>
+              <a:t> </a:t>
+            </a:r>
+            <a:r>
+              <a:rPr lang="en" altLang="zh-CN" sz="2000" dirty="0" err="1">
+                <a:solidFill>
+                  <a:srgbClr val="795E26"/>
+                </a:solidFill>
+                <a:latin typeface="Menlo" panose="020B0609030804020204" pitchFamily="49" charset="0"/>
+              </a:rPr>
+              <a:t>endl</a:t>
+            </a:r>
+            <a:r>
+              <a:rPr lang="en" altLang="zh-CN" sz="2000" dirty="0">
+                <a:solidFill>
+                  <a:srgbClr val="000000"/>
+                </a:solidFill>
+                <a:latin typeface="Menlo" panose="020B0609030804020204" pitchFamily="49" charset="0"/>
+              </a:rPr>
+              <a:t>;</a:t>
+            </a:r>
+          </a:p>
+          <a:p>
+            <a:pPr marL="0" indent="0">
+              <a:buNone/>
+            </a:pPr>
+            <a:r>
+              <a:rPr lang="en" altLang="zh-CN" sz="2000" dirty="0">
+                <a:solidFill>
+                  <a:srgbClr val="AF00DB"/>
+                </a:solidFill>
+                <a:latin typeface="Menlo" panose="020B0609030804020204" pitchFamily="49" charset="0"/>
+              </a:rPr>
+              <a:t>    return</a:t>
+            </a:r>
+            <a:r>
+              <a:rPr lang="en" altLang="zh-CN" sz="2000" dirty="0">
+                <a:solidFill>
+                  <a:srgbClr val="000000"/>
+                </a:solidFill>
+                <a:latin typeface="Menlo" panose="020B0609030804020204" pitchFamily="49" charset="0"/>
+              </a:rPr>
+              <a:t> </a:t>
+            </a:r>
+            <a:r>
+              <a:rPr lang="en" altLang="zh-CN" sz="2000" dirty="0">
+                <a:solidFill>
+                  <a:srgbClr val="098658"/>
+                </a:solidFill>
+                <a:latin typeface="Menlo" panose="020B0609030804020204" pitchFamily="49" charset="0"/>
+              </a:rPr>
+              <a:t>0</a:t>
+            </a:r>
+            <a:r>
+              <a:rPr lang="en" altLang="zh-CN" sz="2000" dirty="0">
+                <a:solidFill>
+                  <a:srgbClr val="000000"/>
+                </a:solidFill>
+                <a:latin typeface="Menlo" panose="020B0609030804020204" pitchFamily="49" charset="0"/>
+              </a:rPr>
+              <a:t>;</a:t>
+            </a:r>
+          </a:p>
+          <a:p>
+            <a:pPr marL="0" indent="0">
+              <a:buNone/>
+            </a:pPr>
+            <a:r>
+              <a:rPr lang="en" altLang="zh-CN" sz="2000" dirty="0">
+                <a:solidFill>
+                  <a:srgbClr val="000000"/>
+                </a:solidFill>
+                <a:latin typeface="Menlo" panose="020B0609030804020204" pitchFamily="49" charset="0"/>
+              </a:rPr>
+              <a:t>}</a:t>
+            </a:r>
+          </a:p>
+        </p:txBody>
+      </p:sp>
+    </p:spTree>
+    <p:extLst>
+      <p:ext uri="{BB962C8B-B14F-4D97-AF65-F5344CB8AC3E}">
+        <p14:creationId xmlns:p14="http://schemas.microsoft.com/office/powerpoint/2010/main" val="2521910001"/>
+      </p:ext>
+    </p:extLst>
+  </p:cSld>
+  <p:clrMapOvr>
+    <a:masterClrMapping/>
+  </p:clrMapOvr>
+</p:sld>
+</file>
+
+<file path=ppt/slides/slide19.xml><?xml version="1.0" encoding="utf-8"?>
 <p:sld xmlns:a="http://schemas.openxmlformats.org/drawingml/2006/main" xmlns:r="http://schemas.openxmlformats.org/officeDocument/2006/relationships" xmlns:p="http://schemas.openxmlformats.org/presentationml/2006/main">
   <p:cSld>
     <p:spTree>
@@ -10434,144 +11854,6 @@
 </p:sld>
 </file>
 
-<file path=ppt/slides/slide19.xml><?xml version="1.0" encoding="utf-8"?>
-<p:sld xmlns:a="http://schemas.openxmlformats.org/drawingml/2006/main" xmlns:r="http://schemas.openxmlformats.org/officeDocument/2006/relationships" xmlns:p="http://schemas.openxmlformats.org/presentationml/2006/main">
-  <p:cSld>
-    <p:spTree>
-      <p:nvGrpSpPr>
-        <p:cNvPr id="1" name=""/>
-        <p:cNvGrpSpPr/>
-        <p:nvPr/>
-      </p:nvGrpSpPr>
-      <p:grpSpPr>
-        <a:xfrm>
-          <a:off x="0" y="0"/>
-          <a:ext cx="0" cy="0"/>
-          <a:chOff x="0" y="0"/>
-          <a:chExt cx="0" cy="0"/>
-        </a:xfrm>
-      </p:grpSpPr>
-      <p:sp>
-        <p:nvSpPr>
-          <p:cNvPr id="2" name="标题 1">
-            <a:extLst>
-              <a:ext uri="{FF2B5EF4-FFF2-40B4-BE49-F238E27FC236}">
-                <a16:creationId xmlns:a16="http://schemas.microsoft.com/office/drawing/2014/main" id="{C9EC34C0-B606-874C-B09A-0A5EEDFFCECD}"/>
-              </a:ext>
-            </a:extLst>
-          </p:cNvPr>
-          <p:cNvSpPr>
-            <a:spLocks noGrp="1"/>
-          </p:cNvSpPr>
-          <p:nvPr>
-            <p:ph type="title"/>
-          </p:nvPr>
-        </p:nvSpPr>
-        <p:spPr/>
-        <p:txBody>
-          <a:bodyPr/>
-          <a:lstStyle/>
-          <a:p>
-            <a:r>
-              <a:rPr kumimoji="1" lang="en-US" altLang="zh-CN" dirty="0"/>
-              <a:t>Floating-point VS integers</a:t>
-            </a:r>
-            <a:endParaRPr kumimoji="1" lang="zh-CN" altLang="en-US" dirty="0"/>
-          </a:p>
-        </p:txBody>
-      </p:sp>
-      <p:sp>
-        <p:nvSpPr>
-          <p:cNvPr id="3" name="内容占位符 2">
-            <a:extLst>
-              <a:ext uri="{FF2B5EF4-FFF2-40B4-BE49-F238E27FC236}">
-                <a16:creationId xmlns:a16="http://schemas.microsoft.com/office/drawing/2014/main" id="{59830767-A7C7-9043-BA5A-CCB4BC606208}"/>
-              </a:ext>
-            </a:extLst>
-          </p:cNvPr>
-          <p:cNvSpPr>
-            <a:spLocks noGrp="1"/>
-          </p:cNvSpPr>
-          <p:nvPr>
-            <p:ph idx="1"/>
-          </p:nvPr>
-        </p:nvSpPr>
-        <p:spPr/>
-        <p:txBody>
-          <a:bodyPr/>
-          <a:lstStyle/>
-          <a:p>
-            <a:r>
-              <a:rPr kumimoji="1" lang="en-US" altLang="zh-CN" dirty="0"/>
-              <a:t>Represent values between integers</a:t>
-            </a:r>
-          </a:p>
-          <a:p>
-            <a:r>
-              <a:rPr kumimoji="1" lang="en-US" altLang="zh-CN" dirty="0"/>
-              <a:t>A much greater range of values</a:t>
-            </a:r>
-          </a:p>
-          <a:p>
-            <a:r>
-              <a:rPr kumimoji="1" lang="en-US" altLang="zh-CN" dirty="0"/>
-              <a:t>Floating-point operations are slower than integer operations</a:t>
-            </a:r>
-          </a:p>
-          <a:p>
-            <a:r>
-              <a:rPr kumimoji="1" lang="en-US" altLang="zh-CN" dirty="0"/>
-              <a:t>Lose precision</a:t>
-            </a:r>
-          </a:p>
-          <a:p>
-            <a:endParaRPr kumimoji="1" lang="en-US" altLang="zh-CN" dirty="0"/>
-          </a:p>
-          <a:p>
-            <a:r>
-              <a:rPr kumimoji="1" lang="en-US" altLang="zh-CN" dirty="0">
-                <a:solidFill>
-                  <a:srgbClr val="0000CC"/>
-                </a:solidFill>
-                <a:latin typeface="Courier" pitchFamily="2" charset="0"/>
-              </a:rPr>
-              <a:t>double</a:t>
-            </a:r>
-            <a:r>
-              <a:rPr kumimoji="1" lang="en-US" altLang="zh-CN" dirty="0"/>
-              <a:t> operations is slower than </a:t>
-            </a:r>
-            <a:r>
-              <a:rPr kumimoji="1" lang="en-US" altLang="zh-CN" dirty="0">
-                <a:solidFill>
-                  <a:srgbClr val="0000CC"/>
-                </a:solidFill>
-                <a:latin typeface="Courier" pitchFamily="2" charset="0"/>
-              </a:rPr>
-              <a:t>float</a:t>
-            </a:r>
-            <a:endParaRPr kumimoji="1" lang="zh-CN" altLang="en-US" dirty="0">
-              <a:solidFill>
-                <a:srgbClr val="0000CC"/>
-              </a:solidFill>
-              <a:latin typeface="Courier" pitchFamily="2" charset="0"/>
-            </a:endParaRPr>
-          </a:p>
-        </p:txBody>
-      </p:sp>
-    </p:spTree>
-    <p:extLst>
-      <p:ext uri="{BB962C8B-B14F-4D97-AF65-F5344CB8AC3E}">
-        <p14:creationId xmlns:p14="http://schemas.microsoft.com/office/powerpoint/2010/main" val="4154362102"/>
-      </p:ext>
-    </p:extLst>
-  </p:cSld>
-  <p:clrMapOvr>
-    <a:masterClrMapping/>
-  </p:clrMapOvr>
-</p:sld>
-</file>
-
 <file path=ppt/slides/slide2.xml><?xml version="1.0" encoding="utf-8"?>
 <p:sld xmlns:a="http://schemas.openxmlformats.org/drawingml/2006/main" xmlns:r="http://schemas.openxmlformats.org/officeDocument/2006/relationships" xmlns:p="http://schemas.openxmlformats.org/presentationml/2006/main">
   <p:cSld>
@@ -10678,6 +11960,144 @@
           <p:cNvPr id="2" name="标题 1">
             <a:extLst>
               <a:ext uri="{FF2B5EF4-FFF2-40B4-BE49-F238E27FC236}">
+                <a16:creationId xmlns:a16="http://schemas.microsoft.com/office/drawing/2014/main" id="{C9EC34C0-B606-874C-B09A-0A5EEDFFCECD}"/>
+              </a:ext>
+            </a:extLst>
+          </p:cNvPr>
+          <p:cNvSpPr>
+            <a:spLocks noGrp="1"/>
+          </p:cNvSpPr>
+          <p:nvPr>
+            <p:ph type="title"/>
+          </p:nvPr>
+        </p:nvSpPr>
+        <p:spPr/>
+        <p:txBody>
+          <a:bodyPr/>
+          <a:lstStyle/>
+          <a:p>
+            <a:r>
+              <a:rPr kumimoji="1" lang="en-US" altLang="zh-CN" dirty="0"/>
+              <a:t>Floating-point VS integers</a:t>
+            </a:r>
+            <a:endParaRPr kumimoji="1" lang="zh-CN" altLang="en-US" dirty="0"/>
+          </a:p>
+        </p:txBody>
+      </p:sp>
+      <p:sp>
+        <p:nvSpPr>
+          <p:cNvPr id="3" name="内容占位符 2">
+            <a:extLst>
+              <a:ext uri="{FF2B5EF4-FFF2-40B4-BE49-F238E27FC236}">
+                <a16:creationId xmlns:a16="http://schemas.microsoft.com/office/drawing/2014/main" id="{59830767-A7C7-9043-BA5A-CCB4BC606208}"/>
+              </a:ext>
+            </a:extLst>
+          </p:cNvPr>
+          <p:cNvSpPr>
+            <a:spLocks noGrp="1"/>
+          </p:cNvSpPr>
+          <p:nvPr>
+            <p:ph idx="1"/>
+          </p:nvPr>
+        </p:nvSpPr>
+        <p:spPr/>
+        <p:txBody>
+          <a:bodyPr/>
+          <a:lstStyle/>
+          <a:p>
+            <a:r>
+              <a:rPr kumimoji="1" lang="en-US" altLang="zh-CN" dirty="0"/>
+              <a:t>Represent values between integers</a:t>
+            </a:r>
+          </a:p>
+          <a:p>
+            <a:r>
+              <a:rPr kumimoji="1" lang="en-US" altLang="zh-CN" dirty="0"/>
+              <a:t>A much greater range of values</a:t>
+            </a:r>
+          </a:p>
+          <a:p>
+            <a:r>
+              <a:rPr kumimoji="1" lang="en-US" altLang="zh-CN" dirty="0"/>
+              <a:t>Floating-point operations are slower than integer operations</a:t>
+            </a:r>
+          </a:p>
+          <a:p>
+            <a:r>
+              <a:rPr kumimoji="1" lang="en-US" altLang="zh-CN" dirty="0"/>
+              <a:t>Lose precision</a:t>
+            </a:r>
+          </a:p>
+          <a:p>
+            <a:endParaRPr kumimoji="1" lang="en-US" altLang="zh-CN" dirty="0"/>
+          </a:p>
+          <a:p>
+            <a:r>
+              <a:rPr kumimoji="1" lang="en-US" altLang="zh-CN" dirty="0">
+                <a:solidFill>
+                  <a:srgbClr val="0000CC"/>
+                </a:solidFill>
+                <a:latin typeface="Courier" pitchFamily="2" charset="0"/>
+              </a:rPr>
+              <a:t>double</a:t>
+            </a:r>
+            <a:r>
+              <a:rPr kumimoji="1" lang="en-US" altLang="zh-CN" dirty="0"/>
+              <a:t> operations is slower than </a:t>
+            </a:r>
+            <a:r>
+              <a:rPr kumimoji="1" lang="en-US" altLang="zh-CN" dirty="0">
+                <a:solidFill>
+                  <a:srgbClr val="0000CC"/>
+                </a:solidFill>
+                <a:latin typeface="Courier" pitchFamily="2" charset="0"/>
+              </a:rPr>
+              <a:t>float</a:t>
+            </a:r>
+            <a:endParaRPr kumimoji="1" lang="zh-CN" altLang="en-US" dirty="0">
+              <a:solidFill>
+                <a:srgbClr val="0000CC"/>
+              </a:solidFill>
+              <a:latin typeface="Courier" pitchFamily="2" charset="0"/>
+            </a:endParaRPr>
+          </a:p>
+        </p:txBody>
+      </p:sp>
+    </p:spTree>
+    <p:extLst>
+      <p:ext uri="{BB962C8B-B14F-4D97-AF65-F5344CB8AC3E}">
+        <p14:creationId xmlns:p14="http://schemas.microsoft.com/office/powerpoint/2010/main" val="4154362102"/>
+      </p:ext>
+    </p:extLst>
+  </p:cSld>
+  <p:clrMapOvr>
+    <a:masterClrMapping/>
+  </p:clrMapOvr>
+</p:sld>
+</file>
+
+<file path=ppt/slides/slide21.xml><?xml version="1.0" encoding="utf-8"?>
+<p:sld xmlns:a="http://schemas.openxmlformats.org/drawingml/2006/main" xmlns:r="http://schemas.openxmlformats.org/officeDocument/2006/relationships" xmlns:p="http://schemas.openxmlformats.org/presentationml/2006/main">
+  <p:cSld>
+    <p:spTree>
+      <p:nvGrpSpPr>
+        <p:cNvPr id="1" name=""/>
+        <p:cNvGrpSpPr/>
+        <p:nvPr/>
+      </p:nvGrpSpPr>
+      <p:grpSpPr>
+        <a:xfrm>
+          <a:off x="0" y="0"/>
+          <a:ext cx="0" cy="0"/>
+          <a:chOff x="0" y="0"/>
+          <a:chExt cx="0" cy="0"/>
+        </a:xfrm>
+      </p:grpSpPr>
+      <p:sp>
+        <p:nvSpPr>
+          <p:cNvPr id="2" name="标题 1">
+            <a:extLst>
+              <a:ext uri="{FF2B5EF4-FFF2-40B4-BE49-F238E27FC236}">
                 <a16:creationId xmlns:a16="http://schemas.microsoft.com/office/drawing/2014/main" id="{3C7DF240-BFA4-564D-9B0E-BE0F77DE5F5E}"/>
               </a:ext>
             </a:extLst>
@@ -11075,7 +12495,7 @@
 </p:sld>
 </file>
 
-<file path=ppt/slides/slide21.xml><?xml version="1.0" encoding="utf-8"?>
+<file path=ppt/slides/slide22.xml><?xml version="1.0" encoding="utf-8"?>
 <p:sld xmlns:a="http://schemas.openxmlformats.org/drawingml/2006/main" xmlns:r="http://schemas.openxmlformats.org/officeDocument/2006/relationships" xmlns:p="http://schemas.openxmlformats.org/presentationml/2006/main">
   <p:cSld>
     <p:spTree>
@@ -11399,7 +12819,7 @@
 </p:sld>
 </file>
 
-<file path=ppt/slides/slide22.xml><?xml version="1.0" encoding="utf-8"?>
+<file path=ppt/slides/slide23.xml><?xml version="1.0" encoding="utf-8"?>
 <p:sld xmlns:a="http://schemas.openxmlformats.org/drawingml/2006/main" xmlns:r="http://schemas.openxmlformats.org/officeDocument/2006/relationships" xmlns:p="http://schemas.openxmlformats.org/presentationml/2006/main">
   <p:cSld>
     <p:spTree>
@@ -11482,7 +12902,7 @@
 </p:sld>
 </file>
 
-<file path=ppt/slides/slide23.xml><?xml version="1.0" encoding="utf-8"?>
+<file path=ppt/slides/slide24.xml><?xml version="1.0" encoding="utf-8"?>
 <p:sld xmlns:a="http://schemas.openxmlformats.org/drawingml/2006/main" xmlns:r="http://schemas.openxmlformats.org/officeDocument/2006/relationships" xmlns:p="http://schemas.openxmlformats.org/presentationml/2006/main">
   <p:cSld>
     <p:spTree>
@@ -11906,7 +13326,7 @@
 </p:sld>
 </file>
 
-<file path=ppt/slides/slide24.xml><?xml version="1.0" encoding="utf-8"?>
+<file path=ppt/slides/slide25.xml><?xml version="1.0" encoding="utf-8"?>
 <p:sld xmlns:a="http://schemas.openxmlformats.org/drawingml/2006/main" xmlns:r="http://schemas.openxmlformats.org/officeDocument/2006/relationships" xmlns:p="http://schemas.openxmlformats.org/presentationml/2006/main">
   <p:cSld>
     <p:spTree>
@@ -12136,7 +13556,7 @@
 </p:sld>
 </file>
 
-<file path=ppt/slides/slide25.xml><?xml version="1.0" encoding="utf-8"?>
+<file path=ppt/slides/slide26.xml><?xml version="1.0" encoding="utf-8"?>
 <p:sld xmlns:a="http://schemas.openxmlformats.org/drawingml/2006/main" xmlns:r="http://schemas.openxmlformats.org/officeDocument/2006/relationships" xmlns:p="http://schemas.openxmlformats.org/presentationml/2006/main">
   <p:cSld>
     <p:spTree>
@@ -12531,7 +13951,7 @@
 </p:sld>
 </file>
 
-<file path=ppt/slides/slide26.xml><?xml version="1.0" encoding="utf-8"?>
+<file path=ppt/slides/slide27.xml><?xml version="1.0" encoding="utf-8"?>
 <p:sld xmlns:a="http://schemas.openxmlformats.org/drawingml/2006/main" xmlns:r="http://schemas.openxmlformats.org/officeDocument/2006/relationships" xmlns:p="http://schemas.openxmlformats.org/presentationml/2006/main">
   <p:cSld>
     <p:spTree>
@@ -13503,7 +14923,7 @@
 </p:sld>
 </file>
 
-<file path=ppt/slides/slide27.xml><?xml version="1.0" encoding="utf-8"?>
+<file path=ppt/slides/slide28.xml><?xml version="1.0" encoding="utf-8"?>
 <p:sld xmlns:a="http://schemas.openxmlformats.org/drawingml/2006/main" xmlns:r="http://schemas.openxmlformats.org/officeDocument/2006/relationships" xmlns:p="http://schemas.openxmlformats.org/presentationml/2006/main">
   <p:cSld>
     <p:spTree>
@@ -14304,7 +15724,7 @@
 </p:sld>
 </file>
 
-<file path=ppt/slides/slide28.xml><?xml version="1.0" encoding="utf-8"?>
+<file path=ppt/slides/slide29.xml><?xml version="1.0" encoding="utf-8"?>
 <p:sld xmlns:a="http://schemas.openxmlformats.org/drawingml/2006/main" xmlns:r="http://schemas.openxmlformats.org/officeDocument/2006/relationships" xmlns:p="http://schemas.openxmlformats.org/presentationml/2006/main">
   <p:cSld>
     <p:spTree>
@@ -15015,7 +16435,289 @@
 </p:sld>
 </file>
 
-<file path=ppt/slides/slide29.xml><?xml version="1.0" encoding="utf-8"?>
+<file path=ppt/slides/slide3.xml><?xml version="1.0" encoding="utf-8"?>
+<p:sld xmlns:a="http://schemas.openxmlformats.org/drawingml/2006/main" xmlns:r="http://schemas.openxmlformats.org/officeDocument/2006/relationships" xmlns:p="http://schemas.openxmlformats.org/presentationml/2006/main">
+  <p:cSld>
+    <p:spTree>
+      <p:nvGrpSpPr>
+        <p:cNvPr id="1" name=""/>
+        <p:cNvGrpSpPr/>
+        <p:nvPr/>
+      </p:nvGrpSpPr>
+      <p:grpSpPr>
+        <a:xfrm>
+          <a:off x="0" y="0"/>
+          <a:ext cx="0" cy="0"/>
+          <a:chOff x="0" y="0"/>
+          <a:chExt cx="0" cy="0"/>
+        </a:xfrm>
+      </p:grpSpPr>
+      <p:sp>
+        <p:nvSpPr>
+          <p:cNvPr id="2" name="标题 1">
+            <a:extLst>
+              <a:ext uri="{FF2B5EF4-FFF2-40B4-BE49-F238E27FC236}">
+                <a16:creationId xmlns:a16="http://schemas.microsoft.com/office/drawing/2014/main" id="{E81030F7-AA92-0B42-86F0-2E8B05A9BC6C}"/>
+              </a:ext>
+            </a:extLst>
+          </p:cNvPr>
+          <p:cNvSpPr>
+            <a:spLocks noGrp="1"/>
+          </p:cNvSpPr>
+          <p:nvPr>
+            <p:ph type="title"/>
+          </p:nvPr>
+        </p:nvSpPr>
+        <p:spPr/>
+        <p:txBody>
+          <a:bodyPr/>
+          <a:lstStyle/>
+          <a:p>
+            <a:r>
+              <a:rPr kumimoji="1" lang="en-US" altLang="zh-CN" dirty="0"/>
+              <a:t>int</a:t>
+            </a:r>
+            <a:endParaRPr kumimoji="1" lang="zh-CN" altLang="en-US" dirty="0"/>
+          </a:p>
+        </p:txBody>
+      </p:sp>
+      <p:sp>
+        <p:nvSpPr>
+          <p:cNvPr id="3" name="内容占位符 2">
+            <a:extLst>
+              <a:ext uri="{FF2B5EF4-FFF2-40B4-BE49-F238E27FC236}">
+                <a16:creationId xmlns:a16="http://schemas.microsoft.com/office/drawing/2014/main" id="{DF6467DA-28DA-4E4F-986C-8CD5CBDC70B6}"/>
+              </a:ext>
+            </a:extLst>
+          </p:cNvPr>
+          <p:cNvSpPr>
+            <a:spLocks noGrp="1"/>
+          </p:cNvSpPr>
+          <p:nvPr>
+            <p:ph idx="1"/>
+          </p:nvPr>
+        </p:nvSpPr>
+        <p:spPr/>
+        <p:txBody>
+          <a:bodyPr/>
+          <a:lstStyle/>
+          <a:p>
+            <a:r>
+              <a:rPr kumimoji="1" lang="en-US" altLang="zh-CN" dirty="0">
+                <a:solidFill>
+                  <a:schemeClr val="accent6">
+                    <a:lumMod val="75000"/>
+                  </a:schemeClr>
+                </a:solidFill>
+              </a:rPr>
+              <a:t>int</a:t>
+            </a:r>
+            <a:r>
+              <a:rPr kumimoji="1" lang="en-US" altLang="zh-CN" dirty="0"/>
+              <a:t> is the most used integer type</a:t>
+            </a:r>
+          </a:p>
+          <a:p>
+            <a:pPr marL="685800" lvl="1" indent="0">
+              <a:buNone/>
+            </a:pPr>
+            <a:r>
+              <a:rPr kumimoji="1" lang="en-US" altLang="zh-CN" dirty="0">
+                <a:solidFill>
+                  <a:schemeClr val="accent6">
+                    <a:lumMod val="50000"/>
+                  </a:schemeClr>
+                </a:solidFill>
+                <a:latin typeface="Courier" pitchFamily="2" charset="0"/>
+              </a:rPr>
+              <a:t>int </a:t>
+            </a:r>
+            <a:r>
+              <a:rPr kumimoji="1" lang="en-US" altLang="zh-CN" dirty="0" err="1">
+                <a:solidFill>
+                  <a:schemeClr val="accent6">
+                    <a:lumMod val="50000"/>
+                  </a:schemeClr>
+                </a:solidFill>
+                <a:latin typeface="Courier" pitchFamily="2" charset="0"/>
+              </a:rPr>
+              <a:t>i</a:t>
+            </a:r>
+            <a:r>
+              <a:rPr kumimoji="1" lang="en-US" altLang="zh-CN" dirty="0">
+                <a:solidFill>
+                  <a:schemeClr val="accent6">
+                    <a:lumMod val="50000"/>
+                  </a:schemeClr>
+                </a:solidFill>
+                <a:latin typeface="Courier" pitchFamily="2" charset="0"/>
+              </a:rPr>
+              <a:t>; //declare a variable</a:t>
+            </a:r>
+          </a:p>
+          <a:p>
+            <a:pPr marL="685800" lvl="1" indent="0">
+              <a:buNone/>
+            </a:pPr>
+            <a:r>
+              <a:rPr kumimoji="1" lang="en-US" altLang="zh-CN" dirty="0">
+                <a:solidFill>
+                  <a:schemeClr val="accent6">
+                    <a:lumMod val="50000"/>
+                  </a:schemeClr>
+                </a:solidFill>
+                <a:latin typeface="Courier" pitchFamily="2" charset="0"/>
+              </a:rPr>
+              <a:t>int j = 10; //declare and initialize </a:t>
+            </a:r>
+          </a:p>
+          <a:p>
+            <a:pPr marL="685800" lvl="1" indent="0">
+              <a:buNone/>
+            </a:pPr>
+            <a:r>
+              <a:rPr kumimoji="1" lang="en-US" altLang="zh-CN" dirty="0">
+                <a:solidFill>
+                  <a:schemeClr val="accent6">
+                    <a:lumMod val="50000"/>
+                  </a:schemeClr>
+                </a:solidFill>
+                <a:latin typeface="Courier" pitchFamily="2" charset="0"/>
+              </a:rPr>
+              <a:t>int k;</a:t>
+            </a:r>
+          </a:p>
+          <a:p>
+            <a:pPr marL="685800" lvl="1" indent="0">
+              <a:buNone/>
+            </a:pPr>
+            <a:r>
+              <a:rPr kumimoji="1" lang="en-US" altLang="zh-CN" dirty="0">
+                <a:solidFill>
+                  <a:schemeClr val="accent6">
+                    <a:lumMod val="50000"/>
+                  </a:schemeClr>
+                </a:solidFill>
+                <a:latin typeface="Courier" pitchFamily="2" charset="0"/>
+              </a:rPr>
+              <a:t>k = 20; //assign a value</a:t>
+            </a:r>
+          </a:p>
+          <a:p>
+            <a:endParaRPr kumimoji="1" lang="en-US" altLang="zh-CN" dirty="0"/>
+          </a:p>
+          <a:p>
+            <a:r>
+              <a:rPr kumimoji="1" lang="en-US" altLang="zh-CN" dirty="0"/>
+              <a:t>What will happen?</a:t>
+            </a:r>
+          </a:p>
+          <a:p>
+            <a:pPr marL="685800" lvl="1" indent="0">
+              <a:buNone/>
+            </a:pPr>
+            <a:r>
+              <a:rPr kumimoji="1" lang="en-US" altLang="zh-CN" dirty="0">
+                <a:solidFill>
+                  <a:schemeClr val="accent6">
+                    <a:lumMod val="50000"/>
+                  </a:schemeClr>
+                </a:solidFill>
+                <a:latin typeface="Courier" pitchFamily="2" charset="0"/>
+              </a:rPr>
+              <a:t>int </a:t>
+            </a:r>
+            <a:r>
+              <a:rPr kumimoji="1" lang="en-US" altLang="zh-CN" dirty="0" err="1">
+                <a:solidFill>
+                  <a:schemeClr val="accent6">
+                    <a:lumMod val="50000"/>
+                  </a:schemeClr>
+                </a:solidFill>
+                <a:latin typeface="Courier" pitchFamily="2" charset="0"/>
+              </a:rPr>
+              <a:t>i</a:t>
+            </a:r>
+            <a:r>
+              <a:rPr kumimoji="1" lang="en-US" altLang="zh-CN" dirty="0">
+                <a:solidFill>
+                  <a:schemeClr val="accent6">
+                    <a:lumMod val="50000"/>
+                  </a:schemeClr>
+                </a:solidFill>
+                <a:latin typeface="Courier" pitchFamily="2" charset="0"/>
+              </a:rPr>
+              <a:t>; </a:t>
+            </a:r>
+          </a:p>
+          <a:p>
+            <a:pPr marL="685800" lvl="1" indent="0">
+              <a:buNone/>
+            </a:pPr>
+            <a:r>
+              <a:rPr kumimoji="1" lang="en-US" altLang="zh-CN" dirty="0" err="1">
+                <a:solidFill>
+                  <a:schemeClr val="accent6">
+                    <a:lumMod val="50000"/>
+                  </a:schemeClr>
+                </a:solidFill>
+                <a:latin typeface="Courier" pitchFamily="2" charset="0"/>
+              </a:rPr>
+              <a:t>cout</a:t>
+            </a:r>
+            <a:r>
+              <a:rPr kumimoji="1" lang="en-US" altLang="zh-CN" dirty="0">
+                <a:solidFill>
+                  <a:schemeClr val="accent6">
+                    <a:lumMod val="50000"/>
+                  </a:schemeClr>
+                </a:solidFill>
+                <a:latin typeface="Courier" pitchFamily="2" charset="0"/>
+              </a:rPr>
+              <a:t> &lt;&lt; </a:t>
+            </a:r>
+            <a:r>
+              <a:rPr kumimoji="1" lang="en-US" altLang="zh-CN" dirty="0" err="1">
+                <a:solidFill>
+                  <a:schemeClr val="accent6">
+                    <a:lumMod val="50000"/>
+                  </a:schemeClr>
+                </a:solidFill>
+                <a:latin typeface="Courier" pitchFamily="2" charset="0"/>
+              </a:rPr>
+              <a:t>i</a:t>
+            </a:r>
+            <a:r>
+              <a:rPr kumimoji="1" lang="en-US" altLang="zh-CN" dirty="0">
+                <a:solidFill>
+                  <a:schemeClr val="accent6">
+                    <a:lumMod val="50000"/>
+                  </a:schemeClr>
+                </a:solidFill>
+                <a:latin typeface="Courier" pitchFamily="2" charset="0"/>
+              </a:rPr>
+              <a:t>; //what is i's value?</a:t>
+            </a:r>
+          </a:p>
+          <a:p>
+            <a:endParaRPr kumimoji="1" lang="en-US" altLang="zh-CN" dirty="0"/>
+          </a:p>
+        </p:txBody>
+      </p:sp>
+    </p:spTree>
+    <p:extLst>
+      <p:ext uri="{BB962C8B-B14F-4D97-AF65-F5344CB8AC3E}">
+        <p14:creationId xmlns:p14="http://schemas.microsoft.com/office/powerpoint/2010/main" val="2512627072"/>
+      </p:ext>
+    </p:extLst>
+  </p:cSld>
+  <p:clrMapOvr>
+    <a:masterClrMapping/>
+  </p:clrMapOvr>
+</p:sld>
+</file>
+
+<file path=ppt/slides/slide30.xml><?xml version="1.0" encoding="utf-8"?>
 <p:sld xmlns:a="http://schemas.openxmlformats.org/drawingml/2006/main" xmlns:r="http://schemas.openxmlformats.org/officeDocument/2006/relationships" xmlns:p="http://schemas.openxmlformats.org/presentationml/2006/main">
   <p:cSld>
     <p:spTree>
@@ -15643,289 +17345,7 @@
 </p:sld>
 </file>
 
-<file path=ppt/slides/slide3.xml><?xml version="1.0" encoding="utf-8"?>
-<p:sld xmlns:a="http://schemas.openxmlformats.org/drawingml/2006/main" xmlns:r="http://schemas.openxmlformats.org/officeDocument/2006/relationships" xmlns:p="http://schemas.openxmlformats.org/presentationml/2006/main">
-  <p:cSld>
-    <p:spTree>
-      <p:nvGrpSpPr>
-        <p:cNvPr id="1" name=""/>
-        <p:cNvGrpSpPr/>
-        <p:nvPr/>
-      </p:nvGrpSpPr>
-      <p:grpSpPr>
-        <a:xfrm>
-          <a:off x="0" y="0"/>
-          <a:ext cx="0" cy="0"/>
-          <a:chOff x="0" y="0"/>
-          <a:chExt cx="0" cy="0"/>
-        </a:xfrm>
-      </p:grpSpPr>
-      <p:sp>
-        <p:nvSpPr>
-          <p:cNvPr id="2" name="标题 1">
-            <a:extLst>
-              <a:ext uri="{FF2B5EF4-FFF2-40B4-BE49-F238E27FC236}">
-                <a16:creationId xmlns:a16="http://schemas.microsoft.com/office/drawing/2014/main" id="{E81030F7-AA92-0B42-86F0-2E8B05A9BC6C}"/>
-              </a:ext>
-            </a:extLst>
-          </p:cNvPr>
-          <p:cNvSpPr>
-            <a:spLocks noGrp="1"/>
-          </p:cNvSpPr>
-          <p:nvPr>
-            <p:ph type="title"/>
-          </p:nvPr>
-        </p:nvSpPr>
-        <p:spPr/>
-        <p:txBody>
-          <a:bodyPr/>
-          <a:lstStyle/>
-          <a:p>
-            <a:r>
-              <a:rPr kumimoji="1" lang="en-US" altLang="zh-CN" dirty="0"/>
-              <a:t>int</a:t>
-            </a:r>
-            <a:endParaRPr kumimoji="1" lang="zh-CN" altLang="en-US" dirty="0"/>
-          </a:p>
-        </p:txBody>
-      </p:sp>
-      <p:sp>
-        <p:nvSpPr>
-          <p:cNvPr id="3" name="内容占位符 2">
-            <a:extLst>
-              <a:ext uri="{FF2B5EF4-FFF2-40B4-BE49-F238E27FC236}">
-                <a16:creationId xmlns:a16="http://schemas.microsoft.com/office/drawing/2014/main" id="{DF6467DA-28DA-4E4F-986C-8CD5CBDC70B6}"/>
-              </a:ext>
-            </a:extLst>
-          </p:cNvPr>
-          <p:cNvSpPr>
-            <a:spLocks noGrp="1"/>
-          </p:cNvSpPr>
-          <p:nvPr>
-            <p:ph idx="1"/>
-          </p:nvPr>
-        </p:nvSpPr>
-        <p:spPr/>
-        <p:txBody>
-          <a:bodyPr/>
-          <a:lstStyle/>
-          <a:p>
-            <a:r>
-              <a:rPr kumimoji="1" lang="en-US" altLang="zh-CN" dirty="0">
-                <a:solidFill>
-                  <a:schemeClr val="accent6">
-                    <a:lumMod val="75000"/>
-                  </a:schemeClr>
-                </a:solidFill>
-              </a:rPr>
-              <a:t>int</a:t>
-            </a:r>
-            <a:r>
-              <a:rPr kumimoji="1" lang="en-US" altLang="zh-CN" dirty="0"/>
-              <a:t> is the most used integer type</a:t>
-            </a:r>
-          </a:p>
-          <a:p>
-            <a:pPr marL="685800" lvl="1" indent="0">
-              <a:buNone/>
-            </a:pPr>
-            <a:r>
-              <a:rPr kumimoji="1" lang="en-US" altLang="zh-CN" dirty="0">
-                <a:solidFill>
-                  <a:schemeClr val="accent6">
-                    <a:lumMod val="50000"/>
-                  </a:schemeClr>
-                </a:solidFill>
-                <a:latin typeface="Courier" pitchFamily="2" charset="0"/>
-              </a:rPr>
-              <a:t>int </a:t>
-            </a:r>
-            <a:r>
-              <a:rPr kumimoji="1" lang="en-US" altLang="zh-CN" dirty="0" err="1">
-                <a:solidFill>
-                  <a:schemeClr val="accent6">
-                    <a:lumMod val="50000"/>
-                  </a:schemeClr>
-                </a:solidFill>
-                <a:latin typeface="Courier" pitchFamily="2" charset="0"/>
-              </a:rPr>
-              <a:t>i</a:t>
-            </a:r>
-            <a:r>
-              <a:rPr kumimoji="1" lang="en-US" altLang="zh-CN" dirty="0">
-                <a:solidFill>
-                  <a:schemeClr val="accent6">
-                    <a:lumMod val="50000"/>
-                  </a:schemeClr>
-                </a:solidFill>
-                <a:latin typeface="Courier" pitchFamily="2" charset="0"/>
-              </a:rPr>
-              <a:t>; //declare a variant</a:t>
-            </a:r>
-          </a:p>
-          <a:p>
-            <a:pPr marL="685800" lvl="1" indent="0">
-              <a:buNone/>
-            </a:pPr>
-            <a:r>
-              <a:rPr kumimoji="1" lang="en-US" altLang="zh-CN" dirty="0">
-                <a:solidFill>
-                  <a:schemeClr val="accent6">
-                    <a:lumMod val="50000"/>
-                  </a:schemeClr>
-                </a:solidFill>
-                <a:latin typeface="Courier" pitchFamily="2" charset="0"/>
-              </a:rPr>
-              <a:t>int j = 10; //declare and initialize </a:t>
-            </a:r>
-          </a:p>
-          <a:p>
-            <a:pPr marL="685800" lvl="1" indent="0">
-              <a:buNone/>
-            </a:pPr>
-            <a:r>
-              <a:rPr kumimoji="1" lang="en-US" altLang="zh-CN" dirty="0">
-                <a:solidFill>
-                  <a:schemeClr val="accent6">
-                    <a:lumMod val="50000"/>
-                  </a:schemeClr>
-                </a:solidFill>
-                <a:latin typeface="Courier" pitchFamily="2" charset="0"/>
-              </a:rPr>
-              <a:t>int k;</a:t>
-            </a:r>
-          </a:p>
-          <a:p>
-            <a:pPr marL="685800" lvl="1" indent="0">
-              <a:buNone/>
-            </a:pPr>
-            <a:r>
-              <a:rPr kumimoji="1" lang="en-US" altLang="zh-CN" dirty="0">
-                <a:solidFill>
-                  <a:schemeClr val="accent6">
-                    <a:lumMod val="50000"/>
-                  </a:schemeClr>
-                </a:solidFill>
-                <a:latin typeface="Courier" pitchFamily="2" charset="0"/>
-              </a:rPr>
-              <a:t>k = 20; //assign a value</a:t>
-            </a:r>
-          </a:p>
-          <a:p>
-            <a:endParaRPr kumimoji="1" lang="en-US" altLang="zh-CN" dirty="0"/>
-          </a:p>
-          <a:p>
-            <a:r>
-              <a:rPr kumimoji="1" lang="en-US" altLang="zh-CN" dirty="0"/>
-              <a:t>What will happen?</a:t>
-            </a:r>
-          </a:p>
-          <a:p>
-            <a:pPr marL="685800" lvl="1" indent="0">
-              <a:buNone/>
-            </a:pPr>
-            <a:r>
-              <a:rPr kumimoji="1" lang="en-US" altLang="zh-CN" dirty="0">
-                <a:solidFill>
-                  <a:schemeClr val="accent6">
-                    <a:lumMod val="50000"/>
-                  </a:schemeClr>
-                </a:solidFill>
-                <a:latin typeface="Courier" pitchFamily="2" charset="0"/>
-              </a:rPr>
-              <a:t>int </a:t>
-            </a:r>
-            <a:r>
-              <a:rPr kumimoji="1" lang="en-US" altLang="zh-CN" dirty="0" err="1">
-                <a:solidFill>
-                  <a:schemeClr val="accent6">
-                    <a:lumMod val="50000"/>
-                  </a:schemeClr>
-                </a:solidFill>
-                <a:latin typeface="Courier" pitchFamily="2" charset="0"/>
-              </a:rPr>
-              <a:t>i</a:t>
-            </a:r>
-            <a:r>
-              <a:rPr kumimoji="1" lang="en-US" altLang="zh-CN" dirty="0">
-                <a:solidFill>
-                  <a:schemeClr val="accent6">
-                    <a:lumMod val="50000"/>
-                  </a:schemeClr>
-                </a:solidFill>
-                <a:latin typeface="Courier" pitchFamily="2" charset="0"/>
-              </a:rPr>
-              <a:t>; </a:t>
-            </a:r>
-          </a:p>
-          <a:p>
-            <a:pPr marL="685800" lvl="1" indent="0">
-              <a:buNone/>
-            </a:pPr>
-            <a:r>
-              <a:rPr kumimoji="1" lang="en-US" altLang="zh-CN" dirty="0" err="1">
-                <a:solidFill>
-                  <a:schemeClr val="accent6">
-                    <a:lumMod val="50000"/>
-                  </a:schemeClr>
-                </a:solidFill>
-                <a:latin typeface="Courier" pitchFamily="2" charset="0"/>
-              </a:rPr>
-              <a:t>cout</a:t>
-            </a:r>
-            <a:r>
-              <a:rPr kumimoji="1" lang="en-US" altLang="zh-CN" dirty="0">
-                <a:solidFill>
-                  <a:schemeClr val="accent6">
-                    <a:lumMod val="50000"/>
-                  </a:schemeClr>
-                </a:solidFill>
-                <a:latin typeface="Courier" pitchFamily="2" charset="0"/>
-              </a:rPr>
-              <a:t> &lt;&lt; </a:t>
-            </a:r>
-            <a:r>
-              <a:rPr kumimoji="1" lang="en-US" altLang="zh-CN" dirty="0" err="1">
-                <a:solidFill>
-                  <a:schemeClr val="accent6">
-                    <a:lumMod val="50000"/>
-                  </a:schemeClr>
-                </a:solidFill>
-                <a:latin typeface="Courier" pitchFamily="2" charset="0"/>
-              </a:rPr>
-              <a:t>i</a:t>
-            </a:r>
-            <a:r>
-              <a:rPr kumimoji="1" lang="en-US" altLang="zh-CN" dirty="0">
-                <a:solidFill>
-                  <a:schemeClr val="accent6">
-                    <a:lumMod val="50000"/>
-                  </a:schemeClr>
-                </a:solidFill>
-                <a:latin typeface="Courier" pitchFamily="2" charset="0"/>
-              </a:rPr>
-              <a:t>; //what is i's value?</a:t>
-            </a:r>
-          </a:p>
-          <a:p>
-            <a:endParaRPr kumimoji="1" lang="en-US" altLang="zh-CN" dirty="0"/>
-          </a:p>
-        </p:txBody>
-      </p:sp>
-    </p:spTree>
-    <p:extLst>
-      <p:ext uri="{BB962C8B-B14F-4D97-AF65-F5344CB8AC3E}">
-        <p14:creationId xmlns:p14="http://schemas.microsoft.com/office/powerpoint/2010/main" val="2512627072"/>
-      </p:ext>
-    </p:extLst>
-  </p:cSld>
-  <p:clrMapOvr>
-    <a:masterClrMapping/>
-  </p:clrMapOvr>
-</p:sld>
-</file>
-
-<file path=ppt/slides/slide30.xml><?xml version="1.0" encoding="utf-8"?>
+<file path=ppt/slides/slide31.xml><?xml version="1.0" encoding="utf-8"?>
 <p:sld xmlns:a="http://schemas.openxmlformats.org/drawingml/2006/main" xmlns:r="http://schemas.openxmlformats.org/officeDocument/2006/relationships" xmlns:p="http://schemas.openxmlformats.org/presentationml/2006/main">
   <p:cSld>
     <p:spTree>
@@ -16244,7 +17664,7 @@
 </p:sld>
 </file>
 
-<file path=ppt/slides/slide31.xml><?xml version="1.0" encoding="utf-8"?>
+<file path=ppt/slides/slide32.xml><?xml version="1.0" encoding="utf-8"?>
 <p:sld xmlns:a="http://schemas.openxmlformats.org/drawingml/2006/main" xmlns:r="http://schemas.openxmlformats.org/officeDocument/2006/relationships" xmlns:p="http://schemas.openxmlformats.org/presentationml/2006/main">
   <p:cSld>
     <p:spTree>
@@ -16450,7 +17870,7 @@
 </p:sld>
 </file>
 
-<file path=ppt/slides/slide32.xml><?xml version="1.0" encoding="utf-8"?>
+<file path=ppt/slides/slide33.xml><?xml version="1.0" encoding="utf-8"?>
 <p:sld xmlns:a="http://schemas.openxmlformats.org/drawingml/2006/main" xmlns:r="http://schemas.openxmlformats.org/officeDocument/2006/relationships" xmlns:p="http://schemas.openxmlformats.org/presentationml/2006/main">
   <p:cSld>
     <p:spTree>
@@ -16867,7 +18287,7 @@
 </p:sld>
 </file>
 
-<file path=ppt/slides/slide33.xml><?xml version="1.0" encoding="utf-8"?>
+<file path=ppt/slides/slide34.xml><?xml version="1.0" encoding="utf-8"?>
 <p:sld xmlns:a="http://schemas.openxmlformats.org/drawingml/2006/main" xmlns:r="http://schemas.openxmlformats.org/officeDocument/2006/relationships" xmlns:p="http://schemas.openxmlformats.org/presentationml/2006/main">
   <p:cSld>
     <p:spTree>
@@ -17550,31 +18970,7 @@
                 </a:highlight>
                 <a:latin typeface="Menlo" panose="020B0609030804020204" pitchFamily="49" charset="0"/>
               </a:rPr>
-              <a:t>init</a:t>
-            </a:r>
-            <a:r>
-              <a:rPr lang="en" altLang="zh-CN" sz="2000" err="1">
-                <a:solidFill>
-                  <a:srgbClr val="0000CC"/>
-                </a:solidFill>
-                <a:highlight>
-                  <a:srgbClr val="FFFF00"/>
-                </a:highlight>
-                <a:latin typeface="Menlo" panose="020B0609030804020204" pitchFamily="49" charset="0"/>
-              </a:rPr>
-              <a:t>.</a:t>
-            </a:r>
-            <a:r>
-              <a:rPr lang="en" altLang="zh-CN" sz="2000">
-                <a:solidFill>
-                  <a:srgbClr val="0000CC"/>
-                </a:solidFill>
-                <a:highlight>
-                  <a:srgbClr val="FFFF00"/>
-                </a:highlight>
-                <a:latin typeface="Menlo" panose="020B0609030804020204" pitchFamily="49" charset="0"/>
-              </a:rPr>
-              <a:t>cpp</a:t>
+              <a:t>init.cpp</a:t>
             </a:r>
             <a:endParaRPr lang="zh-CN" altLang="en-US" sz="2000" dirty="0">
               <a:solidFill>
@@ -18939,13 +20335,13 @@
           <p:nvPr>
             <p:extLst>
               <p:ext uri="{D42A27DB-BD31-4B8C-83A1-F6EECF244321}">
-                <p14:modId xmlns:p14="http://schemas.microsoft.com/office/powerpoint/2010/main" val="1109314353"/>
+                <p14:modId xmlns:p14="http://schemas.microsoft.com/office/powerpoint/2010/main" val="954269184"/>
               </p:ext>
             </p:extLst>
           </p:nvPr>
         </p:nvGraphicFramePr>
         <p:xfrm>
-          <a:off x="299922" y="5155982"/>
+          <a:off x="1376479" y="5179132"/>
           <a:ext cx="7835905" cy="1574800"/>
         </p:xfrm>
         <a:graphic>
@@ -20304,7 +21700,7 @@
                     <a:p>
                       <a:pPr algn="ctr" fontAlgn="ctr"/>
                       <a:r>
-                        <a:rPr lang="en-US" altLang="zh-CN" sz="1100" b="1" i="0" u="none" strike="noStrike">
+                        <a:rPr lang="en-US" altLang="zh-CN" sz="1100" b="1" i="0" u="none" strike="noStrike" dirty="0">
                           <a:solidFill>
                             <a:srgbClr val="000000"/>
                           </a:solidFill>
@@ -25553,7 +26949,7 @@
                     <a:p>
                       <a:pPr algn="l" fontAlgn="ctr"/>
                       <a:r>
-                        <a:rPr lang="zh-CN" altLang="en-US" sz="1200" b="0" i="0" u="none" strike="noStrike">
+                        <a:rPr lang="zh-CN" altLang="en-US" sz="1200" b="0" i="0" u="none" strike="noStrike" dirty="0">
                           <a:solidFill>
                             <a:srgbClr val="000000"/>
                           </a:solidFill>
@@ -25783,7 +27179,7 @@
           <a:p>
             <a:r>
               <a:rPr kumimoji="1" lang="en-US" altLang="zh-CN" dirty="0"/>
-              <a:t>Integer length</a:t>
+              <a:t>Different Data Types for Integer</a:t>
             </a:r>
             <a:endParaRPr kumimoji="1" lang="zh-CN" altLang="en-US" dirty="0"/>
           </a:p>

--- a/week02/Lecture02.pptx
+++ b/week02/Lecture02.pptx
@@ -23,22 +23,23 @@
     <p:sldId id="269" r:id="rId17"/>
     <p:sldId id="273" r:id="rId18"/>
     <p:sldId id="420" r:id="rId19"/>
-    <p:sldId id="272" r:id="rId20"/>
-    <p:sldId id="288" r:id="rId21"/>
-    <p:sldId id="277" r:id="rId22"/>
-    <p:sldId id="276" r:id="rId23"/>
-    <p:sldId id="275" r:id="rId24"/>
-    <p:sldId id="280" r:id="rId25"/>
-    <p:sldId id="286" r:id="rId26"/>
-    <p:sldId id="274" r:id="rId27"/>
-    <p:sldId id="281" r:id="rId28"/>
-    <p:sldId id="282" r:id="rId29"/>
-    <p:sldId id="283" r:id="rId30"/>
-    <p:sldId id="285" r:id="rId31"/>
-    <p:sldId id="287" r:id="rId32"/>
-    <p:sldId id="418" r:id="rId33"/>
-    <p:sldId id="419" r:id="rId34"/>
-    <p:sldId id="284" r:id="rId35"/>
+    <p:sldId id="421" r:id="rId20"/>
+    <p:sldId id="272" r:id="rId21"/>
+    <p:sldId id="288" r:id="rId22"/>
+    <p:sldId id="277" r:id="rId23"/>
+    <p:sldId id="276" r:id="rId24"/>
+    <p:sldId id="275" r:id="rId25"/>
+    <p:sldId id="280" r:id="rId26"/>
+    <p:sldId id="286" r:id="rId27"/>
+    <p:sldId id="274" r:id="rId28"/>
+    <p:sldId id="281" r:id="rId29"/>
+    <p:sldId id="282" r:id="rId30"/>
+    <p:sldId id="283" r:id="rId31"/>
+    <p:sldId id="285" r:id="rId32"/>
+    <p:sldId id="287" r:id="rId33"/>
+    <p:sldId id="418" r:id="rId34"/>
+    <p:sldId id="419" r:id="rId35"/>
+    <p:sldId id="284" r:id="rId36"/>
   </p:sldIdLst>
   <p:sldSz cx="12192000" cy="6858000"/>
   <p:notesSz cx="6858000" cy="9144000"/>
@@ -3640,7 +3641,7 @@
           <a:p>
             <a:fld id="{FC19A4FA-3D9A-4114-B0D5-759CBD56F1AB}" type="datetimeFigureOut">
               <a:rPr lang="zh-CN" altLang="en-US" smtClean="0"/>
-              <a:t>2021/9/6</a:t>
+              <a:t>2021/9/8</a:t>
             </a:fld>
             <a:endParaRPr lang="zh-CN" altLang="en-US"/>
           </a:p>
@@ -3843,7 +3844,7 @@
           <a:p>
             <a:fld id="{FC19A4FA-3D9A-4114-B0D5-759CBD56F1AB}" type="datetimeFigureOut">
               <a:rPr lang="zh-CN" altLang="en-US" smtClean="0"/>
-              <a:t>2021/9/6</a:t>
+              <a:t>2021/9/8</a:t>
             </a:fld>
             <a:endParaRPr lang="zh-CN" altLang="en-US"/>
           </a:p>
@@ -4021,7 +4022,7 @@
           <a:p>
             <a:fld id="{FC19A4FA-3D9A-4114-B0D5-759CBD56F1AB}" type="datetimeFigureOut">
               <a:rPr lang="zh-CN" altLang="en-US" smtClean="0"/>
-              <a:t>2021/9/6</a:t>
+              <a:t>2021/9/8</a:t>
             </a:fld>
             <a:endParaRPr lang="zh-CN" altLang="en-US"/>
           </a:p>
@@ -4210,7 +4211,7 @@
           <a:p>
             <a:fld id="{FC19A4FA-3D9A-4114-B0D5-759CBD56F1AB}" type="datetimeFigureOut">
               <a:rPr lang="zh-CN" altLang="en-US" smtClean="0"/>
-              <a:t>2021/9/6</a:t>
+              <a:t>2021/9/8</a:t>
             </a:fld>
             <a:endParaRPr lang="zh-CN" altLang="en-US"/>
           </a:p>
@@ -4474,7 +4475,7 @@
           <a:p>
             <a:fld id="{FC19A4FA-3D9A-4114-B0D5-759CBD56F1AB}" type="datetimeFigureOut">
               <a:rPr lang="zh-CN" altLang="en-US" smtClean="0"/>
-              <a:t>2021/9/6</a:t>
+              <a:t>2021/9/8</a:t>
             </a:fld>
             <a:endParaRPr lang="zh-CN" altLang="en-US"/>
           </a:p>
@@ -4868,7 +4869,7 @@
           <a:p>
             <a:fld id="{FC19A4FA-3D9A-4114-B0D5-759CBD56F1AB}" type="datetimeFigureOut">
               <a:rPr lang="zh-CN" altLang="en-US" smtClean="0"/>
-              <a:t>2021/9/6</a:t>
+              <a:t>2021/9/8</a:t>
             </a:fld>
             <a:endParaRPr lang="zh-CN" altLang="en-US"/>
           </a:p>
@@ -5143,7 +5144,7 @@
           <a:p>
             <a:fld id="{FC19A4FA-3D9A-4114-B0D5-759CBD56F1AB}" type="datetimeFigureOut">
               <a:rPr lang="zh-CN" altLang="en-US" smtClean="0"/>
-              <a:t>2021/9/6</a:t>
+              <a:t>2021/9/8</a:t>
             </a:fld>
             <a:endParaRPr lang="zh-CN" altLang="en-US"/>
           </a:p>
@@ -5260,7 +5261,7 @@
           <a:p>
             <a:fld id="{FC19A4FA-3D9A-4114-B0D5-759CBD56F1AB}" type="datetimeFigureOut">
               <a:rPr lang="zh-CN" altLang="en-US" smtClean="0"/>
-              <a:t>2021/9/6</a:t>
+              <a:t>2021/9/8</a:t>
             </a:fld>
             <a:endParaRPr lang="zh-CN" altLang="en-US"/>
           </a:p>
@@ -5355,7 +5356,7 @@
           <a:p>
             <a:fld id="{FC19A4FA-3D9A-4114-B0D5-759CBD56F1AB}" type="datetimeFigureOut">
               <a:rPr lang="zh-CN" altLang="en-US" smtClean="0"/>
-              <a:t>2021/9/6</a:t>
+              <a:t>2021/9/8</a:t>
             </a:fld>
             <a:endParaRPr lang="zh-CN" altLang="en-US"/>
           </a:p>
@@ -5630,7 +5631,7 @@
           <a:p>
             <a:fld id="{FC19A4FA-3D9A-4114-B0D5-759CBD56F1AB}" type="datetimeFigureOut">
               <a:rPr lang="zh-CN" altLang="en-US" smtClean="0"/>
-              <a:t>2021/9/6</a:t>
+              <a:t>2021/9/8</a:t>
             </a:fld>
             <a:endParaRPr lang="zh-CN" altLang="en-US"/>
           </a:p>
@@ -5882,7 +5883,7 @@
           <a:p>
             <a:fld id="{FC19A4FA-3D9A-4114-B0D5-759CBD56F1AB}" type="datetimeFigureOut">
               <a:rPr lang="zh-CN" altLang="en-US" smtClean="0"/>
-              <a:t>2021/9/6</a:t>
+              <a:t>2021/9/8</a:t>
             </a:fld>
             <a:endParaRPr lang="zh-CN" altLang="en-US"/>
           </a:p>
@@ -6140,7 +6141,7 @@
           <a:p>
             <a:fld id="{FC19A4FA-3D9A-4114-B0D5-759CBD56F1AB}" type="datetimeFigureOut">
               <a:rPr lang="zh-CN" altLang="en-US" smtClean="0"/>
-              <a:t>2021/9/6</a:t>
+              <a:t>2021/9/8</a:t>
             </a:fld>
             <a:endParaRPr lang="zh-CN" altLang="en-US"/>
           </a:p>
@@ -11608,6 +11609,204 @@
           <p:cNvPr id="2" name="标题 1">
             <a:extLst>
               <a:ext uri="{FF2B5EF4-FFF2-40B4-BE49-F238E27FC236}">
+                <a16:creationId xmlns:a16="http://schemas.microsoft.com/office/drawing/2014/main" id="{12E8CB9D-6233-E14F-8D51-9BAA79DF891F}"/>
+              </a:ext>
+            </a:extLst>
+          </p:cNvPr>
+          <p:cNvSpPr>
+            <a:spLocks noGrp="1"/>
+          </p:cNvSpPr>
+          <p:nvPr>
+            <p:ph type="title"/>
+          </p:nvPr>
+        </p:nvSpPr>
+        <p:spPr/>
+        <p:txBody>
+          <a:bodyPr/>
+          <a:lstStyle/>
+          <a:p>
+            <a:r>
+              <a:rPr kumimoji="1" lang="en" altLang="zh-CN" dirty="0"/>
+              <a:t>Understanding Computing</a:t>
+            </a:r>
+            <a:endParaRPr kumimoji="1" lang="zh-CN" altLang="en-US" dirty="0"/>
+          </a:p>
+        </p:txBody>
+      </p:sp>
+      <p:sp>
+        <p:nvSpPr>
+          <p:cNvPr id="3" name="内容占位符 2">
+            <a:extLst>
+              <a:ext uri="{FF2B5EF4-FFF2-40B4-BE49-F238E27FC236}">
+                <a16:creationId xmlns:a16="http://schemas.microsoft.com/office/drawing/2014/main" id="{2F6D0CDA-7F4F-A248-A606-FC1E9153B66D}"/>
+              </a:ext>
+            </a:extLst>
+          </p:cNvPr>
+          <p:cNvSpPr>
+            <a:spLocks noGrp="1"/>
+          </p:cNvSpPr>
+          <p:nvPr>
+            <p:ph idx="1"/>
+          </p:nvPr>
+        </p:nvSpPr>
+        <p:spPr/>
+        <p:txBody>
+          <a:bodyPr/>
+          <a:lstStyle/>
+          <a:p>
+            <a:r>
+              <a:rPr kumimoji="1" lang="en" altLang="zh-CN" dirty="0"/>
+              <a:t>Are computers always accurate?</a:t>
+            </a:r>
+          </a:p>
+          <a:p>
+            <a:r>
+              <a:rPr lang="en" altLang="zh-CN" dirty="0"/>
+              <a:t>Floating-point operations always bring some tiny errors.</a:t>
+            </a:r>
+          </a:p>
+          <a:p>
+            <a:r>
+              <a:rPr lang="en" altLang="zh-CN" dirty="0"/>
+              <a:t>Those errors cannot be eliminated. </a:t>
+            </a:r>
+          </a:p>
+          <a:p>
+            <a:r>
+              <a:rPr lang="en" altLang="zh-CN" dirty="0"/>
+              <a:t>What we can do: to manage them not to cause a problem.</a:t>
+            </a:r>
+          </a:p>
+          <a:p>
+            <a:endParaRPr lang="en" altLang="zh-CN" dirty="0"/>
+          </a:p>
+          <a:p>
+            <a:endParaRPr kumimoji="1" lang="en" altLang="zh-CN" dirty="0"/>
+          </a:p>
+          <a:p>
+            <a:endParaRPr kumimoji="1" lang="zh-CN" altLang="en-US" dirty="0"/>
+          </a:p>
+        </p:txBody>
+      </p:sp>
+    </p:spTree>
+    <p:extLst>
+      <p:ext uri="{BB962C8B-B14F-4D97-AF65-F5344CB8AC3E}">
+        <p14:creationId xmlns:p14="http://schemas.microsoft.com/office/powerpoint/2010/main" val="2036486744"/>
+      </p:ext>
+    </p:extLst>
+  </p:cSld>
+  <p:clrMapOvr>
+    <a:masterClrMapping/>
+  </p:clrMapOvr>
+</p:sld>
+</file>
+
+<file path=ppt/slides/slide2.xml><?xml version="1.0" encoding="utf-8"?>
+<p:sld xmlns:a="http://schemas.openxmlformats.org/drawingml/2006/main" xmlns:r="http://schemas.openxmlformats.org/officeDocument/2006/relationships" xmlns:p="http://schemas.openxmlformats.org/presentationml/2006/main">
+  <p:cSld>
+    <p:spTree>
+      <p:nvGrpSpPr>
+        <p:cNvPr id="1" name=""/>
+        <p:cNvGrpSpPr/>
+        <p:nvPr/>
+      </p:nvGrpSpPr>
+      <p:grpSpPr>
+        <a:xfrm>
+          <a:off x="0" y="0"/>
+          <a:ext cx="0" cy="0"/>
+          <a:chOff x="0" y="0"/>
+          <a:chExt cx="0" cy="0"/>
+        </a:xfrm>
+      </p:grpSpPr>
+      <p:sp>
+        <p:nvSpPr>
+          <p:cNvPr id="4" name="标题 3">
+            <a:extLst>
+              <a:ext uri="{FF2B5EF4-FFF2-40B4-BE49-F238E27FC236}">
+                <a16:creationId xmlns:a16="http://schemas.microsoft.com/office/drawing/2014/main" id="{6B77703E-FBBB-AD4F-BCCE-628D5AF56D72}"/>
+              </a:ext>
+            </a:extLst>
+          </p:cNvPr>
+          <p:cNvSpPr>
+            <a:spLocks noGrp="1"/>
+          </p:cNvSpPr>
+          <p:nvPr>
+            <p:ph type="ctrTitle"/>
+          </p:nvPr>
+        </p:nvSpPr>
+        <p:spPr/>
+        <p:txBody>
+          <a:bodyPr/>
+          <a:lstStyle/>
+          <a:p>
+            <a:r>
+              <a:rPr lang="en" altLang="zh-CN" dirty="0"/>
+              <a:t>Integer numbers</a:t>
+            </a:r>
+            <a:endParaRPr lang="zh-CN" altLang="en-US" dirty="0"/>
+          </a:p>
+        </p:txBody>
+      </p:sp>
+      <p:sp>
+        <p:nvSpPr>
+          <p:cNvPr id="5" name="副标题 4">
+            <a:extLst>
+              <a:ext uri="{FF2B5EF4-FFF2-40B4-BE49-F238E27FC236}">
+                <a16:creationId xmlns:a16="http://schemas.microsoft.com/office/drawing/2014/main" id="{72D17B78-9390-7345-983D-7618BC113C69}"/>
+              </a:ext>
+            </a:extLst>
+          </p:cNvPr>
+          <p:cNvSpPr>
+            <a:spLocks noGrp="1"/>
+          </p:cNvSpPr>
+          <p:nvPr>
+            <p:ph type="subTitle" idx="1"/>
+          </p:nvPr>
+        </p:nvSpPr>
+        <p:spPr/>
+        <p:txBody>
+          <a:bodyPr/>
+          <a:lstStyle/>
+          <a:p>
+            <a:endParaRPr lang="zh-CN" altLang="en-US"/>
+          </a:p>
+        </p:txBody>
+      </p:sp>
+    </p:spTree>
+    <p:extLst>
+      <p:ext uri="{BB962C8B-B14F-4D97-AF65-F5344CB8AC3E}">
+        <p14:creationId xmlns:p14="http://schemas.microsoft.com/office/powerpoint/2010/main" val="166515098"/>
+      </p:ext>
+    </p:extLst>
+  </p:cSld>
+  <p:clrMapOvr>
+    <a:masterClrMapping/>
+  </p:clrMapOvr>
+</p:sld>
+</file>
+
+<file path=ppt/slides/slide20.xml><?xml version="1.0" encoding="utf-8"?>
+<p:sld xmlns:a="http://schemas.openxmlformats.org/drawingml/2006/main" xmlns:r="http://schemas.openxmlformats.org/officeDocument/2006/relationships" xmlns:p="http://schemas.openxmlformats.org/presentationml/2006/main">
+  <p:cSld>
+    <p:spTree>
+      <p:nvGrpSpPr>
+        <p:cNvPr id="1" name=""/>
+        <p:cNvGrpSpPr/>
+        <p:nvPr/>
+      </p:nvGrpSpPr>
+      <p:grpSpPr>
+        <a:xfrm>
+          <a:off x="0" y="0"/>
+          <a:ext cx="0" cy="0"/>
+          <a:chOff x="0" y="0"/>
+          <a:chExt cx="0" cy="0"/>
+        </a:xfrm>
+      </p:grpSpPr>
+      <p:sp>
+        <p:nvSpPr>
+          <p:cNvPr id="2" name="标题 1">
+            <a:extLst>
+              <a:ext uri="{FF2B5EF4-FFF2-40B4-BE49-F238E27FC236}">
                 <a16:creationId xmlns:a16="http://schemas.microsoft.com/office/drawing/2014/main" id="{F203F270-6D15-B148-879A-2F44B1D0D940}"/>
               </a:ext>
             </a:extLst>
@@ -11854,91 +12053,7 @@
 </p:sld>
 </file>
 
-<file path=ppt/slides/slide2.xml><?xml version="1.0" encoding="utf-8"?>
-<p:sld xmlns:a="http://schemas.openxmlformats.org/drawingml/2006/main" xmlns:r="http://schemas.openxmlformats.org/officeDocument/2006/relationships" xmlns:p="http://schemas.openxmlformats.org/presentationml/2006/main">
-  <p:cSld>
-    <p:spTree>
-      <p:nvGrpSpPr>
-        <p:cNvPr id="1" name=""/>
-        <p:cNvGrpSpPr/>
-        <p:nvPr/>
-      </p:nvGrpSpPr>
-      <p:grpSpPr>
-        <a:xfrm>
-          <a:off x="0" y="0"/>
-          <a:ext cx="0" cy="0"/>
-          <a:chOff x="0" y="0"/>
-          <a:chExt cx="0" cy="0"/>
-        </a:xfrm>
-      </p:grpSpPr>
-      <p:sp>
-        <p:nvSpPr>
-          <p:cNvPr id="4" name="标题 3">
-            <a:extLst>
-              <a:ext uri="{FF2B5EF4-FFF2-40B4-BE49-F238E27FC236}">
-                <a16:creationId xmlns:a16="http://schemas.microsoft.com/office/drawing/2014/main" id="{6B77703E-FBBB-AD4F-BCCE-628D5AF56D72}"/>
-              </a:ext>
-            </a:extLst>
-          </p:cNvPr>
-          <p:cNvSpPr>
-            <a:spLocks noGrp="1"/>
-          </p:cNvSpPr>
-          <p:nvPr>
-            <p:ph type="ctrTitle"/>
-          </p:nvPr>
-        </p:nvSpPr>
-        <p:spPr/>
-        <p:txBody>
-          <a:bodyPr/>
-          <a:lstStyle/>
-          <a:p>
-            <a:r>
-              <a:rPr lang="en" altLang="zh-CN" dirty="0"/>
-              <a:t>Integer numbers</a:t>
-            </a:r>
-            <a:endParaRPr lang="zh-CN" altLang="en-US" dirty="0"/>
-          </a:p>
-        </p:txBody>
-      </p:sp>
-      <p:sp>
-        <p:nvSpPr>
-          <p:cNvPr id="5" name="副标题 4">
-            <a:extLst>
-              <a:ext uri="{FF2B5EF4-FFF2-40B4-BE49-F238E27FC236}">
-                <a16:creationId xmlns:a16="http://schemas.microsoft.com/office/drawing/2014/main" id="{72D17B78-9390-7345-983D-7618BC113C69}"/>
-              </a:ext>
-            </a:extLst>
-          </p:cNvPr>
-          <p:cNvSpPr>
-            <a:spLocks noGrp="1"/>
-          </p:cNvSpPr>
-          <p:nvPr>
-            <p:ph type="subTitle" idx="1"/>
-          </p:nvPr>
-        </p:nvSpPr>
-        <p:spPr/>
-        <p:txBody>
-          <a:bodyPr/>
-          <a:lstStyle/>
-          <a:p>
-            <a:endParaRPr lang="zh-CN" altLang="en-US"/>
-          </a:p>
-        </p:txBody>
-      </p:sp>
-    </p:spTree>
-    <p:extLst>
-      <p:ext uri="{BB962C8B-B14F-4D97-AF65-F5344CB8AC3E}">
-        <p14:creationId xmlns:p14="http://schemas.microsoft.com/office/powerpoint/2010/main" val="166515098"/>
-      </p:ext>
-    </p:extLst>
-  </p:cSld>
-  <p:clrMapOvr>
-    <a:masterClrMapping/>
-  </p:clrMapOvr>
-</p:sld>
-</file>
-
-<file path=ppt/slides/slide20.xml><?xml version="1.0" encoding="utf-8"?>
+<file path=ppt/slides/slide21.xml><?xml version="1.0" encoding="utf-8"?>
 <p:sld xmlns:a="http://schemas.openxmlformats.org/drawingml/2006/main" xmlns:r="http://schemas.openxmlformats.org/officeDocument/2006/relationships" xmlns:p="http://schemas.openxmlformats.org/presentationml/2006/main">
   <p:cSld>
     <p:spTree>
@@ -12076,7 +12191,7 @@
 </p:sld>
 </file>
 
-<file path=ppt/slides/slide21.xml><?xml version="1.0" encoding="utf-8"?>
+<file path=ppt/slides/slide22.xml><?xml version="1.0" encoding="utf-8"?>
 <p:sld xmlns:a="http://schemas.openxmlformats.org/drawingml/2006/main" xmlns:r="http://schemas.openxmlformats.org/officeDocument/2006/relationships" xmlns:p="http://schemas.openxmlformats.org/presentationml/2006/main">
   <p:cSld>
     <p:spTree>
@@ -12495,7 +12610,7 @@
 </p:sld>
 </file>
 
-<file path=ppt/slides/slide22.xml><?xml version="1.0" encoding="utf-8"?>
+<file path=ppt/slides/slide23.xml><?xml version="1.0" encoding="utf-8"?>
 <p:sld xmlns:a="http://schemas.openxmlformats.org/drawingml/2006/main" xmlns:r="http://schemas.openxmlformats.org/officeDocument/2006/relationships" xmlns:p="http://schemas.openxmlformats.org/presentationml/2006/main">
   <p:cSld>
     <p:spTree>
@@ -12819,7 +12934,7 @@
 </p:sld>
 </file>
 
-<file path=ppt/slides/slide23.xml><?xml version="1.0" encoding="utf-8"?>
+<file path=ppt/slides/slide24.xml><?xml version="1.0" encoding="utf-8"?>
 <p:sld xmlns:a="http://schemas.openxmlformats.org/drawingml/2006/main" xmlns:r="http://schemas.openxmlformats.org/officeDocument/2006/relationships" xmlns:p="http://schemas.openxmlformats.org/presentationml/2006/main">
   <p:cSld>
     <p:spTree>
@@ -12902,7 +13017,7 @@
 </p:sld>
 </file>
 
-<file path=ppt/slides/slide24.xml><?xml version="1.0" encoding="utf-8"?>
+<file path=ppt/slides/slide25.xml><?xml version="1.0" encoding="utf-8"?>
 <p:sld xmlns:a="http://schemas.openxmlformats.org/drawingml/2006/main" xmlns:r="http://schemas.openxmlformats.org/officeDocument/2006/relationships" xmlns:p="http://schemas.openxmlformats.org/presentationml/2006/main">
   <p:cSld>
     <p:spTree>
@@ -13326,7 +13441,7 @@
 </p:sld>
 </file>
 
-<file path=ppt/slides/slide25.xml><?xml version="1.0" encoding="utf-8"?>
+<file path=ppt/slides/slide26.xml><?xml version="1.0" encoding="utf-8"?>
 <p:sld xmlns:a="http://schemas.openxmlformats.org/drawingml/2006/main" xmlns:r="http://schemas.openxmlformats.org/officeDocument/2006/relationships" xmlns:p="http://schemas.openxmlformats.org/presentationml/2006/main">
   <p:cSld>
     <p:spTree>
@@ -13556,7 +13671,7 @@
 </p:sld>
 </file>
 
-<file path=ppt/slides/slide26.xml><?xml version="1.0" encoding="utf-8"?>
+<file path=ppt/slides/slide27.xml><?xml version="1.0" encoding="utf-8"?>
 <p:sld xmlns:a="http://schemas.openxmlformats.org/drawingml/2006/main" xmlns:r="http://schemas.openxmlformats.org/officeDocument/2006/relationships" xmlns:p="http://schemas.openxmlformats.org/presentationml/2006/main">
   <p:cSld>
     <p:spTree>
@@ -13951,7 +14066,7 @@
 </p:sld>
 </file>
 
-<file path=ppt/slides/slide27.xml><?xml version="1.0" encoding="utf-8"?>
+<file path=ppt/slides/slide28.xml><?xml version="1.0" encoding="utf-8"?>
 <p:sld xmlns:a="http://schemas.openxmlformats.org/drawingml/2006/main" xmlns:r="http://schemas.openxmlformats.org/officeDocument/2006/relationships" xmlns:p="http://schemas.openxmlformats.org/presentationml/2006/main">
   <p:cSld>
     <p:spTree>
@@ -14923,7 +15038,7 @@
 </p:sld>
 </file>
 
-<file path=ppt/slides/slide28.xml><?xml version="1.0" encoding="utf-8"?>
+<file path=ppt/slides/slide29.xml><?xml version="1.0" encoding="utf-8"?>
 <p:sld xmlns:a="http://schemas.openxmlformats.org/drawingml/2006/main" xmlns:r="http://schemas.openxmlformats.org/officeDocument/2006/relationships" xmlns:p="http://schemas.openxmlformats.org/presentationml/2006/main">
   <p:cSld>
     <p:spTree>
@@ -15715,717 +15830,6 @@
     <p:extLst>
       <p:ext uri="{BB962C8B-B14F-4D97-AF65-F5344CB8AC3E}">
         <p14:creationId xmlns:p14="http://schemas.microsoft.com/office/powerpoint/2010/main" val="3675744547"/>
-      </p:ext>
-    </p:extLst>
-  </p:cSld>
-  <p:clrMapOvr>
-    <a:masterClrMapping/>
-  </p:clrMapOvr>
-</p:sld>
-</file>
-
-<file path=ppt/slides/slide29.xml><?xml version="1.0" encoding="utf-8"?>
-<p:sld xmlns:a="http://schemas.openxmlformats.org/drawingml/2006/main" xmlns:r="http://schemas.openxmlformats.org/officeDocument/2006/relationships" xmlns:p="http://schemas.openxmlformats.org/presentationml/2006/main">
-  <p:cSld>
-    <p:spTree>
-      <p:nvGrpSpPr>
-        <p:cNvPr id="1" name=""/>
-        <p:cNvGrpSpPr/>
-        <p:nvPr/>
-      </p:nvGrpSpPr>
-      <p:grpSpPr>
-        <a:xfrm>
-          <a:off x="0" y="0"/>
-          <a:ext cx="0" cy="0"/>
-          <a:chOff x="0" y="0"/>
-          <a:chExt cx="0" cy="0"/>
-        </a:xfrm>
-      </p:grpSpPr>
-      <p:sp>
-        <p:nvSpPr>
-          <p:cNvPr id="2" name="标题 1">
-            <a:extLst>
-              <a:ext uri="{FF2B5EF4-FFF2-40B4-BE49-F238E27FC236}">
-                <a16:creationId xmlns:a16="http://schemas.microsoft.com/office/drawing/2014/main" id="{D856DE4A-216C-F242-83CD-CD7942367EFD}"/>
-              </a:ext>
-            </a:extLst>
-          </p:cNvPr>
-          <p:cNvSpPr>
-            <a:spLocks noGrp="1"/>
-          </p:cNvSpPr>
-          <p:nvPr>
-            <p:ph type="title"/>
-          </p:nvPr>
-        </p:nvSpPr>
-        <p:spPr/>
-        <p:txBody>
-          <a:bodyPr/>
-          <a:lstStyle/>
-          <a:p>
-            <a:r>
-              <a:rPr kumimoji="1" lang="en" altLang="zh-CN" dirty="0"/>
-              <a:t>Data type conversions</a:t>
-            </a:r>
-            <a:endParaRPr kumimoji="1" lang="zh-CN" altLang="en-US" dirty="0"/>
-          </a:p>
-        </p:txBody>
-      </p:sp>
-      <p:sp>
-        <p:nvSpPr>
-          <p:cNvPr id="3" name="内容占位符 2">
-            <a:extLst>
-              <a:ext uri="{FF2B5EF4-FFF2-40B4-BE49-F238E27FC236}">
-                <a16:creationId xmlns:a16="http://schemas.microsoft.com/office/drawing/2014/main" id="{8A713E4D-BB8B-E241-B92D-1A3288F02E90}"/>
-              </a:ext>
-            </a:extLst>
-          </p:cNvPr>
-          <p:cNvSpPr>
-            <a:spLocks noGrp="1"/>
-          </p:cNvSpPr>
-          <p:nvPr>
-            <p:ph idx="1"/>
-          </p:nvPr>
-        </p:nvSpPr>
-        <p:spPr>
-          <a:xfrm>
-            <a:off x="627530" y="3747246"/>
-            <a:ext cx="7817223" cy="2438681"/>
-          </a:xfrm>
-        </p:spPr>
-        <p:txBody>
-          <a:bodyPr/>
-          <a:lstStyle/>
-          <a:p>
-            <a:pPr marL="0" indent="0">
-              <a:buNone/>
-            </a:pPr>
-            <a:r>
-              <a:rPr kumimoji="1" lang="en-US" altLang="zh-CN" dirty="0">
-                <a:solidFill>
-                  <a:srgbClr val="FF0000"/>
-                </a:solidFill>
-              </a:rPr>
-              <a:t>DANGER: </a:t>
-            </a:r>
-          </a:p>
-          <a:p>
-            <a:r>
-              <a:rPr kumimoji="1" lang="en-US" altLang="zh-CN" dirty="0"/>
-              <a:t>The source code can be compiled successfully (even with warning messages) when the data types do not match.</a:t>
-            </a:r>
-          </a:p>
-          <a:p>
-            <a:r>
-              <a:rPr kumimoji="1" lang="en-US" altLang="zh-CN" dirty="0"/>
-              <a:t>Please use explicit conversion if possible</a:t>
-            </a:r>
-            <a:endParaRPr kumimoji="1" lang="zh-CN" altLang="en-US" dirty="0"/>
-          </a:p>
-        </p:txBody>
-      </p:sp>
-      <p:sp>
-        <p:nvSpPr>
-          <p:cNvPr id="4" name="矩形 3">
-            <a:extLst>
-              <a:ext uri="{FF2B5EF4-FFF2-40B4-BE49-F238E27FC236}">
-                <a16:creationId xmlns:a16="http://schemas.microsoft.com/office/drawing/2014/main" id="{961A2174-C1F4-AA42-9329-948F1D540E43}"/>
-              </a:ext>
-            </a:extLst>
-          </p:cNvPr>
-          <p:cNvSpPr/>
-          <p:nvPr/>
-        </p:nvSpPr>
-        <p:spPr>
-          <a:xfrm>
-            <a:off x="538278" y="1326995"/>
-            <a:ext cx="11653722" cy="2031325"/>
-          </a:xfrm>
-          <a:prstGeom prst="rect">
-            <a:avLst/>
-          </a:prstGeom>
-        </p:spPr>
-        <p:txBody>
-          <a:bodyPr wrap="square">
-            <a:spAutoFit/>
-          </a:bodyPr>
-          <a:lstStyle/>
-          <a:p>
-            <a:r>
-              <a:rPr lang="en" altLang="zh-CN" dirty="0">
-                <a:solidFill>
-                  <a:srgbClr val="0000FF"/>
-                </a:solidFill>
-                <a:latin typeface="Menlo" panose="020B0609030804020204" pitchFamily="49" charset="0"/>
-              </a:rPr>
-              <a:t>int</a:t>
-            </a:r>
-            <a:r>
-              <a:rPr lang="en" altLang="zh-CN" dirty="0">
-                <a:solidFill>
-                  <a:srgbClr val="000000"/>
-                </a:solidFill>
-                <a:latin typeface="Menlo" panose="020B0609030804020204" pitchFamily="49" charset="0"/>
-              </a:rPr>
-              <a:t> </a:t>
-            </a:r>
-            <a:r>
-              <a:rPr lang="en" altLang="zh-CN" dirty="0">
-                <a:solidFill>
-                  <a:srgbClr val="001080"/>
-                </a:solidFill>
-                <a:latin typeface="Menlo" panose="020B0609030804020204" pitchFamily="49" charset="0"/>
-              </a:rPr>
-              <a:t>num_int1</a:t>
-            </a:r>
-            <a:r>
-              <a:rPr lang="en" altLang="zh-CN" dirty="0">
-                <a:solidFill>
-                  <a:srgbClr val="000000"/>
-                </a:solidFill>
-                <a:latin typeface="Menlo" panose="020B0609030804020204" pitchFamily="49" charset="0"/>
-              </a:rPr>
-              <a:t> = </a:t>
-            </a:r>
-            <a:r>
-              <a:rPr lang="en" altLang="zh-CN" dirty="0">
-                <a:solidFill>
-                  <a:srgbClr val="098658"/>
-                </a:solidFill>
-                <a:latin typeface="Menlo" panose="020B0609030804020204" pitchFamily="49" charset="0"/>
-              </a:rPr>
-              <a:t>9</a:t>
-            </a:r>
-            <a:r>
-              <a:rPr lang="en" altLang="zh-CN" dirty="0">
-                <a:solidFill>
-                  <a:srgbClr val="000000"/>
-                </a:solidFill>
-                <a:latin typeface="Menlo" panose="020B0609030804020204" pitchFamily="49" charset="0"/>
-              </a:rPr>
-              <a:t>;</a:t>
-            </a:r>
-            <a:r>
-              <a:rPr lang="en" altLang="zh-CN" dirty="0">
-                <a:solidFill>
-                  <a:srgbClr val="008000"/>
-                </a:solidFill>
-                <a:latin typeface="Menlo" panose="020B0609030804020204" pitchFamily="49" charset="0"/>
-              </a:rPr>
-              <a:t> // assigning an int value to num_int1</a:t>
-            </a:r>
-            <a:endParaRPr lang="en" altLang="zh-CN" dirty="0">
-              <a:solidFill>
-                <a:srgbClr val="000000"/>
-              </a:solidFill>
-              <a:latin typeface="Menlo" panose="020B0609030804020204" pitchFamily="49" charset="0"/>
-            </a:endParaRPr>
-          </a:p>
-          <a:p>
-            <a:r>
-              <a:rPr lang="en" altLang="zh-CN" dirty="0">
-                <a:solidFill>
-                  <a:srgbClr val="0000FF"/>
-                </a:solidFill>
-                <a:latin typeface="Menlo" panose="020B0609030804020204" pitchFamily="49" charset="0"/>
-              </a:rPr>
-              <a:t>int</a:t>
-            </a:r>
-            <a:r>
-              <a:rPr lang="en" altLang="zh-CN" dirty="0">
-                <a:solidFill>
-                  <a:srgbClr val="000000"/>
-                </a:solidFill>
-                <a:latin typeface="Menlo" panose="020B0609030804020204" pitchFamily="49" charset="0"/>
-              </a:rPr>
-              <a:t> </a:t>
-            </a:r>
-            <a:r>
-              <a:rPr lang="en" altLang="zh-CN" dirty="0">
-                <a:solidFill>
-                  <a:srgbClr val="001080"/>
-                </a:solidFill>
-                <a:latin typeface="Menlo" panose="020B0609030804020204" pitchFamily="49" charset="0"/>
-              </a:rPr>
-              <a:t>num_int2</a:t>
-            </a:r>
-            <a:r>
-              <a:rPr lang="en" altLang="zh-CN" dirty="0">
-                <a:solidFill>
-                  <a:srgbClr val="000000"/>
-                </a:solidFill>
-                <a:latin typeface="Menlo" panose="020B0609030804020204" pitchFamily="49" charset="0"/>
-              </a:rPr>
-              <a:t> = </a:t>
-            </a:r>
-            <a:r>
-              <a:rPr lang="en" altLang="zh-CN" dirty="0">
-                <a:solidFill>
-                  <a:srgbClr val="A31515"/>
-                </a:solidFill>
-                <a:latin typeface="Menlo" panose="020B0609030804020204" pitchFamily="49" charset="0"/>
-              </a:rPr>
-              <a:t>'C'</a:t>
-            </a:r>
-            <a:r>
-              <a:rPr lang="en" altLang="zh-CN" dirty="0">
-                <a:solidFill>
-                  <a:srgbClr val="000000"/>
-                </a:solidFill>
-                <a:latin typeface="Menlo" panose="020B0609030804020204" pitchFamily="49" charset="0"/>
-              </a:rPr>
-              <a:t>;</a:t>
-            </a:r>
-            <a:r>
-              <a:rPr lang="en" altLang="zh-CN" dirty="0">
-                <a:solidFill>
-                  <a:srgbClr val="008000"/>
-                </a:solidFill>
-                <a:latin typeface="Menlo" panose="020B0609030804020204" pitchFamily="49" charset="0"/>
-              </a:rPr>
-              <a:t> // implicit conversion</a:t>
-            </a:r>
-            <a:endParaRPr lang="en" altLang="zh-CN" dirty="0">
-              <a:solidFill>
-                <a:srgbClr val="000000"/>
-              </a:solidFill>
-              <a:latin typeface="Menlo" panose="020B0609030804020204" pitchFamily="49" charset="0"/>
-            </a:endParaRPr>
-          </a:p>
-          <a:p>
-            <a:r>
-              <a:rPr lang="en" altLang="zh-CN" dirty="0">
-                <a:solidFill>
-                  <a:srgbClr val="0000FF"/>
-                </a:solidFill>
-                <a:latin typeface="Menlo" panose="020B0609030804020204" pitchFamily="49" charset="0"/>
-              </a:rPr>
-              <a:t>int</a:t>
-            </a:r>
-            <a:r>
-              <a:rPr lang="en" altLang="zh-CN" dirty="0">
-                <a:solidFill>
-                  <a:srgbClr val="000000"/>
-                </a:solidFill>
-                <a:latin typeface="Menlo" panose="020B0609030804020204" pitchFamily="49" charset="0"/>
-              </a:rPr>
-              <a:t> </a:t>
-            </a:r>
-            <a:r>
-              <a:rPr lang="en" altLang="zh-CN" dirty="0">
-                <a:solidFill>
-                  <a:srgbClr val="001080"/>
-                </a:solidFill>
-                <a:latin typeface="Menlo" panose="020B0609030804020204" pitchFamily="49" charset="0"/>
-              </a:rPr>
-              <a:t>num_int3</a:t>
-            </a:r>
-            <a:r>
-              <a:rPr lang="en" altLang="zh-CN" dirty="0">
-                <a:solidFill>
-                  <a:srgbClr val="000000"/>
-                </a:solidFill>
-                <a:latin typeface="Menlo" panose="020B0609030804020204" pitchFamily="49" charset="0"/>
-              </a:rPr>
-              <a:t> = (</a:t>
-            </a:r>
-            <a:r>
-              <a:rPr lang="en" altLang="zh-CN" dirty="0">
-                <a:solidFill>
-                  <a:srgbClr val="0000FF"/>
-                </a:solidFill>
-                <a:latin typeface="Menlo" panose="020B0609030804020204" pitchFamily="49" charset="0"/>
-              </a:rPr>
-              <a:t>int</a:t>
-            </a:r>
-            <a:r>
-              <a:rPr lang="en" altLang="zh-CN" dirty="0">
-                <a:solidFill>
-                  <a:srgbClr val="000000"/>
-                </a:solidFill>
-                <a:latin typeface="Menlo" panose="020B0609030804020204" pitchFamily="49" charset="0"/>
-              </a:rPr>
-              <a:t>)</a:t>
-            </a:r>
-            <a:r>
-              <a:rPr lang="en" altLang="zh-CN" dirty="0">
-                <a:solidFill>
-                  <a:srgbClr val="A31515"/>
-                </a:solidFill>
-                <a:latin typeface="Menlo" panose="020B0609030804020204" pitchFamily="49" charset="0"/>
-              </a:rPr>
-              <a:t>'C'</a:t>
-            </a:r>
-            <a:r>
-              <a:rPr lang="en" altLang="zh-CN" dirty="0">
-                <a:solidFill>
-                  <a:srgbClr val="000000"/>
-                </a:solidFill>
-                <a:latin typeface="Menlo" panose="020B0609030804020204" pitchFamily="49" charset="0"/>
-              </a:rPr>
-              <a:t>;</a:t>
-            </a:r>
-            <a:r>
-              <a:rPr lang="en" altLang="zh-CN" dirty="0">
-                <a:solidFill>
-                  <a:srgbClr val="008000"/>
-                </a:solidFill>
-                <a:latin typeface="Menlo" panose="020B0609030804020204" pitchFamily="49" charset="0"/>
-              </a:rPr>
-              <a:t> // explicit conversion, C-style</a:t>
-            </a:r>
-            <a:endParaRPr lang="en" altLang="zh-CN" dirty="0">
-              <a:solidFill>
-                <a:srgbClr val="000000"/>
-              </a:solidFill>
-              <a:latin typeface="Menlo" panose="020B0609030804020204" pitchFamily="49" charset="0"/>
-            </a:endParaRPr>
-          </a:p>
-          <a:p>
-            <a:r>
-              <a:rPr lang="en" altLang="zh-CN" dirty="0">
-                <a:solidFill>
-                  <a:srgbClr val="0000FF"/>
-                </a:solidFill>
-                <a:latin typeface="Menlo" panose="020B0609030804020204" pitchFamily="49" charset="0"/>
-              </a:rPr>
-              <a:t>int</a:t>
-            </a:r>
-            <a:r>
-              <a:rPr lang="en" altLang="zh-CN" dirty="0">
-                <a:solidFill>
-                  <a:srgbClr val="000000"/>
-                </a:solidFill>
-                <a:latin typeface="Menlo" panose="020B0609030804020204" pitchFamily="49" charset="0"/>
-              </a:rPr>
-              <a:t> </a:t>
-            </a:r>
-            <a:r>
-              <a:rPr lang="en" altLang="zh-CN" dirty="0">
-                <a:solidFill>
-                  <a:srgbClr val="001080"/>
-                </a:solidFill>
-                <a:latin typeface="Menlo" panose="020B0609030804020204" pitchFamily="49" charset="0"/>
-              </a:rPr>
-              <a:t>num_int4</a:t>
-            </a:r>
-            <a:r>
-              <a:rPr lang="en" altLang="zh-CN" dirty="0">
-                <a:solidFill>
-                  <a:srgbClr val="000000"/>
-                </a:solidFill>
-                <a:latin typeface="Menlo" panose="020B0609030804020204" pitchFamily="49" charset="0"/>
-              </a:rPr>
-              <a:t> = </a:t>
-            </a:r>
-            <a:r>
-              <a:rPr lang="en" altLang="zh-CN" dirty="0">
-                <a:solidFill>
-                  <a:srgbClr val="0000FF"/>
-                </a:solidFill>
-                <a:latin typeface="Menlo" panose="020B0609030804020204" pitchFamily="49" charset="0"/>
-              </a:rPr>
-              <a:t>int</a:t>
-            </a:r>
-            <a:r>
-              <a:rPr lang="en" altLang="zh-CN" dirty="0">
-                <a:solidFill>
-                  <a:srgbClr val="000000"/>
-                </a:solidFill>
-                <a:latin typeface="Menlo" panose="020B0609030804020204" pitchFamily="49" charset="0"/>
-              </a:rPr>
-              <a:t>(</a:t>
-            </a:r>
-            <a:r>
-              <a:rPr lang="en" altLang="zh-CN" dirty="0">
-                <a:solidFill>
-                  <a:srgbClr val="A31515"/>
-                </a:solidFill>
-                <a:latin typeface="Menlo" panose="020B0609030804020204" pitchFamily="49" charset="0"/>
-              </a:rPr>
-              <a:t>'C'</a:t>
-            </a:r>
-            <a:r>
-              <a:rPr lang="en" altLang="zh-CN" dirty="0">
-                <a:solidFill>
-                  <a:srgbClr val="000000"/>
-                </a:solidFill>
-                <a:latin typeface="Menlo" panose="020B0609030804020204" pitchFamily="49" charset="0"/>
-              </a:rPr>
-              <a:t>);</a:t>
-            </a:r>
-            <a:r>
-              <a:rPr lang="en" altLang="zh-CN" dirty="0">
-                <a:solidFill>
-                  <a:srgbClr val="008000"/>
-                </a:solidFill>
-                <a:latin typeface="Menlo" panose="020B0609030804020204" pitchFamily="49" charset="0"/>
-              </a:rPr>
-              <a:t> // explicit conversion, function style</a:t>
-            </a:r>
-            <a:endParaRPr lang="en" altLang="zh-CN" dirty="0">
-              <a:solidFill>
-                <a:srgbClr val="000000"/>
-              </a:solidFill>
-              <a:latin typeface="Menlo" panose="020B0609030804020204" pitchFamily="49" charset="0"/>
-            </a:endParaRPr>
-          </a:p>
-          <a:p>
-            <a:r>
-              <a:rPr lang="en" altLang="zh-CN" dirty="0">
-                <a:solidFill>
-                  <a:srgbClr val="0000FF"/>
-                </a:solidFill>
-                <a:latin typeface="Menlo" panose="020B0609030804020204" pitchFamily="49" charset="0"/>
-              </a:rPr>
-              <a:t>int</a:t>
-            </a:r>
-            <a:r>
-              <a:rPr lang="en" altLang="zh-CN" dirty="0">
-                <a:solidFill>
-                  <a:srgbClr val="000000"/>
-                </a:solidFill>
-                <a:latin typeface="Menlo" panose="020B0609030804020204" pitchFamily="49" charset="0"/>
-              </a:rPr>
-              <a:t> </a:t>
-            </a:r>
-            <a:r>
-              <a:rPr lang="en" altLang="zh-CN" dirty="0">
-                <a:solidFill>
-                  <a:srgbClr val="001080"/>
-                </a:solidFill>
-                <a:latin typeface="Menlo" panose="020B0609030804020204" pitchFamily="49" charset="0"/>
-              </a:rPr>
-              <a:t>num_int5</a:t>
-            </a:r>
-            <a:r>
-              <a:rPr lang="en" altLang="zh-CN" dirty="0">
-                <a:solidFill>
-                  <a:srgbClr val="000000"/>
-                </a:solidFill>
-                <a:latin typeface="Menlo" panose="020B0609030804020204" pitchFamily="49" charset="0"/>
-              </a:rPr>
-              <a:t> = </a:t>
-            </a:r>
-            <a:r>
-              <a:rPr lang="en" altLang="zh-CN" dirty="0">
-                <a:solidFill>
-                  <a:srgbClr val="098658"/>
-                </a:solidFill>
-                <a:latin typeface="Menlo" panose="020B0609030804020204" pitchFamily="49" charset="0"/>
-              </a:rPr>
-              <a:t>2.8</a:t>
-            </a:r>
-            <a:r>
-              <a:rPr lang="en" altLang="zh-CN" dirty="0">
-                <a:solidFill>
-                  <a:srgbClr val="000000"/>
-                </a:solidFill>
-                <a:latin typeface="Menlo" panose="020B0609030804020204" pitchFamily="49" charset="0"/>
-              </a:rPr>
-              <a:t>;</a:t>
-            </a:r>
-            <a:r>
-              <a:rPr lang="en" altLang="zh-CN" dirty="0">
-                <a:solidFill>
-                  <a:srgbClr val="008000"/>
-                </a:solidFill>
-                <a:latin typeface="Menlo" panose="020B0609030804020204" pitchFamily="49" charset="0"/>
-              </a:rPr>
-              <a:t> //implicit conversion</a:t>
-            </a:r>
-            <a:endParaRPr lang="en" altLang="zh-CN" dirty="0">
-              <a:solidFill>
-                <a:srgbClr val="000000"/>
-              </a:solidFill>
-              <a:latin typeface="Menlo" panose="020B0609030804020204" pitchFamily="49" charset="0"/>
-            </a:endParaRPr>
-          </a:p>
-          <a:p>
-            <a:r>
-              <a:rPr lang="en" altLang="zh-CN" dirty="0">
-                <a:solidFill>
-                  <a:srgbClr val="0000FF"/>
-                </a:solidFill>
-                <a:latin typeface="Menlo" panose="020B0609030804020204" pitchFamily="49" charset="0"/>
-              </a:rPr>
-              <a:t>float</a:t>
-            </a:r>
-            <a:r>
-              <a:rPr lang="en" altLang="zh-CN" dirty="0">
-                <a:solidFill>
-                  <a:srgbClr val="000000"/>
-                </a:solidFill>
-                <a:latin typeface="Menlo" panose="020B0609030804020204" pitchFamily="49" charset="0"/>
-              </a:rPr>
-              <a:t> </a:t>
-            </a:r>
-            <a:r>
-              <a:rPr lang="en" altLang="zh-CN" dirty="0" err="1">
-                <a:solidFill>
-                  <a:srgbClr val="001080"/>
-                </a:solidFill>
-                <a:latin typeface="Menlo" panose="020B0609030804020204" pitchFamily="49" charset="0"/>
-              </a:rPr>
-              <a:t>num_float</a:t>
-            </a:r>
-            <a:r>
-              <a:rPr lang="en" altLang="zh-CN" dirty="0">
-                <a:solidFill>
-                  <a:srgbClr val="000000"/>
-                </a:solidFill>
-                <a:latin typeface="Menlo" panose="020B0609030804020204" pitchFamily="49" charset="0"/>
-              </a:rPr>
-              <a:t> = </a:t>
-            </a:r>
-            <a:r>
-              <a:rPr lang="en" altLang="zh-CN" dirty="0">
-                <a:solidFill>
-                  <a:srgbClr val="098658"/>
-                </a:solidFill>
-                <a:latin typeface="Menlo" panose="020B0609030804020204" pitchFamily="49" charset="0"/>
-              </a:rPr>
-              <a:t>2.3</a:t>
-            </a:r>
-            <a:r>
-              <a:rPr lang="en" altLang="zh-CN" dirty="0">
-                <a:solidFill>
-                  <a:srgbClr val="000000"/>
-                </a:solidFill>
-                <a:latin typeface="Menlo" panose="020B0609030804020204" pitchFamily="49" charset="0"/>
-              </a:rPr>
-              <a:t>;</a:t>
-            </a:r>
-            <a:r>
-              <a:rPr lang="en" altLang="zh-CN" dirty="0">
-                <a:solidFill>
-                  <a:srgbClr val="008000"/>
-                </a:solidFill>
-                <a:latin typeface="Menlo" panose="020B0609030804020204" pitchFamily="49" charset="0"/>
-              </a:rPr>
-              <a:t> //implicit conversion from double to float</a:t>
-            </a:r>
-            <a:endParaRPr lang="en" altLang="zh-CN" dirty="0">
-              <a:solidFill>
-                <a:srgbClr val="000000"/>
-              </a:solidFill>
-              <a:latin typeface="Menlo" panose="020B0609030804020204" pitchFamily="49" charset="0"/>
-            </a:endParaRPr>
-          </a:p>
-          <a:p>
-            <a:r>
-              <a:rPr lang="en" altLang="zh-CN" dirty="0">
-                <a:solidFill>
-                  <a:srgbClr val="0000FF"/>
-                </a:solidFill>
-                <a:latin typeface="Menlo" panose="020B0609030804020204" pitchFamily="49" charset="0"/>
-              </a:rPr>
-              <a:t>short</a:t>
-            </a:r>
-            <a:r>
-              <a:rPr lang="en" altLang="zh-CN" dirty="0">
-                <a:solidFill>
-                  <a:srgbClr val="000000"/>
-                </a:solidFill>
-                <a:latin typeface="Menlo" panose="020B0609030804020204" pitchFamily="49" charset="0"/>
-              </a:rPr>
-              <a:t> </a:t>
-            </a:r>
-            <a:r>
-              <a:rPr lang="en" altLang="zh-CN" dirty="0" err="1">
-                <a:solidFill>
-                  <a:srgbClr val="001080"/>
-                </a:solidFill>
-                <a:latin typeface="Menlo" panose="020B0609030804020204" pitchFamily="49" charset="0"/>
-              </a:rPr>
-              <a:t>num_short</a:t>
-            </a:r>
-            <a:r>
-              <a:rPr lang="en" altLang="zh-CN" dirty="0">
-                <a:solidFill>
-                  <a:srgbClr val="000000"/>
-                </a:solidFill>
-                <a:latin typeface="Menlo" panose="020B0609030804020204" pitchFamily="49" charset="0"/>
-              </a:rPr>
-              <a:t> = </a:t>
-            </a:r>
-            <a:r>
-              <a:rPr lang="en" altLang="zh-CN" dirty="0">
-                <a:solidFill>
-                  <a:srgbClr val="098658"/>
-                </a:solidFill>
-                <a:latin typeface="Menlo" panose="020B0609030804020204" pitchFamily="49" charset="0"/>
-              </a:rPr>
-              <a:t>650000</a:t>
-            </a:r>
-            <a:r>
-              <a:rPr lang="en" altLang="zh-CN" dirty="0">
-                <a:solidFill>
-                  <a:srgbClr val="000000"/>
-                </a:solidFill>
-                <a:latin typeface="Menlo" panose="020B0609030804020204" pitchFamily="49" charset="0"/>
-              </a:rPr>
-              <a:t>; </a:t>
-            </a:r>
-          </a:p>
-        </p:txBody>
-      </p:sp>
-      <p:sp>
-        <p:nvSpPr>
-          <p:cNvPr id="5" name="矩形 4">
-            <a:extLst>
-              <a:ext uri="{FF2B5EF4-FFF2-40B4-BE49-F238E27FC236}">
-                <a16:creationId xmlns:a16="http://schemas.microsoft.com/office/drawing/2014/main" id="{A767A15E-7D48-5E4C-928D-C7071DDA5640}"/>
-              </a:ext>
-            </a:extLst>
-          </p:cNvPr>
-          <p:cNvSpPr/>
-          <p:nvPr/>
-        </p:nvSpPr>
-        <p:spPr>
-          <a:xfrm>
-            <a:off x="538278" y="932477"/>
-            <a:ext cx="2339102" cy="400110"/>
-          </a:xfrm>
-          <a:prstGeom prst="rect">
-            <a:avLst/>
-          </a:prstGeom>
-          <a:solidFill>
-            <a:schemeClr val="bg1"/>
-          </a:solidFill>
-        </p:spPr>
-        <p:txBody>
-          <a:bodyPr wrap="none">
-            <a:spAutoFit/>
-          </a:bodyPr>
-          <a:lstStyle/>
-          <a:p>
-            <a:r>
-              <a:rPr lang="en" altLang="zh-CN" sz="2000" dirty="0" err="1">
-                <a:solidFill>
-                  <a:srgbClr val="0000CC"/>
-                </a:solidFill>
-                <a:highlight>
-                  <a:srgbClr val="FFFF00"/>
-                </a:highlight>
-                <a:latin typeface="Menlo" panose="020B0609030804020204" pitchFamily="49" charset="0"/>
-              </a:rPr>
-              <a:t>conversion.cpp</a:t>
-            </a:r>
-            <a:endParaRPr lang="zh-CN" altLang="en-US" sz="2000" dirty="0">
-              <a:solidFill>
-                <a:srgbClr val="0000CC"/>
-              </a:solidFill>
-              <a:highlight>
-                <a:srgbClr val="FFFF00"/>
-              </a:highlight>
-            </a:endParaRPr>
-          </a:p>
-        </p:txBody>
-      </p:sp>
-    </p:spTree>
-    <p:extLst>
-      <p:ext uri="{BB962C8B-B14F-4D97-AF65-F5344CB8AC3E}">
-        <p14:creationId xmlns:p14="http://schemas.microsoft.com/office/powerpoint/2010/main" val="3175268015"/>
       </p:ext>
     </p:extLst>
   </p:cSld>
@@ -16718,6 +16122,717 @@
 </file>
 
 <file path=ppt/slides/slide30.xml><?xml version="1.0" encoding="utf-8"?>
+<p:sld xmlns:a="http://schemas.openxmlformats.org/drawingml/2006/main" xmlns:r="http://schemas.openxmlformats.org/officeDocument/2006/relationships" xmlns:p="http://schemas.openxmlformats.org/presentationml/2006/main">
+  <p:cSld>
+    <p:spTree>
+      <p:nvGrpSpPr>
+        <p:cNvPr id="1" name=""/>
+        <p:cNvGrpSpPr/>
+        <p:nvPr/>
+      </p:nvGrpSpPr>
+      <p:grpSpPr>
+        <a:xfrm>
+          <a:off x="0" y="0"/>
+          <a:ext cx="0" cy="0"/>
+          <a:chOff x="0" y="0"/>
+          <a:chExt cx="0" cy="0"/>
+        </a:xfrm>
+      </p:grpSpPr>
+      <p:sp>
+        <p:nvSpPr>
+          <p:cNvPr id="2" name="标题 1">
+            <a:extLst>
+              <a:ext uri="{FF2B5EF4-FFF2-40B4-BE49-F238E27FC236}">
+                <a16:creationId xmlns:a16="http://schemas.microsoft.com/office/drawing/2014/main" id="{D856DE4A-216C-F242-83CD-CD7942367EFD}"/>
+              </a:ext>
+            </a:extLst>
+          </p:cNvPr>
+          <p:cNvSpPr>
+            <a:spLocks noGrp="1"/>
+          </p:cNvSpPr>
+          <p:nvPr>
+            <p:ph type="title"/>
+          </p:nvPr>
+        </p:nvSpPr>
+        <p:spPr/>
+        <p:txBody>
+          <a:bodyPr/>
+          <a:lstStyle/>
+          <a:p>
+            <a:r>
+              <a:rPr kumimoji="1" lang="en" altLang="zh-CN" dirty="0"/>
+              <a:t>Data type conversions</a:t>
+            </a:r>
+            <a:endParaRPr kumimoji="1" lang="zh-CN" altLang="en-US" dirty="0"/>
+          </a:p>
+        </p:txBody>
+      </p:sp>
+      <p:sp>
+        <p:nvSpPr>
+          <p:cNvPr id="3" name="内容占位符 2">
+            <a:extLst>
+              <a:ext uri="{FF2B5EF4-FFF2-40B4-BE49-F238E27FC236}">
+                <a16:creationId xmlns:a16="http://schemas.microsoft.com/office/drawing/2014/main" id="{8A713E4D-BB8B-E241-B92D-1A3288F02E90}"/>
+              </a:ext>
+            </a:extLst>
+          </p:cNvPr>
+          <p:cNvSpPr>
+            <a:spLocks noGrp="1"/>
+          </p:cNvSpPr>
+          <p:nvPr>
+            <p:ph idx="1"/>
+          </p:nvPr>
+        </p:nvSpPr>
+        <p:spPr>
+          <a:xfrm>
+            <a:off x="627530" y="3747246"/>
+            <a:ext cx="7817223" cy="2438681"/>
+          </a:xfrm>
+        </p:spPr>
+        <p:txBody>
+          <a:bodyPr/>
+          <a:lstStyle/>
+          <a:p>
+            <a:pPr marL="0" indent="0">
+              <a:buNone/>
+            </a:pPr>
+            <a:r>
+              <a:rPr kumimoji="1" lang="en-US" altLang="zh-CN" dirty="0">
+                <a:solidFill>
+                  <a:srgbClr val="FF0000"/>
+                </a:solidFill>
+              </a:rPr>
+              <a:t>DANGER: </a:t>
+            </a:r>
+          </a:p>
+          <a:p>
+            <a:r>
+              <a:rPr kumimoji="1" lang="en-US" altLang="zh-CN" dirty="0"/>
+              <a:t>The source code can be compiled successfully (even with warning messages) when the data types do not match.</a:t>
+            </a:r>
+          </a:p>
+          <a:p>
+            <a:r>
+              <a:rPr kumimoji="1" lang="en-US" altLang="zh-CN" dirty="0"/>
+              <a:t>Please use explicit conversion if possible</a:t>
+            </a:r>
+            <a:endParaRPr kumimoji="1" lang="zh-CN" altLang="en-US" dirty="0"/>
+          </a:p>
+        </p:txBody>
+      </p:sp>
+      <p:sp>
+        <p:nvSpPr>
+          <p:cNvPr id="4" name="矩形 3">
+            <a:extLst>
+              <a:ext uri="{FF2B5EF4-FFF2-40B4-BE49-F238E27FC236}">
+                <a16:creationId xmlns:a16="http://schemas.microsoft.com/office/drawing/2014/main" id="{961A2174-C1F4-AA42-9329-948F1D540E43}"/>
+              </a:ext>
+            </a:extLst>
+          </p:cNvPr>
+          <p:cNvSpPr/>
+          <p:nvPr/>
+        </p:nvSpPr>
+        <p:spPr>
+          <a:xfrm>
+            <a:off x="538278" y="1326995"/>
+            <a:ext cx="11653722" cy="2031325"/>
+          </a:xfrm>
+          <a:prstGeom prst="rect">
+            <a:avLst/>
+          </a:prstGeom>
+        </p:spPr>
+        <p:txBody>
+          <a:bodyPr wrap="square">
+            <a:spAutoFit/>
+          </a:bodyPr>
+          <a:lstStyle/>
+          <a:p>
+            <a:r>
+              <a:rPr lang="en" altLang="zh-CN" dirty="0">
+                <a:solidFill>
+                  <a:srgbClr val="0000FF"/>
+                </a:solidFill>
+                <a:latin typeface="Menlo" panose="020B0609030804020204" pitchFamily="49" charset="0"/>
+              </a:rPr>
+              <a:t>int</a:t>
+            </a:r>
+            <a:r>
+              <a:rPr lang="en" altLang="zh-CN" dirty="0">
+                <a:solidFill>
+                  <a:srgbClr val="000000"/>
+                </a:solidFill>
+                <a:latin typeface="Menlo" panose="020B0609030804020204" pitchFamily="49" charset="0"/>
+              </a:rPr>
+              <a:t> </a:t>
+            </a:r>
+            <a:r>
+              <a:rPr lang="en" altLang="zh-CN" dirty="0">
+                <a:solidFill>
+                  <a:srgbClr val="001080"/>
+                </a:solidFill>
+                <a:latin typeface="Menlo" panose="020B0609030804020204" pitchFamily="49" charset="0"/>
+              </a:rPr>
+              <a:t>num_int1</a:t>
+            </a:r>
+            <a:r>
+              <a:rPr lang="en" altLang="zh-CN" dirty="0">
+                <a:solidFill>
+                  <a:srgbClr val="000000"/>
+                </a:solidFill>
+                <a:latin typeface="Menlo" panose="020B0609030804020204" pitchFamily="49" charset="0"/>
+              </a:rPr>
+              <a:t> = </a:t>
+            </a:r>
+            <a:r>
+              <a:rPr lang="en" altLang="zh-CN" dirty="0">
+                <a:solidFill>
+                  <a:srgbClr val="098658"/>
+                </a:solidFill>
+                <a:latin typeface="Menlo" panose="020B0609030804020204" pitchFamily="49" charset="0"/>
+              </a:rPr>
+              <a:t>9</a:t>
+            </a:r>
+            <a:r>
+              <a:rPr lang="en" altLang="zh-CN" dirty="0">
+                <a:solidFill>
+                  <a:srgbClr val="000000"/>
+                </a:solidFill>
+                <a:latin typeface="Menlo" panose="020B0609030804020204" pitchFamily="49" charset="0"/>
+              </a:rPr>
+              <a:t>;</a:t>
+            </a:r>
+            <a:r>
+              <a:rPr lang="en" altLang="zh-CN" dirty="0">
+                <a:solidFill>
+                  <a:srgbClr val="008000"/>
+                </a:solidFill>
+                <a:latin typeface="Menlo" panose="020B0609030804020204" pitchFamily="49" charset="0"/>
+              </a:rPr>
+              <a:t> // assigning an int value to num_int1</a:t>
+            </a:r>
+            <a:endParaRPr lang="en" altLang="zh-CN" dirty="0">
+              <a:solidFill>
+                <a:srgbClr val="000000"/>
+              </a:solidFill>
+              <a:latin typeface="Menlo" panose="020B0609030804020204" pitchFamily="49" charset="0"/>
+            </a:endParaRPr>
+          </a:p>
+          <a:p>
+            <a:r>
+              <a:rPr lang="en" altLang="zh-CN" dirty="0">
+                <a:solidFill>
+                  <a:srgbClr val="0000FF"/>
+                </a:solidFill>
+                <a:latin typeface="Menlo" panose="020B0609030804020204" pitchFamily="49" charset="0"/>
+              </a:rPr>
+              <a:t>int</a:t>
+            </a:r>
+            <a:r>
+              <a:rPr lang="en" altLang="zh-CN" dirty="0">
+                <a:solidFill>
+                  <a:srgbClr val="000000"/>
+                </a:solidFill>
+                <a:latin typeface="Menlo" panose="020B0609030804020204" pitchFamily="49" charset="0"/>
+              </a:rPr>
+              <a:t> </a:t>
+            </a:r>
+            <a:r>
+              <a:rPr lang="en" altLang="zh-CN" dirty="0">
+                <a:solidFill>
+                  <a:srgbClr val="001080"/>
+                </a:solidFill>
+                <a:latin typeface="Menlo" panose="020B0609030804020204" pitchFamily="49" charset="0"/>
+              </a:rPr>
+              <a:t>num_int2</a:t>
+            </a:r>
+            <a:r>
+              <a:rPr lang="en" altLang="zh-CN" dirty="0">
+                <a:solidFill>
+                  <a:srgbClr val="000000"/>
+                </a:solidFill>
+                <a:latin typeface="Menlo" panose="020B0609030804020204" pitchFamily="49" charset="0"/>
+              </a:rPr>
+              <a:t> = </a:t>
+            </a:r>
+            <a:r>
+              <a:rPr lang="en" altLang="zh-CN" dirty="0">
+                <a:solidFill>
+                  <a:srgbClr val="A31515"/>
+                </a:solidFill>
+                <a:latin typeface="Menlo" panose="020B0609030804020204" pitchFamily="49" charset="0"/>
+              </a:rPr>
+              <a:t>'C'</a:t>
+            </a:r>
+            <a:r>
+              <a:rPr lang="en" altLang="zh-CN" dirty="0">
+                <a:solidFill>
+                  <a:srgbClr val="000000"/>
+                </a:solidFill>
+                <a:latin typeface="Menlo" panose="020B0609030804020204" pitchFamily="49" charset="0"/>
+              </a:rPr>
+              <a:t>;</a:t>
+            </a:r>
+            <a:r>
+              <a:rPr lang="en" altLang="zh-CN" dirty="0">
+                <a:solidFill>
+                  <a:srgbClr val="008000"/>
+                </a:solidFill>
+                <a:latin typeface="Menlo" panose="020B0609030804020204" pitchFamily="49" charset="0"/>
+              </a:rPr>
+              <a:t> // implicit conversion</a:t>
+            </a:r>
+            <a:endParaRPr lang="en" altLang="zh-CN" dirty="0">
+              <a:solidFill>
+                <a:srgbClr val="000000"/>
+              </a:solidFill>
+              <a:latin typeface="Menlo" panose="020B0609030804020204" pitchFamily="49" charset="0"/>
+            </a:endParaRPr>
+          </a:p>
+          <a:p>
+            <a:r>
+              <a:rPr lang="en" altLang="zh-CN" dirty="0">
+                <a:solidFill>
+                  <a:srgbClr val="0000FF"/>
+                </a:solidFill>
+                <a:latin typeface="Menlo" panose="020B0609030804020204" pitchFamily="49" charset="0"/>
+              </a:rPr>
+              <a:t>int</a:t>
+            </a:r>
+            <a:r>
+              <a:rPr lang="en" altLang="zh-CN" dirty="0">
+                <a:solidFill>
+                  <a:srgbClr val="000000"/>
+                </a:solidFill>
+                <a:latin typeface="Menlo" panose="020B0609030804020204" pitchFamily="49" charset="0"/>
+              </a:rPr>
+              <a:t> </a:t>
+            </a:r>
+            <a:r>
+              <a:rPr lang="en" altLang="zh-CN" dirty="0">
+                <a:solidFill>
+                  <a:srgbClr val="001080"/>
+                </a:solidFill>
+                <a:latin typeface="Menlo" panose="020B0609030804020204" pitchFamily="49" charset="0"/>
+              </a:rPr>
+              <a:t>num_int3</a:t>
+            </a:r>
+            <a:r>
+              <a:rPr lang="en" altLang="zh-CN" dirty="0">
+                <a:solidFill>
+                  <a:srgbClr val="000000"/>
+                </a:solidFill>
+                <a:latin typeface="Menlo" panose="020B0609030804020204" pitchFamily="49" charset="0"/>
+              </a:rPr>
+              <a:t> = (</a:t>
+            </a:r>
+            <a:r>
+              <a:rPr lang="en" altLang="zh-CN" dirty="0">
+                <a:solidFill>
+                  <a:srgbClr val="0000FF"/>
+                </a:solidFill>
+                <a:latin typeface="Menlo" panose="020B0609030804020204" pitchFamily="49" charset="0"/>
+              </a:rPr>
+              <a:t>int</a:t>
+            </a:r>
+            <a:r>
+              <a:rPr lang="en" altLang="zh-CN" dirty="0">
+                <a:solidFill>
+                  <a:srgbClr val="000000"/>
+                </a:solidFill>
+                <a:latin typeface="Menlo" panose="020B0609030804020204" pitchFamily="49" charset="0"/>
+              </a:rPr>
+              <a:t>)</a:t>
+            </a:r>
+            <a:r>
+              <a:rPr lang="en" altLang="zh-CN" dirty="0">
+                <a:solidFill>
+                  <a:srgbClr val="A31515"/>
+                </a:solidFill>
+                <a:latin typeface="Menlo" panose="020B0609030804020204" pitchFamily="49" charset="0"/>
+              </a:rPr>
+              <a:t>'C'</a:t>
+            </a:r>
+            <a:r>
+              <a:rPr lang="en" altLang="zh-CN" dirty="0">
+                <a:solidFill>
+                  <a:srgbClr val="000000"/>
+                </a:solidFill>
+                <a:latin typeface="Menlo" panose="020B0609030804020204" pitchFamily="49" charset="0"/>
+              </a:rPr>
+              <a:t>;</a:t>
+            </a:r>
+            <a:r>
+              <a:rPr lang="en" altLang="zh-CN" dirty="0">
+                <a:solidFill>
+                  <a:srgbClr val="008000"/>
+                </a:solidFill>
+                <a:latin typeface="Menlo" panose="020B0609030804020204" pitchFamily="49" charset="0"/>
+              </a:rPr>
+              <a:t> // explicit conversion, C-style</a:t>
+            </a:r>
+            <a:endParaRPr lang="en" altLang="zh-CN" dirty="0">
+              <a:solidFill>
+                <a:srgbClr val="000000"/>
+              </a:solidFill>
+              <a:latin typeface="Menlo" panose="020B0609030804020204" pitchFamily="49" charset="0"/>
+            </a:endParaRPr>
+          </a:p>
+          <a:p>
+            <a:r>
+              <a:rPr lang="en" altLang="zh-CN" dirty="0">
+                <a:solidFill>
+                  <a:srgbClr val="0000FF"/>
+                </a:solidFill>
+                <a:latin typeface="Menlo" panose="020B0609030804020204" pitchFamily="49" charset="0"/>
+              </a:rPr>
+              <a:t>int</a:t>
+            </a:r>
+            <a:r>
+              <a:rPr lang="en" altLang="zh-CN" dirty="0">
+                <a:solidFill>
+                  <a:srgbClr val="000000"/>
+                </a:solidFill>
+                <a:latin typeface="Menlo" panose="020B0609030804020204" pitchFamily="49" charset="0"/>
+              </a:rPr>
+              <a:t> </a:t>
+            </a:r>
+            <a:r>
+              <a:rPr lang="en" altLang="zh-CN" dirty="0">
+                <a:solidFill>
+                  <a:srgbClr val="001080"/>
+                </a:solidFill>
+                <a:latin typeface="Menlo" panose="020B0609030804020204" pitchFamily="49" charset="0"/>
+              </a:rPr>
+              <a:t>num_int4</a:t>
+            </a:r>
+            <a:r>
+              <a:rPr lang="en" altLang="zh-CN" dirty="0">
+                <a:solidFill>
+                  <a:srgbClr val="000000"/>
+                </a:solidFill>
+                <a:latin typeface="Menlo" panose="020B0609030804020204" pitchFamily="49" charset="0"/>
+              </a:rPr>
+              <a:t> = </a:t>
+            </a:r>
+            <a:r>
+              <a:rPr lang="en" altLang="zh-CN" dirty="0">
+                <a:solidFill>
+                  <a:srgbClr val="0000FF"/>
+                </a:solidFill>
+                <a:latin typeface="Menlo" panose="020B0609030804020204" pitchFamily="49" charset="0"/>
+              </a:rPr>
+              <a:t>int</a:t>
+            </a:r>
+            <a:r>
+              <a:rPr lang="en" altLang="zh-CN" dirty="0">
+                <a:solidFill>
+                  <a:srgbClr val="000000"/>
+                </a:solidFill>
+                <a:latin typeface="Menlo" panose="020B0609030804020204" pitchFamily="49" charset="0"/>
+              </a:rPr>
+              <a:t>(</a:t>
+            </a:r>
+            <a:r>
+              <a:rPr lang="en" altLang="zh-CN" dirty="0">
+                <a:solidFill>
+                  <a:srgbClr val="A31515"/>
+                </a:solidFill>
+                <a:latin typeface="Menlo" panose="020B0609030804020204" pitchFamily="49" charset="0"/>
+              </a:rPr>
+              <a:t>'C'</a:t>
+            </a:r>
+            <a:r>
+              <a:rPr lang="en" altLang="zh-CN" dirty="0">
+                <a:solidFill>
+                  <a:srgbClr val="000000"/>
+                </a:solidFill>
+                <a:latin typeface="Menlo" panose="020B0609030804020204" pitchFamily="49" charset="0"/>
+              </a:rPr>
+              <a:t>);</a:t>
+            </a:r>
+            <a:r>
+              <a:rPr lang="en" altLang="zh-CN" dirty="0">
+                <a:solidFill>
+                  <a:srgbClr val="008000"/>
+                </a:solidFill>
+                <a:latin typeface="Menlo" panose="020B0609030804020204" pitchFamily="49" charset="0"/>
+              </a:rPr>
+              <a:t> // explicit conversion, function style</a:t>
+            </a:r>
+            <a:endParaRPr lang="en" altLang="zh-CN" dirty="0">
+              <a:solidFill>
+                <a:srgbClr val="000000"/>
+              </a:solidFill>
+              <a:latin typeface="Menlo" panose="020B0609030804020204" pitchFamily="49" charset="0"/>
+            </a:endParaRPr>
+          </a:p>
+          <a:p>
+            <a:r>
+              <a:rPr lang="en" altLang="zh-CN" dirty="0">
+                <a:solidFill>
+                  <a:srgbClr val="0000FF"/>
+                </a:solidFill>
+                <a:latin typeface="Menlo" panose="020B0609030804020204" pitchFamily="49" charset="0"/>
+              </a:rPr>
+              <a:t>int</a:t>
+            </a:r>
+            <a:r>
+              <a:rPr lang="en" altLang="zh-CN" dirty="0">
+                <a:solidFill>
+                  <a:srgbClr val="000000"/>
+                </a:solidFill>
+                <a:latin typeface="Menlo" panose="020B0609030804020204" pitchFamily="49" charset="0"/>
+              </a:rPr>
+              <a:t> </a:t>
+            </a:r>
+            <a:r>
+              <a:rPr lang="en" altLang="zh-CN" dirty="0">
+                <a:solidFill>
+                  <a:srgbClr val="001080"/>
+                </a:solidFill>
+                <a:latin typeface="Menlo" panose="020B0609030804020204" pitchFamily="49" charset="0"/>
+              </a:rPr>
+              <a:t>num_int5</a:t>
+            </a:r>
+            <a:r>
+              <a:rPr lang="en" altLang="zh-CN" dirty="0">
+                <a:solidFill>
+                  <a:srgbClr val="000000"/>
+                </a:solidFill>
+                <a:latin typeface="Menlo" panose="020B0609030804020204" pitchFamily="49" charset="0"/>
+              </a:rPr>
+              <a:t> = </a:t>
+            </a:r>
+            <a:r>
+              <a:rPr lang="en" altLang="zh-CN" dirty="0">
+                <a:solidFill>
+                  <a:srgbClr val="098658"/>
+                </a:solidFill>
+                <a:latin typeface="Menlo" panose="020B0609030804020204" pitchFamily="49" charset="0"/>
+              </a:rPr>
+              <a:t>2.8</a:t>
+            </a:r>
+            <a:r>
+              <a:rPr lang="en" altLang="zh-CN" dirty="0">
+                <a:solidFill>
+                  <a:srgbClr val="000000"/>
+                </a:solidFill>
+                <a:latin typeface="Menlo" panose="020B0609030804020204" pitchFamily="49" charset="0"/>
+              </a:rPr>
+              <a:t>;</a:t>
+            </a:r>
+            <a:r>
+              <a:rPr lang="en" altLang="zh-CN" dirty="0">
+                <a:solidFill>
+                  <a:srgbClr val="008000"/>
+                </a:solidFill>
+                <a:latin typeface="Menlo" panose="020B0609030804020204" pitchFamily="49" charset="0"/>
+              </a:rPr>
+              <a:t> //implicit conversion</a:t>
+            </a:r>
+            <a:endParaRPr lang="en" altLang="zh-CN" dirty="0">
+              <a:solidFill>
+                <a:srgbClr val="000000"/>
+              </a:solidFill>
+              <a:latin typeface="Menlo" panose="020B0609030804020204" pitchFamily="49" charset="0"/>
+            </a:endParaRPr>
+          </a:p>
+          <a:p>
+            <a:r>
+              <a:rPr lang="en" altLang="zh-CN" dirty="0">
+                <a:solidFill>
+                  <a:srgbClr val="0000FF"/>
+                </a:solidFill>
+                <a:latin typeface="Menlo" panose="020B0609030804020204" pitchFamily="49" charset="0"/>
+              </a:rPr>
+              <a:t>float</a:t>
+            </a:r>
+            <a:r>
+              <a:rPr lang="en" altLang="zh-CN" dirty="0">
+                <a:solidFill>
+                  <a:srgbClr val="000000"/>
+                </a:solidFill>
+                <a:latin typeface="Menlo" panose="020B0609030804020204" pitchFamily="49" charset="0"/>
+              </a:rPr>
+              <a:t> </a:t>
+            </a:r>
+            <a:r>
+              <a:rPr lang="en" altLang="zh-CN" dirty="0" err="1">
+                <a:solidFill>
+                  <a:srgbClr val="001080"/>
+                </a:solidFill>
+                <a:latin typeface="Menlo" panose="020B0609030804020204" pitchFamily="49" charset="0"/>
+              </a:rPr>
+              <a:t>num_float</a:t>
+            </a:r>
+            <a:r>
+              <a:rPr lang="en" altLang="zh-CN" dirty="0">
+                <a:solidFill>
+                  <a:srgbClr val="000000"/>
+                </a:solidFill>
+                <a:latin typeface="Menlo" panose="020B0609030804020204" pitchFamily="49" charset="0"/>
+              </a:rPr>
+              <a:t> = </a:t>
+            </a:r>
+            <a:r>
+              <a:rPr lang="en" altLang="zh-CN" dirty="0">
+                <a:solidFill>
+                  <a:srgbClr val="098658"/>
+                </a:solidFill>
+                <a:latin typeface="Menlo" panose="020B0609030804020204" pitchFamily="49" charset="0"/>
+              </a:rPr>
+              <a:t>2.3</a:t>
+            </a:r>
+            <a:r>
+              <a:rPr lang="en" altLang="zh-CN" dirty="0">
+                <a:solidFill>
+                  <a:srgbClr val="000000"/>
+                </a:solidFill>
+                <a:latin typeface="Menlo" panose="020B0609030804020204" pitchFamily="49" charset="0"/>
+              </a:rPr>
+              <a:t>;</a:t>
+            </a:r>
+            <a:r>
+              <a:rPr lang="en" altLang="zh-CN" dirty="0">
+                <a:solidFill>
+                  <a:srgbClr val="008000"/>
+                </a:solidFill>
+                <a:latin typeface="Menlo" panose="020B0609030804020204" pitchFamily="49" charset="0"/>
+              </a:rPr>
+              <a:t> //implicit conversion from double to float</a:t>
+            </a:r>
+            <a:endParaRPr lang="en" altLang="zh-CN" dirty="0">
+              <a:solidFill>
+                <a:srgbClr val="000000"/>
+              </a:solidFill>
+              <a:latin typeface="Menlo" panose="020B0609030804020204" pitchFamily="49" charset="0"/>
+            </a:endParaRPr>
+          </a:p>
+          <a:p>
+            <a:r>
+              <a:rPr lang="en" altLang="zh-CN" dirty="0">
+                <a:solidFill>
+                  <a:srgbClr val="0000FF"/>
+                </a:solidFill>
+                <a:latin typeface="Menlo" panose="020B0609030804020204" pitchFamily="49" charset="0"/>
+              </a:rPr>
+              <a:t>short</a:t>
+            </a:r>
+            <a:r>
+              <a:rPr lang="en" altLang="zh-CN" dirty="0">
+                <a:solidFill>
+                  <a:srgbClr val="000000"/>
+                </a:solidFill>
+                <a:latin typeface="Menlo" panose="020B0609030804020204" pitchFamily="49" charset="0"/>
+              </a:rPr>
+              <a:t> </a:t>
+            </a:r>
+            <a:r>
+              <a:rPr lang="en" altLang="zh-CN" dirty="0" err="1">
+                <a:solidFill>
+                  <a:srgbClr val="001080"/>
+                </a:solidFill>
+                <a:latin typeface="Menlo" panose="020B0609030804020204" pitchFamily="49" charset="0"/>
+              </a:rPr>
+              <a:t>num_short</a:t>
+            </a:r>
+            <a:r>
+              <a:rPr lang="en" altLang="zh-CN" dirty="0">
+                <a:solidFill>
+                  <a:srgbClr val="000000"/>
+                </a:solidFill>
+                <a:latin typeface="Menlo" panose="020B0609030804020204" pitchFamily="49" charset="0"/>
+              </a:rPr>
+              <a:t> = </a:t>
+            </a:r>
+            <a:r>
+              <a:rPr lang="en" altLang="zh-CN" dirty="0">
+                <a:solidFill>
+                  <a:srgbClr val="098658"/>
+                </a:solidFill>
+                <a:latin typeface="Menlo" panose="020B0609030804020204" pitchFamily="49" charset="0"/>
+              </a:rPr>
+              <a:t>650000</a:t>
+            </a:r>
+            <a:r>
+              <a:rPr lang="en" altLang="zh-CN" dirty="0">
+                <a:solidFill>
+                  <a:srgbClr val="000000"/>
+                </a:solidFill>
+                <a:latin typeface="Menlo" panose="020B0609030804020204" pitchFamily="49" charset="0"/>
+              </a:rPr>
+              <a:t>; </a:t>
+            </a:r>
+          </a:p>
+        </p:txBody>
+      </p:sp>
+      <p:sp>
+        <p:nvSpPr>
+          <p:cNvPr id="5" name="矩形 4">
+            <a:extLst>
+              <a:ext uri="{FF2B5EF4-FFF2-40B4-BE49-F238E27FC236}">
+                <a16:creationId xmlns:a16="http://schemas.microsoft.com/office/drawing/2014/main" id="{A767A15E-7D48-5E4C-928D-C7071DDA5640}"/>
+              </a:ext>
+            </a:extLst>
+          </p:cNvPr>
+          <p:cNvSpPr/>
+          <p:nvPr/>
+        </p:nvSpPr>
+        <p:spPr>
+          <a:xfrm>
+            <a:off x="538278" y="932477"/>
+            <a:ext cx="2339102" cy="400110"/>
+          </a:xfrm>
+          <a:prstGeom prst="rect">
+            <a:avLst/>
+          </a:prstGeom>
+          <a:solidFill>
+            <a:schemeClr val="bg1"/>
+          </a:solidFill>
+        </p:spPr>
+        <p:txBody>
+          <a:bodyPr wrap="none">
+            <a:spAutoFit/>
+          </a:bodyPr>
+          <a:lstStyle/>
+          <a:p>
+            <a:r>
+              <a:rPr lang="en" altLang="zh-CN" sz="2000" dirty="0" err="1">
+                <a:solidFill>
+                  <a:srgbClr val="0000CC"/>
+                </a:solidFill>
+                <a:highlight>
+                  <a:srgbClr val="FFFF00"/>
+                </a:highlight>
+                <a:latin typeface="Menlo" panose="020B0609030804020204" pitchFamily="49" charset="0"/>
+              </a:rPr>
+              <a:t>conversion.cpp</a:t>
+            </a:r>
+            <a:endParaRPr lang="zh-CN" altLang="en-US" sz="2000" dirty="0">
+              <a:solidFill>
+                <a:srgbClr val="0000CC"/>
+              </a:solidFill>
+              <a:highlight>
+                <a:srgbClr val="FFFF00"/>
+              </a:highlight>
+            </a:endParaRPr>
+          </a:p>
+        </p:txBody>
+      </p:sp>
+    </p:spTree>
+    <p:extLst>
+      <p:ext uri="{BB962C8B-B14F-4D97-AF65-F5344CB8AC3E}">
+        <p14:creationId xmlns:p14="http://schemas.microsoft.com/office/powerpoint/2010/main" val="3175268015"/>
+      </p:ext>
+    </p:extLst>
+  </p:cSld>
+  <p:clrMapOvr>
+    <a:masterClrMapping/>
+  </p:clrMapOvr>
+</p:sld>
+</file>
+
+<file path=ppt/slides/slide31.xml><?xml version="1.0" encoding="utf-8"?>
 <p:sld xmlns:a="http://schemas.openxmlformats.org/drawingml/2006/main" xmlns:r="http://schemas.openxmlformats.org/officeDocument/2006/relationships" xmlns:p="http://schemas.openxmlformats.org/presentationml/2006/main">
   <p:cSld>
     <p:spTree>
@@ -17345,7 +17460,7 @@
 </p:sld>
 </file>
 
-<file path=ppt/slides/slide31.xml><?xml version="1.0" encoding="utf-8"?>
+<file path=ppt/slides/slide32.xml><?xml version="1.0" encoding="utf-8"?>
 <p:sld xmlns:a="http://schemas.openxmlformats.org/drawingml/2006/main" xmlns:r="http://schemas.openxmlformats.org/officeDocument/2006/relationships" xmlns:p="http://schemas.openxmlformats.org/presentationml/2006/main">
   <p:cSld>
     <p:spTree>
@@ -17664,7 +17779,7 @@
 </p:sld>
 </file>
 
-<file path=ppt/slides/slide32.xml><?xml version="1.0" encoding="utf-8"?>
+<file path=ppt/slides/slide33.xml><?xml version="1.0" encoding="utf-8"?>
 <p:sld xmlns:a="http://schemas.openxmlformats.org/drawingml/2006/main" xmlns:r="http://schemas.openxmlformats.org/officeDocument/2006/relationships" xmlns:p="http://schemas.openxmlformats.org/presentationml/2006/main">
   <p:cSld>
     <p:spTree>
@@ -17870,7 +17985,7 @@
 </p:sld>
 </file>
 
-<file path=ppt/slides/slide33.xml><?xml version="1.0" encoding="utf-8"?>
+<file path=ppt/slides/slide34.xml><?xml version="1.0" encoding="utf-8"?>
 <p:sld xmlns:a="http://schemas.openxmlformats.org/drawingml/2006/main" xmlns:r="http://schemas.openxmlformats.org/officeDocument/2006/relationships" xmlns:p="http://schemas.openxmlformats.org/presentationml/2006/main">
   <p:cSld>
     <p:spTree>
@@ -18287,7 +18402,7 @@
 </p:sld>
 </file>
 
-<file path=ppt/slides/slide34.xml><?xml version="1.0" encoding="utf-8"?>
+<file path=ppt/slides/slide35.xml><?xml version="1.0" encoding="utf-8"?>
 <p:sld xmlns:a="http://schemas.openxmlformats.org/drawingml/2006/main" xmlns:r="http://schemas.openxmlformats.org/officeDocument/2006/relationships" xmlns:p="http://schemas.openxmlformats.org/presentationml/2006/main">
   <p:cSld>
     <p:spTree>

--- a/week02/Lecture02.pptx
+++ b/week02/Lecture02.pptx
@@ -3641,7 +3641,7 @@
           <a:p>
             <a:fld id="{FC19A4FA-3D9A-4114-B0D5-759CBD56F1AB}" type="datetimeFigureOut">
               <a:rPr lang="zh-CN" altLang="en-US" smtClean="0"/>
-              <a:t>2021/9/8</a:t>
+              <a:t>2021/9/9</a:t>
             </a:fld>
             <a:endParaRPr lang="zh-CN" altLang="en-US"/>
           </a:p>
@@ -3716,7 +3716,7 @@
         </p:blipFill>
         <p:spPr>
           <a:xfrm>
-            <a:off x="8610600" y="0"/>
+            <a:off x="65507" y="0"/>
             <a:ext cx="3515893" cy="1007930"/>
           </a:xfrm>
           <a:prstGeom prst="rect">
@@ -3844,7 +3844,7 @@
           <a:p>
             <a:fld id="{FC19A4FA-3D9A-4114-B0D5-759CBD56F1AB}" type="datetimeFigureOut">
               <a:rPr lang="zh-CN" altLang="en-US" smtClean="0"/>
-              <a:t>2021/9/8</a:t>
+              <a:t>2021/9/9</a:t>
             </a:fld>
             <a:endParaRPr lang="zh-CN" altLang="en-US"/>
           </a:p>
@@ -4022,7 +4022,7 @@
           <a:p>
             <a:fld id="{FC19A4FA-3D9A-4114-B0D5-759CBD56F1AB}" type="datetimeFigureOut">
               <a:rPr lang="zh-CN" altLang="en-US" smtClean="0"/>
-              <a:t>2021/9/8</a:t>
+              <a:t>2021/9/9</a:t>
             </a:fld>
             <a:endParaRPr lang="zh-CN" altLang="en-US"/>
           </a:p>
@@ -4100,6 +4100,41 @@
           <a:chExt cx="0" cy="0"/>
         </a:xfrm>
       </p:grpSpPr>
+      <p:pic>
+        <p:nvPicPr>
+          <p:cNvPr id="8" name="图片 7">
+            <a:extLst>
+              <a:ext uri="{FF2B5EF4-FFF2-40B4-BE49-F238E27FC236}">
+                <a16:creationId xmlns:a16="http://schemas.microsoft.com/office/drawing/2014/main" id="{50B810D5-562C-6D40-A798-62FEF5ACFC23}"/>
+              </a:ext>
+            </a:extLst>
+          </p:cNvPr>
+          <p:cNvPicPr>
+            <a:picLocks noChangeAspect="1"/>
+          </p:cNvPicPr>
+          <p:nvPr userDrawn="1"/>
+        </p:nvPicPr>
+        <p:blipFill rotWithShape="1">
+          <a:blip r:embed="rId2" cstate="print">
+            <a:extLst>
+              <a:ext uri="{28A0092B-C50C-407E-A947-70E740481C1C}">
+                <a14:useLocalDpi xmlns:a14="http://schemas.microsoft.com/office/drawing/2010/main" val="0"/>
+              </a:ext>
+            </a:extLst>
+          </a:blip>
+          <a:srcRect l="24618" t="38788" r="61357" b="40606"/>
+          <a:stretch/>
+        </p:blipFill>
+        <p:spPr>
+          <a:xfrm>
+            <a:off x="65507" y="0"/>
+            <a:ext cx="970813" cy="1007930"/>
+          </a:xfrm>
+          <a:prstGeom prst="rect">
+            <a:avLst/>
+          </a:prstGeom>
+        </p:spPr>
+      </p:pic>
       <p:sp>
         <p:nvSpPr>
           <p:cNvPr id="2" name="标题 1"/>
@@ -4211,7 +4246,7 @@
           <a:p>
             <a:fld id="{FC19A4FA-3D9A-4114-B0D5-759CBD56F1AB}" type="datetimeFigureOut">
               <a:rPr lang="zh-CN" altLang="en-US" smtClean="0"/>
-              <a:t>2021/9/8</a:t>
+              <a:t>2021/9/9</a:t>
             </a:fld>
             <a:endParaRPr lang="zh-CN" altLang="en-US"/>
           </a:p>
@@ -4259,36 +4294,6 @@
           </a:p>
         </p:txBody>
       </p:sp>
-      <p:pic>
-        <p:nvPicPr>
-          <p:cNvPr id="7" name="图片 6"/>
-          <p:cNvPicPr>
-            <a:picLocks/>
-          </p:cNvPicPr>
-          <p:nvPr userDrawn="1"/>
-        </p:nvPicPr>
-        <p:blipFill>
-          <a:blip r:embed="rId2" cstate="print">
-            <a:extLst>
-              <a:ext uri="{28A0092B-C50C-407E-A947-70E740481C1C}">
-                <a14:useLocalDpi xmlns:a14="http://schemas.microsoft.com/office/drawing/2010/main" val="0"/>
-              </a:ext>
-            </a:extLst>
-          </a:blip>
-          <a:stretch>
-            <a:fillRect/>
-          </a:stretch>
-        </p:blipFill>
-        <p:spPr>
-          <a:xfrm>
-            <a:off x="113370" y="69174"/>
-            <a:ext cx="1112400" cy="1111682"/>
-          </a:xfrm>
-          <a:prstGeom prst="rect">
-            <a:avLst/>
-          </a:prstGeom>
-        </p:spPr>
-      </p:pic>
     </p:spTree>
     <p:extLst>
       <p:ext uri="{BB962C8B-B14F-4D97-AF65-F5344CB8AC3E}">
@@ -4475,7 +4480,7 @@
           <a:p>
             <a:fld id="{FC19A4FA-3D9A-4114-B0D5-759CBD56F1AB}" type="datetimeFigureOut">
               <a:rPr lang="zh-CN" altLang="en-US" smtClean="0"/>
-              <a:t>2021/9/8</a:t>
+              <a:t>2021/9/9</a:t>
             </a:fld>
             <a:endParaRPr lang="zh-CN" altLang="en-US"/>
           </a:p>
@@ -4525,13 +4530,19 @@
       </p:sp>
       <p:pic>
         <p:nvPicPr>
-          <p:cNvPr id="8" name="图片 7"/>
+          <p:cNvPr id="9" name="图片 8">
+            <a:extLst>
+              <a:ext uri="{FF2B5EF4-FFF2-40B4-BE49-F238E27FC236}">
+                <a16:creationId xmlns:a16="http://schemas.microsoft.com/office/drawing/2014/main" id="{8BBC21BE-914F-984C-819E-13DA00BEE2DF}"/>
+              </a:ext>
+            </a:extLst>
+          </p:cNvPr>
           <p:cNvPicPr>
             <a:picLocks noChangeAspect="1"/>
           </p:cNvPicPr>
           <p:nvPr userDrawn="1"/>
         </p:nvPicPr>
-        <p:blipFill>
+        <p:blipFill rotWithShape="1">
           <a:blip r:embed="rId2" cstate="print">
             <a:extLst>
               <a:ext uri="{28A0092B-C50C-407E-A947-70E740481C1C}">
@@ -4539,14 +4550,13 @@
               </a:ext>
             </a:extLst>
           </a:blip>
-          <a:stretch>
-            <a:fillRect/>
-          </a:stretch>
+          <a:srcRect l="24618" t="38788" r="61357" b="40606"/>
+          <a:stretch/>
         </p:blipFill>
         <p:spPr>
           <a:xfrm>
-            <a:off x="838200" y="469724"/>
-            <a:ext cx="1097495" cy="1111171"/>
+            <a:off x="65507" y="0"/>
+            <a:ext cx="970813" cy="1007930"/>
           </a:xfrm>
           <a:prstGeom prst="rect">
             <a:avLst/>
@@ -4869,7 +4879,7 @@
           <a:p>
             <a:fld id="{FC19A4FA-3D9A-4114-B0D5-759CBD56F1AB}" type="datetimeFigureOut">
               <a:rPr lang="zh-CN" altLang="en-US" smtClean="0"/>
-              <a:t>2021/9/8</a:t>
+              <a:t>2021/9/9</a:t>
             </a:fld>
             <a:endParaRPr lang="zh-CN" altLang="en-US"/>
           </a:p>
@@ -4919,13 +4929,19 @@
       </p:sp>
       <p:pic>
         <p:nvPicPr>
-          <p:cNvPr id="10" name="图片 9"/>
+          <p:cNvPr id="11" name="图片 10">
+            <a:extLst>
+              <a:ext uri="{FF2B5EF4-FFF2-40B4-BE49-F238E27FC236}">
+                <a16:creationId xmlns:a16="http://schemas.microsoft.com/office/drawing/2014/main" id="{94EF34E2-55C5-FE4B-9D4B-1C371C023E40}"/>
+              </a:ext>
+            </a:extLst>
+          </p:cNvPr>
           <p:cNvPicPr>
             <a:picLocks noChangeAspect="1"/>
           </p:cNvPicPr>
           <p:nvPr userDrawn="1"/>
         </p:nvPicPr>
-        <p:blipFill>
+        <p:blipFill rotWithShape="1">
           <a:blip r:embed="rId2" cstate="print">
             <a:extLst>
               <a:ext uri="{28A0092B-C50C-407E-A947-70E740481C1C}">
@@ -4933,14 +4949,13 @@
               </a:ext>
             </a:extLst>
           </a:blip>
-          <a:stretch>
-            <a:fillRect/>
-          </a:stretch>
+          <a:srcRect l="24618" t="38788" r="61357" b="40606"/>
+          <a:stretch/>
         </p:blipFill>
         <p:spPr>
           <a:xfrm>
-            <a:off x="838200" y="469724"/>
-            <a:ext cx="1097495" cy="1111171"/>
+            <a:off x="65507" y="0"/>
+            <a:ext cx="970813" cy="1007930"/>
           </a:xfrm>
           <a:prstGeom prst="rect">
             <a:avLst/>
@@ -5144,7 +5159,7 @@
           <a:p>
             <a:fld id="{FC19A4FA-3D9A-4114-B0D5-759CBD56F1AB}" type="datetimeFigureOut">
               <a:rPr lang="zh-CN" altLang="en-US" smtClean="0"/>
-              <a:t>2021/9/8</a:t>
+              <a:t>2021/9/9</a:t>
             </a:fld>
             <a:endParaRPr lang="zh-CN" altLang="en-US"/>
           </a:p>
@@ -5192,6 +5207,41 @@
           </a:p>
         </p:txBody>
       </p:sp>
+      <p:pic>
+        <p:nvPicPr>
+          <p:cNvPr id="7" name="图片 6">
+            <a:extLst>
+              <a:ext uri="{FF2B5EF4-FFF2-40B4-BE49-F238E27FC236}">
+                <a16:creationId xmlns:a16="http://schemas.microsoft.com/office/drawing/2014/main" id="{AC6DD9DA-D04B-234F-AF7F-359B1655B794}"/>
+              </a:ext>
+            </a:extLst>
+          </p:cNvPr>
+          <p:cNvPicPr>
+            <a:picLocks noChangeAspect="1"/>
+          </p:cNvPicPr>
+          <p:nvPr userDrawn="1"/>
+        </p:nvPicPr>
+        <p:blipFill rotWithShape="1">
+          <a:blip r:embed="rId2" cstate="print">
+            <a:extLst>
+              <a:ext uri="{28A0092B-C50C-407E-A947-70E740481C1C}">
+                <a14:useLocalDpi xmlns:a14="http://schemas.microsoft.com/office/drawing/2010/main" val="0"/>
+              </a:ext>
+            </a:extLst>
+          </a:blip>
+          <a:srcRect l="24618" t="38788" r="61357" b="40606"/>
+          <a:stretch/>
+        </p:blipFill>
+        <p:spPr>
+          <a:xfrm>
+            <a:off x="65507" y="0"/>
+            <a:ext cx="970813" cy="1007930"/>
+          </a:xfrm>
+          <a:prstGeom prst="rect">
+            <a:avLst/>
+          </a:prstGeom>
+        </p:spPr>
+      </p:pic>
     </p:spTree>
     <p:extLst>
       <p:ext uri="{BB962C8B-B14F-4D97-AF65-F5344CB8AC3E}">
@@ -5261,7 +5311,7 @@
           <a:p>
             <a:fld id="{FC19A4FA-3D9A-4114-B0D5-759CBD56F1AB}" type="datetimeFigureOut">
               <a:rPr lang="zh-CN" altLang="en-US" smtClean="0"/>
-              <a:t>2021/9/8</a:t>
+              <a:t>2021/9/9</a:t>
             </a:fld>
             <a:endParaRPr lang="zh-CN" altLang="en-US"/>
           </a:p>
@@ -5309,6 +5359,41 @@
           </a:p>
         </p:txBody>
       </p:sp>
+      <p:pic>
+        <p:nvPicPr>
+          <p:cNvPr id="6" name="图片 5">
+            <a:extLst>
+              <a:ext uri="{FF2B5EF4-FFF2-40B4-BE49-F238E27FC236}">
+                <a16:creationId xmlns:a16="http://schemas.microsoft.com/office/drawing/2014/main" id="{8A27BA66-27EF-F848-B5D4-C6E63ED6969F}"/>
+              </a:ext>
+            </a:extLst>
+          </p:cNvPr>
+          <p:cNvPicPr>
+            <a:picLocks noChangeAspect="1"/>
+          </p:cNvPicPr>
+          <p:nvPr userDrawn="1"/>
+        </p:nvPicPr>
+        <p:blipFill rotWithShape="1">
+          <a:blip r:embed="rId2" cstate="print">
+            <a:extLst>
+              <a:ext uri="{28A0092B-C50C-407E-A947-70E740481C1C}">
+                <a14:useLocalDpi xmlns:a14="http://schemas.microsoft.com/office/drawing/2010/main" val="0"/>
+              </a:ext>
+            </a:extLst>
+          </a:blip>
+          <a:srcRect l="24618" t="38788" r="61357" b="40606"/>
+          <a:stretch/>
+        </p:blipFill>
+        <p:spPr>
+          <a:xfrm>
+            <a:off x="65507" y="0"/>
+            <a:ext cx="970813" cy="1007930"/>
+          </a:xfrm>
+          <a:prstGeom prst="rect">
+            <a:avLst/>
+          </a:prstGeom>
+        </p:spPr>
+      </p:pic>
     </p:spTree>
     <p:extLst>
       <p:ext uri="{BB962C8B-B14F-4D97-AF65-F5344CB8AC3E}">
@@ -5356,7 +5441,7 @@
           <a:p>
             <a:fld id="{FC19A4FA-3D9A-4114-B0D5-759CBD56F1AB}" type="datetimeFigureOut">
               <a:rPr lang="zh-CN" altLang="en-US" smtClean="0"/>
-              <a:t>2021/9/8</a:t>
+              <a:t>2021/9/9</a:t>
             </a:fld>
             <a:endParaRPr lang="zh-CN" altLang="en-US"/>
           </a:p>
@@ -5404,6 +5489,41 @@
           </a:p>
         </p:txBody>
       </p:sp>
+      <p:pic>
+        <p:nvPicPr>
+          <p:cNvPr id="5" name="图片 4">
+            <a:extLst>
+              <a:ext uri="{FF2B5EF4-FFF2-40B4-BE49-F238E27FC236}">
+                <a16:creationId xmlns:a16="http://schemas.microsoft.com/office/drawing/2014/main" id="{60094918-5C39-5840-99AC-03CB479DEC0B}"/>
+              </a:ext>
+            </a:extLst>
+          </p:cNvPr>
+          <p:cNvPicPr>
+            <a:picLocks noChangeAspect="1"/>
+          </p:cNvPicPr>
+          <p:nvPr userDrawn="1"/>
+        </p:nvPicPr>
+        <p:blipFill rotWithShape="1">
+          <a:blip r:embed="rId2" cstate="print">
+            <a:extLst>
+              <a:ext uri="{28A0092B-C50C-407E-A947-70E740481C1C}">
+                <a14:useLocalDpi xmlns:a14="http://schemas.microsoft.com/office/drawing/2010/main" val="0"/>
+              </a:ext>
+            </a:extLst>
+          </a:blip>
+          <a:srcRect l="24618" t="38788" r="61357" b="40606"/>
+          <a:stretch/>
+        </p:blipFill>
+        <p:spPr>
+          <a:xfrm>
+            <a:off x="65507" y="0"/>
+            <a:ext cx="970813" cy="1007930"/>
+          </a:xfrm>
+          <a:prstGeom prst="rect">
+            <a:avLst/>
+          </a:prstGeom>
+        </p:spPr>
+      </p:pic>
     </p:spTree>
     <p:extLst>
       <p:ext uri="{BB962C8B-B14F-4D97-AF65-F5344CB8AC3E}">
@@ -5631,7 +5751,7 @@
           <a:p>
             <a:fld id="{FC19A4FA-3D9A-4114-B0D5-759CBD56F1AB}" type="datetimeFigureOut">
               <a:rPr lang="zh-CN" altLang="en-US" smtClean="0"/>
-              <a:t>2021/9/8</a:t>
+              <a:t>2021/9/9</a:t>
             </a:fld>
             <a:endParaRPr lang="zh-CN" altLang="en-US"/>
           </a:p>
@@ -5679,6 +5799,41 @@
           </a:p>
         </p:txBody>
       </p:sp>
+      <p:pic>
+        <p:nvPicPr>
+          <p:cNvPr id="8" name="图片 7">
+            <a:extLst>
+              <a:ext uri="{FF2B5EF4-FFF2-40B4-BE49-F238E27FC236}">
+                <a16:creationId xmlns:a16="http://schemas.microsoft.com/office/drawing/2014/main" id="{071DD87C-9BE8-504F-A482-28FE7FDABCD9}"/>
+              </a:ext>
+            </a:extLst>
+          </p:cNvPr>
+          <p:cNvPicPr>
+            <a:picLocks noChangeAspect="1"/>
+          </p:cNvPicPr>
+          <p:nvPr userDrawn="1"/>
+        </p:nvPicPr>
+        <p:blipFill rotWithShape="1">
+          <a:blip r:embed="rId2" cstate="print">
+            <a:extLst>
+              <a:ext uri="{28A0092B-C50C-407E-A947-70E740481C1C}">
+                <a14:useLocalDpi xmlns:a14="http://schemas.microsoft.com/office/drawing/2010/main" val="0"/>
+              </a:ext>
+            </a:extLst>
+          </a:blip>
+          <a:srcRect l="24618" t="38788" r="61357" b="40606"/>
+          <a:stretch/>
+        </p:blipFill>
+        <p:spPr>
+          <a:xfrm>
+            <a:off x="65507" y="0"/>
+            <a:ext cx="970813" cy="1007930"/>
+          </a:xfrm>
+          <a:prstGeom prst="rect">
+            <a:avLst/>
+          </a:prstGeom>
+        </p:spPr>
+      </p:pic>
     </p:spTree>
     <p:extLst>
       <p:ext uri="{BB962C8B-B14F-4D97-AF65-F5344CB8AC3E}">
@@ -5883,7 +6038,7 @@
           <a:p>
             <a:fld id="{FC19A4FA-3D9A-4114-B0D5-759CBD56F1AB}" type="datetimeFigureOut">
               <a:rPr lang="zh-CN" altLang="en-US" smtClean="0"/>
-              <a:t>2021/9/8</a:t>
+              <a:t>2021/9/9</a:t>
             </a:fld>
             <a:endParaRPr lang="zh-CN" altLang="en-US"/>
           </a:p>
@@ -5931,6 +6086,41 @@
           </a:p>
         </p:txBody>
       </p:sp>
+      <p:pic>
+        <p:nvPicPr>
+          <p:cNvPr id="8" name="图片 7">
+            <a:extLst>
+              <a:ext uri="{FF2B5EF4-FFF2-40B4-BE49-F238E27FC236}">
+                <a16:creationId xmlns:a16="http://schemas.microsoft.com/office/drawing/2014/main" id="{B4FF3E64-915C-7F40-AA27-6031D114BFB0}"/>
+              </a:ext>
+            </a:extLst>
+          </p:cNvPr>
+          <p:cNvPicPr>
+            <a:picLocks noChangeAspect="1"/>
+          </p:cNvPicPr>
+          <p:nvPr userDrawn="1"/>
+        </p:nvPicPr>
+        <p:blipFill rotWithShape="1">
+          <a:blip r:embed="rId2" cstate="print">
+            <a:extLst>
+              <a:ext uri="{28A0092B-C50C-407E-A947-70E740481C1C}">
+                <a14:useLocalDpi xmlns:a14="http://schemas.microsoft.com/office/drawing/2010/main" val="0"/>
+              </a:ext>
+            </a:extLst>
+          </a:blip>
+          <a:srcRect l="24618" t="38788" r="61357" b="40606"/>
+          <a:stretch/>
+        </p:blipFill>
+        <p:spPr>
+          <a:xfrm>
+            <a:off x="65507" y="0"/>
+            <a:ext cx="970813" cy="1007930"/>
+          </a:xfrm>
+          <a:prstGeom prst="rect">
+            <a:avLst/>
+          </a:prstGeom>
+        </p:spPr>
+      </p:pic>
     </p:spTree>
     <p:extLst>
       <p:ext uri="{BB962C8B-B14F-4D97-AF65-F5344CB8AC3E}">
@@ -6141,7 +6331,7 @@
           <a:p>
             <a:fld id="{FC19A4FA-3D9A-4114-B0D5-759CBD56F1AB}" type="datetimeFigureOut">
               <a:rPr lang="zh-CN" altLang="en-US" smtClean="0"/>
-              <a:t>2021/9/8</a:t>
+              <a:t>2021/9/9</a:t>
             </a:fld>
             <a:endParaRPr lang="zh-CN" altLang="en-US"/>
           </a:p>

--- a/week02/Lecture02.pptx
+++ b/week02/Lecture02.pptx
@@ -15,31 +15,33 @@
     <p:sldId id="262" r:id="rId9"/>
     <p:sldId id="266" r:id="rId10"/>
     <p:sldId id="267" r:id="rId11"/>
-    <p:sldId id="265" r:id="rId12"/>
-    <p:sldId id="279" r:id="rId13"/>
-    <p:sldId id="268" r:id="rId14"/>
-    <p:sldId id="270" r:id="rId15"/>
-    <p:sldId id="271" r:id="rId16"/>
-    <p:sldId id="269" r:id="rId17"/>
-    <p:sldId id="273" r:id="rId18"/>
-    <p:sldId id="420" r:id="rId19"/>
-    <p:sldId id="421" r:id="rId20"/>
-    <p:sldId id="272" r:id="rId21"/>
-    <p:sldId id="288" r:id="rId22"/>
-    <p:sldId id="277" r:id="rId23"/>
-    <p:sldId id="276" r:id="rId24"/>
-    <p:sldId id="275" r:id="rId25"/>
-    <p:sldId id="280" r:id="rId26"/>
-    <p:sldId id="286" r:id="rId27"/>
-    <p:sldId id="274" r:id="rId28"/>
-    <p:sldId id="281" r:id="rId29"/>
-    <p:sldId id="282" r:id="rId30"/>
-    <p:sldId id="283" r:id="rId31"/>
-    <p:sldId id="285" r:id="rId32"/>
-    <p:sldId id="287" r:id="rId33"/>
-    <p:sldId id="418" r:id="rId34"/>
-    <p:sldId id="419" r:id="rId35"/>
-    <p:sldId id="284" r:id="rId36"/>
+    <p:sldId id="422" r:id="rId12"/>
+    <p:sldId id="265" r:id="rId13"/>
+    <p:sldId id="279" r:id="rId14"/>
+    <p:sldId id="268" r:id="rId15"/>
+    <p:sldId id="270" r:id="rId16"/>
+    <p:sldId id="271" r:id="rId17"/>
+    <p:sldId id="269" r:id="rId18"/>
+    <p:sldId id="273" r:id="rId19"/>
+    <p:sldId id="420" r:id="rId20"/>
+    <p:sldId id="423" r:id="rId21"/>
+    <p:sldId id="421" r:id="rId22"/>
+    <p:sldId id="272" r:id="rId23"/>
+    <p:sldId id="288" r:id="rId24"/>
+    <p:sldId id="277" r:id="rId25"/>
+    <p:sldId id="276" r:id="rId26"/>
+    <p:sldId id="275" r:id="rId27"/>
+    <p:sldId id="280" r:id="rId28"/>
+    <p:sldId id="286" r:id="rId29"/>
+    <p:sldId id="274" r:id="rId30"/>
+    <p:sldId id="281" r:id="rId31"/>
+    <p:sldId id="282" r:id="rId32"/>
+    <p:sldId id="283" r:id="rId33"/>
+    <p:sldId id="285" r:id="rId34"/>
+    <p:sldId id="287" r:id="rId35"/>
+    <p:sldId id="418" r:id="rId36"/>
+    <p:sldId id="419" r:id="rId37"/>
+    <p:sldId id="284" r:id="rId38"/>
   </p:sldIdLst>
   <p:sldSz cx="12192000" cy="6858000"/>
   <p:notesSz cx="6858000" cy="9144000"/>
@@ -3641,7 +3643,7 @@
           <a:p>
             <a:fld id="{FC19A4FA-3D9A-4114-B0D5-759CBD56F1AB}" type="datetimeFigureOut">
               <a:rPr lang="zh-CN" altLang="en-US" smtClean="0"/>
-              <a:t>2021/9/9</a:t>
+              <a:t>2021/9/10</a:t>
             </a:fld>
             <a:endParaRPr lang="zh-CN" altLang="en-US"/>
           </a:p>
@@ -3844,7 +3846,7 @@
           <a:p>
             <a:fld id="{FC19A4FA-3D9A-4114-B0D5-759CBD56F1AB}" type="datetimeFigureOut">
               <a:rPr lang="zh-CN" altLang="en-US" smtClean="0"/>
-              <a:t>2021/9/9</a:t>
+              <a:t>2021/9/10</a:t>
             </a:fld>
             <a:endParaRPr lang="zh-CN" altLang="en-US"/>
           </a:p>
@@ -4022,7 +4024,7 @@
           <a:p>
             <a:fld id="{FC19A4FA-3D9A-4114-B0D5-759CBD56F1AB}" type="datetimeFigureOut">
               <a:rPr lang="zh-CN" altLang="en-US" smtClean="0"/>
-              <a:t>2021/9/9</a:t>
+              <a:t>2021/9/10</a:t>
             </a:fld>
             <a:endParaRPr lang="zh-CN" altLang="en-US"/>
           </a:p>
@@ -4246,7 +4248,7 @@
           <a:p>
             <a:fld id="{FC19A4FA-3D9A-4114-B0D5-759CBD56F1AB}" type="datetimeFigureOut">
               <a:rPr lang="zh-CN" altLang="en-US" smtClean="0"/>
-              <a:t>2021/9/9</a:t>
+              <a:t>2021/9/10</a:t>
             </a:fld>
             <a:endParaRPr lang="zh-CN" altLang="en-US"/>
           </a:p>
@@ -4480,7 +4482,7 @@
           <a:p>
             <a:fld id="{FC19A4FA-3D9A-4114-B0D5-759CBD56F1AB}" type="datetimeFigureOut">
               <a:rPr lang="zh-CN" altLang="en-US" smtClean="0"/>
-              <a:t>2021/9/9</a:t>
+              <a:t>2021/9/10</a:t>
             </a:fld>
             <a:endParaRPr lang="zh-CN" altLang="en-US"/>
           </a:p>
@@ -4879,7 +4881,7 @@
           <a:p>
             <a:fld id="{FC19A4FA-3D9A-4114-B0D5-759CBD56F1AB}" type="datetimeFigureOut">
               <a:rPr lang="zh-CN" altLang="en-US" smtClean="0"/>
-              <a:t>2021/9/9</a:t>
+              <a:t>2021/9/10</a:t>
             </a:fld>
             <a:endParaRPr lang="zh-CN" altLang="en-US"/>
           </a:p>
@@ -5159,7 +5161,7 @@
           <a:p>
             <a:fld id="{FC19A4FA-3D9A-4114-B0D5-759CBD56F1AB}" type="datetimeFigureOut">
               <a:rPr lang="zh-CN" altLang="en-US" smtClean="0"/>
-              <a:t>2021/9/9</a:t>
+              <a:t>2021/9/10</a:t>
             </a:fld>
             <a:endParaRPr lang="zh-CN" altLang="en-US"/>
           </a:p>
@@ -5311,7 +5313,7 @@
           <a:p>
             <a:fld id="{FC19A4FA-3D9A-4114-B0D5-759CBD56F1AB}" type="datetimeFigureOut">
               <a:rPr lang="zh-CN" altLang="en-US" smtClean="0"/>
-              <a:t>2021/9/9</a:t>
+              <a:t>2021/9/10</a:t>
             </a:fld>
             <a:endParaRPr lang="zh-CN" altLang="en-US"/>
           </a:p>
@@ -5441,7 +5443,7 @@
           <a:p>
             <a:fld id="{FC19A4FA-3D9A-4114-B0D5-759CBD56F1AB}" type="datetimeFigureOut">
               <a:rPr lang="zh-CN" altLang="en-US" smtClean="0"/>
-              <a:t>2021/9/9</a:t>
+              <a:t>2021/9/10</a:t>
             </a:fld>
             <a:endParaRPr lang="zh-CN" altLang="en-US"/>
           </a:p>
@@ -5751,7 +5753,7 @@
           <a:p>
             <a:fld id="{FC19A4FA-3D9A-4114-B0D5-759CBD56F1AB}" type="datetimeFigureOut">
               <a:rPr lang="zh-CN" altLang="en-US" smtClean="0"/>
-              <a:t>2021/9/9</a:t>
+              <a:t>2021/9/10</a:t>
             </a:fld>
             <a:endParaRPr lang="zh-CN" altLang="en-US"/>
           </a:p>
@@ -6038,7 +6040,7 @@
           <a:p>
             <a:fld id="{FC19A4FA-3D9A-4114-B0D5-759CBD56F1AB}" type="datetimeFigureOut">
               <a:rPr lang="zh-CN" altLang="en-US" smtClean="0"/>
-              <a:t>2021/9/9</a:t>
+              <a:t>2021/9/10</a:t>
             </a:fld>
             <a:endParaRPr lang="zh-CN" altLang="en-US"/>
           </a:p>
@@ -6331,7 +6333,7 @@
           <a:p>
             <a:fld id="{FC19A4FA-3D9A-4114-B0D5-759CBD56F1AB}" type="datetimeFigureOut">
               <a:rPr lang="zh-CN" altLang="en-US" smtClean="0"/>
-              <a:t>2021/9/9</a:t>
+              <a:t>2021/9/10</a:t>
             </a:fld>
             <a:endParaRPr lang="zh-CN" altLang="en-US"/>
           </a:p>
@@ -8088,6 +8090,90 @@
       </p:grpSpPr>
       <p:sp>
         <p:nvSpPr>
+          <p:cNvPr id="4" name="标题 3">
+            <a:extLst>
+              <a:ext uri="{FF2B5EF4-FFF2-40B4-BE49-F238E27FC236}">
+                <a16:creationId xmlns:a16="http://schemas.microsoft.com/office/drawing/2014/main" id="{0651BCE7-A04C-2C40-BD6D-5D946AFB2027}"/>
+              </a:ext>
+            </a:extLst>
+          </p:cNvPr>
+          <p:cNvSpPr>
+            <a:spLocks noGrp="1"/>
+          </p:cNvSpPr>
+          <p:nvPr>
+            <p:ph type="ctrTitle"/>
+          </p:nvPr>
+        </p:nvSpPr>
+        <p:spPr/>
+        <p:txBody>
+          <a:bodyPr/>
+          <a:lstStyle/>
+          <a:p>
+            <a:r>
+              <a:rPr lang="en-US" altLang="zh-CN" dirty="0"/>
+              <a:t>More Integer Types</a:t>
+            </a:r>
+            <a:endParaRPr lang="zh-CN" altLang="en-US" dirty="0"/>
+          </a:p>
+        </p:txBody>
+      </p:sp>
+      <p:sp>
+        <p:nvSpPr>
+          <p:cNvPr id="5" name="副标题 4">
+            <a:extLst>
+              <a:ext uri="{FF2B5EF4-FFF2-40B4-BE49-F238E27FC236}">
+                <a16:creationId xmlns:a16="http://schemas.microsoft.com/office/drawing/2014/main" id="{FF6343A4-5346-5C4E-BC79-96109689CCA1}"/>
+              </a:ext>
+            </a:extLst>
+          </p:cNvPr>
+          <p:cNvSpPr>
+            <a:spLocks noGrp="1"/>
+          </p:cNvSpPr>
+          <p:nvPr>
+            <p:ph type="subTitle" idx="1"/>
+          </p:nvPr>
+        </p:nvSpPr>
+        <p:spPr/>
+        <p:txBody>
+          <a:bodyPr/>
+          <a:lstStyle/>
+          <a:p>
+            <a:endParaRPr lang="zh-CN" altLang="en-US"/>
+          </a:p>
+        </p:txBody>
+      </p:sp>
+    </p:spTree>
+    <p:extLst>
+      <p:ext uri="{BB962C8B-B14F-4D97-AF65-F5344CB8AC3E}">
+        <p14:creationId xmlns:p14="http://schemas.microsoft.com/office/powerpoint/2010/main" val="1148075582"/>
+      </p:ext>
+    </p:extLst>
+  </p:cSld>
+  <p:clrMapOvr>
+    <a:masterClrMapping/>
+  </p:clrMapOvr>
+</p:sld>
+</file>
+
+<file path=ppt/slides/slide12.xml><?xml version="1.0" encoding="utf-8"?>
+<p:sld xmlns:a="http://schemas.openxmlformats.org/drawingml/2006/main" xmlns:r="http://schemas.openxmlformats.org/officeDocument/2006/relationships" xmlns:p="http://schemas.openxmlformats.org/presentationml/2006/main">
+  <p:cSld>
+    <p:spTree>
+      <p:nvGrpSpPr>
+        <p:cNvPr id="1" name=""/>
+        <p:cNvGrpSpPr/>
+        <p:nvPr/>
+      </p:nvGrpSpPr>
+      <p:grpSpPr>
+        <a:xfrm>
+          <a:off x="0" y="0"/>
+          <a:ext cx="0" cy="0"/>
+          <a:chOff x="0" y="0"/>
+          <a:chExt cx="0" cy="0"/>
+        </a:xfrm>
+      </p:grpSpPr>
+      <p:sp>
+        <p:nvSpPr>
           <p:cNvPr id="2" name="标题 1">
             <a:extLst>
               <a:ext uri="{FF2B5EF4-FFF2-40B4-BE49-F238E27FC236}">
@@ -8147,7 +8233,7 @@
             </a:r>
             <a:r>
               <a:rPr kumimoji="1" lang="en-US" altLang="zh-CN" dirty="0"/>
-              <a:t>: type for character representation, </a:t>
+              <a:t>: type for character, </a:t>
             </a:r>
             <a:r>
               <a:rPr kumimoji="1" lang="en-US" altLang="zh-CN" dirty="0">
@@ -8247,10 +8333,151 @@
   <p:clrMapOvr>
     <a:masterClrMapping/>
   </p:clrMapOvr>
+  <p:timing>
+    <p:tnLst>
+      <p:par>
+        <p:cTn id="1" dur="indefinite" restart="never" nodeType="tmRoot">
+          <p:childTnLst>
+            <p:seq concurrent="1" nextAc="seek">
+              <p:cTn id="2" dur="indefinite" nodeType="mainSeq">
+                <p:childTnLst>
+                  <p:par>
+                    <p:cTn id="3" fill="hold">
+                      <p:stCondLst>
+                        <p:cond delay="indefinite"/>
+                      </p:stCondLst>
+                      <p:childTnLst>
+                        <p:par>
+                          <p:cTn id="4" fill="hold">
+                            <p:stCondLst>
+                              <p:cond delay="0"/>
+                            </p:stCondLst>
+                            <p:childTnLst>
+                              <p:par>
+                                <p:cTn id="5" presetID="1" presetClass="entr" presetSubtype="0" fill="hold" nodeType="clickEffect">
+                                  <p:stCondLst>
+                                    <p:cond delay="0"/>
+                                  </p:stCondLst>
+                                  <p:childTnLst>
+                                    <p:set>
+                                      <p:cBhvr>
+                                        <p:cTn id="6" dur="1" fill="hold">
+                                          <p:stCondLst>
+                                            <p:cond delay="0"/>
+                                          </p:stCondLst>
+                                        </p:cTn>
+                                        <p:tgtEl>
+                                          <p:spTgt spid="3">
+                                            <p:txEl>
+                                              <p:pRg st="2" end="2"/>
+                                            </p:txEl>
+                                          </p:spTgt>
+                                        </p:tgtEl>
+                                        <p:attrNameLst>
+                                          <p:attrName>style.visibility</p:attrName>
+                                        </p:attrNameLst>
+                                      </p:cBhvr>
+                                      <p:to>
+                                        <p:strVal val="visible"/>
+                                      </p:to>
+                                    </p:set>
+                                  </p:childTnLst>
+                                </p:cTn>
+                              </p:par>
+                              <p:par>
+                                <p:cTn id="7" presetID="1" presetClass="entr" presetSubtype="0" fill="hold" nodeType="withEffect">
+                                  <p:stCondLst>
+                                    <p:cond delay="0"/>
+                                  </p:stCondLst>
+                                  <p:childTnLst>
+                                    <p:set>
+                                      <p:cBhvr>
+                                        <p:cTn id="8" dur="1" fill="hold">
+                                          <p:stCondLst>
+                                            <p:cond delay="0"/>
+                                          </p:stCondLst>
+                                        </p:cTn>
+                                        <p:tgtEl>
+                                          <p:spTgt spid="3">
+                                            <p:txEl>
+                                              <p:pRg st="3" end="3"/>
+                                            </p:txEl>
+                                          </p:spTgt>
+                                        </p:tgtEl>
+                                        <p:attrNameLst>
+                                          <p:attrName>style.visibility</p:attrName>
+                                        </p:attrNameLst>
+                                      </p:cBhvr>
+                                      <p:to>
+                                        <p:strVal val="visible"/>
+                                      </p:to>
+                                    </p:set>
+                                  </p:childTnLst>
+                                </p:cTn>
+                              </p:par>
+                              <p:par>
+                                <p:cTn id="9" presetID="1" presetClass="entr" presetSubtype="0" fill="hold" nodeType="withEffect">
+                                  <p:stCondLst>
+                                    <p:cond delay="0"/>
+                                  </p:stCondLst>
+                                  <p:childTnLst>
+                                    <p:set>
+                                      <p:cBhvr>
+                                        <p:cTn id="10" dur="1" fill="hold">
+                                          <p:stCondLst>
+                                            <p:cond delay="0"/>
+                                          </p:stCondLst>
+                                        </p:cTn>
+                                        <p:tgtEl>
+                                          <p:spTgt spid="3">
+                                            <p:txEl>
+                                              <p:pRg st="4" end="4"/>
+                                            </p:txEl>
+                                          </p:spTgt>
+                                        </p:tgtEl>
+                                        <p:attrNameLst>
+                                          <p:attrName>style.visibility</p:attrName>
+                                        </p:attrNameLst>
+                                      </p:cBhvr>
+                                      <p:to>
+                                        <p:strVal val="visible"/>
+                                      </p:to>
+                                    </p:set>
+                                  </p:childTnLst>
+                                </p:cTn>
+                              </p:par>
+                            </p:childTnLst>
+                          </p:cTn>
+                        </p:par>
+                      </p:childTnLst>
+                    </p:cTn>
+                  </p:par>
+                </p:childTnLst>
+              </p:cTn>
+              <p:prevCondLst>
+                <p:cond evt="onPrev" delay="0">
+                  <p:tgtEl>
+                    <p:sldTgt/>
+                  </p:tgtEl>
+                </p:cond>
+              </p:prevCondLst>
+              <p:nextCondLst>
+                <p:cond evt="onNext" delay="0">
+                  <p:tgtEl>
+                    <p:sldTgt/>
+                  </p:tgtEl>
+                </p:cond>
+              </p:nextCondLst>
+            </p:seq>
+          </p:childTnLst>
+        </p:cTn>
+      </p:par>
+    </p:tnLst>
+  </p:timing>
 </p:sld>
 </file>
 
-<file path=ppt/slides/slide12.xml><?xml version="1.0" encoding="utf-8"?>
+<file path=ppt/slides/slide13.xml><?xml version="1.0" encoding="utf-8"?>
 <p:sld xmlns:a="http://schemas.openxmlformats.org/drawingml/2006/main" xmlns:r="http://schemas.openxmlformats.org/officeDocument/2006/relationships" xmlns:p="http://schemas.openxmlformats.org/presentationml/2006/main">
   <p:cSld>
     <p:spTree>
@@ -8319,7 +8546,15 @@
           <a:p>
             <a:r>
               <a:rPr kumimoji="1" lang="en-US" altLang="zh-CN" dirty="0"/>
-              <a:t>How we express a character?</a:t>
+              <a:t>How we </a:t>
+            </a:r>
+            <a:r>
+              <a:rPr lang="en" altLang="zh-CN" dirty="0"/>
+              <a:t>represent</a:t>
+            </a:r>
+            <a:r>
+              <a:rPr kumimoji="1" lang="en-US" altLang="zh-CN" dirty="0"/>
+              <a:t> a character?</a:t>
             </a:r>
           </a:p>
           <a:p>
@@ -8790,10 +9025,151 @@
   <p:clrMapOvr>
     <a:masterClrMapping/>
   </p:clrMapOvr>
+  <p:timing>
+    <p:tnLst>
+      <p:par>
+        <p:cTn id="1" dur="indefinite" restart="never" nodeType="tmRoot">
+          <p:childTnLst>
+            <p:seq concurrent="1" nextAc="seek">
+              <p:cTn id="2" dur="indefinite" nodeType="mainSeq">
+                <p:childTnLst>
+                  <p:par>
+                    <p:cTn id="3" fill="hold">
+                      <p:stCondLst>
+                        <p:cond delay="indefinite"/>
+                      </p:stCondLst>
+                      <p:childTnLst>
+                        <p:par>
+                          <p:cTn id="4" fill="hold">
+                            <p:stCondLst>
+                              <p:cond delay="0"/>
+                            </p:stCondLst>
+                            <p:childTnLst>
+                              <p:par>
+                                <p:cTn id="5" presetID="1" presetClass="entr" presetSubtype="0" fill="hold" nodeType="clickEffect">
+                                  <p:stCondLst>
+                                    <p:cond delay="0"/>
+                                  </p:stCondLst>
+                                  <p:childTnLst>
+                                    <p:set>
+                                      <p:cBhvr>
+                                        <p:cTn id="6" dur="1" fill="hold">
+                                          <p:stCondLst>
+                                            <p:cond delay="0"/>
+                                          </p:stCondLst>
+                                        </p:cTn>
+                                        <p:tgtEl>
+                                          <p:spTgt spid="3">
+                                            <p:txEl>
+                                              <p:pRg st="7" end="7"/>
+                                            </p:txEl>
+                                          </p:spTgt>
+                                        </p:tgtEl>
+                                        <p:attrNameLst>
+                                          <p:attrName>style.visibility</p:attrName>
+                                        </p:attrNameLst>
+                                      </p:cBhvr>
+                                      <p:to>
+                                        <p:strVal val="visible"/>
+                                      </p:to>
+                                    </p:set>
+                                  </p:childTnLst>
+                                </p:cTn>
+                              </p:par>
+                              <p:par>
+                                <p:cTn id="7" presetID="1" presetClass="entr" presetSubtype="0" fill="hold" nodeType="withEffect">
+                                  <p:stCondLst>
+                                    <p:cond delay="0"/>
+                                  </p:stCondLst>
+                                  <p:childTnLst>
+                                    <p:set>
+                                      <p:cBhvr>
+                                        <p:cTn id="8" dur="1" fill="hold">
+                                          <p:stCondLst>
+                                            <p:cond delay="0"/>
+                                          </p:stCondLst>
+                                        </p:cTn>
+                                        <p:tgtEl>
+                                          <p:spTgt spid="3">
+                                            <p:txEl>
+                                              <p:pRg st="8" end="8"/>
+                                            </p:txEl>
+                                          </p:spTgt>
+                                        </p:tgtEl>
+                                        <p:attrNameLst>
+                                          <p:attrName>style.visibility</p:attrName>
+                                        </p:attrNameLst>
+                                      </p:cBhvr>
+                                      <p:to>
+                                        <p:strVal val="visible"/>
+                                      </p:to>
+                                    </p:set>
+                                  </p:childTnLst>
+                                </p:cTn>
+                              </p:par>
+                              <p:par>
+                                <p:cTn id="9" presetID="1" presetClass="entr" presetSubtype="0" fill="hold" nodeType="withEffect">
+                                  <p:stCondLst>
+                                    <p:cond delay="0"/>
+                                  </p:stCondLst>
+                                  <p:childTnLst>
+                                    <p:set>
+                                      <p:cBhvr>
+                                        <p:cTn id="10" dur="1" fill="hold">
+                                          <p:stCondLst>
+                                            <p:cond delay="0"/>
+                                          </p:stCondLst>
+                                        </p:cTn>
+                                        <p:tgtEl>
+                                          <p:spTgt spid="3">
+                                            <p:txEl>
+                                              <p:pRg st="9" end="9"/>
+                                            </p:txEl>
+                                          </p:spTgt>
+                                        </p:tgtEl>
+                                        <p:attrNameLst>
+                                          <p:attrName>style.visibility</p:attrName>
+                                        </p:attrNameLst>
+                                      </p:cBhvr>
+                                      <p:to>
+                                        <p:strVal val="visible"/>
+                                      </p:to>
+                                    </p:set>
+                                  </p:childTnLst>
+                                </p:cTn>
+                              </p:par>
+                            </p:childTnLst>
+                          </p:cTn>
+                        </p:par>
+                      </p:childTnLst>
+                    </p:cTn>
+                  </p:par>
+                </p:childTnLst>
+              </p:cTn>
+              <p:prevCondLst>
+                <p:cond evt="onPrev" delay="0">
+                  <p:tgtEl>
+                    <p:sldTgt/>
+                  </p:tgtEl>
+                </p:cond>
+              </p:prevCondLst>
+              <p:nextCondLst>
+                <p:cond evt="onNext" delay="0">
+                  <p:tgtEl>
+                    <p:sldTgt/>
+                  </p:tgtEl>
+                </p:cond>
+              </p:nextCondLst>
+            </p:seq>
+          </p:childTnLst>
+        </p:cTn>
+      </p:par>
+    </p:tnLst>
+  </p:timing>
 </p:sld>
 </file>
 
-<file path=ppt/slides/slide13.xml><?xml version="1.0" encoding="utf-8"?>
+<file path=ppt/slides/slide14.xml><?xml version="1.0" encoding="utf-8"?>
 <p:sld xmlns:a="http://schemas.openxmlformats.org/drawingml/2006/main" xmlns:r="http://schemas.openxmlformats.org/officeDocument/2006/relationships" xmlns:p="http://schemas.openxmlformats.org/presentationml/2006/main">
   <p:cSld>
     <p:spTree>
@@ -9435,7 +9811,7 @@
 </p:sld>
 </file>
 
-<file path=ppt/slides/slide14.xml><?xml version="1.0" encoding="utf-8"?>
+<file path=ppt/slides/slide15.xml><?xml version="1.0" encoding="utf-8"?>
 <p:sld xmlns:a="http://schemas.openxmlformats.org/drawingml/2006/main" xmlns:r="http://schemas.openxmlformats.org/officeDocument/2006/relationships" xmlns:p="http://schemas.openxmlformats.org/presentationml/2006/main">
   <p:cSld>
     <p:spTree>
@@ -9515,7 +9891,7 @@
           <a:p>
             <a:r>
               <a:rPr kumimoji="1" lang="en-US" altLang="zh-CN" dirty="0"/>
-              <a:t>32-bit int was enough in the past to express the data size</a:t>
+              <a:t>32-bit int was enough in the past to for data length</a:t>
             </a:r>
           </a:p>
           <a:p>
@@ -9544,7 +9920,7 @@
         <p:spPr>
           <a:xfrm>
             <a:off x="838198" y="3214463"/>
-            <a:ext cx="6808305" cy="2416046"/>
+            <a:ext cx="6808305" cy="2932085"/>
           </a:xfrm>
           <a:prstGeom prst="rect">
             <a:avLst/>
@@ -9657,6 +10033,26 @@
                 </a:solidFill>
               </a:rPr>
               <a:t>can store the maximum size of a theoretically possible object of any type</a:t>
+            </a:r>
+          </a:p>
+          <a:p>
+            <a:pPr marL="228600" lvl="0" indent="-228600">
+              <a:lnSpc>
+                <a:spcPct val="90000"/>
+              </a:lnSpc>
+              <a:spcBef>
+                <a:spcPts val="1000"/>
+              </a:spcBef>
+              <a:buFont typeface="Arial" panose="020B0604020202020204" pitchFamily="34" charset="0"/>
+              <a:buChar char="•"/>
+            </a:pPr>
+            <a:r>
+              <a:rPr kumimoji="1" lang="en-US" altLang="zh-CN" sz="2800" dirty="0">
+                <a:solidFill>
+                  <a:prstClr val="black"/>
+                </a:solidFill>
+              </a:rPr>
+              <a:t>32-bit, or 64-bit</a:t>
             </a:r>
             <a:endParaRPr kumimoji="1" lang="zh-CN" altLang="en-US" sz="2800" dirty="0">
               <a:solidFill>
@@ -9676,10 +10072,213 @@
   <p:clrMapOvr>
     <a:masterClrMapping/>
   </p:clrMapOvr>
+  <p:timing>
+    <p:tnLst>
+      <p:par>
+        <p:cTn id="1" dur="indefinite" restart="never" nodeType="tmRoot">
+          <p:childTnLst>
+            <p:seq concurrent="1" nextAc="seek">
+              <p:cTn id="2" dur="indefinite" nodeType="mainSeq">
+                <p:childTnLst>
+                  <p:par>
+                    <p:cTn id="3" fill="hold">
+                      <p:stCondLst>
+                        <p:cond delay="indefinite"/>
+                      </p:stCondLst>
+                      <p:childTnLst>
+                        <p:par>
+                          <p:cTn id="4" fill="hold">
+                            <p:stCondLst>
+                              <p:cond delay="0"/>
+                            </p:stCondLst>
+                            <p:childTnLst>
+                              <p:par>
+                                <p:cTn id="5" presetID="1" presetClass="entr" presetSubtype="0" fill="hold" nodeType="clickEffect">
+                                  <p:stCondLst>
+                                    <p:cond delay="0"/>
+                                  </p:stCondLst>
+                                  <p:childTnLst>
+                                    <p:set>
+                                      <p:cBhvr>
+                                        <p:cTn id="6" dur="1" fill="hold">
+                                          <p:stCondLst>
+                                            <p:cond delay="0"/>
+                                          </p:stCondLst>
+                                        </p:cTn>
+                                        <p:tgtEl>
+                                          <p:spTgt spid="4">
+                                            <p:txEl>
+                                              <p:pRg st="0" end="0"/>
+                                            </p:txEl>
+                                          </p:spTgt>
+                                        </p:tgtEl>
+                                        <p:attrNameLst>
+                                          <p:attrName>style.visibility</p:attrName>
+                                        </p:attrNameLst>
+                                      </p:cBhvr>
+                                      <p:to>
+                                        <p:strVal val="visible"/>
+                                      </p:to>
+                                    </p:set>
+                                  </p:childTnLst>
+                                </p:cTn>
+                              </p:par>
+                              <p:par>
+                                <p:cTn id="7" presetID="1" presetClass="entr" presetSubtype="0" fill="hold" nodeType="withEffect">
+                                  <p:stCondLst>
+                                    <p:cond delay="0"/>
+                                  </p:stCondLst>
+                                  <p:childTnLst>
+                                    <p:set>
+                                      <p:cBhvr>
+                                        <p:cTn id="8" dur="1" fill="hold">
+                                          <p:stCondLst>
+                                            <p:cond delay="0"/>
+                                          </p:stCondLst>
+                                        </p:cTn>
+                                        <p:tgtEl>
+                                          <p:spTgt spid="4">
+                                            <p:txEl>
+                                              <p:pRg st="1" end="1"/>
+                                            </p:txEl>
+                                          </p:spTgt>
+                                        </p:tgtEl>
+                                        <p:attrNameLst>
+                                          <p:attrName>style.visibility</p:attrName>
+                                        </p:attrNameLst>
+                                      </p:cBhvr>
+                                      <p:to>
+                                        <p:strVal val="visible"/>
+                                      </p:to>
+                                    </p:set>
+                                  </p:childTnLst>
+                                </p:cTn>
+                              </p:par>
+                              <p:par>
+                                <p:cTn id="9" presetID="1" presetClass="entr" presetSubtype="0" fill="hold" nodeType="withEffect">
+                                  <p:stCondLst>
+                                    <p:cond delay="0"/>
+                                  </p:stCondLst>
+                                  <p:childTnLst>
+                                    <p:set>
+                                      <p:cBhvr>
+                                        <p:cTn id="10" dur="1" fill="hold">
+                                          <p:stCondLst>
+                                            <p:cond delay="0"/>
+                                          </p:stCondLst>
+                                        </p:cTn>
+                                        <p:tgtEl>
+                                          <p:spTgt spid="4">
+                                            <p:txEl>
+                                              <p:pRg st="2" end="2"/>
+                                            </p:txEl>
+                                          </p:spTgt>
+                                        </p:tgtEl>
+                                        <p:attrNameLst>
+                                          <p:attrName>style.visibility</p:attrName>
+                                        </p:attrNameLst>
+                                      </p:cBhvr>
+                                      <p:to>
+                                        <p:strVal val="visible"/>
+                                      </p:to>
+                                    </p:set>
+                                  </p:childTnLst>
+                                </p:cTn>
+                              </p:par>
+                              <p:par>
+                                <p:cTn id="11" presetID="1" presetClass="entr" presetSubtype="0" fill="hold" nodeType="withEffect">
+                                  <p:stCondLst>
+                                    <p:cond delay="0"/>
+                                  </p:stCondLst>
+                                  <p:childTnLst>
+                                    <p:set>
+                                      <p:cBhvr>
+                                        <p:cTn id="12" dur="1" fill="hold">
+                                          <p:stCondLst>
+                                            <p:cond delay="0"/>
+                                          </p:stCondLst>
+                                        </p:cTn>
+                                        <p:tgtEl>
+                                          <p:spTgt spid="4">
+                                            <p:txEl>
+                                              <p:pRg st="3" end="3"/>
+                                            </p:txEl>
+                                          </p:spTgt>
+                                        </p:tgtEl>
+                                        <p:attrNameLst>
+                                          <p:attrName>style.visibility</p:attrName>
+                                        </p:attrNameLst>
+                                      </p:cBhvr>
+                                      <p:to>
+                                        <p:strVal val="visible"/>
+                                      </p:to>
+                                    </p:set>
+                                  </p:childTnLst>
+                                </p:cTn>
+                              </p:par>
+                              <p:par>
+                                <p:cTn id="13" presetID="1" presetClass="entr" presetSubtype="0" fill="hold" nodeType="withEffect">
+                                  <p:stCondLst>
+                                    <p:cond delay="0"/>
+                                  </p:stCondLst>
+                                  <p:childTnLst>
+                                    <p:set>
+                                      <p:cBhvr>
+                                        <p:cTn id="14" dur="1" fill="hold">
+                                          <p:stCondLst>
+                                            <p:cond delay="0"/>
+                                          </p:stCondLst>
+                                        </p:cTn>
+                                        <p:tgtEl>
+                                          <p:spTgt spid="4">
+                                            <p:txEl>
+                                              <p:pRg st="4" end="4"/>
+                                            </p:txEl>
+                                          </p:spTgt>
+                                        </p:tgtEl>
+                                        <p:attrNameLst>
+                                          <p:attrName>style.visibility</p:attrName>
+                                        </p:attrNameLst>
+                                      </p:cBhvr>
+                                      <p:to>
+                                        <p:strVal val="visible"/>
+                                      </p:to>
+                                    </p:set>
+                                  </p:childTnLst>
+                                </p:cTn>
+                              </p:par>
+                            </p:childTnLst>
+                          </p:cTn>
+                        </p:par>
+                      </p:childTnLst>
+                    </p:cTn>
+                  </p:par>
+                </p:childTnLst>
+              </p:cTn>
+              <p:prevCondLst>
+                <p:cond evt="onPrev" delay="0">
+                  <p:tgtEl>
+                    <p:sldTgt/>
+                  </p:tgtEl>
+                </p:cond>
+              </p:prevCondLst>
+              <p:nextCondLst>
+                <p:cond evt="onNext" delay="0">
+                  <p:tgtEl>
+                    <p:sldTgt/>
+                  </p:tgtEl>
+                </p:cond>
+              </p:nextCondLst>
+            </p:seq>
+          </p:childTnLst>
+        </p:cTn>
+      </p:par>
+    </p:tnLst>
+  </p:timing>
 </p:sld>
 </file>
 
-<file path=ppt/slides/slide15.xml><?xml version="1.0" encoding="utf-8"?>
+<file path=ppt/slides/slide16.xml><?xml version="1.0" encoding="utf-8"?>
 <p:sld xmlns:a="http://schemas.openxmlformats.org/drawingml/2006/main" xmlns:r="http://schemas.openxmlformats.org/officeDocument/2006/relationships" xmlns:p="http://schemas.openxmlformats.org/presentationml/2006/main">
   <p:cSld>
     <p:spTree>
@@ -10618,10 +11217,162 @@
   <p:clrMapOvr>
     <a:masterClrMapping/>
   </p:clrMapOvr>
+  <p:timing>
+    <p:tnLst>
+      <p:par>
+        <p:cTn id="1" dur="indefinite" restart="never" nodeType="tmRoot">
+          <p:childTnLst>
+            <p:seq concurrent="1" nextAc="seek">
+              <p:cTn id="2" dur="indefinite" nodeType="mainSeq">
+                <p:childTnLst>
+                  <p:par>
+                    <p:cTn id="3" fill="hold">
+                      <p:stCondLst>
+                        <p:cond delay="indefinite"/>
+                      </p:stCondLst>
+                      <p:childTnLst>
+                        <p:par>
+                          <p:cTn id="4" fill="hold">
+                            <p:stCondLst>
+                              <p:cond delay="0"/>
+                            </p:stCondLst>
+                            <p:childTnLst>
+                              <p:par>
+                                <p:cTn id="5" presetID="1" presetClass="entr" presetSubtype="0" fill="hold" grpId="0" nodeType="clickEffect">
+                                  <p:stCondLst>
+                                    <p:cond delay="0"/>
+                                  </p:stCondLst>
+                                  <p:childTnLst>
+                                    <p:set>
+                                      <p:cBhvr>
+                                        <p:cTn id="6" dur="1" fill="hold">
+                                          <p:stCondLst>
+                                            <p:cond delay="0"/>
+                                          </p:stCondLst>
+                                        </p:cTn>
+                                        <p:tgtEl>
+                                          <p:spTgt spid="4"/>
+                                        </p:tgtEl>
+                                        <p:attrNameLst>
+                                          <p:attrName>style.visibility</p:attrName>
+                                        </p:attrNameLst>
+                                      </p:cBhvr>
+                                      <p:to>
+                                        <p:strVal val="visible"/>
+                                      </p:to>
+                                    </p:set>
+                                  </p:childTnLst>
+                                </p:cTn>
+                              </p:par>
+                            </p:childTnLst>
+                          </p:cTn>
+                        </p:par>
+                      </p:childTnLst>
+                    </p:cTn>
+                  </p:par>
+                  <p:par>
+                    <p:cTn id="7" fill="hold">
+                      <p:stCondLst>
+                        <p:cond delay="indefinite"/>
+                      </p:stCondLst>
+                      <p:childTnLst>
+                        <p:par>
+                          <p:cTn id="8" fill="hold">
+                            <p:stCondLst>
+                              <p:cond delay="0"/>
+                            </p:stCondLst>
+                            <p:childTnLst>
+                              <p:par>
+                                <p:cTn id="9" presetID="1" presetClass="entr" presetSubtype="0" fill="hold" grpId="0" nodeType="clickEffect">
+                                  <p:stCondLst>
+                                    <p:cond delay="0"/>
+                                  </p:stCondLst>
+                                  <p:childTnLst>
+                                    <p:set>
+                                      <p:cBhvr>
+                                        <p:cTn id="10" dur="1" fill="hold">
+                                          <p:stCondLst>
+                                            <p:cond delay="0"/>
+                                          </p:stCondLst>
+                                        </p:cTn>
+                                        <p:tgtEl>
+                                          <p:spTgt spid="6"/>
+                                        </p:tgtEl>
+                                        <p:attrNameLst>
+                                          <p:attrName>style.visibility</p:attrName>
+                                        </p:attrNameLst>
+                                      </p:cBhvr>
+                                      <p:to>
+                                        <p:strVal val="visible"/>
+                                      </p:to>
+                                    </p:set>
+                                  </p:childTnLst>
+                                </p:cTn>
+                              </p:par>
+                              <p:par>
+                                <p:cTn id="11" presetID="1" presetClass="entr" presetSubtype="0" fill="hold" grpId="0" nodeType="withEffect">
+                                  <p:stCondLst>
+                                    <p:cond delay="0"/>
+                                  </p:stCondLst>
+                                  <p:childTnLst>
+                                    <p:set>
+                                      <p:cBhvr>
+                                        <p:cTn id="12" dur="1" fill="hold">
+                                          <p:stCondLst>
+                                            <p:cond delay="0"/>
+                                          </p:stCondLst>
+                                        </p:cTn>
+                                        <p:tgtEl>
+                                          <p:spTgt spid="5"/>
+                                        </p:tgtEl>
+                                        <p:attrNameLst>
+                                          <p:attrName>style.visibility</p:attrName>
+                                        </p:attrNameLst>
+                                      </p:cBhvr>
+                                      <p:to>
+                                        <p:strVal val="visible"/>
+                                      </p:to>
+                                    </p:set>
+                                  </p:childTnLst>
+                                </p:cTn>
+                              </p:par>
+                            </p:childTnLst>
+                          </p:cTn>
+                        </p:par>
+                      </p:childTnLst>
+                    </p:cTn>
+                  </p:par>
+                </p:childTnLst>
+              </p:cTn>
+              <p:prevCondLst>
+                <p:cond evt="onPrev" delay="0">
+                  <p:tgtEl>
+                    <p:sldTgt/>
+                  </p:tgtEl>
+                </p:cond>
+              </p:prevCondLst>
+              <p:nextCondLst>
+                <p:cond evt="onNext" delay="0">
+                  <p:tgtEl>
+                    <p:sldTgt/>
+                  </p:tgtEl>
+                </p:cond>
+              </p:nextCondLst>
+            </p:seq>
+          </p:childTnLst>
+        </p:cTn>
+      </p:par>
+    </p:tnLst>
+    <p:bldLst>
+      <p:bldP spid="4" grpId="0"/>
+      <p:bldP spid="5" grpId="0" animBg="1"/>
+      <p:bldP spid="6" grpId="0" animBg="1"/>
+    </p:bldLst>
+  </p:timing>
 </p:sld>
 </file>
 
-<file path=ppt/slides/slide16.xml><?xml version="1.0" encoding="utf-8"?>
+<file path=ppt/slides/slide17.xml><?xml version="1.0" encoding="utf-8"?>
 <p:sld xmlns:a="http://schemas.openxmlformats.org/drawingml/2006/main" xmlns:r="http://schemas.openxmlformats.org/officeDocument/2006/relationships" xmlns:p="http://schemas.openxmlformats.org/presentationml/2006/main">
   <p:cSld>
     <p:spTree>
@@ -10638,6 +11389,42 @@
           <a:chExt cx="0" cy="0"/>
         </a:xfrm>
       </p:grpSpPr>
+      <p:pic>
+        <p:nvPicPr>
+          <p:cNvPr id="5" name="图片 4" descr="草地上有许多树&#10;&#10;描述已自动生成">
+            <a:extLst>
+              <a:ext uri="{FF2B5EF4-FFF2-40B4-BE49-F238E27FC236}">
+                <a16:creationId xmlns:a16="http://schemas.microsoft.com/office/drawing/2014/main" id="{9BD2C686-89E1-B44C-80D4-98716A22F3D6}"/>
+              </a:ext>
+            </a:extLst>
+          </p:cNvPr>
+          <p:cNvPicPr>
+            <a:picLocks noChangeAspect="1"/>
+          </p:cNvPicPr>
+          <p:nvPr/>
+        </p:nvPicPr>
+        <p:blipFill>
+          <a:blip r:embed="rId2">
+            <a:extLst>
+              <a:ext uri="{28A0092B-C50C-407E-A947-70E740481C1C}">
+                <a14:useLocalDpi xmlns:a14="http://schemas.microsoft.com/office/drawing/2010/main" val="0"/>
+              </a:ext>
+            </a:extLst>
+          </a:blip>
+          <a:stretch>
+            <a:fillRect/>
+          </a:stretch>
+        </p:blipFill>
+        <p:spPr>
+          <a:xfrm>
+            <a:off x="1314932" y="2520176"/>
+            <a:ext cx="7711687" cy="4337824"/>
+          </a:xfrm>
+          <a:prstGeom prst="rect">
+            <a:avLst/>
+          </a:prstGeom>
+        </p:spPr>
+      </p:pic>
       <p:sp>
         <p:nvSpPr>
           <p:cNvPr id="2" name="标题 1">
@@ -10677,7 +11464,7 @@
             </a:r>
             <a:r>
               <a:rPr kumimoji="1" lang="en-US" altLang="zh-CN" dirty="0"/>
-              <a:t>data type</a:t>
+              <a:t>integer types</a:t>
             </a:r>
             <a:endParaRPr kumimoji="1" lang="zh-CN" altLang="en-US" dirty="0"/>
           </a:p>
@@ -10699,37 +11486,113 @@
             <p:ph idx="1"/>
           </p:nvPr>
         </p:nvSpPr>
-        <p:spPr/>
+        <p:spPr>
+          <a:xfrm>
+            <a:off x="427821" y="1159398"/>
+            <a:ext cx="11325563" cy="1360778"/>
+          </a:xfrm>
+        </p:spPr>
         <p:txBody>
-          <a:bodyPr/>
+          <a:bodyPr>
+            <a:normAutofit/>
+          </a:bodyPr>
           <a:lstStyle/>
           <a:p>
             <a:r>
-              <a:rPr kumimoji="1" lang="en-US" altLang="zh-CN" dirty="0"/>
-              <a:t>Wider integers consume more memory.</a:t>
-            </a:r>
-          </a:p>
-          <a:p>
-            <a:r>
-              <a:rPr kumimoji="1" lang="en-US" altLang="zh-CN" dirty="0"/>
-              <a:t>1M pixels for a 1000x1000 image</a:t>
-            </a:r>
-          </a:p>
-          <a:p>
-            <a:r>
-              <a:rPr kumimoji="1" lang="en-US" altLang="zh-CN" dirty="0"/>
-              <a:t>char(byte) is used for image pixels mostly</a:t>
-            </a:r>
-          </a:p>
-          <a:p>
-            <a:endParaRPr kumimoji="1" lang="en-US" altLang="zh-CN" dirty="0"/>
-          </a:p>
-          <a:p>
-            <a:r>
-              <a:rPr kumimoji="1" lang="en-US" altLang="zh-CN" dirty="0"/>
-              <a:t>Choose a data type carefully, and consider all possibilities </a:t>
-            </a:r>
-            <a:endParaRPr kumimoji="1" lang="zh-CN" altLang="en-US" dirty="0"/>
+              <a:rPr kumimoji="1" lang="en-US" altLang="zh-CN" sz="2000" dirty="0"/>
+              <a:t>Wider integers consume more memory, and slower sometimes</a:t>
+            </a:r>
+          </a:p>
+          <a:p>
+            <a:r>
+              <a:rPr kumimoji="1" lang="en-US" altLang="zh-CN" sz="2000" dirty="0">
+                <a:solidFill>
+                  <a:srgbClr val="0000CC"/>
+                </a:solidFill>
+                <a:latin typeface="Courier" pitchFamily="2" charset="0"/>
+              </a:rPr>
+              <a:t>char</a:t>
+            </a:r>
+            <a:r>
+              <a:rPr kumimoji="1" lang="en-US" altLang="zh-CN" sz="2000" dirty="0"/>
+              <a:t>(</a:t>
+            </a:r>
+            <a:r>
+              <a:rPr kumimoji="1" lang="en-US" altLang="zh-CN" sz="2000" dirty="0">
+                <a:solidFill>
+                  <a:srgbClr val="0000CC"/>
+                </a:solidFill>
+                <a:latin typeface="Courier" pitchFamily="2" charset="0"/>
+              </a:rPr>
+              <a:t>byte</a:t>
+            </a:r>
+            <a:r>
+              <a:rPr kumimoji="1" lang="en-US" altLang="zh-CN" sz="2000" dirty="0"/>
+              <a:t>) is widely used for image pixels</a:t>
+            </a:r>
+          </a:p>
+          <a:p>
+            <a:r>
+              <a:rPr kumimoji="1" lang="en-US" altLang="zh-CN" sz="2000" dirty="0"/>
+              <a:t>Choose a data type carefully, and consider all possibilities (short for wide dynamic range images)</a:t>
+            </a:r>
+            <a:endParaRPr kumimoji="1" lang="zh-CN" altLang="en-US" sz="2000" dirty="0"/>
+          </a:p>
+        </p:txBody>
+      </p:sp>
+      <p:sp>
+        <p:nvSpPr>
+          <p:cNvPr id="6" name="矩形 5">
+            <a:extLst>
+              <a:ext uri="{FF2B5EF4-FFF2-40B4-BE49-F238E27FC236}">
+                <a16:creationId xmlns:a16="http://schemas.microsoft.com/office/drawing/2014/main" id="{8551490D-E14A-F540-B763-C9E4DD4609AE}"/>
+              </a:ext>
+            </a:extLst>
+          </p:cNvPr>
+          <p:cNvSpPr/>
+          <p:nvPr/>
+        </p:nvSpPr>
+        <p:spPr>
+          <a:xfrm>
+            <a:off x="2978754" y="2897432"/>
+            <a:ext cx="4364015" cy="369332"/>
+          </a:xfrm>
+          <a:prstGeom prst="rect">
+            <a:avLst/>
+          </a:prstGeom>
+          <a:solidFill>
+            <a:srgbClr val="FFFF00">
+              <a:alpha val="44000"/>
+            </a:srgbClr>
+          </a:solidFill>
+        </p:spPr>
+        <p:txBody>
+          <a:bodyPr wrap="none">
+            <a:spAutoFit/>
+          </a:bodyPr>
+          <a:lstStyle/>
+          <a:p>
+            <a:r>
+              <a:rPr lang="zh-CN" altLang="en-US" b="1" dirty="0">
+                <a:solidFill>
+                  <a:srgbClr val="0070C0"/>
+                </a:solidFill>
+              </a:rPr>
+              <a:t>6720 × 3780 ×</a:t>
+            </a:r>
+            <a:r>
+              <a:rPr lang="en-US" altLang="zh-CN" b="1" dirty="0">
+                <a:solidFill>
+                  <a:srgbClr val="0070C0"/>
+                </a:solidFill>
+              </a:rPr>
+              <a:t>3 = 76,204,800 = 76M Pixels </a:t>
+            </a:r>
+            <a:endParaRPr lang="zh-CN" altLang="en-US" b="1" dirty="0">
+              <a:solidFill>
+                <a:srgbClr val="0070C0"/>
+              </a:solidFill>
+            </a:endParaRPr>
           </a:p>
         </p:txBody>
       </p:sp>
@@ -10746,7 +11609,7 @@
 </p:sld>
 </file>
 
-<file path=ppt/slides/slide17.xml><?xml version="1.0" encoding="utf-8"?>
+<file path=ppt/slides/slide18.xml><?xml version="1.0" encoding="utf-8"?>
 <p:sld xmlns:a="http://schemas.openxmlformats.org/drawingml/2006/main" xmlns:r="http://schemas.openxmlformats.org/officeDocument/2006/relationships" xmlns:p="http://schemas.openxmlformats.org/presentationml/2006/main">
   <p:cSld>
     <p:spTree>
@@ -10830,7 +11693,7 @@
 </p:sld>
 </file>
 
-<file path=ppt/slides/slide18.xml><?xml version="1.0" encoding="utf-8"?>
+<file path=ppt/slides/slide19.xml><?xml version="1.0" encoding="utf-8"?>
 <p:sld xmlns:a="http://schemas.openxmlformats.org/drawingml/2006/main" xmlns:r="http://schemas.openxmlformats.org/officeDocument/2006/relationships" xmlns:p="http://schemas.openxmlformats.org/presentationml/2006/main">
   <p:cSld>
     <p:spTree>
@@ -11244,7 +12107,16 @@
                 </a:solidFill>
                 <a:latin typeface="Menlo" panose="020B0609030804020204" pitchFamily="49" charset="0"/>
               </a:rPr>
-              <a:t>;</a:t>
+              <a:t>; </a:t>
+            </a:r>
+            <a:r>
+              <a:rPr lang="en" altLang="zh-CN" sz="2000" dirty="0">
+                <a:solidFill>
+                  <a:srgbClr val="098658"/>
+                </a:solidFill>
+                <a:latin typeface="Menlo" panose="020B0609030804020204" pitchFamily="49" charset="0"/>
+              </a:rPr>
+              <a:t>//1.0e15</a:t>
             </a:r>
           </a:p>
           <a:p>
@@ -11768,120 +12640,6 @@
     <p:extLst>
       <p:ext uri="{BB962C8B-B14F-4D97-AF65-F5344CB8AC3E}">
         <p14:creationId xmlns:p14="http://schemas.microsoft.com/office/powerpoint/2010/main" val="2521910001"/>
-      </p:ext>
-    </p:extLst>
-  </p:cSld>
-  <p:clrMapOvr>
-    <a:masterClrMapping/>
-  </p:clrMapOvr>
-</p:sld>
-</file>
-
-<file path=ppt/slides/slide19.xml><?xml version="1.0" encoding="utf-8"?>
-<p:sld xmlns:a="http://schemas.openxmlformats.org/drawingml/2006/main" xmlns:r="http://schemas.openxmlformats.org/officeDocument/2006/relationships" xmlns:p="http://schemas.openxmlformats.org/presentationml/2006/main">
-  <p:cSld>
-    <p:spTree>
-      <p:nvGrpSpPr>
-        <p:cNvPr id="1" name=""/>
-        <p:cNvGrpSpPr/>
-        <p:nvPr/>
-      </p:nvGrpSpPr>
-      <p:grpSpPr>
-        <a:xfrm>
-          <a:off x="0" y="0"/>
-          <a:ext cx="0" cy="0"/>
-          <a:chOff x="0" y="0"/>
-          <a:chExt cx="0" cy="0"/>
-        </a:xfrm>
-      </p:grpSpPr>
-      <p:sp>
-        <p:nvSpPr>
-          <p:cNvPr id="2" name="标题 1">
-            <a:extLst>
-              <a:ext uri="{FF2B5EF4-FFF2-40B4-BE49-F238E27FC236}">
-                <a16:creationId xmlns:a16="http://schemas.microsoft.com/office/drawing/2014/main" id="{12E8CB9D-6233-E14F-8D51-9BAA79DF891F}"/>
-              </a:ext>
-            </a:extLst>
-          </p:cNvPr>
-          <p:cNvSpPr>
-            <a:spLocks noGrp="1"/>
-          </p:cNvSpPr>
-          <p:nvPr>
-            <p:ph type="title"/>
-          </p:nvPr>
-        </p:nvSpPr>
-        <p:spPr/>
-        <p:txBody>
-          <a:bodyPr/>
-          <a:lstStyle/>
-          <a:p>
-            <a:r>
-              <a:rPr kumimoji="1" lang="en" altLang="zh-CN" dirty="0"/>
-              <a:t>Understanding Computing</a:t>
-            </a:r>
-            <a:endParaRPr kumimoji="1" lang="zh-CN" altLang="en-US" dirty="0"/>
-          </a:p>
-        </p:txBody>
-      </p:sp>
-      <p:sp>
-        <p:nvSpPr>
-          <p:cNvPr id="3" name="内容占位符 2">
-            <a:extLst>
-              <a:ext uri="{FF2B5EF4-FFF2-40B4-BE49-F238E27FC236}">
-                <a16:creationId xmlns:a16="http://schemas.microsoft.com/office/drawing/2014/main" id="{2F6D0CDA-7F4F-A248-A606-FC1E9153B66D}"/>
-              </a:ext>
-            </a:extLst>
-          </p:cNvPr>
-          <p:cNvSpPr>
-            <a:spLocks noGrp="1"/>
-          </p:cNvSpPr>
-          <p:nvPr>
-            <p:ph idx="1"/>
-          </p:nvPr>
-        </p:nvSpPr>
-        <p:spPr/>
-        <p:txBody>
-          <a:bodyPr/>
-          <a:lstStyle/>
-          <a:p>
-            <a:r>
-              <a:rPr kumimoji="1" lang="en" altLang="zh-CN" dirty="0"/>
-              <a:t>Are computers always accurate?</a:t>
-            </a:r>
-          </a:p>
-          <a:p>
-            <a:r>
-              <a:rPr lang="en" altLang="zh-CN" dirty="0"/>
-              <a:t>Floating-point operations always bring some tiny errors.</a:t>
-            </a:r>
-          </a:p>
-          <a:p>
-            <a:r>
-              <a:rPr lang="en" altLang="zh-CN" dirty="0"/>
-              <a:t>Those errors cannot be eliminated. </a:t>
-            </a:r>
-          </a:p>
-          <a:p>
-            <a:r>
-              <a:rPr lang="en" altLang="zh-CN" dirty="0"/>
-              <a:t>What we can do: to manage them not to cause a problem.</a:t>
-            </a:r>
-          </a:p>
-          <a:p>
-            <a:endParaRPr lang="en" altLang="zh-CN" dirty="0"/>
-          </a:p>
-          <a:p>
-            <a:endParaRPr kumimoji="1" lang="en" altLang="zh-CN" dirty="0"/>
-          </a:p>
-          <a:p>
-            <a:endParaRPr kumimoji="1" lang="zh-CN" altLang="en-US" dirty="0"/>
-          </a:p>
-        </p:txBody>
-      </p:sp>
-    </p:spTree>
-    <p:extLst>
-      <p:ext uri="{BB962C8B-B14F-4D97-AF65-F5344CB8AC3E}">
-        <p14:creationId xmlns:p14="http://schemas.microsoft.com/office/powerpoint/2010/main" val="2036486744"/>
       </p:ext>
     </p:extLst>
   </p:cSld>
@@ -11997,6 +12755,304 @@
           <p:cNvPr id="2" name="标题 1">
             <a:extLst>
               <a:ext uri="{FF2B5EF4-FFF2-40B4-BE49-F238E27FC236}">
+                <a16:creationId xmlns:a16="http://schemas.microsoft.com/office/drawing/2014/main" id="{3DE93136-FBE3-FD48-ADCD-25038F4AA798}"/>
+              </a:ext>
+            </a:extLst>
+          </p:cNvPr>
+          <p:cNvSpPr>
+            <a:spLocks noGrp="1"/>
+          </p:cNvSpPr>
+          <p:nvPr>
+            <p:ph type="title"/>
+          </p:nvPr>
+        </p:nvSpPr>
+        <p:spPr/>
+        <p:txBody>
+          <a:bodyPr/>
+          <a:lstStyle/>
+          <a:p>
+            <a:endParaRPr kumimoji="1" lang="zh-CN" altLang="en-US" dirty="0"/>
+          </a:p>
+        </p:txBody>
+      </p:sp>
+      <p:sp>
+        <p:nvSpPr>
+          <p:cNvPr id="3" name="内容占位符 2">
+            <a:extLst>
+              <a:ext uri="{FF2B5EF4-FFF2-40B4-BE49-F238E27FC236}">
+                <a16:creationId xmlns:a16="http://schemas.microsoft.com/office/drawing/2014/main" id="{2FDA8672-6AE6-4F40-ABC8-20BF11427694}"/>
+              </a:ext>
+            </a:extLst>
+          </p:cNvPr>
+          <p:cNvSpPr>
+            <a:spLocks noGrp="1"/>
+          </p:cNvSpPr>
+          <p:nvPr>
+            <p:ph idx="1"/>
+          </p:nvPr>
+        </p:nvSpPr>
+        <p:spPr/>
+        <p:txBody>
+          <a:bodyPr/>
+          <a:lstStyle/>
+          <a:p>
+            <a:r>
+              <a:rPr kumimoji="1" lang="en-US" altLang="zh-CN" dirty="0"/>
+              <a:t>How many numbers in range [0, 1]? </a:t>
+            </a:r>
+          </a:p>
+          <a:p>
+            <a:pPr marL="0" indent="0">
+              <a:buNone/>
+            </a:pPr>
+            <a:r>
+              <a:rPr kumimoji="1" lang="en" altLang="zh-CN" dirty="0">
+                <a:solidFill>
+                  <a:srgbClr val="C00000"/>
+                </a:solidFill>
+              </a:rPr>
+              <a:t>		</a:t>
+            </a:r>
+            <a:r>
+              <a:rPr kumimoji="1" lang="en" altLang="zh-CN" sz="3600" dirty="0">
+                <a:solidFill>
+                  <a:srgbClr val="C00000"/>
+                </a:solidFill>
+              </a:rPr>
+              <a:t>Infinite! </a:t>
+            </a:r>
+            <a:endParaRPr kumimoji="1" lang="zh-CN" altLang="en-US" sz="3600" dirty="0">
+              <a:solidFill>
+                <a:srgbClr val="C00000"/>
+              </a:solidFill>
+            </a:endParaRPr>
+          </a:p>
+          <a:p>
+            <a:endParaRPr kumimoji="1" lang="en-US" altLang="zh-CN" dirty="0"/>
+          </a:p>
+          <a:p>
+            <a:r>
+              <a:rPr kumimoji="1" lang="en-US" altLang="zh-CN" dirty="0"/>
+              <a:t>How many numbers can 32 bits </a:t>
+            </a:r>
+            <a:r>
+              <a:rPr lang="en" altLang="zh-CN" dirty="0"/>
+              <a:t>represent</a:t>
+            </a:r>
+            <a:r>
+              <a:rPr kumimoji="1" lang="en-US" altLang="zh-CN" dirty="0"/>
+              <a:t>?</a:t>
+            </a:r>
+          </a:p>
+          <a:p>
+            <a:pPr marL="0" indent="0">
+              <a:buNone/>
+            </a:pPr>
+            <a:r>
+              <a:rPr kumimoji="1" lang="en-US" altLang="zh-CN" dirty="0"/>
+              <a:t>		</a:t>
+            </a:r>
+            <a:r>
+              <a:rPr kumimoji="1" lang="en-US" altLang="zh-CN" sz="4800" dirty="0">
+                <a:solidFill>
+                  <a:srgbClr val="C00000"/>
+                </a:solidFill>
+              </a:rPr>
+              <a:t>2</a:t>
+            </a:r>
+            <a:r>
+              <a:rPr kumimoji="1" lang="en-US" altLang="zh-CN" sz="4800" baseline="30000" dirty="0">
+                <a:solidFill>
+                  <a:srgbClr val="C00000"/>
+                </a:solidFill>
+              </a:rPr>
+              <a:t>32</a:t>
+            </a:r>
+            <a:endParaRPr kumimoji="1" lang="en-US" altLang="zh-CN" dirty="0">
+              <a:solidFill>
+                <a:srgbClr val="C00000"/>
+              </a:solidFill>
+            </a:endParaRPr>
+          </a:p>
+          <a:p>
+            <a:pPr marL="0" indent="0">
+              <a:buNone/>
+            </a:pPr>
+            <a:r>
+              <a:rPr kumimoji="1" lang="en-US" altLang="zh-CN" dirty="0"/>
+              <a:t>	</a:t>
+            </a:r>
+          </a:p>
+          <a:p>
+            <a:r>
+              <a:rPr kumimoji="1" lang="en-US" altLang="zh-CN" dirty="0"/>
+              <a:t>You want 1.2, but </a:t>
+            </a:r>
+            <a:r>
+              <a:rPr kumimoji="1" lang="en-US" altLang="zh-CN" dirty="0">
+                <a:solidFill>
+                  <a:srgbClr val="0000CC"/>
+                </a:solidFill>
+                <a:latin typeface="Courier" pitchFamily="2" charset="0"/>
+              </a:rPr>
+              <a:t>float</a:t>
+            </a:r>
+            <a:r>
+              <a:rPr kumimoji="1" lang="en-US" altLang="zh-CN" dirty="0"/>
+              <a:t> can only provide you 1.200000047683716... </a:t>
+            </a:r>
+          </a:p>
+        </p:txBody>
+      </p:sp>
+    </p:spTree>
+    <p:extLst>
+      <p:ext uri="{BB962C8B-B14F-4D97-AF65-F5344CB8AC3E}">
+        <p14:creationId xmlns:p14="http://schemas.microsoft.com/office/powerpoint/2010/main" val="2053575446"/>
+      </p:ext>
+    </p:extLst>
+  </p:cSld>
+  <p:clrMapOvr>
+    <a:masterClrMapping/>
+  </p:clrMapOvr>
+</p:sld>
+</file>
+
+<file path=ppt/slides/slide21.xml><?xml version="1.0" encoding="utf-8"?>
+<p:sld xmlns:a="http://schemas.openxmlformats.org/drawingml/2006/main" xmlns:r="http://schemas.openxmlformats.org/officeDocument/2006/relationships" xmlns:p="http://schemas.openxmlformats.org/presentationml/2006/main">
+  <p:cSld>
+    <p:spTree>
+      <p:nvGrpSpPr>
+        <p:cNvPr id="1" name=""/>
+        <p:cNvGrpSpPr/>
+        <p:nvPr/>
+      </p:nvGrpSpPr>
+      <p:grpSpPr>
+        <a:xfrm>
+          <a:off x="0" y="0"/>
+          <a:ext cx="0" cy="0"/>
+          <a:chOff x="0" y="0"/>
+          <a:chExt cx="0" cy="0"/>
+        </a:xfrm>
+      </p:grpSpPr>
+      <p:sp>
+        <p:nvSpPr>
+          <p:cNvPr id="2" name="标题 1">
+            <a:extLst>
+              <a:ext uri="{FF2B5EF4-FFF2-40B4-BE49-F238E27FC236}">
+                <a16:creationId xmlns:a16="http://schemas.microsoft.com/office/drawing/2014/main" id="{12E8CB9D-6233-E14F-8D51-9BAA79DF891F}"/>
+              </a:ext>
+            </a:extLst>
+          </p:cNvPr>
+          <p:cNvSpPr>
+            <a:spLocks noGrp="1"/>
+          </p:cNvSpPr>
+          <p:nvPr>
+            <p:ph type="title"/>
+          </p:nvPr>
+        </p:nvSpPr>
+        <p:spPr/>
+        <p:txBody>
+          <a:bodyPr/>
+          <a:lstStyle/>
+          <a:p>
+            <a:r>
+              <a:rPr kumimoji="1" lang="en" altLang="zh-CN" dirty="0"/>
+              <a:t>Understanding Computing</a:t>
+            </a:r>
+            <a:endParaRPr kumimoji="1" lang="zh-CN" altLang="en-US" dirty="0"/>
+          </a:p>
+        </p:txBody>
+      </p:sp>
+      <p:sp>
+        <p:nvSpPr>
+          <p:cNvPr id="3" name="内容占位符 2">
+            <a:extLst>
+              <a:ext uri="{FF2B5EF4-FFF2-40B4-BE49-F238E27FC236}">
+                <a16:creationId xmlns:a16="http://schemas.microsoft.com/office/drawing/2014/main" id="{2F6D0CDA-7F4F-A248-A606-FC1E9153B66D}"/>
+              </a:ext>
+            </a:extLst>
+          </p:cNvPr>
+          <p:cNvSpPr>
+            <a:spLocks noGrp="1"/>
+          </p:cNvSpPr>
+          <p:nvPr>
+            <p:ph idx="1"/>
+          </p:nvPr>
+        </p:nvSpPr>
+        <p:spPr/>
+        <p:txBody>
+          <a:bodyPr/>
+          <a:lstStyle/>
+          <a:p>
+            <a:r>
+              <a:rPr kumimoji="1" lang="en" altLang="zh-CN" dirty="0"/>
+              <a:t>Are computers always accurate?</a:t>
+            </a:r>
+          </a:p>
+          <a:p>
+            <a:r>
+              <a:rPr lang="en" altLang="zh-CN" dirty="0"/>
+              <a:t>Floating-point operations always bring some tiny errors.</a:t>
+            </a:r>
+          </a:p>
+          <a:p>
+            <a:r>
+              <a:rPr lang="en" altLang="zh-CN" dirty="0"/>
+              <a:t>Those errors cannot be eliminated. </a:t>
+            </a:r>
+          </a:p>
+          <a:p>
+            <a:r>
+              <a:rPr lang="en" altLang="zh-CN" dirty="0"/>
+              <a:t>What we can do: to manage them not to cause a problem.</a:t>
+            </a:r>
+          </a:p>
+          <a:p>
+            <a:endParaRPr lang="en" altLang="zh-CN" dirty="0"/>
+          </a:p>
+          <a:p>
+            <a:endParaRPr kumimoji="1" lang="en" altLang="zh-CN" dirty="0"/>
+          </a:p>
+          <a:p>
+            <a:endParaRPr kumimoji="1" lang="zh-CN" altLang="en-US" dirty="0"/>
+          </a:p>
+        </p:txBody>
+      </p:sp>
+    </p:spTree>
+    <p:extLst>
+      <p:ext uri="{BB962C8B-B14F-4D97-AF65-F5344CB8AC3E}">
+        <p14:creationId xmlns:p14="http://schemas.microsoft.com/office/powerpoint/2010/main" val="2036486744"/>
+      </p:ext>
+    </p:extLst>
+  </p:cSld>
+  <p:clrMapOvr>
+    <a:masterClrMapping/>
+  </p:clrMapOvr>
+</p:sld>
+</file>
+
+<file path=ppt/slides/slide22.xml><?xml version="1.0" encoding="utf-8"?>
+<p:sld xmlns:a="http://schemas.openxmlformats.org/drawingml/2006/main" xmlns:r="http://schemas.openxmlformats.org/officeDocument/2006/relationships" xmlns:p="http://schemas.openxmlformats.org/presentationml/2006/main">
+  <p:cSld>
+    <p:spTree>
+      <p:nvGrpSpPr>
+        <p:cNvPr id="1" name=""/>
+        <p:cNvGrpSpPr/>
+        <p:nvPr/>
+      </p:nvGrpSpPr>
+      <p:grpSpPr>
+        <a:xfrm>
+          <a:off x="0" y="0"/>
+          <a:ext cx="0" cy="0"/>
+          <a:chOff x="0" y="0"/>
+          <a:chExt cx="0" cy="0"/>
+        </a:xfrm>
+      </p:grpSpPr>
+      <p:sp>
+        <p:nvSpPr>
+          <p:cNvPr id="2" name="标题 1">
+            <a:extLst>
+              <a:ext uri="{FF2B5EF4-FFF2-40B4-BE49-F238E27FC236}">
                 <a16:creationId xmlns:a16="http://schemas.microsoft.com/office/drawing/2014/main" id="{F203F270-6D15-B148-879A-2F44B1D0D940}"/>
               </a:ext>
             </a:extLst>
@@ -12039,7 +13095,9 @@
         </p:nvSpPr>
         <p:spPr/>
         <p:txBody>
-          <a:bodyPr/>
+          <a:bodyPr>
+            <a:normAutofit lnSpcReduction="10000"/>
+          </a:bodyPr>
           <a:lstStyle/>
           <a:p>
             <a:r>
@@ -12059,6 +13117,24 @@
             </a:r>
           </a:p>
           <a:p>
+            <a:endParaRPr kumimoji="1" lang="en-US" altLang="zh-CN" dirty="0"/>
+          </a:p>
+          <a:p>
+            <a:endParaRPr kumimoji="1" lang="en-US" altLang="zh-CN" dirty="0"/>
+          </a:p>
+          <a:p>
+            <a:pPr marL="0" indent="0">
+              <a:buNone/>
+            </a:pPr>
+            <a:endParaRPr kumimoji="1" lang="en-US" altLang="zh-CN" dirty="0"/>
+          </a:p>
+          <a:p>
+            <a:pPr marL="0" indent="0">
+              <a:buNone/>
+            </a:pPr>
+            <a:endParaRPr kumimoji="1" lang="en-US" altLang="zh-CN" dirty="0"/>
+          </a:p>
+          <a:p>
             <a:r>
               <a:rPr kumimoji="1" lang="en-US" altLang="zh-CN" dirty="0">
                 <a:solidFill>
@@ -12109,93 +13185,23 @@
           <a:p>
             <a:r>
               <a:rPr kumimoji="1" lang="en-US" altLang="zh-CN" dirty="0"/>
-              <a:t>half precision floating-point, 16 bits </a:t>
+              <a:t>half precision floating-point, 16 bits</a:t>
+            </a:r>
+            <a:br>
+              <a:rPr kumimoji="1" lang="en-US" altLang="zh-CN" dirty="0"/>
+            </a:br>
+            <a:r>
+              <a:rPr kumimoji="1" lang="en-US" altLang="zh-CN" dirty="0"/>
+              <a:t> </a:t>
             </a:r>
             <a:r>
               <a:rPr kumimoji="1" lang="en-US" altLang="zh-CN" sz="2000" dirty="0"/>
-              <a:t>(used in deep learning, but not in C++ standard)</a:t>
+              <a:t>(used in deep learning, but not a C++ standard)</a:t>
             </a:r>
             <a:endParaRPr kumimoji="1" lang="zh-CN" altLang="en-US" dirty="0"/>
           </a:p>
         </p:txBody>
       </p:sp>
-      <p:pic>
-        <p:nvPicPr>
-          <p:cNvPr id="2050" name="Picture 2">
-            <a:extLst>
-              <a:ext uri="{FF2B5EF4-FFF2-40B4-BE49-F238E27FC236}">
-                <a16:creationId xmlns:a16="http://schemas.microsoft.com/office/drawing/2014/main" id="{2AB184B9-A987-774B-BEB9-80717DD6BAB8}"/>
-              </a:ext>
-            </a:extLst>
-          </p:cNvPr>
-          <p:cNvPicPr>
-            <a:picLocks noChangeAspect="1" noChangeArrowheads="1"/>
-          </p:cNvPicPr>
-          <p:nvPr/>
-        </p:nvPicPr>
-        <p:blipFill>
-          <a:blip r:embed="rId2">
-            <a:extLst>
-              <a:ext uri="{28A0092B-C50C-407E-A947-70E740481C1C}">
-                <a14:useLocalDpi xmlns:a14="http://schemas.microsoft.com/office/drawing/2010/main" val="0"/>
-              </a:ext>
-            </a:extLst>
-          </a:blip>
-          <a:srcRect/>
-          <a:stretch>
-            <a:fillRect/>
-          </a:stretch>
-        </p:blipFill>
-        <p:spPr bwMode="auto">
-          <a:xfrm>
-            <a:off x="1249905" y="4439061"/>
-            <a:ext cx="7493000" cy="952500"/>
-          </a:xfrm>
-          <a:prstGeom prst="rect">
-            <a:avLst/>
-          </a:prstGeom>
-          <a:noFill/>
-          <a:extLst>
-            <a:ext uri="{909E8E84-426E-40DD-AFC4-6F175D3DCCD1}">
-              <a14:hiddenFill xmlns:a14="http://schemas.microsoft.com/office/drawing/2010/main">
-                <a:solidFill>
-                  <a:srgbClr val="FFFFFF"/>
-                </a:solidFill>
-              </a14:hiddenFill>
-            </a:ext>
-          </a:extLst>
-        </p:spPr>
-      </p:pic>
-      <p:pic>
-        <p:nvPicPr>
-          <p:cNvPr id="5" name="图片 4">
-            <a:extLst>
-              <a:ext uri="{FF2B5EF4-FFF2-40B4-BE49-F238E27FC236}">
-                <a16:creationId xmlns:a16="http://schemas.microsoft.com/office/drawing/2014/main" id="{36BA829E-165E-8C40-AFE1-0F3342A189FA}"/>
-              </a:ext>
-            </a:extLst>
-          </p:cNvPr>
-          <p:cNvPicPr>
-            <a:picLocks noChangeAspect="1"/>
-          </p:cNvPicPr>
-          <p:nvPr/>
-        </p:nvPicPr>
-        <p:blipFill>
-          <a:blip r:embed="rId3"/>
-          <a:stretch>
-            <a:fillRect/>
-          </a:stretch>
-        </p:blipFill>
-        <p:spPr>
-          <a:xfrm>
-            <a:off x="1376479" y="5620704"/>
-            <a:ext cx="6332260" cy="472556"/>
-          </a:xfrm>
-          <a:prstGeom prst="rect">
-            <a:avLst/>
-          </a:prstGeom>
-        </p:spPr>
-      </p:pic>
       <p:sp>
         <p:nvSpPr>
           <p:cNvPr id="6" name="矩形 5">
@@ -12230,6 +13236,83 @@
           </a:p>
         </p:txBody>
       </p:sp>
+      <p:pic>
+        <p:nvPicPr>
+          <p:cNvPr id="7" name="Picture 2">
+            <a:extLst>
+              <a:ext uri="{FF2B5EF4-FFF2-40B4-BE49-F238E27FC236}">
+                <a16:creationId xmlns:a16="http://schemas.microsoft.com/office/drawing/2014/main" id="{297049F7-272A-454B-8D07-84CC544E2C96}"/>
+              </a:ext>
+            </a:extLst>
+          </p:cNvPr>
+          <p:cNvPicPr>
+            <a:picLocks noChangeAspect="1" noChangeArrowheads="1"/>
+          </p:cNvPicPr>
+          <p:nvPr/>
+        </p:nvPicPr>
+        <p:blipFill>
+          <a:blip r:embed="rId2">
+            <a:extLst>
+              <a:ext uri="{28A0092B-C50C-407E-A947-70E740481C1C}">
+                <a14:useLocalDpi xmlns:a14="http://schemas.microsoft.com/office/drawing/2010/main" val="0"/>
+              </a:ext>
+            </a:extLst>
+          </a:blip>
+          <a:srcRect/>
+          <a:stretch>
+            <a:fillRect/>
+          </a:stretch>
+        </p:blipFill>
+        <p:spPr bwMode="auto">
+          <a:xfrm>
+            <a:off x="1249905" y="1864011"/>
+            <a:ext cx="7493000" cy="952500"/>
+          </a:xfrm>
+          <a:prstGeom prst="rect">
+            <a:avLst/>
+          </a:prstGeom>
+          <a:noFill/>
+          <a:extLst>
+            <a:ext uri="{909E8E84-426E-40DD-AFC4-6F175D3DCCD1}">
+              <a14:hiddenFill xmlns:a14="http://schemas.microsoft.com/office/drawing/2010/main">
+                <a:solidFill>
+                  <a:srgbClr val="FFFFFF"/>
+                </a:solidFill>
+              </a14:hiddenFill>
+            </a:ext>
+          </a:extLst>
+        </p:spPr>
+      </p:pic>
+      <p:pic>
+        <p:nvPicPr>
+          <p:cNvPr id="8" name="图片 7">
+            <a:extLst>
+              <a:ext uri="{FF2B5EF4-FFF2-40B4-BE49-F238E27FC236}">
+                <a16:creationId xmlns:a16="http://schemas.microsoft.com/office/drawing/2014/main" id="{A498AE2E-1A5B-6F49-86B3-40392F5B062B}"/>
+              </a:ext>
+            </a:extLst>
+          </p:cNvPr>
+          <p:cNvPicPr>
+            <a:picLocks noChangeAspect="1"/>
+          </p:cNvPicPr>
+          <p:nvPr/>
+        </p:nvPicPr>
+        <p:blipFill>
+          <a:blip r:embed="rId3"/>
+          <a:stretch>
+            <a:fillRect/>
+          </a:stretch>
+        </p:blipFill>
+        <p:spPr>
+          <a:xfrm>
+            <a:off x="1376479" y="3045654"/>
+            <a:ext cx="6332260" cy="472556"/>
+          </a:xfrm>
+          <a:prstGeom prst="rect">
+            <a:avLst/>
+          </a:prstGeom>
+        </p:spPr>
+      </p:pic>
     </p:spTree>
     <p:extLst>
       <p:ext uri="{BB962C8B-B14F-4D97-AF65-F5344CB8AC3E}">
@@ -12240,10 +13323,213 @@
   <p:clrMapOvr>
     <a:masterClrMapping/>
   </p:clrMapOvr>
+  <p:timing>
+    <p:tnLst>
+      <p:par>
+        <p:cTn id="1" dur="indefinite" restart="never" nodeType="tmRoot">
+          <p:childTnLst>
+            <p:seq concurrent="1" nextAc="seek">
+              <p:cTn id="2" dur="indefinite" nodeType="mainSeq">
+                <p:childTnLst>
+                  <p:par>
+                    <p:cTn id="3" fill="hold">
+                      <p:stCondLst>
+                        <p:cond delay="indefinite"/>
+                      </p:stCondLst>
+                      <p:childTnLst>
+                        <p:par>
+                          <p:cTn id="4" fill="hold">
+                            <p:stCondLst>
+                              <p:cond delay="0"/>
+                            </p:stCondLst>
+                            <p:childTnLst>
+                              <p:par>
+                                <p:cTn id="5" presetID="1" presetClass="entr" presetSubtype="0" fill="hold" nodeType="clickEffect">
+                                  <p:stCondLst>
+                                    <p:cond delay="0"/>
+                                  </p:stCondLst>
+                                  <p:childTnLst>
+                                    <p:set>
+                                      <p:cBhvr>
+                                        <p:cTn id="6" dur="1" fill="hold">
+                                          <p:stCondLst>
+                                            <p:cond delay="0"/>
+                                          </p:stCondLst>
+                                        </p:cTn>
+                                        <p:tgtEl>
+                                          <p:spTgt spid="3">
+                                            <p:txEl>
+                                              <p:pRg st="5" end="5"/>
+                                            </p:txEl>
+                                          </p:spTgt>
+                                        </p:tgtEl>
+                                        <p:attrNameLst>
+                                          <p:attrName>style.visibility</p:attrName>
+                                        </p:attrNameLst>
+                                      </p:cBhvr>
+                                      <p:to>
+                                        <p:strVal val="visible"/>
+                                      </p:to>
+                                    </p:set>
+                                  </p:childTnLst>
+                                </p:cTn>
+                              </p:par>
+                              <p:par>
+                                <p:cTn id="7" presetID="1" presetClass="entr" presetSubtype="0" fill="hold" nodeType="withEffect">
+                                  <p:stCondLst>
+                                    <p:cond delay="0"/>
+                                  </p:stCondLst>
+                                  <p:childTnLst>
+                                    <p:set>
+                                      <p:cBhvr>
+                                        <p:cTn id="8" dur="1" fill="hold">
+                                          <p:stCondLst>
+                                            <p:cond delay="0"/>
+                                          </p:stCondLst>
+                                        </p:cTn>
+                                        <p:tgtEl>
+                                          <p:spTgt spid="3">
+                                            <p:txEl>
+                                              <p:pRg st="6" end="6"/>
+                                            </p:txEl>
+                                          </p:spTgt>
+                                        </p:tgtEl>
+                                        <p:attrNameLst>
+                                          <p:attrName>style.visibility</p:attrName>
+                                        </p:attrNameLst>
+                                      </p:cBhvr>
+                                      <p:to>
+                                        <p:strVal val="visible"/>
+                                      </p:to>
+                                    </p:set>
+                                  </p:childTnLst>
+                                </p:cTn>
+                              </p:par>
+                              <p:par>
+                                <p:cTn id="9" presetID="1" presetClass="entr" presetSubtype="0" fill="hold" nodeType="withEffect">
+                                  <p:stCondLst>
+                                    <p:cond delay="0"/>
+                                  </p:stCondLst>
+                                  <p:childTnLst>
+                                    <p:set>
+                                      <p:cBhvr>
+                                        <p:cTn id="10" dur="1" fill="hold">
+                                          <p:stCondLst>
+                                            <p:cond delay="0"/>
+                                          </p:stCondLst>
+                                        </p:cTn>
+                                        <p:tgtEl>
+                                          <p:spTgt spid="3">
+                                            <p:txEl>
+                                              <p:pRg st="7" end="7"/>
+                                            </p:txEl>
+                                          </p:spTgt>
+                                        </p:tgtEl>
+                                        <p:attrNameLst>
+                                          <p:attrName>style.visibility</p:attrName>
+                                        </p:attrNameLst>
+                                      </p:cBhvr>
+                                      <p:to>
+                                        <p:strVal val="visible"/>
+                                      </p:to>
+                                    </p:set>
+                                  </p:childTnLst>
+                                </p:cTn>
+                              </p:par>
+                              <p:par>
+                                <p:cTn id="11" presetID="1" presetClass="entr" presetSubtype="0" fill="hold" nodeType="withEffect">
+                                  <p:stCondLst>
+                                    <p:cond delay="0"/>
+                                  </p:stCondLst>
+                                  <p:childTnLst>
+                                    <p:set>
+                                      <p:cBhvr>
+                                        <p:cTn id="12" dur="1" fill="hold">
+                                          <p:stCondLst>
+                                            <p:cond delay="0"/>
+                                          </p:stCondLst>
+                                        </p:cTn>
+                                        <p:tgtEl>
+                                          <p:spTgt spid="3">
+                                            <p:txEl>
+                                              <p:pRg st="8" end="8"/>
+                                            </p:txEl>
+                                          </p:spTgt>
+                                        </p:tgtEl>
+                                        <p:attrNameLst>
+                                          <p:attrName>style.visibility</p:attrName>
+                                        </p:attrNameLst>
+                                      </p:cBhvr>
+                                      <p:to>
+                                        <p:strVal val="visible"/>
+                                      </p:to>
+                                    </p:set>
+                                  </p:childTnLst>
+                                </p:cTn>
+                              </p:par>
+                              <p:par>
+                                <p:cTn id="13" presetID="1" presetClass="entr" presetSubtype="0" fill="hold" nodeType="withEffect">
+                                  <p:stCondLst>
+                                    <p:cond delay="0"/>
+                                  </p:stCondLst>
+                                  <p:childTnLst>
+                                    <p:set>
+                                      <p:cBhvr>
+                                        <p:cTn id="14" dur="1" fill="hold">
+                                          <p:stCondLst>
+                                            <p:cond delay="0"/>
+                                          </p:stCondLst>
+                                        </p:cTn>
+                                        <p:tgtEl>
+                                          <p:spTgt spid="3">
+                                            <p:txEl>
+                                              <p:pRg st="9" end="9"/>
+                                            </p:txEl>
+                                          </p:spTgt>
+                                        </p:tgtEl>
+                                        <p:attrNameLst>
+                                          <p:attrName>style.visibility</p:attrName>
+                                        </p:attrNameLst>
+                                      </p:cBhvr>
+                                      <p:to>
+                                        <p:strVal val="visible"/>
+                                      </p:to>
+                                    </p:set>
+                                  </p:childTnLst>
+                                </p:cTn>
+                              </p:par>
+                            </p:childTnLst>
+                          </p:cTn>
+                        </p:par>
+                      </p:childTnLst>
+                    </p:cTn>
+                  </p:par>
+                </p:childTnLst>
+              </p:cTn>
+              <p:prevCondLst>
+                <p:cond evt="onPrev" delay="0">
+                  <p:tgtEl>
+                    <p:sldTgt/>
+                  </p:tgtEl>
+                </p:cond>
+              </p:prevCondLst>
+              <p:nextCondLst>
+                <p:cond evt="onNext" delay="0">
+                  <p:tgtEl>
+                    <p:sldTgt/>
+                  </p:tgtEl>
+                </p:cond>
+              </p:nextCondLst>
+            </p:seq>
+          </p:childTnLst>
+        </p:cTn>
+      </p:par>
+    </p:tnLst>
+  </p:timing>
 </p:sld>
 </file>
 
-<file path=ppt/slides/slide21.xml><?xml version="1.0" encoding="utf-8"?>
+<file path=ppt/slides/slide23.xml><?xml version="1.0" encoding="utf-8"?>
 <p:sld xmlns:a="http://schemas.openxmlformats.org/drawingml/2006/main" xmlns:r="http://schemas.openxmlformats.org/officeDocument/2006/relationships" xmlns:p="http://schemas.openxmlformats.org/presentationml/2006/main">
   <p:cSld>
     <p:spTree>
@@ -12381,7 +13667,7 @@
 </p:sld>
 </file>
 
-<file path=ppt/slides/slide22.xml><?xml version="1.0" encoding="utf-8"?>
+<file path=ppt/slides/slide24.xml><?xml version="1.0" encoding="utf-8"?>
 <p:sld xmlns:a="http://schemas.openxmlformats.org/drawingml/2006/main" xmlns:r="http://schemas.openxmlformats.org/officeDocument/2006/relationships" xmlns:p="http://schemas.openxmlformats.org/presentationml/2006/main">
   <p:cSld>
     <p:spTree>
@@ -12599,6 +13885,30 @@
               </a:rPr>
               <a:t>;</a:t>
             </a:r>
+            <a:r>
+              <a:rPr lang="zh-CN" altLang="en-US" dirty="0">
+                <a:solidFill>
+                  <a:srgbClr val="000000"/>
+                </a:solidFill>
+                <a:latin typeface="Menlo" panose="020B0609030804020204" pitchFamily="49" charset="0"/>
+              </a:rPr>
+              <a:t> </a:t>
+            </a:r>
+            <a:r>
+              <a:rPr lang="en" altLang="zh-CN" dirty="0">
+                <a:solidFill>
+                  <a:srgbClr val="008000"/>
+                </a:solidFill>
+                <a:latin typeface="Menlo" panose="020B0609030804020204" pitchFamily="49" charset="0"/>
+              </a:rPr>
+              <a:t>// but f2 = f1</a:t>
+            </a:r>
+            <a:endParaRPr lang="en" altLang="zh-CN" dirty="0">
+              <a:solidFill>
+                <a:srgbClr val="000000"/>
+              </a:solidFill>
+              <a:latin typeface="Menlo" panose="020B0609030804020204" pitchFamily="49" charset="0"/>
+            </a:endParaRPr>
           </a:p>
           <a:p>
             <a:r>
@@ -12797,10 +14107,137 @@
   <p:clrMapOvr>
     <a:masterClrMapping/>
   </p:clrMapOvr>
+  <p:timing>
+    <p:tnLst>
+      <p:par>
+        <p:cTn id="1" dur="indefinite" restart="never" nodeType="tmRoot">
+          <p:childTnLst>
+            <p:seq concurrent="1" nextAc="seek">
+              <p:cTn id="2" dur="indefinite" nodeType="mainSeq">
+                <p:childTnLst>
+                  <p:par>
+                    <p:cTn id="3" fill="hold">
+                      <p:stCondLst>
+                        <p:cond delay="indefinite"/>
+                      </p:stCondLst>
+                      <p:childTnLst>
+                        <p:par>
+                          <p:cTn id="4" fill="hold">
+                            <p:stCondLst>
+                              <p:cond delay="0"/>
+                            </p:stCondLst>
+                            <p:childTnLst>
+                              <p:par>
+                                <p:cTn id="5" presetID="1" presetClass="entr" presetSubtype="0" fill="hold" nodeType="clickEffect">
+                                  <p:stCondLst>
+                                    <p:cond delay="0"/>
+                                  </p:stCondLst>
+                                  <p:childTnLst>
+                                    <p:set>
+                                      <p:cBhvr>
+                                        <p:cTn id="6" dur="1" fill="hold">
+                                          <p:stCondLst>
+                                            <p:cond delay="0"/>
+                                          </p:stCondLst>
+                                        </p:cTn>
+                                        <p:tgtEl>
+                                          <p:spTgt spid="3">
+                                            <p:txEl>
+                                              <p:pRg st="7" end="7"/>
+                                            </p:txEl>
+                                          </p:spTgt>
+                                        </p:tgtEl>
+                                        <p:attrNameLst>
+                                          <p:attrName>style.visibility</p:attrName>
+                                        </p:attrNameLst>
+                                      </p:cBhvr>
+                                      <p:to>
+                                        <p:strVal val="visible"/>
+                                      </p:to>
+                                    </p:set>
+                                  </p:childTnLst>
+                                </p:cTn>
+                              </p:par>
+                            </p:childTnLst>
+                          </p:cTn>
+                        </p:par>
+                      </p:childTnLst>
+                    </p:cTn>
+                  </p:par>
+                  <p:par>
+                    <p:cTn id="7" fill="hold">
+                      <p:stCondLst>
+                        <p:cond delay="indefinite"/>
+                      </p:stCondLst>
+                      <p:childTnLst>
+                        <p:par>
+                          <p:cTn id="8" fill="hold">
+                            <p:stCondLst>
+                              <p:cond delay="0"/>
+                            </p:stCondLst>
+                            <p:childTnLst>
+                              <p:par>
+                                <p:cTn id="9" presetID="1" presetClass="entr" presetSubtype="0" fill="hold" grpId="0" nodeType="clickEffect">
+                                  <p:stCondLst>
+                                    <p:cond delay="0"/>
+                                  </p:stCondLst>
+                                  <p:childTnLst>
+                                    <p:set>
+                                      <p:cBhvr>
+                                        <p:cTn id="10" dur="1" fill="hold">
+                                          <p:stCondLst>
+                                            <p:cond delay="0"/>
+                                          </p:stCondLst>
+                                        </p:cTn>
+                                        <p:tgtEl>
+                                          <p:spTgt spid="5"/>
+                                        </p:tgtEl>
+                                        <p:attrNameLst>
+                                          <p:attrName>style.visibility</p:attrName>
+                                        </p:attrNameLst>
+                                      </p:cBhvr>
+                                      <p:to>
+                                        <p:strVal val="visible"/>
+                                      </p:to>
+                                    </p:set>
+                                  </p:childTnLst>
+                                </p:cTn>
+                              </p:par>
+                            </p:childTnLst>
+                          </p:cTn>
+                        </p:par>
+                      </p:childTnLst>
+                    </p:cTn>
+                  </p:par>
+                </p:childTnLst>
+              </p:cTn>
+              <p:prevCondLst>
+                <p:cond evt="onPrev" delay="0">
+                  <p:tgtEl>
+                    <p:sldTgt/>
+                  </p:tgtEl>
+                </p:cond>
+              </p:prevCondLst>
+              <p:nextCondLst>
+                <p:cond evt="onNext" delay="0">
+                  <p:tgtEl>
+                    <p:sldTgt/>
+                  </p:tgtEl>
+                </p:cond>
+              </p:nextCondLst>
+            </p:seq>
+          </p:childTnLst>
+        </p:cTn>
+      </p:par>
+    </p:tnLst>
+    <p:bldLst>
+      <p:bldP spid="5" grpId="0"/>
+    </p:bldLst>
+  </p:timing>
 </p:sld>
 </file>
 
-<file path=ppt/slides/slide23.xml><?xml version="1.0" encoding="utf-8"?>
+<file path=ppt/slides/slide25.xml><?xml version="1.0" encoding="utf-8"?>
 <p:sld xmlns:a="http://schemas.openxmlformats.org/drawingml/2006/main" xmlns:r="http://schemas.openxmlformats.org/officeDocument/2006/relationships" xmlns:p="http://schemas.openxmlformats.org/presentationml/2006/main">
   <p:cSld>
     <p:spTree>
@@ -12839,10 +14276,33 @@
           <a:lstStyle/>
           <a:p>
             <a:r>
+              <a:rPr kumimoji="1" lang="en-US" altLang="zh-CN" dirty="0">
+                <a:solidFill>
+                  <a:srgbClr val="0000CC"/>
+                </a:solidFill>
+                <a:latin typeface="Courier" pitchFamily="2" charset="0"/>
+              </a:rPr>
+              <a:t>inf</a:t>
+            </a:r>
+            <a:r>
               <a:rPr kumimoji="1" lang="en-US" altLang="zh-CN" dirty="0"/>
-              <a:t>inf and nan</a:t>
-            </a:r>
-            <a:endParaRPr kumimoji="1" lang="zh-CN" altLang="en-US" dirty="0"/>
+              <a:t> and </a:t>
+            </a:r>
+            <a:r>
+              <a:rPr kumimoji="1" lang="en-US" altLang="zh-CN" dirty="0">
+                <a:solidFill>
+                  <a:srgbClr val="0000CC"/>
+                </a:solidFill>
+                <a:latin typeface="Courier" pitchFamily="2" charset="0"/>
+              </a:rPr>
+              <a:t>nan</a:t>
+            </a:r>
+            <a:endParaRPr kumimoji="1" lang="zh-CN" altLang="en-US" dirty="0">
+              <a:solidFill>
+                <a:srgbClr val="0000CC"/>
+              </a:solidFill>
+              <a:latin typeface="Courier" pitchFamily="2" charset="0"/>
+            </a:endParaRPr>
           </a:p>
         </p:txBody>
       </p:sp>
@@ -13124,7 +14584,7 @@
 </p:sld>
 </file>
 
-<file path=ppt/slides/slide24.xml><?xml version="1.0" encoding="utf-8"?>
+<file path=ppt/slides/slide26.xml><?xml version="1.0" encoding="utf-8"?>
 <p:sld xmlns:a="http://schemas.openxmlformats.org/drawingml/2006/main" xmlns:r="http://schemas.openxmlformats.org/officeDocument/2006/relationships" xmlns:p="http://schemas.openxmlformats.org/presentationml/2006/main">
   <p:cSld>
     <p:spTree>
@@ -13207,7 +14667,7 @@
 </p:sld>
 </file>
 
-<file path=ppt/slides/slide25.xml><?xml version="1.0" encoding="utf-8"?>
+<file path=ppt/slides/slide27.xml><?xml version="1.0" encoding="utf-8"?>
 <p:sld xmlns:a="http://schemas.openxmlformats.org/drawingml/2006/main" xmlns:r="http://schemas.openxmlformats.org/officeDocument/2006/relationships" xmlns:p="http://schemas.openxmlformats.org/presentationml/2006/main">
   <p:cSld>
     <p:spTree>
@@ -13628,10 +15088,466 @@
   <p:clrMapOvr>
     <a:masterClrMapping/>
   </p:clrMapOvr>
+  <p:timing>
+    <p:tnLst>
+      <p:par>
+        <p:cTn id="1" dur="indefinite" restart="never" nodeType="tmRoot">
+          <p:childTnLst>
+            <p:seq concurrent="1" nextAc="seek">
+              <p:cTn id="2" dur="indefinite" nodeType="mainSeq">
+                <p:childTnLst>
+                  <p:par>
+                    <p:cTn id="3" fill="hold">
+                      <p:stCondLst>
+                        <p:cond delay="indefinite"/>
+                      </p:stCondLst>
+                      <p:childTnLst>
+                        <p:par>
+                          <p:cTn id="4" fill="hold">
+                            <p:stCondLst>
+                              <p:cond delay="0"/>
+                            </p:stCondLst>
+                            <p:childTnLst>
+                              <p:par>
+                                <p:cTn id="5" presetID="1" presetClass="entr" presetSubtype="0" fill="hold" nodeType="clickEffect">
+                                  <p:stCondLst>
+                                    <p:cond delay="0"/>
+                                  </p:stCondLst>
+                                  <p:childTnLst>
+                                    <p:set>
+                                      <p:cBhvr>
+                                        <p:cTn id="6" dur="1" fill="hold">
+                                          <p:stCondLst>
+                                            <p:cond delay="0"/>
+                                          </p:stCondLst>
+                                        </p:cTn>
+                                        <p:tgtEl>
+                                          <p:spTgt spid="3">
+                                            <p:txEl>
+                                              <p:pRg st="4" end="4"/>
+                                            </p:txEl>
+                                          </p:spTgt>
+                                        </p:tgtEl>
+                                        <p:attrNameLst>
+                                          <p:attrName>style.visibility</p:attrName>
+                                        </p:attrNameLst>
+                                      </p:cBhvr>
+                                      <p:to>
+                                        <p:strVal val="visible"/>
+                                      </p:to>
+                                    </p:set>
+                                  </p:childTnLst>
+                                </p:cTn>
+                              </p:par>
+                              <p:par>
+                                <p:cTn id="7" presetID="1" presetClass="entr" presetSubtype="0" fill="hold" nodeType="withEffect">
+                                  <p:stCondLst>
+                                    <p:cond delay="0"/>
+                                  </p:stCondLst>
+                                  <p:childTnLst>
+                                    <p:set>
+                                      <p:cBhvr>
+                                        <p:cTn id="8" dur="1" fill="hold">
+                                          <p:stCondLst>
+                                            <p:cond delay="0"/>
+                                          </p:stCondLst>
+                                        </p:cTn>
+                                        <p:tgtEl>
+                                          <p:spTgt spid="3">
+                                            <p:txEl>
+                                              <p:pRg st="5" end="5"/>
+                                            </p:txEl>
+                                          </p:spTgt>
+                                        </p:tgtEl>
+                                        <p:attrNameLst>
+                                          <p:attrName>style.visibility</p:attrName>
+                                        </p:attrNameLst>
+                                      </p:cBhvr>
+                                      <p:to>
+                                        <p:strVal val="visible"/>
+                                      </p:to>
+                                    </p:set>
+                                  </p:childTnLst>
+                                </p:cTn>
+                              </p:par>
+                              <p:par>
+                                <p:cTn id="9" presetID="1" presetClass="entr" presetSubtype="0" fill="hold" nodeType="withEffect">
+                                  <p:stCondLst>
+                                    <p:cond delay="0"/>
+                                  </p:stCondLst>
+                                  <p:childTnLst>
+                                    <p:set>
+                                      <p:cBhvr>
+                                        <p:cTn id="10" dur="1" fill="hold">
+                                          <p:stCondLst>
+                                            <p:cond delay="0"/>
+                                          </p:stCondLst>
+                                        </p:cTn>
+                                        <p:tgtEl>
+                                          <p:spTgt spid="3">
+                                            <p:txEl>
+                                              <p:pRg st="6" end="6"/>
+                                            </p:txEl>
+                                          </p:spTgt>
+                                        </p:tgtEl>
+                                        <p:attrNameLst>
+                                          <p:attrName>style.visibility</p:attrName>
+                                        </p:attrNameLst>
+                                      </p:cBhvr>
+                                      <p:to>
+                                        <p:strVal val="visible"/>
+                                      </p:to>
+                                    </p:set>
+                                  </p:childTnLst>
+                                </p:cTn>
+                              </p:par>
+                              <p:par>
+                                <p:cTn id="11" presetID="1" presetClass="entr" presetSubtype="0" fill="hold" nodeType="withEffect">
+                                  <p:stCondLst>
+                                    <p:cond delay="0"/>
+                                  </p:stCondLst>
+                                  <p:childTnLst>
+                                    <p:set>
+                                      <p:cBhvr>
+                                        <p:cTn id="12" dur="1" fill="hold">
+                                          <p:stCondLst>
+                                            <p:cond delay="0"/>
+                                          </p:stCondLst>
+                                        </p:cTn>
+                                        <p:tgtEl>
+                                          <p:spTgt spid="3">
+                                            <p:txEl>
+                                              <p:pRg st="7" end="7"/>
+                                            </p:txEl>
+                                          </p:spTgt>
+                                        </p:tgtEl>
+                                        <p:attrNameLst>
+                                          <p:attrName>style.visibility</p:attrName>
+                                        </p:attrNameLst>
+                                      </p:cBhvr>
+                                      <p:to>
+                                        <p:strVal val="visible"/>
+                                      </p:to>
+                                    </p:set>
+                                  </p:childTnLst>
+                                </p:cTn>
+                              </p:par>
+                              <p:par>
+                                <p:cTn id="13" presetID="1" presetClass="entr" presetSubtype="0" fill="hold" nodeType="withEffect">
+                                  <p:stCondLst>
+                                    <p:cond delay="0"/>
+                                  </p:stCondLst>
+                                  <p:childTnLst>
+                                    <p:set>
+                                      <p:cBhvr>
+                                        <p:cTn id="14" dur="1" fill="hold">
+                                          <p:stCondLst>
+                                            <p:cond delay="0"/>
+                                          </p:stCondLst>
+                                        </p:cTn>
+                                        <p:tgtEl>
+                                          <p:spTgt spid="3">
+                                            <p:txEl>
+                                              <p:pRg st="8" end="8"/>
+                                            </p:txEl>
+                                          </p:spTgt>
+                                        </p:tgtEl>
+                                        <p:attrNameLst>
+                                          <p:attrName>style.visibility</p:attrName>
+                                        </p:attrNameLst>
+                                      </p:cBhvr>
+                                      <p:to>
+                                        <p:strVal val="visible"/>
+                                      </p:to>
+                                    </p:set>
+                                  </p:childTnLst>
+                                </p:cTn>
+                              </p:par>
+                            </p:childTnLst>
+                          </p:cTn>
+                        </p:par>
+                      </p:childTnLst>
+                    </p:cTn>
+                  </p:par>
+                  <p:par>
+                    <p:cTn id="15" fill="hold">
+                      <p:stCondLst>
+                        <p:cond delay="indefinite"/>
+                      </p:stCondLst>
+                      <p:childTnLst>
+                        <p:par>
+                          <p:cTn id="16" fill="hold">
+                            <p:stCondLst>
+                              <p:cond delay="0"/>
+                            </p:stCondLst>
+                            <p:childTnLst>
+                              <p:par>
+                                <p:cTn id="17" presetID="1" presetClass="entr" presetSubtype="0" fill="hold" nodeType="clickEffect">
+                                  <p:stCondLst>
+                                    <p:cond delay="0"/>
+                                  </p:stCondLst>
+                                  <p:childTnLst>
+                                    <p:set>
+                                      <p:cBhvr>
+                                        <p:cTn id="18" dur="1" fill="hold">
+                                          <p:stCondLst>
+                                            <p:cond delay="0"/>
+                                          </p:stCondLst>
+                                        </p:cTn>
+                                        <p:tgtEl>
+                                          <p:spTgt spid="4">
+                                            <p:txEl>
+                                              <p:pRg st="0" end="0"/>
+                                            </p:txEl>
+                                          </p:spTgt>
+                                        </p:tgtEl>
+                                        <p:attrNameLst>
+                                          <p:attrName>style.visibility</p:attrName>
+                                        </p:attrNameLst>
+                                      </p:cBhvr>
+                                      <p:to>
+                                        <p:strVal val="visible"/>
+                                      </p:to>
+                                    </p:set>
+                                  </p:childTnLst>
+                                </p:cTn>
+                              </p:par>
+                              <p:par>
+                                <p:cTn id="19" presetID="1" presetClass="entr" presetSubtype="0" fill="hold" nodeType="withEffect">
+                                  <p:stCondLst>
+                                    <p:cond delay="0"/>
+                                  </p:stCondLst>
+                                  <p:childTnLst>
+                                    <p:set>
+                                      <p:cBhvr>
+                                        <p:cTn id="20" dur="1" fill="hold">
+                                          <p:stCondLst>
+                                            <p:cond delay="0"/>
+                                          </p:stCondLst>
+                                        </p:cTn>
+                                        <p:tgtEl>
+                                          <p:spTgt spid="4">
+                                            <p:txEl>
+                                              <p:pRg st="1" end="1"/>
+                                            </p:txEl>
+                                          </p:spTgt>
+                                        </p:tgtEl>
+                                        <p:attrNameLst>
+                                          <p:attrName>style.visibility</p:attrName>
+                                        </p:attrNameLst>
+                                      </p:cBhvr>
+                                      <p:to>
+                                        <p:strVal val="visible"/>
+                                      </p:to>
+                                    </p:set>
+                                  </p:childTnLst>
+                                </p:cTn>
+                              </p:par>
+                              <p:par>
+                                <p:cTn id="21" presetID="1" presetClass="entr" presetSubtype="0" fill="hold" nodeType="withEffect">
+                                  <p:stCondLst>
+                                    <p:cond delay="0"/>
+                                  </p:stCondLst>
+                                  <p:childTnLst>
+                                    <p:set>
+                                      <p:cBhvr>
+                                        <p:cTn id="22" dur="1" fill="hold">
+                                          <p:stCondLst>
+                                            <p:cond delay="0"/>
+                                          </p:stCondLst>
+                                        </p:cTn>
+                                        <p:tgtEl>
+                                          <p:spTgt spid="4">
+                                            <p:txEl>
+                                              <p:pRg st="2" end="2"/>
+                                            </p:txEl>
+                                          </p:spTgt>
+                                        </p:tgtEl>
+                                        <p:attrNameLst>
+                                          <p:attrName>style.visibility</p:attrName>
+                                        </p:attrNameLst>
+                                      </p:cBhvr>
+                                      <p:to>
+                                        <p:strVal val="visible"/>
+                                      </p:to>
+                                    </p:set>
+                                  </p:childTnLst>
+                                </p:cTn>
+                              </p:par>
+                              <p:par>
+                                <p:cTn id="23" presetID="1" presetClass="entr" presetSubtype="0" fill="hold" nodeType="withEffect">
+                                  <p:stCondLst>
+                                    <p:cond delay="0"/>
+                                  </p:stCondLst>
+                                  <p:childTnLst>
+                                    <p:set>
+                                      <p:cBhvr>
+                                        <p:cTn id="24" dur="1" fill="hold">
+                                          <p:stCondLst>
+                                            <p:cond delay="0"/>
+                                          </p:stCondLst>
+                                        </p:cTn>
+                                        <p:tgtEl>
+                                          <p:spTgt spid="4">
+                                            <p:txEl>
+                                              <p:pRg st="3" end="3"/>
+                                            </p:txEl>
+                                          </p:spTgt>
+                                        </p:tgtEl>
+                                        <p:attrNameLst>
+                                          <p:attrName>style.visibility</p:attrName>
+                                        </p:attrNameLst>
+                                      </p:cBhvr>
+                                      <p:to>
+                                        <p:strVal val="visible"/>
+                                      </p:to>
+                                    </p:set>
+                                  </p:childTnLst>
+                                </p:cTn>
+                              </p:par>
+                            </p:childTnLst>
+                          </p:cTn>
+                        </p:par>
+                      </p:childTnLst>
+                    </p:cTn>
+                  </p:par>
+                  <p:par>
+                    <p:cTn id="25" fill="hold">
+                      <p:stCondLst>
+                        <p:cond delay="indefinite"/>
+                      </p:stCondLst>
+                      <p:childTnLst>
+                        <p:par>
+                          <p:cTn id="26" fill="hold">
+                            <p:stCondLst>
+                              <p:cond delay="0"/>
+                            </p:stCondLst>
+                            <p:childTnLst>
+                              <p:par>
+                                <p:cTn id="27" presetID="1" presetClass="entr" presetSubtype="0" fill="hold" nodeType="clickEffect">
+                                  <p:stCondLst>
+                                    <p:cond delay="0"/>
+                                  </p:stCondLst>
+                                  <p:childTnLst>
+                                    <p:set>
+                                      <p:cBhvr>
+                                        <p:cTn id="28" dur="1" fill="hold">
+                                          <p:stCondLst>
+                                            <p:cond delay="0"/>
+                                          </p:stCondLst>
+                                        </p:cTn>
+                                        <p:tgtEl>
+                                          <p:spTgt spid="5">
+                                            <p:txEl>
+                                              <p:pRg st="0" end="0"/>
+                                            </p:txEl>
+                                          </p:spTgt>
+                                        </p:tgtEl>
+                                        <p:attrNameLst>
+                                          <p:attrName>style.visibility</p:attrName>
+                                        </p:attrNameLst>
+                                      </p:cBhvr>
+                                      <p:to>
+                                        <p:strVal val="visible"/>
+                                      </p:to>
+                                    </p:set>
+                                  </p:childTnLst>
+                                </p:cTn>
+                              </p:par>
+                              <p:par>
+                                <p:cTn id="29" presetID="1" presetClass="entr" presetSubtype="0" fill="hold" nodeType="withEffect">
+                                  <p:stCondLst>
+                                    <p:cond delay="0"/>
+                                  </p:stCondLst>
+                                  <p:childTnLst>
+                                    <p:set>
+                                      <p:cBhvr>
+                                        <p:cTn id="30" dur="1" fill="hold">
+                                          <p:stCondLst>
+                                            <p:cond delay="0"/>
+                                          </p:stCondLst>
+                                        </p:cTn>
+                                        <p:tgtEl>
+                                          <p:spTgt spid="5">
+                                            <p:txEl>
+                                              <p:pRg st="1" end="1"/>
+                                            </p:txEl>
+                                          </p:spTgt>
+                                        </p:tgtEl>
+                                        <p:attrNameLst>
+                                          <p:attrName>style.visibility</p:attrName>
+                                        </p:attrNameLst>
+                                      </p:cBhvr>
+                                      <p:to>
+                                        <p:strVal val="visible"/>
+                                      </p:to>
+                                    </p:set>
+                                  </p:childTnLst>
+                                </p:cTn>
+                              </p:par>
+                              <p:par>
+                                <p:cTn id="31" presetID="1" presetClass="entr" presetSubtype="0" fill="hold" nodeType="withEffect">
+                                  <p:stCondLst>
+                                    <p:cond delay="0"/>
+                                  </p:stCondLst>
+                                  <p:childTnLst>
+                                    <p:set>
+                                      <p:cBhvr>
+                                        <p:cTn id="32" dur="1" fill="hold">
+                                          <p:stCondLst>
+                                            <p:cond delay="0"/>
+                                          </p:stCondLst>
+                                        </p:cTn>
+                                        <p:tgtEl>
+                                          <p:spTgt spid="5">
+                                            <p:txEl>
+                                              <p:pRg st="2" end="2"/>
+                                            </p:txEl>
+                                          </p:spTgt>
+                                        </p:tgtEl>
+                                        <p:attrNameLst>
+                                          <p:attrName>style.visibility</p:attrName>
+                                        </p:attrNameLst>
+                                      </p:cBhvr>
+                                      <p:to>
+                                        <p:strVal val="visible"/>
+                                      </p:to>
+                                    </p:set>
+                                  </p:childTnLst>
+                                </p:cTn>
+                              </p:par>
+                            </p:childTnLst>
+                          </p:cTn>
+                        </p:par>
+                      </p:childTnLst>
+                    </p:cTn>
+                  </p:par>
+                </p:childTnLst>
+              </p:cTn>
+              <p:prevCondLst>
+                <p:cond evt="onPrev" delay="0">
+                  <p:tgtEl>
+                    <p:sldTgt/>
+                  </p:tgtEl>
+                </p:cond>
+              </p:prevCondLst>
+              <p:nextCondLst>
+                <p:cond evt="onNext" delay="0">
+                  <p:tgtEl>
+                    <p:sldTgt/>
+                  </p:tgtEl>
+                </p:cond>
+              </p:nextCondLst>
+            </p:seq>
+          </p:childTnLst>
+        </p:cTn>
+      </p:par>
+    </p:tnLst>
+  </p:timing>
 </p:sld>
 </file>
 
-<file path=ppt/slides/slide26.xml><?xml version="1.0" encoding="utf-8"?>
+<file path=ppt/slides/slide28.xml><?xml version="1.0" encoding="utf-8"?>
 <p:sld xmlns:a="http://schemas.openxmlformats.org/drawingml/2006/main" xmlns:r="http://schemas.openxmlformats.org/officeDocument/2006/relationships" xmlns:p="http://schemas.openxmlformats.org/presentationml/2006/main">
   <p:cSld>
     <p:spTree>
@@ -13861,7 +15777,7 @@
 </p:sld>
 </file>
 
-<file path=ppt/slides/slide27.xml><?xml version="1.0" encoding="utf-8"?>
+<file path=ppt/slides/slide29.xml><?xml version="1.0" encoding="utf-8"?>
 <p:sld xmlns:a="http://schemas.openxmlformats.org/drawingml/2006/main" xmlns:r="http://schemas.openxmlformats.org/officeDocument/2006/relationships" xmlns:p="http://schemas.openxmlformats.org/presentationml/2006/main">
   <p:cSld>
     <p:spTree>
@@ -13941,7 +15857,9 @@
         </p:nvSpPr>
         <p:spPr/>
         <p:txBody>
-          <a:bodyPr/>
+          <a:bodyPr>
+            <a:normAutofit fontScale="92500" lnSpcReduction="10000"/>
+          </a:bodyPr>
           <a:lstStyle/>
           <a:p>
             <a:pPr marL="0" indent="0">
@@ -14014,24 +15932,6 @@
                 <a:latin typeface="Menlo" panose="020B0609030804020204" pitchFamily="49" charset="0"/>
               </a:rPr>
               <a:t> = </a:t>
-            </a:r>
-            <a:r>
-              <a:rPr lang="en" altLang="zh-CN" dirty="0">
-                <a:solidFill>
-                  <a:srgbClr val="098658"/>
-                </a:solidFill>
-                <a:latin typeface="Menlo" panose="020B0609030804020204" pitchFamily="49" charset="0"/>
-              </a:rPr>
-              <a:t>1</a:t>
-            </a:r>
-            <a:r>
-              <a:rPr lang="en" altLang="zh-CN" dirty="0">
-                <a:solidFill>
-                  <a:srgbClr val="000000"/>
-                </a:solidFill>
-                <a:latin typeface="Menlo" panose="020B0609030804020204" pitchFamily="49" charset="0"/>
-              </a:rPr>
-              <a:t> + </a:t>
             </a:r>
             <a:r>
               <a:rPr lang="en" altLang="zh-CN" dirty="0">
@@ -14090,13 +15990,13 @@
               <a:t> </a:t>
             </a:r>
             <a:r>
-              <a:rPr lang="en" altLang="zh-CN" dirty="0">
+              <a:rPr lang="en" altLang="zh-CN" dirty="0" err="1">
                 <a:solidFill>
                   <a:srgbClr val="001080"/>
                 </a:solidFill>
                 <a:latin typeface="Menlo" panose="020B0609030804020204" pitchFamily="49" charset="0"/>
               </a:rPr>
-              <a:t>b</a:t>
+              <a:t>bc</a:t>
             </a:r>
             <a:r>
               <a:rPr lang="en" altLang="zh-CN" dirty="0">
@@ -14114,7 +16014,7 @@
                 </a:solidFill>
                 <a:latin typeface="Menlo" panose="020B0609030804020204" pitchFamily="49" charset="0"/>
               </a:rPr>
-              <a:t>1.2</a:t>
+              <a:t>2.3</a:t>
             </a:r>
             <a:r>
               <a:rPr lang="en" altLang="zh-CN" dirty="0">
@@ -14148,11 +16048,47 @@
             <a:r>
               <a:rPr lang="en" altLang="zh-CN" dirty="0">
                 <a:solidFill>
+                  <a:srgbClr val="0000FF"/>
+                </a:solidFill>
+                <a:latin typeface="Menlo" panose="020B0609030804020204" pitchFamily="49" charset="0"/>
+              </a:rPr>
+              <a:t>auto</a:t>
+            </a:r>
+            <a:r>
+              <a:rPr lang="en" altLang="zh-CN" dirty="0">
+                <a:solidFill>
                   <a:srgbClr val="008000"/>
                 </a:solidFill>
                 <a:latin typeface="Menlo" panose="020B0609030804020204" pitchFamily="49" charset="0"/>
               </a:rPr>
-              <a:t>auto c; //valid in C, error in C++</a:t>
+              <a:t> </a:t>
+            </a:r>
+            <a:r>
+              <a:rPr lang="en" altLang="zh-CN" dirty="0">
+                <a:solidFill>
+                  <a:srgbClr val="001080"/>
+                </a:solidFill>
+                <a:latin typeface="Menlo" panose="020B0609030804020204" pitchFamily="49" charset="0"/>
+              </a:rPr>
+              <a:t>c</a:t>
+            </a:r>
+            <a:r>
+              <a:rPr lang="en" altLang="zh-CN" dirty="0">
+                <a:solidFill>
+                  <a:srgbClr val="000000"/>
+                </a:solidFill>
+                <a:latin typeface="Menlo" panose="020B0609030804020204" pitchFamily="49" charset="0"/>
+              </a:rPr>
+              <a:t> ;</a:t>
+            </a:r>
+            <a:r>
+              <a:rPr lang="en" altLang="zh-CN" dirty="0">
+                <a:solidFill>
+                  <a:srgbClr val="008000"/>
+                </a:solidFill>
+                <a:latin typeface="Menlo" panose="020B0609030804020204" pitchFamily="49" charset="0"/>
+              </a:rPr>
+              <a:t> //valid in C, error in C++</a:t>
             </a:r>
             <a:endParaRPr lang="en" altLang="zh-CN" dirty="0">
               <a:solidFill>
@@ -14239,7 +16175,272 @@
             </a:r>
           </a:p>
           <a:p>
+            <a:endParaRPr kumimoji="1" lang="en-US" altLang="zh-CN" dirty="0"/>
+          </a:p>
+          <a:p>
+            <a:r>
+              <a:rPr kumimoji="1" lang="en-US" altLang="zh-CN" dirty="0"/>
+              <a:t>Question: </a:t>
+            </a:r>
+          </a:p>
+          <a:p>
+            <a:pPr marL="685800" lvl="1" indent="0">
+              <a:buNone/>
+            </a:pPr>
+            <a:r>
+              <a:rPr lang="en" altLang="zh-CN" dirty="0">
+                <a:solidFill>
+                  <a:srgbClr val="0000FF"/>
+                </a:solidFill>
+                <a:latin typeface="Menlo" panose="020B0609030804020204" pitchFamily="49" charset="0"/>
+              </a:rPr>
+              <a:t>auto</a:t>
+            </a:r>
+            <a:r>
+              <a:rPr lang="en" altLang="zh-CN" dirty="0">
+                <a:solidFill>
+                  <a:srgbClr val="000000"/>
+                </a:solidFill>
+                <a:latin typeface="Menlo" panose="020B0609030804020204" pitchFamily="49" charset="0"/>
+              </a:rPr>
+              <a:t> </a:t>
+            </a:r>
+            <a:r>
+              <a:rPr lang="en" altLang="zh-CN" dirty="0">
+                <a:solidFill>
+                  <a:srgbClr val="001080"/>
+                </a:solidFill>
+                <a:latin typeface="Menlo" panose="020B0609030804020204" pitchFamily="49" charset="0"/>
+              </a:rPr>
+              <a:t>a</a:t>
+            </a:r>
+            <a:r>
+              <a:rPr lang="en" altLang="zh-CN" dirty="0">
+                <a:solidFill>
+                  <a:srgbClr val="000000"/>
+                </a:solidFill>
+                <a:latin typeface="Menlo" panose="020B0609030804020204" pitchFamily="49" charset="0"/>
+              </a:rPr>
+              <a:t> = </a:t>
+            </a:r>
+            <a:r>
+              <a:rPr lang="en" altLang="zh-CN" dirty="0">
+                <a:solidFill>
+                  <a:srgbClr val="098658"/>
+                </a:solidFill>
+                <a:latin typeface="Menlo" panose="020B0609030804020204" pitchFamily="49" charset="0"/>
+              </a:rPr>
+              <a:t>2</a:t>
+            </a:r>
+            <a:r>
+              <a:rPr lang="en" altLang="zh-CN" dirty="0">
+                <a:solidFill>
+                  <a:srgbClr val="000000"/>
+                </a:solidFill>
+                <a:latin typeface="Menlo" panose="020B0609030804020204" pitchFamily="49" charset="0"/>
+              </a:rPr>
+              <a:t>;</a:t>
+            </a:r>
+            <a:r>
+              <a:rPr lang="en" altLang="zh-CN" dirty="0">
+                <a:solidFill>
+                  <a:srgbClr val="008000"/>
+                </a:solidFill>
+                <a:latin typeface="Menlo" panose="020B0609030804020204" pitchFamily="49" charset="0"/>
+              </a:rPr>
+              <a:t> // type of a is int</a:t>
+            </a:r>
+            <a:endParaRPr lang="en" altLang="zh-CN" dirty="0">
+              <a:solidFill>
+                <a:srgbClr val="000000"/>
+              </a:solidFill>
+              <a:latin typeface="Menlo" panose="020B0609030804020204" pitchFamily="49" charset="0"/>
+            </a:endParaRPr>
+          </a:p>
+          <a:p>
+            <a:pPr marL="685800" lvl="1" indent="0">
+              <a:buNone/>
+            </a:pPr>
+            <a:endParaRPr lang="en" altLang="zh-CN" dirty="0">
+              <a:solidFill>
+                <a:srgbClr val="008000"/>
+              </a:solidFill>
+              <a:latin typeface="Menlo" panose="020B0609030804020204" pitchFamily="49" charset="0"/>
+            </a:endParaRPr>
+          </a:p>
+          <a:p>
+            <a:pPr marL="685800" lvl="1" indent="0">
+              <a:buNone/>
+            </a:pPr>
+            <a:r>
+              <a:rPr lang="en" altLang="zh-CN" dirty="0">
+                <a:solidFill>
+                  <a:srgbClr val="008000"/>
+                </a:solidFill>
+                <a:latin typeface="Menlo" panose="020B0609030804020204" pitchFamily="49" charset="0"/>
+              </a:rPr>
+              <a:t>// will a be converted to a </a:t>
+            </a:r>
+            <a:br>
+              <a:rPr lang="en" altLang="zh-CN" dirty="0">
+                <a:solidFill>
+                  <a:srgbClr val="008000"/>
+                </a:solidFill>
+                <a:latin typeface="Menlo" panose="020B0609030804020204" pitchFamily="49" charset="0"/>
+              </a:rPr>
+            </a:br>
+            <a:r>
+              <a:rPr lang="en" altLang="zh-CN" dirty="0">
+                <a:solidFill>
+                  <a:srgbClr val="008000"/>
+                </a:solidFill>
+                <a:latin typeface="Menlo" panose="020B0609030804020204" pitchFamily="49" charset="0"/>
+              </a:rPr>
+              <a:t>//   double type variable?</a:t>
+            </a:r>
+            <a:endParaRPr lang="en" altLang="zh-CN" dirty="0">
+              <a:solidFill>
+                <a:srgbClr val="001080"/>
+              </a:solidFill>
+              <a:latin typeface="Menlo" panose="020B0609030804020204" pitchFamily="49" charset="0"/>
+            </a:endParaRPr>
+          </a:p>
+          <a:p>
+            <a:pPr marL="685800" lvl="1" indent="0">
+              <a:buNone/>
+            </a:pPr>
+            <a:r>
+              <a:rPr lang="en" altLang="zh-CN" dirty="0">
+                <a:solidFill>
+                  <a:srgbClr val="001080"/>
+                </a:solidFill>
+                <a:latin typeface="Menlo" panose="020B0609030804020204" pitchFamily="49" charset="0"/>
+              </a:rPr>
+              <a:t>a</a:t>
+            </a:r>
+            <a:r>
+              <a:rPr lang="en" altLang="zh-CN" dirty="0">
+                <a:solidFill>
+                  <a:srgbClr val="000000"/>
+                </a:solidFill>
+                <a:latin typeface="Menlo" panose="020B0609030804020204" pitchFamily="49" charset="0"/>
+              </a:rPr>
+              <a:t> = </a:t>
+            </a:r>
+            <a:r>
+              <a:rPr lang="en" altLang="zh-CN" dirty="0">
+                <a:solidFill>
+                  <a:srgbClr val="098658"/>
+                </a:solidFill>
+                <a:latin typeface="Menlo" panose="020B0609030804020204" pitchFamily="49" charset="0"/>
+              </a:rPr>
+              <a:t>2.3</a:t>
+            </a:r>
+            <a:r>
+              <a:rPr lang="en" altLang="zh-CN" dirty="0">
+                <a:solidFill>
+                  <a:srgbClr val="000000"/>
+                </a:solidFill>
+                <a:latin typeface="Menlo" panose="020B0609030804020204" pitchFamily="49" charset="0"/>
+              </a:rPr>
+              <a:t>;</a:t>
+            </a:r>
+            <a:r>
+              <a:rPr lang="en" altLang="zh-CN" dirty="0">
+                <a:solidFill>
+                  <a:srgbClr val="008000"/>
+                </a:solidFill>
+                <a:latin typeface="Menlo" panose="020B0609030804020204" pitchFamily="49" charset="0"/>
+              </a:rPr>
+              <a:t> </a:t>
+            </a:r>
+            <a:endParaRPr lang="en" altLang="zh-CN" dirty="0">
+              <a:solidFill>
+                <a:srgbClr val="000000"/>
+              </a:solidFill>
+              <a:latin typeface="Menlo" panose="020B0609030804020204" pitchFamily="49" charset="0"/>
+            </a:endParaRPr>
+          </a:p>
+          <a:p>
             <a:endParaRPr kumimoji="1" lang="zh-CN" altLang="en-US" dirty="0"/>
+          </a:p>
+        </p:txBody>
+      </p:sp>
+      <p:sp>
+        <p:nvSpPr>
+          <p:cNvPr id="4" name="矩形 3">
+            <a:extLst>
+              <a:ext uri="{FF2B5EF4-FFF2-40B4-BE49-F238E27FC236}">
+                <a16:creationId xmlns:a16="http://schemas.microsoft.com/office/drawing/2014/main" id="{CA5D2145-3033-0D41-900A-435015FD939F}"/>
+              </a:ext>
+            </a:extLst>
+          </p:cNvPr>
+          <p:cNvSpPr/>
+          <p:nvPr/>
+        </p:nvSpPr>
+        <p:spPr>
+          <a:xfrm>
+            <a:off x="1376479" y="6009836"/>
+            <a:ext cx="7721153" cy="492443"/>
+          </a:xfrm>
+          <a:prstGeom prst="rect">
+            <a:avLst/>
+          </a:prstGeom>
+        </p:spPr>
+        <p:txBody>
+          <a:bodyPr wrap="none">
+            <a:spAutoFit/>
+          </a:bodyPr>
+          <a:lstStyle/>
+          <a:p>
+            <a:r>
+              <a:rPr lang="en" altLang="zh-CN" sz="2600" dirty="0">
+                <a:solidFill>
+                  <a:srgbClr val="FF0000"/>
+                </a:solidFill>
+              </a:rPr>
+              <a:t>No! </a:t>
+            </a:r>
+            <a:r>
+              <a:rPr lang="en" altLang="zh-CN" sz="2600" dirty="0">
+                <a:solidFill>
+                  <a:prstClr val="black"/>
+                </a:solidFill>
+              </a:rPr>
+              <a:t>2.3 will be converted to a </a:t>
+            </a:r>
+            <a:r>
+              <a:rPr lang="en" altLang="zh-CN" sz="2600" dirty="0">
+                <a:solidFill>
+                  <a:srgbClr val="0000CC"/>
+                </a:solidFill>
+                <a:latin typeface="Courier" pitchFamily="2" charset="0"/>
+              </a:rPr>
+              <a:t>int</a:t>
+            </a:r>
+            <a:r>
+              <a:rPr lang="en" altLang="zh-CN" sz="2600" dirty="0">
+                <a:solidFill>
+                  <a:prstClr val="black"/>
+                </a:solidFill>
+              </a:rPr>
+              <a:t> 2, then assigned to </a:t>
+            </a:r>
+            <a:r>
+              <a:rPr lang="en" altLang="zh-CN" sz="2600" dirty="0">
+                <a:solidFill>
+                  <a:srgbClr val="0000CC"/>
+                </a:solidFill>
+                <a:latin typeface="Courier" pitchFamily="2" charset="0"/>
+              </a:rPr>
+              <a:t>a</a:t>
+            </a:r>
+            <a:endParaRPr lang="zh-CN" altLang="en-US" dirty="0">
+              <a:solidFill>
+                <a:srgbClr val="0000CC"/>
+              </a:solidFill>
+              <a:latin typeface="Courier" pitchFamily="2" charset="0"/>
+            </a:endParaRPr>
           </a:p>
         </p:txBody>
       </p:sp>
@@ -14253,10 +16454,518 @@
   <p:clrMapOvr>
     <a:masterClrMapping/>
   </p:clrMapOvr>
+  <p:timing>
+    <p:tnLst>
+      <p:par>
+        <p:cTn id="1" dur="indefinite" restart="never" nodeType="tmRoot">
+          <p:childTnLst>
+            <p:seq concurrent="1" nextAc="seek">
+              <p:cTn id="2" dur="indefinite" nodeType="mainSeq">
+                <p:childTnLst>
+                  <p:par>
+                    <p:cTn id="3" fill="hold">
+                      <p:stCondLst>
+                        <p:cond delay="indefinite"/>
+                      </p:stCondLst>
+                      <p:childTnLst>
+                        <p:par>
+                          <p:cTn id="4" fill="hold">
+                            <p:stCondLst>
+                              <p:cond delay="0"/>
+                            </p:stCondLst>
+                            <p:childTnLst>
+                              <p:par>
+                                <p:cTn id="5" presetID="1" presetClass="entr" presetSubtype="0" fill="hold" nodeType="clickEffect">
+                                  <p:stCondLst>
+                                    <p:cond delay="0"/>
+                                  </p:stCondLst>
+                                  <p:childTnLst>
+                                    <p:set>
+                                      <p:cBhvr>
+                                        <p:cTn id="6" dur="1" fill="hold">
+                                          <p:stCondLst>
+                                            <p:cond delay="0"/>
+                                          </p:stCondLst>
+                                        </p:cTn>
+                                        <p:tgtEl>
+                                          <p:spTgt spid="3">
+                                            <p:txEl>
+                                              <p:pRg st="7" end="7"/>
+                                            </p:txEl>
+                                          </p:spTgt>
+                                        </p:tgtEl>
+                                        <p:attrNameLst>
+                                          <p:attrName>style.visibility</p:attrName>
+                                        </p:attrNameLst>
+                                      </p:cBhvr>
+                                      <p:to>
+                                        <p:strVal val="visible"/>
+                                      </p:to>
+                                    </p:set>
+                                  </p:childTnLst>
+                                </p:cTn>
+                              </p:par>
+                              <p:par>
+                                <p:cTn id="7" presetID="1" presetClass="entr" presetSubtype="0" fill="hold" nodeType="withEffect">
+                                  <p:stCondLst>
+                                    <p:cond delay="0"/>
+                                  </p:stCondLst>
+                                  <p:childTnLst>
+                                    <p:set>
+                                      <p:cBhvr>
+                                        <p:cTn id="8" dur="1" fill="hold">
+                                          <p:stCondLst>
+                                            <p:cond delay="0"/>
+                                          </p:stCondLst>
+                                        </p:cTn>
+                                        <p:tgtEl>
+                                          <p:spTgt spid="3">
+                                            <p:txEl>
+                                              <p:pRg st="8" end="8"/>
+                                            </p:txEl>
+                                          </p:spTgt>
+                                        </p:tgtEl>
+                                        <p:attrNameLst>
+                                          <p:attrName>style.visibility</p:attrName>
+                                        </p:attrNameLst>
+                                      </p:cBhvr>
+                                      <p:to>
+                                        <p:strVal val="visible"/>
+                                      </p:to>
+                                    </p:set>
+                                  </p:childTnLst>
+                                </p:cTn>
+                              </p:par>
+                              <p:par>
+                                <p:cTn id="9" presetID="1" presetClass="entr" presetSubtype="0" fill="hold" nodeType="withEffect">
+                                  <p:stCondLst>
+                                    <p:cond delay="0"/>
+                                  </p:stCondLst>
+                                  <p:childTnLst>
+                                    <p:set>
+                                      <p:cBhvr>
+                                        <p:cTn id="10" dur="1" fill="hold">
+                                          <p:stCondLst>
+                                            <p:cond delay="0"/>
+                                          </p:stCondLst>
+                                        </p:cTn>
+                                        <p:tgtEl>
+                                          <p:spTgt spid="3">
+                                            <p:txEl>
+                                              <p:pRg st="10" end="10"/>
+                                            </p:txEl>
+                                          </p:spTgt>
+                                        </p:tgtEl>
+                                        <p:attrNameLst>
+                                          <p:attrName>style.visibility</p:attrName>
+                                        </p:attrNameLst>
+                                      </p:cBhvr>
+                                      <p:to>
+                                        <p:strVal val="visible"/>
+                                      </p:to>
+                                    </p:set>
+                                  </p:childTnLst>
+                                </p:cTn>
+                              </p:par>
+                              <p:par>
+                                <p:cTn id="11" presetID="1" presetClass="entr" presetSubtype="0" fill="hold" nodeType="withEffect">
+                                  <p:stCondLst>
+                                    <p:cond delay="0"/>
+                                  </p:stCondLst>
+                                  <p:childTnLst>
+                                    <p:set>
+                                      <p:cBhvr>
+                                        <p:cTn id="12" dur="1" fill="hold">
+                                          <p:stCondLst>
+                                            <p:cond delay="0"/>
+                                          </p:stCondLst>
+                                        </p:cTn>
+                                        <p:tgtEl>
+                                          <p:spTgt spid="3">
+                                            <p:txEl>
+                                              <p:pRg st="11" end="11"/>
+                                            </p:txEl>
+                                          </p:spTgt>
+                                        </p:tgtEl>
+                                        <p:attrNameLst>
+                                          <p:attrName>style.visibility</p:attrName>
+                                        </p:attrNameLst>
+                                      </p:cBhvr>
+                                      <p:to>
+                                        <p:strVal val="visible"/>
+                                      </p:to>
+                                    </p:set>
+                                  </p:childTnLst>
+                                </p:cTn>
+                              </p:par>
+                            </p:childTnLst>
+                          </p:cTn>
+                        </p:par>
+                      </p:childTnLst>
+                    </p:cTn>
+                  </p:par>
+                  <p:par>
+                    <p:cTn id="13" fill="hold">
+                      <p:stCondLst>
+                        <p:cond delay="indefinite"/>
+                      </p:stCondLst>
+                      <p:childTnLst>
+                        <p:par>
+                          <p:cTn id="14" fill="hold">
+                            <p:stCondLst>
+                              <p:cond delay="0"/>
+                            </p:stCondLst>
+                            <p:childTnLst>
+                              <p:par>
+                                <p:cTn id="15" presetID="1" presetClass="entr" presetSubtype="0" fill="hold" grpId="0" nodeType="clickEffect">
+                                  <p:stCondLst>
+                                    <p:cond delay="0"/>
+                                  </p:stCondLst>
+                                  <p:childTnLst>
+                                    <p:set>
+                                      <p:cBhvr>
+                                        <p:cTn id="16" dur="1" fill="hold">
+                                          <p:stCondLst>
+                                            <p:cond delay="0"/>
+                                          </p:stCondLst>
+                                        </p:cTn>
+                                        <p:tgtEl>
+                                          <p:spTgt spid="4"/>
+                                        </p:tgtEl>
+                                        <p:attrNameLst>
+                                          <p:attrName>style.visibility</p:attrName>
+                                        </p:attrNameLst>
+                                      </p:cBhvr>
+                                      <p:to>
+                                        <p:strVal val="visible"/>
+                                      </p:to>
+                                    </p:set>
+                                  </p:childTnLst>
+                                </p:cTn>
+                              </p:par>
+                            </p:childTnLst>
+                          </p:cTn>
+                        </p:par>
+                      </p:childTnLst>
+                    </p:cTn>
+                  </p:par>
+                </p:childTnLst>
+              </p:cTn>
+              <p:prevCondLst>
+                <p:cond evt="onPrev" delay="0">
+                  <p:tgtEl>
+                    <p:sldTgt/>
+                  </p:tgtEl>
+                </p:cond>
+              </p:prevCondLst>
+              <p:nextCondLst>
+                <p:cond evt="onNext" delay="0">
+                  <p:tgtEl>
+                    <p:sldTgt/>
+                  </p:tgtEl>
+                </p:cond>
+              </p:nextCondLst>
+            </p:seq>
+          </p:childTnLst>
+        </p:cTn>
+      </p:par>
+    </p:tnLst>
+    <p:bldLst>
+      <p:bldP spid="4" grpId="0"/>
+    </p:bldLst>
+  </p:timing>
 </p:sld>
 </file>
 
-<file path=ppt/slides/slide28.xml><?xml version="1.0" encoding="utf-8"?>
+<file path=ppt/slides/slide3.xml><?xml version="1.0" encoding="utf-8"?>
+<p:sld xmlns:a="http://schemas.openxmlformats.org/drawingml/2006/main" xmlns:r="http://schemas.openxmlformats.org/officeDocument/2006/relationships" xmlns:p="http://schemas.openxmlformats.org/presentationml/2006/main">
+  <p:cSld>
+    <p:spTree>
+      <p:nvGrpSpPr>
+        <p:cNvPr id="1" name=""/>
+        <p:cNvGrpSpPr/>
+        <p:nvPr/>
+      </p:nvGrpSpPr>
+      <p:grpSpPr>
+        <a:xfrm>
+          <a:off x="0" y="0"/>
+          <a:ext cx="0" cy="0"/>
+          <a:chOff x="0" y="0"/>
+          <a:chExt cx="0" cy="0"/>
+        </a:xfrm>
+      </p:grpSpPr>
+      <p:sp>
+        <p:nvSpPr>
+          <p:cNvPr id="2" name="标题 1">
+            <a:extLst>
+              <a:ext uri="{FF2B5EF4-FFF2-40B4-BE49-F238E27FC236}">
+                <a16:creationId xmlns:a16="http://schemas.microsoft.com/office/drawing/2014/main" id="{E81030F7-AA92-0B42-86F0-2E8B05A9BC6C}"/>
+              </a:ext>
+            </a:extLst>
+          </p:cNvPr>
+          <p:cNvSpPr>
+            <a:spLocks noGrp="1"/>
+          </p:cNvSpPr>
+          <p:nvPr>
+            <p:ph type="title"/>
+          </p:nvPr>
+        </p:nvSpPr>
+        <p:spPr/>
+        <p:txBody>
+          <a:bodyPr/>
+          <a:lstStyle/>
+          <a:p>
+            <a:r>
+              <a:rPr kumimoji="1" lang="en-US" altLang="zh-CN" dirty="0"/>
+              <a:t>int</a:t>
+            </a:r>
+            <a:endParaRPr kumimoji="1" lang="zh-CN" altLang="en-US" dirty="0"/>
+          </a:p>
+        </p:txBody>
+      </p:sp>
+      <p:sp>
+        <p:nvSpPr>
+          <p:cNvPr id="3" name="内容占位符 2">
+            <a:extLst>
+              <a:ext uri="{FF2B5EF4-FFF2-40B4-BE49-F238E27FC236}">
+                <a16:creationId xmlns:a16="http://schemas.microsoft.com/office/drawing/2014/main" id="{DF6467DA-28DA-4E4F-986C-8CD5CBDC70B6}"/>
+              </a:ext>
+            </a:extLst>
+          </p:cNvPr>
+          <p:cNvSpPr>
+            <a:spLocks noGrp="1"/>
+          </p:cNvSpPr>
+          <p:nvPr>
+            <p:ph idx="1"/>
+          </p:nvPr>
+        </p:nvSpPr>
+        <p:spPr/>
+        <p:txBody>
+          <a:bodyPr/>
+          <a:lstStyle/>
+          <a:p>
+            <a:r>
+              <a:rPr kumimoji="1" lang="en-US" altLang="zh-CN" dirty="0">
+                <a:solidFill>
+                  <a:schemeClr val="accent6">
+                    <a:lumMod val="75000"/>
+                  </a:schemeClr>
+                </a:solidFill>
+              </a:rPr>
+              <a:t>int</a:t>
+            </a:r>
+            <a:r>
+              <a:rPr kumimoji="1" lang="en-US" altLang="zh-CN" dirty="0"/>
+              <a:t> is the most used integer type</a:t>
+            </a:r>
+          </a:p>
+          <a:p>
+            <a:pPr marL="685800" lvl="1" indent="0">
+              <a:buNone/>
+            </a:pPr>
+            <a:r>
+              <a:rPr kumimoji="1" lang="en-US" altLang="zh-CN" dirty="0">
+                <a:solidFill>
+                  <a:schemeClr val="accent6">
+                    <a:lumMod val="50000"/>
+                  </a:schemeClr>
+                </a:solidFill>
+                <a:latin typeface="Courier" pitchFamily="2" charset="0"/>
+              </a:rPr>
+              <a:t>int </a:t>
+            </a:r>
+            <a:r>
+              <a:rPr kumimoji="1" lang="en-US" altLang="zh-CN" dirty="0" err="1">
+                <a:solidFill>
+                  <a:schemeClr val="accent6">
+                    <a:lumMod val="50000"/>
+                  </a:schemeClr>
+                </a:solidFill>
+                <a:latin typeface="Courier" pitchFamily="2" charset="0"/>
+              </a:rPr>
+              <a:t>i</a:t>
+            </a:r>
+            <a:r>
+              <a:rPr kumimoji="1" lang="en-US" altLang="zh-CN" dirty="0">
+                <a:solidFill>
+                  <a:schemeClr val="accent6">
+                    <a:lumMod val="50000"/>
+                  </a:schemeClr>
+                </a:solidFill>
+                <a:latin typeface="Courier" pitchFamily="2" charset="0"/>
+              </a:rPr>
+              <a:t>; //declare a variable</a:t>
+            </a:r>
+          </a:p>
+          <a:p>
+            <a:pPr marL="685800" lvl="1" indent="0">
+              <a:buNone/>
+            </a:pPr>
+            <a:r>
+              <a:rPr kumimoji="1" lang="en-US" altLang="zh-CN" dirty="0">
+                <a:solidFill>
+                  <a:schemeClr val="accent6">
+                    <a:lumMod val="50000"/>
+                  </a:schemeClr>
+                </a:solidFill>
+                <a:latin typeface="Courier" pitchFamily="2" charset="0"/>
+              </a:rPr>
+              <a:t>int j = 10; //declare and initialize </a:t>
+            </a:r>
+          </a:p>
+          <a:p>
+            <a:pPr marL="685800" lvl="1" indent="0">
+              <a:buNone/>
+            </a:pPr>
+            <a:r>
+              <a:rPr kumimoji="1" lang="en-US" altLang="zh-CN" dirty="0">
+                <a:solidFill>
+                  <a:schemeClr val="accent6">
+                    <a:lumMod val="50000"/>
+                  </a:schemeClr>
+                </a:solidFill>
+                <a:latin typeface="Courier" pitchFamily="2" charset="0"/>
+              </a:rPr>
+              <a:t>int k;</a:t>
+            </a:r>
+          </a:p>
+          <a:p>
+            <a:pPr marL="685800" lvl="1" indent="0">
+              <a:buNone/>
+            </a:pPr>
+            <a:r>
+              <a:rPr kumimoji="1" lang="en-US" altLang="zh-CN" dirty="0">
+                <a:solidFill>
+                  <a:schemeClr val="accent6">
+                    <a:lumMod val="50000"/>
+                  </a:schemeClr>
+                </a:solidFill>
+                <a:latin typeface="Courier" pitchFamily="2" charset="0"/>
+              </a:rPr>
+              <a:t>k = 20; //assign a value</a:t>
+            </a:r>
+          </a:p>
+          <a:p>
+            <a:endParaRPr kumimoji="1" lang="en-US" altLang="zh-CN" dirty="0"/>
+          </a:p>
+          <a:p>
+            <a:r>
+              <a:rPr kumimoji="1" lang="en-US" altLang="zh-CN" dirty="0"/>
+              <a:t>Remember to initialize a variable!</a:t>
+            </a:r>
+          </a:p>
+          <a:p>
+            <a:r>
+              <a:rPr kumimoji="1" lang="en-US" altLang="zh-CN" dirty="0"/>
+              <a:t>Will the compiler give an error?</a:t>
+            </a:r>
+          </a:p>
+          <a:p>
+            <a:pPr marL="685800" lvl="1" indent="0">
+              <a:buNone/>
+            </a:pPr>
+            <a:r>
+              <a:rPr kumimoji="1" lang="en-US" altLang="zh-CN" dirty="0">
+                <a:solidFill>
+                  <a:schemeClr val="accent6">
+                    <a:lumMod val="50000"/>
+                  </a:schemeClr>
+                </a:solidFill>
+                <a:latin typeface="Courier" pitchFamily="2" charset="0"/>
+              </a:rPr>
+              <a:t>int </a:t>
+            </a:r>
+            <a:r>
+              <a:rPr kumimoji="1" lang="en-US" altLang="zh-CN" dirty="0" err="1">
+                <a:solidFill>
+                  <a:schemeClr val="accent6">
+                    <a:lumMod val="50000"/>
+                  </a:schemeClr>
+                </a:solidFill>
+                <a:latin typeface="Courier" pitchFamily="2" charset="0"/>
+              </a:rPr>
+              <a:t>i</a:t>
+            </a:r>
+            <a:r>
+              <a:rPr kumimoji="1" lang="en-US" altLang="zh-CN" dirty="0">
+                <a:solidFill>
+                  <a:schemeClr val="accent6">
+                    <a:lumMod val="50000"/>
+                  </a:schemeClr>
+                </a:solidFill>
+                <a:latin typeface="Courier" pitchFamily="2" charset="0"/>
+              </a:rPr>
+              <a:t>; </a:t>
+            </a:r>
+          </a:p>
+          <a:p>
+            <a:pPr marL="685800" lvl="1" indent="0">
+              <a:buNone/>
+            </a:pPr>
+            <a:r>
+              <a:rPr kumimoji="1" lang="en-US" altLang="zh-CN" dirty="0" err="1">
+                <a:solidFill>
+                  <a:schemeClr val="accent6">
+                    <a:lumMod val="50000"/>
+                  </a:schemeClr>
+                </a:solidFill>
+                <a:latin typeface="Courier" pitchFamily="2" charset="0"/>
+              </a:rPr>
+              <a:t>cout</a:t>
+            </a:r>
+            <a:r>
+              <a:rPr kumimoji="1" lang="en-US" altLang="zh-CN" dirty="0">
+                <a:solidFill>
+                  <a:schemeClr val="accent6">
+                    <a:lumMod val="50000"/>
+                  </a:schemeClr>
+                </a:solidFill>
+                <a:latin typeface="Courier" pitchFamily="2" charset="0"/>
+              </a:rPr>
+              <a:t> &lt;&lt; </a:t>
+            </a:r>
+            <a:r>
+              <a:rPr kumimoji="1" lang="en-US" altLang="zh-CN" dirty="0" err="1">
+                <a:solidFill>
+                  <a:schemeClr val="accent6">
+                    <a:lumMod val="50000"/>
+                  </a:schemeClr>
+                </a:solidFill>
+                <a:latin typeface="Courier" pitchFamily="2" charset="0"/>
+              </a:rPr>
+              <a:t>i</a:t>
+            </a:r>
+            <a:r>
+              <a:rPr kumimoji="1" lang="en-US" altLang="zh-CN" dirty="0">
+                <a:solidFill>
+                  <a:schemeClr val="accent6">
+                    <a:lumMod val="50000"/>
+                  </a:schemeClr>
+                </a:solidFill>
+                <a:latin typeface="Courier" pitchFamily="2" charset="0"/>
+              </a:rPr>
+              <a:t>; //what is i's value?</a:t>
+            </a:r>
+          </a:p>
+          <a:p>
+            <a:endParaRPr kumimoji="1" lang="en-US" altLang="zh-CN" dirty="0"/>
+          </a:p>
+        </p:txBody>
+      </p:sp>
+    </p:spTree>
+    <p:extLst>
+      <p:ext uri="{BB962C8B-B14F-4D97-AF65-F5344CB8AC3E}">
+        <p14:creationId xmlns:p14="http://schemas.microsoft.com/office/powerpoint/2010/main" val="2512627072"/>
+      </p:ext>
+    </p:extLst>
+  </p:cSld>
+  <p:clrMapOvr>
+    <a:masterClrMapping/>
+  </p:clrMapOvr>
+</p:sld>
+</file>
+
+<file path=ppt/slides/slide30.xml><?xml version="1.0" encoding="utf-8"?>
 <p:sld xmlns:a="http://schemas.openxmlformats.org/drawingml/2006/main" xmlns:r="http://schemas.openxmlformats.org/officeDocument/2006/relationships" xmlns:p="http://schemas.openxmlformats.org/presentationml/2006/main">
   <p:cSld>
     <p:spTree>
@@ -14771,12 +17480,12 @@
                     <a:p>
                       <a:pPr algn="l" fontAlgn="ctr"/>
                       <a:r>
-                        <a:rPr lang="en" sz="2000" u="none" strike="noStrike">
+                        <a:rPr lang="en" sz="2000" u="none" strike="noStrike" dirty="0">
                           <a:effectLst/>
                         </a:rPr>
                         <a:t>division</a:t>
                       </a:r>
-                      <a:endParaRPr lang="en" sz="2000" b="0" i="0" u="none" strike="noStrike">
+                      <a:endParaRPr lang="en" sz="2000" b="0" i="0" u="none" strike="noStrike" dirty="0">
                         <a:solidFill>
                           <a:srgbClr val="000000"/>
                         </a:solidFill>
@@ -15228,7 +17937,7 @@
 </p:sld>
 </file>
 
-<file path=ppt/slides/slide29.xml><?xml version="1.0" encoding="utf-8"?>
+<file path=ppt/slides/slide31.xml><?xml version="1.0" encoding="utf-8"?>
 <p:sld xmlns:a="http://schemas.openxmlformats.org/drawingml/2006/main" xmlns:r="http://schemas.openxmlformats.org/officeDocument/2006/relationships" xmlns:p="http://schemas.openxmlformats.org/presentationml/2006/main">
   <p:cSld>
     <p:spTree>
@@ -16029,289 +18738,7 @@
 </p:sld>
 </file>
 
-<file path=ppt/slides/slide3.xml><?xml version="1.0" encoding="utf-8"?>
-<p:sld xmlns:a="http://schemas.openxmlformats.org/drawingml/2006/main" xmlns:r="http://schemas.openxmlformats.org/officeDocument/2006/relationships" xmlns:p="http://schemas.openxmlformats.org/presentationml/2006/main">
-  <p:cSld>
-    <p:spTree>
-      <p:nvGrpSpPr>
-        <p:cNvPr id="1" name=""/>
-        <p:cNvGrpSpPr/>
-        <p:nvPr/>
-      </p:nvGrpSpPr>
-      <p:grpSpPr>
-        <a:xfrm>
-          <a:off x="0" y="0"/>
-          <a:ext cx="0" cy="0"/>
-          <a:chOff x="0" y="0"/>
-          <a:chExt cx="0" cy="0"/>
-        </a:xfrm>
-      </p:grpSpPr>
-      <p:sp>
-        <p:nvSpPr>
-          <p:cNvPr id="2" name="标题 1">
-            <a:extLst>
-              <a:ext uri="{FF2B5EF4-FFF2-40B4-BE49-F238E27FC236}">
-                <a16:creationId xmlns:a16="http://schemas.microsoft.com/office/drawing/2014/main" id="{E81030F7-AA92-0B42-86F0-2E8B05A9BC6C}"/>
-              </a:ext>
-            </a:extLst>
-          </p:cNvPr>
-          <p:cNvSpPr>
-            <a:spLocks noGrp="1"/>
-          </p:cNvSpPr>
-          <p:nvPr>
-            <p:ph type="title"/>
-          </p:nvPr>
-        </p:nvSpPr>
-        <p:spPr/>
-        <p:txBody>
-          <a:bodyPr/>
-          <a:lstStyle/>
-          <a:p>
-            <a:r>
-              <a:rPr kumimoji="1" lang="en-US" altLang="zh-CN" dirty="0"/>
-              <a:t>int</a:t>
-            </a:r>
-            <a:endParaRPr kumimoji="1" lang="zh-CN" altLang="en-US" dirty="0"/>
-          </a:p>
-        </p:txBody>
-      </p:sp>
-      <p:sp>
-        <p:nvSpPr>
-          <p:cNvPr id="3" name="内容占位符 2">
-            <a:extLst>
-              <a:ext uri="{FF2B5EF4-FFF2-40B4-BE49-F238E27FC236}">
-                <a16:creationId xmlns:a16="http://schemas.microsoft.com/office/drawing/2014/main" id="{DF6467DA-28DA-4E4F-986C-8CD5CBDC70B6}"/>
-              </a:ext>
-            </a:extLst>
-          </p:cNvPr>
-          <p:cNvSpPr>
-            <a:spLocks noGrp="1"/>
-          </p:cNvSpPr>
-          <p:nvPr>
-            <p:ph idx="1"/>
-          </p:nvPr>
-        </p:nvSpPr>
-        <p:spPr/>
-        <p:txBody>
-          <a:bodyPr/>
-          <a:lstStyle/>
-          <a:p>
-            <a:r>
-              <a:rPr kumimoji="1" lang="en-US" altLang="zh-CN" dirty="0">
-                <a:solidFill>
-                  <a:schemeClr val="accent6">
-                    <a:lumMod val="75000"/>
-                  </a:schemeClr>
-                </a:solidFill>
-              </a:rPr>
-              <a:t>int</a:t>
-            </a:r>
-            <a:r>
-              <a:rPr kumimoji="1" lang="en-US" altLang="zh-CN" dirty="0"/>
-              <a:t> is the most used integer type</a:t>
-            </a:r>
-          </a:p>
-          <a:p>
-            <a:pPr marL="685800" lvl="1" indent="0">
-              <a:buNone/>
-            </a:pPr>
-            <a:r>
-              <a:rPr kumimoji="1" lang="en-US" altLang="zh-CN" dirty="0">
-                <a:solidFill>
-                  <a:schemeClr val="accent6">
-                    <a:lumMod val="50000"/>
-                  </a:schemeClr>
-                </a:solidFill>
-                <a:latin typeface="Courier" pitchFamily="2" charset="0"/>
-              </a:rPr>
-              <a:t>int </a:t>
-            </a:r>
-            <a:r>
-              <a:rPr kumimoji="1" lang="en-US" altLang="zh-CN" dirty="0" err="1">
-                <a:solidFill>
-                  <a:schemeClr val="accent6">
-                    <a:lumMod val="50000"/>
-                  </a:schemeClr>
-                </a:solidFill>
-                <a:latin typeface="Courier" pitchFamily="2" charset="0"/>
-              </a:rPr>
-              <a:t>i</a:t>
-            </a:r>
-            <a:r>
-              <a:rPr kumimoji="1" lang="en-US" altLang="zh-CN" dirty="0">
-                <a:solidFill>
-                  <a:schemeClr val="accent6">
-                    <a:lumMod val="50000"/>
-                  </a:schemeClr>
-                </a:solidFill>
-                <a:latin typeface="Courier" pitchFamily="2" charset="0"/>
-              </a:rPr>
-              <a:t>; //declare a variable</a:t>
-            </a:r>
-          </a:p>
-          <a:p>
-            <a:pPr marL="685800" lvl="1" indent="0">
-              <a:buNone/>
-            </a:pPr>
-            <a:r>
-              <a:rPr kumimoji="1" lang="en-US" altLang="zh-CN" dirty="0">
-                <a:solidFill>
-                  <a:schemeClr val="accent6">
-                    <a:lumMod val="50000"/>
-                  </a:schemeClr>
-                </a:solidFill>
-                <a:latin typeface="Courier" pitchFamily="2" charset="0"/>
-              </a:rPr>
-              <a:t>int j = 10; //declare and initialize </a:t>
-            </a:r>
-          </a:p>
-          <a:p>
-            <a:pPr marL="685800" lvl="1" indent="0">
-              <a:buNone/>
-            </a:pPr>
-            <a:r>
-              <a:rPr kumimoji="1" lang="en-US" altLang="zh-CN" dirty="0">
-                <a:solidFill>
-                  <a:schemeClr val="accent6">
-                    <a:lumMod val="50000"/>
-                  </a:schemeClr>
-                </a:solidFill>
-                <a:latin typeface="Courier" pitchFamily="2" charset="0"/>
-              </a:rPr>
-              <a:t>int k;</a:t>
-            </a:r>
-          </a:p>
-          <a:p>
-            <a:pPr marL="685800" lvl="1" indent="0">
-              <a:buNone/>
-            </a:pPr>
-            <a:r>
-              <a:rPr kumimoji="1" lang="en-US" altLang="zh-CN" dirty="0">
-                <a:solidFill>
-                  <a:schemeClr val="accent6">
-                    <a:lumMod val="50000"/>
-                  </a:schemeClr>
-                </a:solidFill>
-                <a:latin typeface="Courier" pitchFamily="2" charset="0"/>
-              </a:rPr>
-              <a:t>k = 20; //assign a value</a:t>
-            </a:r>
-          </a:p>
-          <a:p>
-            <a:endParaRPr kumimoji="1" lang="en-US" altLang="zh-CN" dirty="0"/>
-          </a:p>
-          <a:p>
-            <a:r>
-              <a:rPr kumimoji="1" lang="en-US" altLang="zh-CN" dirty="0"/>
-              <a:t>What will happen?</a:t>
-            </a:r>
-          </a:p>
-          <a:p>
-            <a:pPr marL="685800" lvl="1" indent="0">
-              <a:buNone/>
-            </a:pPr>
-            <a:r>
-              <a:rPr kumimoji="1" lang="en-US" altLang="zh-CN" dirty="0">
-                <a:solidFill>
-                  <a:schemeClr val="accent6">
-                    <a:lumMod val="50000"/>
-                  </a:schemeClr>
-                </a:solidFill>
-                <a:latin typeface="Courier" pitchFamily="2" charset="0"/>
-              </a:rPr>
-              <a:t>int </a:t>
-            </a:r>
-            <a:r>
-              <a:rPr kumimoji="1" lang="en-US" altLang="zh-CN" dirty="0" err="1">
-                <a:solidFill>
-                  <a:schemeClr val="accent6">
-                    <a:lumMod val="50000"/>
-                  </a:schemeClr>
-                </a:solidFill>
-                <a:latin typeface="Courier" pitchFamily="2" charset="0"/>
-              </a:rPr>
-              <a:t>i</a:t>
-            </a:r>
-            <a:r>
-              <a:rPr kumimoji="1" lang="en-US" altLang="zh-CN" dirty="0">
-                <a:solidFill>
-                  <a:schemeClr val="accent6">
-                    <a:lumMod val="50000"/>
-                  </a:schemeClr>
-                </a:solidFill>
-                <a:latin typeface="Courier" pitchFamily="2" charset="0"/>
-              </a:rPr>
-              <a:t>; </a:t>
-            </a:r>
-          </a:p>
-          <a:p>
-            <a:pPr marL="685800" lvl="1" indent="0">
-              <a:buNone/>
-            </a:pPr>
-            <a:r>
-              <a:rPr kumimoji="1" lang="en-US" altLang="zh-CN" dirty="0" err="1">
-                <a:solidFill>
-                  <a:schemeClr val="accent6">
-                    <a:lumMod val="50000"/>
-                  </a:schemeClr>
-                </a:solidFill>
-                <a:latin typeface="Courier" pitchFamily="2" charset="0"/>
-              </a:rPr>
-              <a:t>cout</a:t>
-            </a:r>
-            <a:r>
-              <a:rPr kumimoji="1" lang="en-US" altLang="zh-CN" dirty="0">
-                <a:solidFill>
-                  <a:schemeClr val="accent6">
-                    <a:lumMod val="50000"/>
-                  </a:schemeClr>
-                </a:solidFill>
-                <a:latin typeface="Courier" pitchFamily="2" charset="0"/>
-              </a:rPr>
-              <a:t> &lt;&lt; </a:t>
-            </a:r>
-            <a:r>
-              <a:rPr kumimoji="1" lang="en-US" altLang="zh-CN" dirty="0" err="1">
-                <a:solidFill>
-                  <a:schemeClr val="accent6">
-                    <a:lumMod val="50000"/>
-                  </a:schemeClr>
-                </a:solidFill>
-                <a:latin typeface="Courier" pitchFamily="2" charset="0"/>
-              </a:rPr>
-              <a:t>i</a:t>
-            </a:r>
-            <a:r>
-              <a:rPr kumimoji="1" lang="en-US" altLang="zh-CN" dirty="0">
-                <a:solidFill>
-                  <a:schemeClr val="accent6">
-                    <a:lumMod val="50000"/>
-                  </a:schemeClr>
-                </a:solidFill>
-                <a:latin typeface="Courier" pitchFamily="2" charset="0"/>
-              </a:rPr>
-              <a:t>; //what is i's value?</a:t>
-            </a:r>
-          </a:p>
-          <a:p>
-            <a:endParaRPr kumimoji="1" lang="en-US" altLang="zh-CN" dirty="0"/>
-          </a:p>
-        </p:txBody>
-      </p:sp>
-    </p:spTree>
-    <p:extLst>
-      <p:ext uri="{BB962C8B-B14F-4D97-AF65-F5344CB8AC3E}">
-        <p14:creationId xmlns:p14="http://schemas.microsoft.com/office/powerpoint/2010/main" val="2512627072"/>
-      </p:ext>
-    </p:extLst>
-  </p:cSld>
-  <p:clrMapOvr>
-    <a:masterClrMapping/>
-  </p:clrMapOvr>
-</p:sld>
-</file>
-
-<file path=ppt/slides/slide30.xml><?xml version="1.0" encoding="utf-8"?>
+<file path=ppt/slides/slide32.xml><?xml version="1.0" encoding="utf-8"?>
 <p:sld xmlns:a="http://schemas.openxmlformats.org/drawingml/2006/main" xmlns:r="http://schemas.openxmlformats.org/officeDocument/2006/relationships" xmlns:p="http://schemas.openxmlformats.org/presentationml/2006/main">
   <p:cSld>
     <p:spTree>
@@ -17019,10 +19446,190 @@
   <p:clrMapOvr>
     <a:masterClrMapping/>
   </p:clrMapOvr>
+  <p:timing>
+    <p:tnLst>
+      <p:par>
+        <p:cTn id="1" dur="indefinite" restart="never" nodeType="tmRoot">
+          <p:childTnLst>
+            <p:seq concurrent="1" nextAc="seek">
+              <p:cTn id="2" dur="indefinite" nodeType="mainSeq">
+                <p:childTnLst>
+                  <p:par>
+                    <p:cTn id="3" fill="hold">
+                      <p:stCondLst>
+                        <p:cond delay="indefinite"/>
+                      </p:stCondLst>
+                      <p:childTnLst>
+                        <p:par>
+                          <p:cTn id="4" fill="hold">
+                            <p:stCondLst>
+                              <p:cond delay="0"/>
+                            </p:stCondLst>
+                            <p:childTnLst>
+                              <p:par>
+                                <p:cTn id="5" presetID="1" presetClass="entr" presetSubtype="0" fill="hold" grpId="0" nodeType="clickEffect">
+                                  <p:stCondLst>
+                                    <p:cond delay="0"/>
+                                  </p:stCondLst>
+                                  <p:childTnLst>
+                                    <p:set>
+                                      <p:cBhvr>
+                                        <p:cTn id="6" dur="1" fill="hold">
+                                          <p:stCondLst>
+                                            <p:cond delay="0"/>
+                                          </p:stCondLst>
+                                        </p:cTn>
+                                        <p:tgtEl>
+                                          <p:spTgt spid="3">
+                                            <p:txEl>
+                                              <p:pRg st="0" end="0"/>
+                                            </p:txEl>
+                                          </p:spTgt>
+                                        </p:tgtEl>
+                                        <p:attrNameLst>
+                                          <p:attrName>style.visibility</p:attrName>
+                                        </p:attrNameLst>
+                                      </p:cBhvr>
+                                      <p:to>
+                                        <p:strVal val="visible"/>
+                                      </p:to>
+                                    </p:set>
+                                  </p:childTnLst>
+                                </p:cTn>
+                              </p:par>
+                            </p:childTnLst>
+                          </p:cTn>
+                        </p:par>
+                      </p:childTnLst>
+                    </p:cTn>
+                  </p:par>
+                  <p:par>
+                    <p:cTn id="7" fill="hold">
+                      <p:stCondLst>
+                        <p:cond delay="indefinite"/>
+                      </p:stCondLst>
+                      <p:childTnLst>
+                        <p:par>
+                          <p:cTn id="8" fill="hold">
+                            <p:stCondLst>
+                              <p:cond delay="0"/>
+                            </p:stCondLst>
+                            <p:childTnLst>
+                              <p:par>
+                                <p:cTn id="9" presetID="1" presetClass="entr" presetSubtype="0" fill="hold" grpId="0" nodeType="clickEffect">
+                                  <p:stCondLst>
+                                    <p:cond delay="0"/>
+                                  </p:stCondLst>
+                                  <p:childTnLst>
+                                    <p:set>
+                                      <p:cBhvr>
+                                        <p:cTn id="10" dur="1" fill="hold">
+                                          <p:stCondLst>
+                                            <p:cond delay="0"/>
+                                          </p:stCondLst>
+                                        </p:cTn>
+                                        <p:tgtEl>
+                                          <p:spTgt spid="3">
+                                            <p:txEl>
+                                              <p:pRg st="1" end="1"/>
+                                            </p:txEl>
+                                          </p:spTgt>
+                                        </p:tgtEl>
+                                        <p:attrNameLst>
+                                          <p:attrName>style.visibility</p:attrName>
+                                        </p:attrNameLst>
+                                      </p:cBhvr>
+                                      <p:to>
+                                        <p:strVal val="visible"/>
+                                      </p:to>
+                                    </p:set>
+                                  </p:childTnLst>
+                                </p:cTn>
+                              </p:par>
+                            </p:childTnLst>
+                          </p:cTn>
+                        </p:par>
+                      </p:childTnLst>
+                    </p:cTn>
+                  </p:par>
+                  <p:par>
+                    <p:cTn id="11" fill="hold">
+                      <p:stCondLst>
+                        <p:cond delay="indefinite"/>
+                      </p:stCondLst>
+                      <p:childTnLst>
+                        <p:par>
+                          <p:cTn id="12" fill="hold">
+                            <p:stCondLst>
+                              <p:cond delay="0"/>
+                            </p:stCondLst>
+                            <p:childTnLst>
+                              <p:par>
+                                <p:cTn id="13" presetID="1" presetClass="entr" presetSubtype="0" fill="hold" grpId="0" nodeType="clickEffect">
+                                  <p:stCondLst>
+                                    <p:cond delay="0"/>
+                                  </p:stCondLst>
+                                  <p:childTnLst>
+                                    <p:set>
+                                      <p:cBhvr>
+                                        <p:cTn id="14" dur="1" fill="hold">
+                                          <p:stCondLst>
+                                            <p:cond delay="0"/>
+                                          </p:stCondLst>
+                                        </p:cTn>
+                                        <p:tgtEl>
+                                          <p:spTgt spid="3">
+                                            <p:txEl>
+                                              <p:pRg st="2" end="2"/>
+                                            </p:txEl>
+                                          </p:spTgt>
+                                        </p:tgtEl>
+                                        <p:attrNameLst>
+                                          <p:attrName>style.visibility</p:attrName>
+                                        </p:attrNameLst>
+                                      </p:cBhvr>
+                                      <p:to>
+                                        <p:strVal val="visible"/>
+                                      </p:to>
+                                    </p:set>
+                                  </p:childTnLst>
+                                </p:cTn>
+                              </p:par>
+                            </p:childTnLst>
+                          </p:cTn>
+                        </p:par>
+                      </p:childTnLst>
+                    </p:cTn>
+                  </p:par>
+                </p:childTnLst>
+              </p:cTn>
+              <p:prevCondLst>
+                <p:cond evt="onPrev" delay="0">
+                  <p:tgtEl>
+                    <p:sldTgt/>
+                  </p:tgtEl>
+                </p:cond>
+              </p:prevCondLst>
+              <p:nextCondLst>
+                <p:cond evt="onNext" delay="0">
+                  <p:tgtEl>
+                    <p:sldTgt/>
+                  </p:tgtEl>
+                </p:cond>
+              </p:nextCondLst>
+            </p:seq>
+          </p:childTnLst>
+        </p:cTn>
+      </p:par>
+    </p:tnLst>
+    <p:bldLst>
+      <p:bldP spid="3" grpId="0" build="p"/>
+    </p:bldLst>
+  </p:timing>
 </p:sld>
 </file>
 
-<file path=ppt/slides/slide31.xml><?xml version="1.0" encoding="utf-8"?>
+<file path=ppt/slides/slide33.xml><?xml version="1.0" encoding="utf-8"?>
 <p:sld xmlns:a="http://schemas.openxmlformats.org/drawingml/2006/main" xmlns:r="http://schemas.openxmlformats.org/officeDocument/2006/relationships" xmlns:p="http://schemas.openxmlformats.org/presentationml/2006/main">
   <p:cSld>
     <p:spTree>
@@ -17650,7 +20257,7 @@
 </p:sld>
 </file>
 
-<file path=ppt/slides/slide32.xml><?xml version="1.0" encoding="utf-8"?>
+<file path=ppt/slides/slide34.xml><?xml version="1.0" encoding="utf-8"?>
 <p:sld xmlns:a="http://schemas.openxmlformats.org/drawingml/2006/main" xmlns:r="http://schemas.openxmlformats.org/officeDocument/2006/relationships" xmlns:p="http://schemas.openxmlformats.org/presentationml/2006/main">
   <p:cSld>
     <p:spTree>
@@ -17969,7 +20576,7 @@
 </p:sld>
 </file>
 
-<file path=ppt/slides/slide33.xml><?xml version="1.0" encoding="utf-8"?>
+<file path=ppt/slides/slide35.xml><?xml version="1.0" encoding="utf-8"?>
 <p:sld xmlns:a="http://schemas.openxmlformats.org/drawingml/2006/main" xmlns:r="http://schemas.openxmlformats.org/officeDocument/2006/relationships" xmlns:p="http://schemas.openxmlformats.org/presentationml/2006/main">
   <p:cSld>
     <p:spTree>
@@ -18045,7 +20652,15 @@
             <a:pPr lvl="1"/>
             <a:r>
               <a:rPr kumimoji="1" lang="en-US" altLang="zh-CN" dirty="0"/>
-              <a:t>Perform integer division</a:t>
+              <a:t>Perform </a:t>
+            </a:r>
+            <a:r>
+              <a:rPr kumimoji="1" lang="en-US" altLang="zh-CN" dirty="0">
+                <a:solidFill>
+                  <a:srgbClr val="FF0000"/>
+                </a:solidFill>
+              </a:rPr>
+              <a:t>integer division</a:t>
             </a:r>
           </a:p>
           <a:p>
@@ -18175,7 +20790,7 @@
 </p:sld>
 </file>
 
-<file path=ppt/slides/slide34.xml><?xml version="1.0" encoding="utf-8"?>
+<file path=ppt/slides/slide36.xml><?xml version="1.0" encoding="utf-8"?>
 <p:sld xmlns:a="http://schemas.openxmlformats.org/drawingml/2006/main" xmlns:r="http://schemas.openxmlformats.org/officeDocument/2006/relationships" xmlns:p="http://schemas.openxmlformats.org/presentationml/2006/main">
   <p:cSld>
     <p:spTree>
@@ -18589,10 +21204,120 @@
   <p:clrMapOvr>
     <a:masterClrMapping/>
   </p:clrMapOvr>
+  <p:timing>
+    <p:tnLst>
+      <p:par>
+        <p:cTn id="1" dur="indefinite" restart="never" nodeType="tmRoot">
+          <p:childTnLst>
+            <p:seq concurrent="1" nextAc="seek">
+              <p:cTn id="2" dur="indefinite" nodeType="mainSeq">
+                <p:childTnLst>
+                  <p:par>
+                    <p:cTn id="3" fill="hold">
+                      <p:stCondLst>
+                        <p:cond delay="indefinite"/>
+                      </p:stCondLst>
+                      <p:childTnLst>
+                        <p:par>
+                          <p:cTn id="4" fill="hold">
+                            <p:stCondLst>
+                              <p:cond delay="0"/>
+                            </p:stCondLst>
+                            <p:childTnLst>
+                              <p:par>
+                                <p:cTn id="5" presetID="1" presetClass="entr" presetSubtype="0" fill="hold" nodeType="clickEffect">
+                                  <p:stCondLst>
+                                    <p:cond delay="0"/>
+                                  </p:stCondLst>
+                                  <p:childTnLst>
+                                    <p:set>
+                                      <p:cBhvr>
+                                        <p:cTn id="6" dur="1" fill="hold">
+                                          <p:stCondLst>
+                                            <p:cond delay="0"/>
+                                          </p:stCondLst>
+                                        </p:cTn>
+                                        <p:tgtEl>
+                                          <p:spTgt spid="3">
+                                            <p:txEl>
+                                              <p:pRg st="6" end="6"/>
+                                            </p:txEl>
+                                          </p:spTgt>
+                                        </p:tgtEl>
+                                        <p:attrNameLst>
+                                          <p:attrName>style.visibility</p:attrName>
+                                        </p:attrNameLst>
+                                      </p:cBhvr>
+                                      <p:to>
+                                        <p:strVal val="visible"/>
+                                      </p:to>
+                                    </p:set>
+                                  </p:childTnLst>
+                                </p:cTn>
+                              </p:par>
+                              <p:par>
+                                <p:cTn id="7" presetID="1" presetClass="entr" presetSubtype="0" fill="hold" nodeType="withEffect">
+                                  <p:stCondLst>
+                                    <p:cond delay="0"/>
+                                  </p:stCondLst>
+                                  <p:childTnLst>
+                                    <p:set>
+                                      <p:cBhvr>
+                                        <p:cTn id="8" dur="1" fill="hold">
+                                          <p:stCondLst>
+                                            <p:cond delay="0"/>
+                                          </p:stCondLst>
+                                        </p:cTn>
+                                        <p:tgtEl>
+                                          <p:spTgt spid="3">
+                                            <p:txEl>
+                                              <p:pRg st="7" end="7"/>
+                                            </p:txEl>
+                                          </p:spTgt>
+                                        </p:tgtEl>
+                                        <p:attrNameLst>
+                                          <p:attrName>style.visibility</p:attrName>
+                                        </p:attrNameLst>
+                                      </p:cBhvr>
+                                      <p:to>
+                                        <p:strVal val="visible"/>
+                                      </p:to>
+                                    </p:set>
+                                  </p:childTnLst>
+                                </p:cTn>
+                              </p:par>
+                            </p:childTnLst>
+                          </p:cTn>
+                        </p:par>
+                      </p:childTnLst>
+                    </p:cTn>
+                  </p:par>
+                </p:childTnLst>
+              </p:cTn>
+              <p:prevCondLst>
+                <p:cond evt="onPrev" delay="0">
+                  <p:tgtEl>
+                    <p:sldTgt/>
+                  </p:tgtEl>
+                </p:cond>
+              </p:prevCondLst>
+              <p:nextCondLst>
+                <p:cond evt="onNext" delay="0">
+                  <p:tgtEl>
+                    <p:sldTgt/>
+                  </p:tgtEl>
+                </p:cond>
+              </p:nextCondLst>
+            </p:seq>
+          </p:childTnLst>
+        </p:cTn>
+      </p:par>
+    </p:tnLst>
+  </p:timing>
 </p:sld>
 </file>
 
-<file path=ppt/slides/slide35.xml><?xml version="1.0" encoding="utf-8"?>
+<file path=ppt/slides/slide37.xml><?xml version="1.0" encoding="utf-8"?>
 <p:sld xmlns:a="http://schemas.openxmlformats.org/drawingml/2006/main" xmlns:r="http://schemas.openxmlformats.org/officeDocument/2006/relationships" xmlns:p="http://schemas.openxmlformats.org/presentationml/2006/main">
   <p:cSld>
     <p:spTree>
@@ -18819,7 +21544,7 @@
         <p:spPr>
           <a:xfrm>
             <a:off x="954950" y="1451809"/>
-            <a:ext cx="6376792" cy="2862322"/>
+            <a:ext cx="6376792" cy="2585323"/>
           </a:xfrm>
           <a:prstGeom prst="rect">
             <a:avLst/>
@@ -18861,25 +21586,7 @@
                 </a:solidFill>
                 <a:latin typeface="Menlo" panose="020B0609030804020204" pitchFamily="49" charset="0"/>
               </a:rPr>
-              <a:t>&lt;</a:t>
-            </a:r>
-            <a:r>
-              <a:rPr lang="en" altLang="zh-CN" dirty="0" err="1">
-                <a:solidFill>
-                  <a:srgbClr val="A31515"/>
-                </a:solidFill>
-                <a:latin typeface="Menlo" panose="020B0609030804020204" pitchFamily="49" charset="0"/>
-              </a:rPr>
-              <a:t>stdio.h</a:t>
-            </a:r>
-            <a:r>
-              <a:rPr lang="en" altLang="zh-CN" dirty="0">
-                <a:solidFill>
-                  <a:srgbClr val="A31515"/>
-                </a:solidFill>
-                <a:latin typeface="Menlo" panose="020B0609030804020204" pitchFamily="49" charset="0"/>
-              </a:rPr>
-              <a:t>&gt;</a:t>
+              <a:t>&lt;iostream&gt;</a:t>
             </a:r>
             <a:endParaRPr lang="en" altLang="zh-CN" dirty="0">
               <a:solidFill>
@@ -18889,14 +21596,24 @@
             </a:endParaRPr>
           </a:p>
           <a:p>
-            <a:br>
+            <a:r>
+              <a:rPr lang="en" altLang="zh-CN" dirty="0">
+                <a:solidFill>
+                  <a:srgbClr val="AF00DB"/>
+                </a:solidFill>
+                <a:latin typeface="Menlo" panose="020B0609030804020204" pitchFamily="49" charset="0"/>
+              </a:rPr>
+              <a:t>using</a:t>
+            </a:r>
+            <a:r>
               <a:rPr lang="en" altLang="zh-CN" dirty="0">
                 <a:solidFill>
                   <a:srgbClr val="000000"/>
                 </a:solidFill>
                 <a:latin typeface="Menlo" panose="020B0609030804020204" pitchFamily="49" charset="0"/>
               </a:rPr>
-            </a:br>
+              <a:t> </a:t>
+            </a:r>
             <a:r>
               <a:rPr lang="en" altLang="zh-CN" dirty="0">
                 <a:solidFill>
@@ -18904,6 +21621,44 @@
                 </a:solidFill>
                 <a:latin typeface="Menlo" panose="020B0609030804020204" pitchFamily="49" charset="0"/>
               </a:rPr>
+              <a:t>namespace</a:t>
+            </a:r>
+            <a:r>
+              <a:rPr lang="en" altLang="zh-CN" dirty="0">
+                <a:solidFill>
+                  <a:srgbClr val="000000"/>
+                </a:solidFill>
+                <a:latin typeface="Menlo" panose="020B0609030804020204" pitchFamily="49" charset="0"/>
+              </a:rPr>
+              <a:t> </a:t>
+            </a:r>
+            <a:r>
+              <a:rPr lang="en" altLang="zh-CN" dirty="0">
+                <a:solidFill>
+                  <a:srgbClr val="267F99"/>
+                </a:solidFill>
+                <a:latin typeface="Menlo" panose="020B0609030804020204" pitchFamily="49" charset="0"/>
+              </a:rPr>
+              <a:t>std</a:t>
+            </a:r>
+            <a:r>
+              <a:rPr lang="en" altLang="zh-CN" dirty="0">
+                <a:solidFill>
+                  <a:srgbClr val="000000"/>
+                </a:solidFill>
+                <a:latin typeface="Menlo" panose="020B0609030804020204" pitchFamily="49" charset="0"/>
+              </a:rPr>
+              <a:t>;</a:t>
+            </a:r>
+          </a:p>
+          <a:p>
+            <a:r>
+              <a:rPr lang="en" altLang="zh-CN" dirty="0">
+                <a:solidFill>
+                  <a:srgbClr val="0000FF"/>
+                </a:solidFill>
+                <a:latin typeface="Menlo" panose="020B0609030804020204" pitchFamily="49" charset="0"/>
+              </a:rPr>
               <a:t>int</a:t>
             </a:r>
             <a:r>
@@ -18965,13 +21720,13 @@
               <a:t> </a:t>
             </a:r>
             <a:r>
-              <a:rPr lang="en" altLang="zh-CN" dirty="0" err="1">
+              <a:rPr lang="en" altLang="zh-CN" dirty="0">
                 <a:solidFill>
                   <a:srgbClr val="001080"/>
                 </a:solidFill>
                 <a:latin typeface="Menlo" panose="020B0609030804020204" pitchFamily="49" charset="0"/>
               </a:rPr>
-              <a:t>i</a:t>
+              <a:t>num1</a:t>
             </a:r>
             <a:r>
               <a:rPr lang="en" altLang="zh-CN" dirty="0">
@@ -18980,7 +21735,7 @@
                 </a:solidFill>
                 <a:latin typeface="Menlo" panose="020B0609030804020204" pitchFamily="49" charset="0"/>
               </a:rPr>
-              <a:t>; </a:t>
+              <a:t>;</a:t>
             </a:r>
             <a:r>
               <a:rPr lang="en" altLang="zh-CN" dirty="0">
@@ -18989,16 +21744,7 @@
                 </a:solidFill>
                 <a:latin typeface="Menlo" panose="020B0609030804020204" pitchFamily="49" charset="0"/>
               </a:rPr>
-              <a:t>//bad: uninitialized variable </a:t>
-            </a:r>
-            <a:r>
-              <a:rPr lang="en" altLang="zh-CN" dirty="0" err="1">
-                <a:solidFill>
-                  <a:srgbClr val="008000"/>
-                </a:solidFill>
-                <a:latin typeface="Menlo" panose="020B0609030804020204" pitchFamily="49" charset="0"/>
-              </a:rPr>
-              <a:t>i</a:t>
+              <a:t> //bad: uninitialized variable</a:t>
             </a:r>
             <a:endParaRPr lang="en" altLang="zh-CN" dirty="0">
               <a:solidFill>
@@ -19033,7 +21779,7 @@
                 </a:solidFill>
                 <a:latin typeface="Menlo" panose="020B0609030804020204" pitchFamily="49" charset="0"/>
               </a:rPr>
-              <a:t>j</a:t>
+              <a:t>num2</a:t>
             </a:r>
             <a:r>
               <a:rPr lang="en" altLang="zh-CN" dirty="0">
@@ -19042,7 +21788,7 @@
                 </a:solidFill>
                 <a:latin typeface="Menlo" panose="020B0609030804020204" pitchFamily="49" charset="0"/>
               </a:rPr>
-              <a:t>; </a:t>
+              <a:t>;</a:t>
             </a:r>
             <a:r>
               <a:rPr lang="en" altLang="zh-CN" dirty="0">
@@ -19051,7 +21797,7 @@
                 </a:solidFill>
                 <a:latin typeface="Menlo" panose="020B0609030804020204" pitchFamily="49" charset="0"/>
               </a:rPr>
-              <a:t>//bad: uninitialized variable j</a:t>
+              <a:t> //bad: uninitialized variable</a:t>
             </a:r>
             <a:endParaRPr lang="en" altLang="zh-CN" dirty="0">
               <a:solidFill>
@@ -19064,20 +21810,175 @@
             <a:r>
               <a:rPr lang="en" altLang="zh-CN" dirty="0">
                 <a:solidFill>
+                  <a:srgbClr val="001080"/>
+                </a:solidFill>
+                <a:latin typeface="Menlo" panose="020B0609030804020204" pitchFamily="49" charset="0"/>
+              </a:rPr>
+              <a:t>    </a:t>
+            </a:r>
+            <a:r>
+              <a:rPr lang="en" altLang="zh-CN" dirty="0" err="1">
+                <a:solidFill>
+                  <a:srgbClr val="001080"/>
+                </a:solidFill>
+                <a:latin typeface="Menlo" panose="020B0609030804020204" pitchFamily="49" charset="0"/>
+              </a:rPr>
+              <a:t>cout</a:t>
+            </a:r>
+            <a:r>
+              <a:rPr lang="en" altLang="zh-CN" dirty="0">
+                <a:solidFill>
+                  <a:srgbClr val="000000"/>
+                </a:solidFill>
+                <a:latin typeface="Menlo" panose="020B0609030804020204" pitchFamily="49" charset="0"/>
+              </a:rPr>
+              <a:t> </a:t>
+            </a:r>
+            <a:r>
+              <a:rPr lang="en" altLang="zh-CN" dirty="0">
+                <a:solidFill>
                   <a:srgbClr val="795E26"/>
                 </a:solidFill>
                 <a:latin typeface="Menlo" panose="020B0609030804020204" pitchFamily="49" charset="0"/>
               </a:rPr>
+              <a:t>&lt;&lt;</a:t>
+            </a:r>
+            <a:r>
+              <a:rPr lang="en" altLang="zh-CN" dirty="0">
+                <a:solidFill>
+                  <a:srgbClr val="000000"/>
+                </a:solidFill>
+                <a:latin typeface="Menlo" panose="020B0609030804020204" pitchFamily="49" charset="0"/>
+              </a:rPr>
+              <a:t> </a:t>
+            </a:r>
+            <a:r>
+              <a:rPr lang="en" altLang="zh-CN" dirty="0">
+                <a:solidFill>
+                  <a:srgbClr val="A31515"/>
+                </a:solidFill>
+                <a:latin typeface="Menlo" panose="020B0609030804020204" pitchFamily="49" charset="0"/>
+              </a:rPr>
+              <a:t>"num1 = "</a:t>
+            </a:r>
+            <a:r>
+              <a:rPr lang="en" altLang="zh-CN" dirty="0">
+                <a:solidFill>
+                  <a:srgbClr val="000000"/>
+                </a:solidFill>
+                <a:latin typeface="Menlo" panose="020B0609030804020204" pitchFamily="49" charset="0"/>
+              </a:rPr>
+              <a:t> </a:t>
+            </a:r>
+            <a:r>
+              <a:rPr lang="en" altLang="zh-CN" dirty="0">
+                <a:solidFill>
+                  <a:srgbClr val="795E26"/>
+                </a:solidFill>
+                <a:latin typeface="Menlo" panose="020B0609030804020204" pitchFamily="49" charset="0"/>
+              </a:rPr>
+              <a:t>&lt;&lt;</a:t>
+            </a:r>
+            <a:r>
+              <a:rPr lang="en" altLang="zh-CN" dirty="0">
+                <a:solidFill>
+                  <a:srgbClr val="000000"/>
+                </a:solidFill>
+                <a:latin typeface="Menlo" panose="020B0609030804020204" pitchFamily="49" charset="0"/>
+              </a:rPr>
+              <a:t> </a:t>
+            </a:r>
+            <a:r>
+              <a:rPr lang="en" altLang="zh-CN" dirty="0">
+                <a:solidFill>
+                  <a:srgbClr val="001080"/>
+                </a:solidFill>
+                <a:latin typeface="Menlo" panose="020B0609030804020204" pitchFamily="49" charset="0"/>
+              </a:rPr>
+              <a:t>num1</a:t>
+            </a:r>
+            <a:r>
+              <a:rPr lang="en" altLang="zh-CN" dirty="0">
+                <a:solidFill>
+                  <a:srgbClr val="000000"/>
+                </a:solidFill>
+                <a:latin typeface="Menlo" panose="020B0609030804020204" pitchFamily="49" charset="0"/>
+              </a:rPr>
+              <a:t> </a:t>
+            </a:r>
+            <a:r>
+              <a:rPr lang="en" altLang="zh-CN" dirty="0">
+                <a:solidFill>
+                  <a:srgbClr val="795E26"/>
+                </a:solidFill>
+                <a:latin typeface="Menlo" panose="020B0609030804020204" pitchFamily="49" charset="0"/>
+              </a:rPr>
+              <a:t>&lt;&lt;</a:t>
+            </a:r>
+            <a:r>
+              <a:rPr lang="en" altLang="zh-CN" dirty="0">
+                <a:solidFill>
+                  <a:srgbClr val="000000"/>
+                </a:solidFill>
+                <a:latin typeface="Menlo" panose="020B0609030804020204" pitchFamily="49" charset="0"/>
+              </a:rPr>
+              <a:t> </a:t>
+            </a:r>
+            <a:r>
+              <a:rPr lang="en" altLang="zh-CN" dirty="0" err="1">
+                <a:solidFill>
+                  <a:srgbClr val="795E26"/>
+                </a:solidFill>
+                <a:latin typeface="Menlo" panose="020B0609030804020204" pitchFamily="49" charset="0"/>
+              </a:rPr>
+              <a:t>endl</a:t>
+            </a:r>
+            <a:r>
+              <a:rPr lang="en" altLang="zh-CN" dirty="0">
+                <a:solidFill>
+                  <a:srgbClr val="000000"/>
+                </a:solidFill>
+                <a:latin typeface="Menlo" panose="020B0609030804020204" pitchFamily="49" charset="0"/>
+              </a:rPr>
+              <a:t>;</a:t>
+            </a:r>
+          </a:p>
+          <a:p>
+            <a:r>
+              <a:rPr lang="en" altLang="zh-CN" dirty="0">
+                <a:solidFill>
+                  <a:srgbClr val="001080"/>
+                </a:solidFill>
+                <a:latin typeface="Menlo" panose="020B0609030804020204" pitchFamily="49" charset="0"/>
+              </a:rPr>
               <a:t>    </a:t>
             </a:r>
             <a:r>
               <a:rPr lang="en" altLang="zh-CN" dirty="0" err="1">
                 <a:solidFill>
+                  <a:srgbClr val="001080"/>
+                </a:solidFill>
+                <a:latin typeface="Menlo" panose="020B0609030804020204" pitchFamily="49" charset="0"/>
+              </a:rPr>
+              <a:t>cout</a:t>
+            </a:r>
+            <a:r>
+              <a:rPr lang="en" altLang="zh-CN" dirty="0">
+                <a:solidFill>
+                  <a:srgbClr val="000000"/>
+                </a:solidFill>
+                <a:latin typeface="Menlo" panose="020B0609030804020204" pitchFamily="49" charset="0"/>
+              </a:rPr>
+              <a:t> </a:t>
+            </a:r>
+            <a:r>
+              <a:rPr lang="en" altLang="zh-CN" dirty="0">
+                <a:solidFill>
                   <a:srgbClr val="795E26"/>
                 </a:solidFill>
                 <a:latin typeface="Menlo" panose="020B0609030804020204" pitchFamily="49" charset="0"/>
               </a:rPr>
-              <a:t>printf</a:t>
+              <a:t>&lt;&lt;</a:t>
             </a:r>
             <a:r>
               <a:rPr lang="en" altLang="zh-CN" dirty="0">
@@ -19086,7 +21987,7 @@
                 </a:solidFill>
                 <a:latin typeface="Menlo" panose="020B0609030804020204" pitchFamily="49" charset="0"/>
               </a:rPr>
-              <a:t>(</a:t>
+              <a:t> </a:t>
             </a:r>
             <a:r>
               <a:rPr lang="en" altLang="zh-CN" dirty="0">
@@ -19095,70 +21996,79 @@
                 </a:solidFill>
                 <a:latin typeface="Menlo" panose="020B0609030804020204" pitchFamily="49" charset="0"/>
               </a:rPr>
-              <a:t>"</a:t>
+              <a:t>"num2 = "</a:t>
+            </a:r>
+            <a:r>
+              <a:rPr lang="en" altLang="zh-CN" dirty="0">
+                <a:solidFill>
+                  <a:srgbClr val="000000"/>
+                </a:solidFill>
+                <a:latin typeface="Menlo" panose="020B0609030804020204" pitchFamily="49" charset="0"/>
+              </a:rPr>
+              <a:t> </a:t>
+            </a:r>
+            <a:r>
+              <a:rPr lang="en" altLang="zh-CN" dirty="0">
+                <a:solidFill>
+                  <a:srgbClr val="795E26"/>
+                </a:solidFill>
+                <a:latin typeface="Menlo" panose="020B0609030804020204" pitchFamily="49" charset="0"/>
+              </a:rPr>
+              <a:t>&lt;&lt;</a:t>
+            </a:r>
+            <a:r>
+              <a:rPr lang="en" altLang="zh-CN" dirty="0">
+                <a:solidFill>
+                  <a:srgbClr val="000000"/>
+                </a:solidFill>
+                <a:latin typeface="Menlo" panose="020B0609030804020204" pitchFamily="49" charset="0"/>
+              </a:rPr>
+              <a:t> </a:t>
+            </a:r>
+            <a:r>
+              <a:rPr lang="en" altLang="zh-CN" dirty="0">
+                <a:solidFill>
+                  <a:srgbClr val="001080"/>
+                </a:solidFill>
+                <a:latin typeface="Menlo" panose="020B0609030804020204" pitchFamily="49" charset="0"/>
+              </a:rPr>
+              <a:t>num2</a:t>
+            </a:r>
+            <a:r>
+              <a:rPr lang="en" altLang="zh-CN" dirty="0">
+                <a:solidFill>
+                  <a:srgbClr val="000000"/>
+                </a:solidFill>
+                <a:latin typeface="Menlo" panose="020B0609030804020204" pitchFamily="49" charset="0"/>
+              </a:rPr>
+              <a:t> </a:t>
+            </a:r>
+            <a:r>
+              <a:rPr lang="en" altLang="zh-CN" dirty="0">
+                <a:solidFill>
+                  <a:srgbClr val="795E26"/>
+                </a:solidFill>
+                <a:latin typeface="Menlo" panose="020B0609030804020204" pitchFamily="49" charset="0"/>
+              </a:rPr>
+              <a:t>&lt;&lt;</a:t>
+            </a:r>
+            <a:r>
+              <a:rPr lang="en" altLang="zh-CN" dirty="0">
+                <a:solidFill>
+                  <a:srgbClr val="000000"/>
+                </a:solidFill>
+                <a:latin typeface="Menlo" panose="020B0609030804020204" pitchFamily="49" charset="0"/>
+              </a:rPr>
+              <a:t> </a:t>
             </a:r>
             <a:r>
               <a:rPr lang="en" altLang="zh-CN" dirty="0" err="1">
                 <a:solidFill>
-                  <a:srgbClr val="A31515"/>
-                </a:solidFill>
-                <a:latin typeface="Menlo" panose="020B0609030804020204" pitchFamily="49" charset="0"/>
-              </a:rPr>
-              <a:t>i</a:t>
-            </a:r>
-            <a:r>
-              <a:rPr lang="en" altLang="zh-CN" dirty="0">
-                <a:solidFill>
-                  <a:srgbClr val="A31515"/>
-                </a:solidFill>
-                <a:latin typeface="Menlo" panose="020B0609030804020204" pitchFamily="49" charset="0"/>
-              </a:rPr>
-              <a:t> = </a:t>
-            </a:r>
-            <a:r>
-              <a:rPr lang="en" altLang="zh-CN" dirty="0">
-                <a:solidFill>
-                  <a:srgbClr val="001080"/>
-                </a:solidFill>
-                <a:latin typeface="Menlo" panose="020B0609030804020204" pitchFamily="49" charset="0"/>
-              </a:rPr>
-              <a:t>%d</a:t>
-            </a:r>
-            <a:r>
-              <a:rPr lang="en" altLang="zh-CN" dirty="0">
-                <a:solidFill>
-                  <a:srgbClr val="A31515"/>
-                </a:solidFill>
-                <a:latin typeface="Menlo" panose="020B0609030804020204" pitchFamily="49" charset="0"/>
-              </a:rPr>
-              <a:t>, j = </a:t>
-            </a:r>
-            <a:r>
-              <a:rPr lang="en" altLang="zh-CN" dirty="0">
-                <a:solidFill>
-                  <a:srgbClr val="001080"/>
-                </a:solidFill>
-                <a:latin typeface="Menlo" panose="020B0609030804020204" pitchFamily="49" charset="0"/>
-              </a:rPr>
-              <a:t>%d</a:t>
-            </a:r>
-            <a:r>
-              <a:rPr lang="en" altLang="zh-CN" dirty="0">
-                <a:solidFill>
-                  <a:srgbClr val="EE0000"/>
-                </a:solidFill>
-                <a:latin typeface="Menlo" panose="020B0609030804020204" pitchFamily="49" charset="0"/>
-              </a:rPr>
-              <a:t>\n</a:t>
-            </a:r>
-            <a:r>
-              <a:rPr lang="en" altLang="zh-CN" dirty="0">
-                <a:solidFill>
-                  <a:srgbClr val="A31515"/>
-                </a:solidFill>
-                <a:latin typeface="Menlo" panose="020B0609030804020204" pitchFamily="49" charset="0"/>
-              </a:rPr>
-              <a:t>"</a:t>
+                  <a:srgbClr val="795E26"/>
+                </a:solidFill>
+                <a:latin typeface="Menlo" panose="020B0609030804020204" pitchFamily="49" charset="0"/>
+              </a:rPr>
+              <a:t>endl</a:t>
             </a:r>
             <a:r>
               <a:rPr lang="en" altLang="zh-CN" dirty="0">
@@ -19167,17 +22077,10 @@
                 </a:solidFill>
                 <a:latin typeface="Menlo" panose="020B0609030804020204" pitchFamily="49" charset="0"/>
               </a:rPr>
-              <a:t>, </a:t>
-            </a:r>
-            <a:r>
-              <a:rPr lang="en" altLang="zh-CN" dirty="0" err="1">
-                <a:solidFill>
-                  <a:srgbClr val="001080"/>
-                </a:solidFill>
-                <a:latin typeface="Menlo" panose="020B0609030804020204" pitchFamily="49" charset="0"/>
-              </a:rPr>
-              <a:t>i</a:t>
-            </a:r>
+              <a:t>;</a:t>
+            </a:r>
+          </a:p>
+          <a:p>
             <a:r>
               <a:rPr lang="en" altLang="zh-CN" dirty="0">
                 <a:solidFill>
@@ -19185,53 +22088,8 @@
                 </a:solidFill>
                 <a:latin typeface="Menlo" panose="020B0609030804020204" pitchFamily="49" charset="0"/>
               </a:rPr>
-              <a:t>, </a:t>
-            </a:r>
-            <a:r>
-              <a:rPr lang="en" altLang="zh-CN" dirty="0">
-                <a:solidFill>
-                  <a:srgbClr val="001080"/>
-                </a:solidFill>
-                <a:latin typeface="Menlo" panose="020B0609030804020204" pitchFamily="49" charset="0"/>
-              </a:rPr>
-              <a:t>j</a:t>
-            </a:r>
-            <a:r>
-              <a:rPr lang="en" altLang="zh-CN" dirty="0">
-                <a:solidFill>
-                  <a:srgbClr val="000000"/>
-                </a:solidFill>
-                <a:latin typeface="Menlo" panose="020B0609030804020204" pitchFamily="49" charset="0"/>
-              </a:rPr>
-              <a:t>);</a:t>
-            </a:r>
-          </a:p>
-          <a:p>
-            <a:r>
-              <a:rPr lang="en" altLang="zh-CN" dirty="0">
-                <a:solidFill>
-                  <a:srgbClr val="000000"/>
-                </a:solidFill>
-                <a:latin typeface="Menlo" panose="020B0609030804020204" pitchFamily="49" charset="0"/>
-              </a:rPr>
               <a:t>}</a:t>
             </a:r>
-          </a:p>
-          <a:p>
-            <a:br>
-              <a:rPr lang="en" altLang="zh-CN" dirty="0">
-                <a:solidFill>
-                  <a:srgbClr val="000000"/>
-                </a:solidFill>
-                <a:latin typeface="Menlo" panose="020B0609030804020204" pitchFamily="49" charset="0"/>
-              </a:rPr>
-            </a:br>
-            <a:endParaRPr lang="en" altLang="zh-CN" dirty="0">
-              <a:solidFill>
-                <a:srgbClr val="000000"/>
-              </a:solidFill>
-              <a:latin typeface="Menlo" panose="020B0609030804020204" pitchFamily="49" charset="0"/>
-            </a:endParaRPr>
           </a:p>
         </p:txBody>
       </p:sp>
@@ -19290,10 +22148,10 @@
       </p:sp>
       <p:pic>
         <p:nvPicPr>
-          <p:cNvPr id="8" name="图片 7">
+          <p:cNvPr id="6" name="图片 5">
             <a:extLst>
               <a:ext uri="{FF2B5EF4-FFF2-40B4-BE49-F238E27FC236}">
-                <a16:creationId xmlns:a16="http://schemas.microsoft.com/office/drawing/2014/main" id="{9DE3DB87-1E2B-C742-BEAD-2CB93648CE8D}"/>
+                <a16:creationId xmlns:a16="http://schemas.microsoft.com/office/drawing/2014/main" id="{05226F22-8A7F-D644-9AAB-798F6C4BE40F}"/>
               </a:ext>
             </a:extLst>
           </p:cNvPr>
@@ -19310,13 +22168,13 @@
         </p:blipFill>
         <p:spPr>
           <a:xfrm>
-            <a:off x="954950" y="5717200"/>
-            <a:ext cx="5475840" cy="1140800"/>
+            <a:off x="1467906" y="4081984"/>
+            <a:ext cx="4515328" cy="1324207"/>
           </a:xfrm>
           <a:prstGeom prst="rect">
             <a:avLst/>
           </a:prstGeom>
-          <a:ln w="25400">
+          <a:ln>
             <a:solidFill>
               <a:srgbClr val="FF0000"/>
             </a:solidFill>
@@ -19325,10 +22183,10 @@
       </p:pic>
       <p:pic>
         <p:nvPicPr>
-          <p:cNvPr id="9" name="图片 8">
+          <p:cNvPr id="7" name="图片 6">
             <a:extLst>
               <a:ext uri="{FF2B5EF4-FFF2-40B4-BE49-F238E27FC236}">
-                <a16:creationId xmlns:a16="http://schemas.microsoft.com/office/drawing/2014/main" id="{797FC77E-3CB0-2844-A8CE-3CB3E2C2D996}"/>
+                <a16:creationId xmlns:a16="http://schemas.microsoft.com/office/drawing/2014/main" id="{27510457-C24E-6D46-90C8-E04774E2B2D6}"/>
               </a:ext>
             </a:extLst>
           </p:cNvPr>
@@ -19337,21 +22195,20 @@
           </p:cNvPicPr>
           <p:nvPr/>
         </p:nvPicPr>
-        <p:blipFill>
+        <p:blipFill rotWithShape="1">
           <a:blip r:embed="rId3"/>
-          <a:stretch>
-            <a:fillRect/>
-          </a:stretch>
+          <a:srcRect r="2970"/>
+          <a:stretch/>
         </p:blipFill>
         <p:spPr>
           <a:xfrm>
-            <a:off x="954950" y="4408134"/>
-            <a:ext cx="5475840" cy="1101984"/>
+            <a:off x="1467907" y="5531005"/>
+            <a:ext cx="4515328" cy="1310221"/>
           </a:xfrm>
           <a:prstGeom prst="rect">
             <a:avLst/>
           </a:prstGeom>
-          <a:ln w="25400">
+          <a:ln>
             <a:solidFill>
               <a:srgbClr val="FF0000"/>
             </a:solidFill>
@@ -19368,6 +22225,276 @@
   <p:clrMapOvr>
     <a:masterClrMapping/>
   </p:clrMapOvr>
+  <p:timing>
+    <p:tnLst>
+      <p:par>
+        <p:cTn id="1" dur="indefinite" restart="never" nodeType="tmRoot">
+          <p:childTnLst>
+            <p:seq concurrent="1" nextAc="seek">
+              <p:cTn id="2" dur="indefinite" nodeType="mainSeq">
+                <p:childTnLst>
+                  <p:par>
+                    <p:cTn id="3" fill="hold">
+                      <p:stCondLst>
+                        <p:cond delay="indefinite"/>
+                      </p:stCondLst>
+                      <p:childTnLst>
+                        <p:par>
+                          <p:cTn id="4" fill="hold">
+                            <p:stCondLst>
+                              <p:cond delay="0"/>
+                            </p:stCondLst>
+                            <p:childTnLst>
+                              <p:par>
+                                <p:cTn id="5" presetID="1" presetClass="entr" presetSubtype="0" fill="hold" nodeType="clickEffect">
+                                  <p:stCondLst>
+                                    <p:cond delay="0"/>
+                                  </p:stCondLst>
+                                  <p:childTnLst>
+                                    <p:set>
+                                      <p:cBhvr>
+                                        <p:cTn id="6" dur="1" fill="hold">
+                                          <p:stCondLst>
+                                            <p:cond delay="0"/>
+                                          </p:stCondLst>
+                                        </p:cTn>
+                                        <p:tgtEl>
+                                          <p:spTgt spid="6"/>
+                                        </p:tgtEl>
+                                        <p:attrNameLst>
+                                          <p:attrName>style.visibility</p:attrName>
+                                        </p:attrNameLst>
+                                      </p:cBhvr>
+                                      <p:to>
+                                        <p:strVal val="visible"/>
+                                      </p:to>
+                                    </p:set>
+                                  </p:childTnLst>
+                                </p:cTn>
+                              </p:par>
+                            </p:childTnLst>
+                          </p:cTn>
+                        </p:par>
+                      </p:childTnLst>
+                    </p:cTn>
+                  </p:par>
+                  <p:par>
+                    <p:cTn id="7" fill="hold">
+                      <p:stCondLst>
+                        <p:cond delay="indefinite"/>
+                      </p:stCondLst>
+                      <p:childTnLst>
+                        <p:par>
+                          <p:cTn id="8" fill="hold">
+                            <p:stCondLst>
+                              <p:cond delay="0"/>
+                            </p:stCondLst>
+                            <p:childTnLst>
+                              <p:par>
+                                <p:cTn id="9" presetID="1" presetClass="entr" presetSubtype="0" fill="hold" nodeType="clickEffect">
+                                  <p:stCondLst>
+                                    <p:cond delay="0"/>
+                                  </p:stCondLst>
+                                  <p:childTnLst>
+                                    <p:set>
+                                      <p:cBhvr>
+                                        <p:cTn id="10" dur="1" fill="hold">
+                                          <p:stCondLst>
+                                            <p:cond delay="0"/>
+                                          </p:stCondLst>
+                                        </p:cTn>
+                                        <p:tgtEl>
+                                          <p:spTgt spid="7"/>
+                                        </p:tgtEl>
+                                        <p:attrNameLst>
+                                          <p:attrName>style.visibility</p:attrName>
+                                        </p:attrNameLst>
+                                      </p:cBhvr>
+                                      <p:to>
+                                        <p:strVal val="visible"/>
+                                      </p:to>
+                                    </p:set>
+                                  </p:childTnLst>
+                                </p:cTn>
+                              </p:par>
+                            </p:childTnLst>
+                          </p:cTn>
+                        </p:par>
+                      </p:childTnLst>
+                    </p:cTn>
+                  </p:par>
+                  <p:par>
+                    <p:cTn id="11" fill="hold">
+                      <p:stCondLst>
+                        <p:cond delay="indefinite"/>
+                      </p:stCondLst>
+                      <p:childTnLst>
+                        <p:par>
+                          <p:cTn id="12" fill="hold">
+                            <p:stCondLst>
+                              <p:cond delay="0"/>
+                            </p:stCondLst>
+                            <p:childTnLst>
+                              <p:par>
+                                <p:cTn id="13" presetID="1" presetClass="entr" presetSubtype="0" fill="hold" grpId="0" nodeType="clickEffect">
+                                  <p:stCondLst>
+                                    <p:cond delay="0"/>
+                                  </p:stCondLst>
+                                  <p:childTnLst>
+                                    <p:set>
+                                      <p:cBhvr>
+                                        <p:cTn id="14" dur="1" fill="hold">
+                                          <p:stCondLst>
+                                            <p:cond delay="0"/>
+                                          </p:stCondLst>
+                                        </p:cTn>
+                                        <p:tgtEl>
+                                          <p:spTgt spid="3">
+                                            <p:txEl>
+                                              <p:pRg st="0" end="0"/>
+                                            </p:txEl>
+                                          </p:spTgt>
+                                        </p:tgtEl>
+                                        <p:attrNameLst>
+                                          <p:attrName>style.visibility</p:attrName>
+                                        </p:attrNameLst>
+                                      </p:cBhvr>
+                                      <p:to>
+                                        <p:strVal val="visible"/>
+                                      </p:to>
+                                    </p:set>
+                                  </p:childTnLst>
+                                </p:cTn>
+                              </p:par>
+                            </p:childTnLst>
+                          </p:cTn>
+                        </p:par>
+                      </p:childTnLst>
+                    </p:cTn>
+                  </p:par>
+                  <p:par>
+                    <p:cTn id="15" fill="hold">
+                      <p:stCondLst>
+                        <p:cond delay="indefinite"/>
+                      </p:stCondLst>
+                      <p:childTnLst>
+                        <p:par>
+                          <p:cTn id="16" fill="hold">
+                            <p:stCondLst>
+                              <p:cond delay="0"/>
+                            </p:stCondLst>
+                            <p:childTnLst>
+                              <p:par>
+                                <p:cTn id="17" presetID="1" presetClass="entr" presetSubtype="0" fill="hold" grpId="0" nodeType="clickEffect">
+                                  <p:stCondLst>
+                                    <p:cond delay="0"/>
+                                  </p:stCondLst>
+                                  <p:childTnLst>
+                                    <p:set>
+                                      <p:cBhvr>
+                                        <p:cTn id="18" dur="1" fill="hold">
+                                          <p:stCondLst>
+                                            <p:cond delay="0"/>
+                                          </p:stCondLst>
+                                        </p:cTn>
+                                        <p:tgtEl>
+                                          <p:spTgt spid="3">
+                                            <p:txEl>
+                                              <p:pRg st="1" end="1"/>
+                                            </p:txEl>
+                                          </p:spTgt>
+                                        </p:tgtEl>
+                                        <p:attrNameLst>
+                                          <p:attrName>style.visibility</p:attrName>
+                                        </p:attrNameLst>
+                                      </p:cBhvr>
+                                      <p:to>
+                                        <p:strVal val="visible"/>
+                                      </p:to>
+                                    </p:set>
+                                  </p:childTnLst>
+                                </p:cTn>
+                              </p:par>
+                            </p:childTnLst>
+                          </p:cTn>
+                        </p:par>
+                      </p:childTnLst>
+                    </p:cTn>
+                  </p:par>
+                  <p:par>
+                    <p:cTn id="19" fill="hold">
+                      <p:stCondLst>
+                        <p:cond delay="indefinite"/>
+                      </p:stCondLst>
+                      <p:childTnLst>
+                        <p:par>
+                          <p:cTn id="20" fill="hold">
+                            <p:stCondLst>
+                              <p:cond delay="0"/>
+                            </p:stCondLst>
+                            <p:childTnLst>
+                              <p:par>
+                                <p:cTn id="21" presetID="1" presetClass="entr" presetSubtype="0" fill="hold" grpId="0" nodeType="clickEffect">
+                                  <p:stCondLst>
+                                    <p:cond delay="0"/>
+                                  </p:stCondLst>
+                                  <p:childTnLst>
+                                    <p:set>
+                                      <p:cBhvr>
+                                        <p:cTn id="22" dur="1" fill="hold">
+                                          <p:stCondLst>
+                                            <p:cond delay="0"/>
+                                          </p:stCondLst>
+                                        </p:cTn>
+                                        <p:tgtEl>
+                                          <p:spTgt spid="3">
+                                            <p:txEl>
+                                              <p:pRg st="2" end="2"/>
+                                            </p:txEl>
+                                          </p:spTgt>
+                                        </p:tgtEl>
+                                        <p:attrNameLst>
+                                          <p:attrName>style.visibility</p:attrName>
+                                        </p:attrNameLst>
+                                      </p:cBhvr>
+                                      <p:to>
+                                        <p:strVal val="visible"/>
+                                      </p:to>
+                                    </p:set>
+                                  </p:childTnLst>
+                                </p:cTn>
+                              </p:par>
+                            </p:childTnLst>
+                          </p:cTn>
+                        </p:par>
+                      </p:childTnLst>
+                    </p:cTn>
+                  </p:par>
+                </p:childTnLst>
+              </p:cTn>
+              <p:prevCondLst>
+                <p:cond evt="onPrev" delay="0">
+                  <p:tgtEl>
+                    <p:sldTgt/>
+                  </p:tgtEl>
+                </p:cond>
+              </p:prevCondLst>
+              <p:nextCondLst>
+                <p:cond evt="onNext" delay="0">
+                  <p:tgtEl>
+                    <p:sldTgt/>
+                  </p:tgtEl>
+                </p:cond>
+              </p:nextCondLst>
+            </p:seq>
+          </p:childTnLst>
+        </p:cTn>
+      </p:par>
+    </p:tnLst>
+    <p:bldLst>
+      <p:bldP spid="3" grpId="0" build="p"/>
+    </p:bldLst>
+  </p:timing>
 </p:sld>
 </file>
 
@@ -19455,10 +22582,15 @@
                 </a:solidFill>
                 <a:latin typeface="Courier" pitchFamily="2" charset="0"/>
               </a:rPr>
-              <a:t>int </a:t>
-            </a:r>
-            <a:r>
-              <a:rPr kumimoji="1" lang="en-US" altLang="zh-CN" dirty="0" err="1">
+              <a:t>int num;</a:t>
+            </a:r>
+          </a:p>
+          <a:p>
+            <a:pPr marL="0" indent="0">
+              <a:buNone/>
+            </a:pPr>
+            <a:r>
+              <a:rPr kumimoji="1" lang="en-US" altLang="zh-CN" dirty="0">
                 <a:solidFill>
                   <a:schemeClr val="accent6">
                     <a:lumMod val="50000"/>
@@ -19466,45 +22598,7 @@
                 </a:solidFill>
                 <a:latin typeface="Courier" pitchFamily="2" charset="0"/>
               </a:rPr>
-              <a:t>i</a:t>
-            </a:r>
-            <a:r>
-              <a:rPr kumimoji="1" lang="en-US" altLang="zh-CN" dirty="0">
-                <a:solidFill>
-                  <a:schemeClr val="accent6">
-                    <a:lumMod val="50000"/>
-                  </a:schemeClr>
-                </a:solidFill>
-                <a:latin typeface="Courier" pitchFamily="2" charset="0"/>
-              </a:rPr>
-              <a:t>;</a:t>
-            </a:r>
-          </a:p>
-          <a:p>
-            <a:pPr marL="0" indent="0">
-              <a:buNone/>
-            </a:pPr>
-            <a:r>
-              <a:rPr kumimoji="1" lang="en-US" altLang="zh-CN" dirty="0" err="1">
-                <a:solidFill>
-                  <a:schemeClr val="accent6">
-                    <a:lumMod val="50000"/>
-                  </a:schemeClr>
-                </a:solidFill>
-                <a:latin typeface="Courier" pitchFamily="2" charset="0"/>
-              </a:rPr>
-              <a:t>i</a:t>
-            </a:r>
-            <a:r>
-              <a:rPr kumimoji="1" lang="en-US" altLang="zh-CN" dirty="0">
-                <a:solidFill>
-                  <a:schemeClr val="accent6">
-                    <a:lumMod val="50000"/>
-                  </a:schemeClr>
-                </a:solidFill>
-                <a:latin typeface="Courier" pitchFamily="2" charset="0"/>
-              </a:rPr>
-              <a:t> = 10;//do not forget this line</a:t>
+              <a:t>num = 10;//do not forget this line</a:t>
             </a:r>
           </a:p>
           <a:p>
@@ -19533,29 +22627,7 @@
                 </a:solidFill>
                 <a:latin typeface="Courier" pitchFamily="2" charset="0"/>
               </a:rPr>
-              <a:t>int </a:t>
-            </a:r>
-            <a:r>
-              <a:rPr kumimoji="1" lang="en-US" altLang="zh-CN" dirty="0" err="1">
-                <a:solidFill>
-                  <a:schemeClr val="accent6">
-                    <a:lumMod val="50000"/>
-                  </a:schemeClr>
-                </a:solidFill>
-                <a:latin typeface="Courier" pitchFamily="2" charset="0"/>
-              </a:rPr>
-              <a:t>i</a:t>
-            </a:r>
-            <a:r>
-              <a:rPr kumimoji="1" lang="en-US" altLang="zh-CN" dirty="0">
-                <a:solidFill>
-                  <a:schemeClr val="accent6">
-                    <a:lumMod val="50000"/>
-                  </a:schemeClr>
-                </a:solidFill>
-                <a:latin typeface="Courier" pitchFamily="2" charset="0"/>
-              </a:rPr>
-              <a:t> = 10;</a:t>
+              <a:t>int num = 10;</a:t>
             </a:r>
           </a:p>
           <a:p>
@@ -19584,29 +22656,7 @@
                 </a:solidFill>
                 <a:latin typeface="Courier" pitchFamily="2" charset="0"/>
               </a:rPr>
-              <a:t>int </a:t>
-            </a:r>
-            <a:r>
-              <a:rPr kumimoji="1" lang="en-US" altLang="zh-CN" dirty="0" err="1">
-                <a:solidFill>
-                  <a:schemeClr val="accent6">
-                    <a:lumMod val="50000"/>
-                  </a:schemeClr>
-                </a:solidFill>
-                <a:latin typeface="Courier" pitchFamily="2" charset="0"/>
-              </a:rPr>
-              <a:t>i</a:t>
-            </a:r>
-            <a:r>
-              <a:rPr kumimoji="1" lang="en-US" altLang="zh-CN" dirty="0">
-                <a:solidFill>
-                  <a:schemeClr val="accent6">
-                    <a:lumMod val="50000"/>
-                  </a:schemeClr>
-                </a:solidFill>
-                <a:latin typeface="Courier" pitchFamily="2" charset="0"/>
-              </a:rPr>
-              <a:t> (10);</a:t>
+              <a:t>int num (10);</a:t>
             </a:r>
           </a:p>
           <a:p>
@@ -19635,7 +22685,7 @@
                 </a:solidFill>
                 <a:latin typeface="Courier" pitchFamily="2" charset="0"/>
               </a:rPr>
-              <a:t>int I {10};</a:t>
+              <a:t>int num {10};</a:t>
             </a:r>
             <a:endParaRPr kumimoji="1" lang="zh-CN" altLang="en-US" dirty="0">
               <a:solidFill>
@@ -20196,6 +23246,227 @@
   <p:clrMapOvr>
     <a:masterClrMapping/>
   </p:clrMapOvr>
+  <p:timing>
+    <p:tnLst>
+      <p:par>
+        <p:cTn id="1" dur="indefinite" restart="never" nodeType="tmRoot">
+          <p:childTnLst>
+            <p:seq concurrent="1" nextAc="seek">
+              <p:cTn id="2" dur="indefinite" nodeType="mainSeq">
+                <p:childTnLst>
+                  <p:par>
+                    <p:cTn id="3" fill="hold">
+                      <p:stCondLst>
+                        <p:cond delay="indefinite"/>
+                      </p:stCondLst>
+                      <p:childTnLst>
+                        <p:par>
+                          <p:cTn id="4" fill="hold">
+                            <p:stCondLst>
+                              <p:cond delay="0"/>
+                            </p:stCondLst>
+                            <p:childTnLst>
+                              <p:par>
+                                <p:cTn id="5" presetID="1" presetClass="entr" presetSubtype="0" fill="hold" nodeType="clickEffect">
+                                  <p:stCondLst>
+                                    <p:cond delay="0"/>
+                                  </p:stCondLst>
+                                  <p:childTnLst>
+                                    <p:set>
+                                      <p:cBhvr>
+                                        <p:cTn id="6" dur="1" fill="hold">
+                                          <p:stCondLst>
+                                            <p:cond delay="0"/>
+                                          </p:stCondLst>
+                                        </p:cTn>
+                                        <p:tgtEl>
+                                          <p:spTgt spid="3">
+                                            <p:txEl>
+                                              <p:pRg st="0" end="0"/>
+                                            </p:txEl>
+                                          </p:spTgt>
+                                        </p:tgtEl>
+                                        <p:attrNameLst>
+                                          <p:attrName>style.visibility</p:attrName>
+                                        </p:attrNameLst>
+                                      </p:cBhvr>
+                                      <p:to>
+                                        <p:strVal val="visible"/>
+                                      </p:to>
+                                    </p:set>
+                                  </p:childTnLst>
+                                </p:cTn>
+                              </p:par>
+                              <p:par>
+                                <p:cTn id="7" presetID="1" presetClass="entr" presetSubtype="0" fill="hold" nodeType="withEffect">
+                                  <p:stCondLst>
+                                    <p:cond delay="0"/>
+                                  </p:stCondLst>
+                                  <p:childTnLst>
+                                    <p:set>
+                                      <p:cBhvr>
+                                        <p:cTn id="8" dur="1" fill="hold">
+                                          <p:stCondLst>
+                                            <p:cond delay="0"/>
+                                          </p:stCondLst>
+                                        </p:cTn>
+                                        <p:tgtEl>
+                                          <p:spTgt spid="3">
+                                            <p:txEl>
+                                              <p:pRg st="1" end="1"/>
+                                            </p:txEl>
+                                          </p:spTgt>
+                                        </p:tgtEl>
+                                        <p:attrNameLst>
+                                          <p:attrName>style.visibility</p:attrName>
+                                        </p:attrNameLst>
+                                      </p:cBhvr>
+                                      <p:to>
+                                        <p:strVal val="visible"/>
+                                      </p:to>
+                                    </p:set>
+                                  </p:childTnLst>
+                                </p:cTn>
+                              </p:par>
+                            </p:childTnLst>
+                          </p:cTn>
+                        </p:par>
+                      </p:childTnLst>
+                    </p:cTn>
+                  </p:par>
+                  <p:par>
+                    <p:cTn id="9" fill="hold">
+                      <p:stCondLst>
+                        <p:cond delay="indefinite"/>
+                      </p:stCondLst>
+                      <p:childTnLst>
+                        <p:par>
+                          <p:cTn id="10" fill="hold">
+                            <p:stCondLst>
+                              <p:cond delay="0"/>
+                            </p:stCondLst>
+                            <p:childTnLst>
+                              <p:par>
+                                <p:cTn id="11" presetID="1" presetClass="entr" presetSubtype="0" fill="hold" nodeType="clickEffect">
+                                  <p:stCondLst>
+                                    <p:cond delay="0"/>
+                                  </p:stCondLst>
+                                  <p:childTnLst>
+                                    <p:set>
+                                      <p:cBhvr>
+                                        <p:cTn id="12" dur="1" fill="hold">
+                                          <p:stCondLst>
+                                            <p:cond delay="0"/>
+                                          </p:stCondLst>
+                                        </p:cTn>
+                                        <p:tgtEl>
+                                          <p:spTgt spid="3">
+                                            <p:txEl>
+                                              <p:pRg st="2" end="2"/>
+                                            </p:txEl>
+                                          </p:spTgt>
+                                        </p:tgtEl>
+                                        <p:attrNameLst>
+                                          <p:attrName>style.visibility</p:attrName>
+                                        </p:attrNameLst>
+                                      </p:cBhvr>
+                                      <p:to>
+                                        <p:strVal val="visible"/>
+                                      </p:to>
+                                    </p:set>
+                                  </p:childTnLst>
+                                </p:cTn>
+                              </p:par>
+                              <p:par>
+                                <p:cTn id="13" presetID="1" presetClass="entr" presetSubtype="0" fill="hold" nodeType="withEffect">
+                                  <p:stCondLst>
+                                    <p:cond delay="0"/>
+                                  </p:stCondLst>
+                                  <p:childTnLst>
+                                    <p:set>
+                                      <p:cBhvr>
+                                        <p:cTn id="14" dur="1" fill="hold">
+                                          <p:stCondLst>
+                                            <p:cond delay="0"/>
+                                          </p:stCondLst>
+                                        </p:cTn>
+                                        <p:tgtEl>
+                                          <p:spTgt spid="3">
+                                            <p:txEl>
+                                              <p:pRg st="3" end="3"/>
+                                            </p:txEl>
+                                          </p:spTgt>
+                                        </p:tgtEl>
+                                        <p:attrNameLst>
+                                          <p:attrName>style.visibility</p:attrName>
+                                        </p:attrNameLst>
+                                      </p:cBhvr>
+                                      <p:to>
+                                        <p:strVal val="visible"/>
+                                      </p:to>
+                                    </p:set>
+                                  </p:childTnLst>
+                                </p:cTn>
+                              </p:par>
+                              <p:par>
+                                <p:cTn id="15" presetID="1" presetClass="entr" presetSubtype="0" fill="hold" nodeType="withEffect">
+                                  <p:stCondLst>
+                                    <p:cond delay="0"/>
+                                  </p:stCondLst>
+                                  <p:childTnLst>
+                                    <p:set>
+                                      <p:cBhvr>
+                                        <p:cTn id="16" dur="1" fill="hold">
+                                          <p:stCondLst>
+                                            <p:cond delay="0"/>
+                                          </p:stCondLst>
+                                        </p:cTn>
+                                        <p:tgtEl>
+                                          <p:spTgt spid="3">
+                                            <p:txEl>
+                                              <p:pRg st="4" end="4"/>
+                                            </p:txEl>
+                                          </p:spTgt>
+                                        </p:tgtEl>
+                                        <p:attrNameLst>
+                                          <p:attrName>style.visibility</p:attrName>
+                                        </p:attrNameLst>
+                                      </p:cBhvr>
+                                      <p:to>
+                                        <p:strVal val="visible"/>
+                                      </p:to>
+                                    </p:set>
+                                  </p:childTnLst>
+                                </p:cTn>
+                              </p:par>
+                            </p:childTnLst>
+                          </p:cTn>
+                        </p:par>
+                      </p:childTnLst>
+                    </p:cTn>
+                  </p:par>
+                </p:childTnLst>
+              </p:cTn>
+              <p:prevCondLst>
+                <p:cond evt="onPrev" delay="0">
+                  <p:tgtEl>
+                    <p:sldTgt/>
+                  </p:tgtEl>
+                </p:cond>
+              </p:prevCondLst>
+              <p:nextCondLst>
+                <p:cond evt="onNext" delay="0">
+                  <p:tgtEl>
+                    <p:sldTgt/>
+                  </p:tgtEl>
+                </p:cond>
+              </p:nextCondLst>
+            </p:seq>
+          </p:childTnLst>
+        </p:cTn>
+      </p:par>
+    </p:tnLst>
+  </p:timing>
 </p:sld>
 </file>
 
@@ -20264,11 +23535,13 @@
         <p:spPr>
           <a:xfrm>
             <a:off x="838200" y="1326995"/>
-            <a:ext cx="10116672" cy="4849968"/>
+            <a:ext cx="8361556" cy="5408342"/>
           </a:xfrm>
         </p:spPr>
         <p:txBody>
-          <a:bodyPr/>
+          <a:bodyPr>
+            <a:normAutofit/>
+          </a:bodyPr>
           <a:lstStyle/>
           <a:p>
             <a:r>
@@ -20281,7 +23554,7 @@
               <a:buNone/>
             </a:pPr>
             <a:r>
-              <a:rPr lang="en" altLang="zh-CN" dirty="0">
+              <a:rPr lang="en" altLang="zh-CN" sz="2000" dirty="0">
                 <a:solidFill>
                   <a:srgbClr val="0000FF"/>
                 </a:solidFill>
@@ -20290,7 +23563,7 @@
               <a:t>unsigned</a:t>
             </a:r>
             <a:r>
-              <a:rPr lang="en" altLang="zh-CN" dirty="0">
+              <a:rPr lang="en" altLang="zh-CN" sz="2000" dirty="0">
                 <a:solidFill>
                   <a:srgbClr val="000000"/>
                 </a:solidFill>
@@ -20299,7 +23572,7 @@
               <a:t> </a:t>
             </a:r>
             <a:r>
-              <a:rPr lang="en" altLang="zh-CN" dirty="0">
+              <a:rPr lang="en" altLang="zh-CN" sz="2000" dirty="0">
                 <a:solidFill>
                   <a:srgbClr val="0000FF"/>
                 </a:solidFill>
@@ -20308,7 +23581,7 @@
               <a:t>int</a:t>
             </a:r>
             <a:r>
-              <a:rPr lang="en" altLang="zh-CN" dirty="0">
+              <a:rPr lang="en" altLang="zh-CN" sz="2000" dirty="0">
                 <a:solidFill>
                   <a:srgbClr val="000000"/>
                 </a:solidFill>
@@ -20317,7 +23590,7 @@
               <a:t> </a:t>
             </a:r>
             <a:r>
-              <a:rPr lang="en" altLang="zh-CN" dirty="0">
+              <a:rPr lang="en" altLang="zh-CN" sz="2000" dirty="0">
                 <a:solidFill>
                   <a:srgbClr val="001080"/>
                 </a:solidFill>
@@ -20326,7 +23599,7 @@
               <a:t>a</a:t>
             </a:r>
             <a:r>
-              <a:rPr lang="en" altLang="zh-CN" dirty="0">
+              <a:rPr lang="en" altLang="zh-CN" sz="2000" dirty="0">
                 <a:solidFill>
                   <a:srgbClr val="000000"/>
                 </a:solidFill>
@@ -20335,7 +23608,7 @@
               <a:t> = </a:t>
             </a:r>
             <a:r>
-              <a:rPr lang="en" altLang="zh-CN" dirty="0">
+              <a:rPr lang="en" altLang="zh-CN" sz="2000" dirty="0">
                 <a:solidFill>
                   <a:srgbClr val="098658"/>
                 </a:solidFill>
@@ -20344,7 +23617,7 @@
               <a:t>56789</a:t>
             </a:r>
             <a:r>
-              <a:rPr lang="en" altLang="zh-CN" dirty="0">
+              <a:rPr lang="en" altLang="zh-CN" sz="2000" dirty="0">
                 <a:solidFill>
                   <a:srgbClr val="000000"/>
                 </a:solidFill>
@@ -20358,7 +23631,7 @@
               <a:buNone/>
             </a:pPr>
             <a:r>
-              <a:rPr lang="en" altLang="zh-CN" dirty="0">
+              <a:rPr lang="en" altLang="zh-CN" sz="2000" dirty="0">
                 <a:solidFill>
                   <a:srgbClr val="0000FF"/>
                 </a:solidFill>
@@ -20367,7 +23640,7 @@
               <a:t>unsigned</a:t>
             </a:r>
             <a:r>
-              <a:rPr lang="en" altLang="zh-CN" dirty="0">
+              <a:rPr lang="en" altLang="zh-CN" sz="2000" dirty="0">
                 <a:solidFill>
                   <a:srgbClr val="000000"/>
                 </a:solidFill>
@@ -20376,7 +23649,7 @@
               <a:t> </a:t>
             </a:r>
             <a:r>
-              <a:rPr lang="en" altLang="zh-CN" dirty="0">
+              <a:rPr lang="en" altLang="zh-CN" sz="2000" dirty="0">
                 <a:solidFill>
                   <a:srgbClr val="0000FF"/>
                 </a:solidFill>
@@ -20385,7 +23658,7 @@
               <a:t>int</a:t>
             </a:r>
             <a:r>
-              <a:rPr lang="en" altLang="zh-CN" dirty="0">
+              <a:rPr lang="en" altLang="zh-CN" sz="2000" dirty="0">
                 <a:solidFill>
                   <a:srgbClr val="000000"/>
                 </a:solidFill>
@@ -20394,7 +23667,7 @@
               <a:t> </a:t>
             </a:r>
             <a:r>
-              <a:rPr lang="en" altLang="zh-CN" dirty="0">
+              <a:rPr lang="en" altLang="zh-CN" sz="2000" dirty="0">
                 <a:solidFill>
                   <a:srgbClr val="001080"/>
                 </a:solidFill>
@@ -20403,7 +23676,7 @@
               <a:t>b</a:t>
             </a:r>
             <a:r>
-              <a:rPr lang="en" altLang="zh-CN" dirty="0">
+              <a:rPr lang="en" altLang="zh-CN" sz="2000" dirty="0">
                 <a:solidFill>
                   <a:srgbClr val="000000"/>
                 </a:solidFill>
@@ -20412,7 +23685,7 @@
               <a:t> = </a:t>
             </a:r>
             <a:r>
-              <a:rPr lang="en" altLang="zh-CN" dirty="0">
+              <a:rPr lang="en" altLang="zh-CN" sz="2000" dirty="0">
                 <a:solidFill>
                   <a:srgbClr val="098658"/>
                 </a:solidFill>
@@ -20421,7 +23694,7 @@
               <a:t>56789</a:t>
             </a:r>
             <a:r>
-              <a:rPr lang="en" altLang="zh-CN" dirty="0">
+              <a:rPr lang="en" altLang="zh-CN" sz="2000" dirty="0">
                 <a:solidFill>
                   <a:srgbClr val="000000"/>
                 </a:solidFill>
@@ -20435,7 +23708,7 @@
               <a:buNone/>
             </a:pPr>
             <a:r>
-              <a:rPr lang="en" altLang="zh-CN" dirty="0">
+              <a:rPr lang="en" altLang="zh-CN" sz="2000" dirty="0">
                 <a:solidFill>
                   <a:srgbClr val="0000FF"/>
                 </a:solidFill>
@@ -20444,7 +23717,7 @@
               <a:t>unsigned</a:t>
             </a:r>
             <a:r>
-              <a:rPr lang="en" altLang="zh-CN" dirty="0">
+              <a:rPr lang="en" altLang="zh-CN" sz="2000" dirty="0">
                 <a:solidFill>
                   <a:srgbClr val="000000"/>
                 </a:solidFill>
@@ -20453,7 +23726,7 @@
               <a:t> </a:t>
             </a:r>
             <a:r>
-              <a:rPr lang="en" altLang="zh-CN" dirty="0">
+              <a:rPr lang="en" altLang="zh-CN" sz="2000" dirty="0">
                 <a:solidFill>
                   <a:srgbClr val="0000FF"/>
                 </a:solidFill>
@@ -20462,7 +23735,7 @@
               <a:t>int</a:t>
             </a:r>
             <a:r>
-              <a:rPr lang="en" altLang="zh-CN" dirty="0">
+              <a:rPr lang="en" altLang="zh-CN" sz="2000" dirty="0">
                 <a:solidFill>
                   <a:srgbClr val="000000"/>
                 </a:solidFill>
@@ -20471,7 +23744,7 @@
               <a:t> </a:t>
             </a:r>
             <a:r>
-              <a:rPr lang="en" altLang="zh-CN" dirty="0">
+              <a:rPr lang="en" altLang="zh-CN" sz="2000" dirty="0">
                 <a:solidFill>
                   <a:srgbClr val="001080"/>
                 </a:solidFill>
@@ -20480,7 +23753,7 @@
               <a:t>c</a:t>
             </a:r>
             <a:r>
-              <a:rPr lang="en" altLang="zh-CN" dirty="0">
+              <a:rPr lang="en" altLang="zh-CN" sz="2000" dirty="0">
                 <a:solidFill>
                   <a:srgbClr val="000000"/>
                 </a:solidFill>
@@ -20489,7 +23762,7 @@
               <a:t> = </a:t>
             </a:r>
             <a:r>
-              <a:rPr lang="en" altLang="zh-CN" dirty="0">
+              <a:rPr lang="en" altLang="zh-CN" sz="2000" dirty="0">
                 <a:solidFill>
                   <a:srgbClr val="001080"/>
                 </a:solidFill>
@@ -20498,7 +23771,7 @@
               <a:t>a</a:t>
             </a:r>
             <a:r>
-              <a:rPr lang="en" altLang="zh-CN" dirty="0">
+              <a:rPr lang="en" altLang="zh-CN" sz="2000" dirty="0">
                 <a:solidFill>
                   <a:srgbClr val="000000"/>
                 </a:solidFill>
@@ -20507,7 +23780,7 @@
               <a:t> * </a:t>
             </a:r>
             <a:r>
-              <a:rPr lang="en" altLang="zh-CN" dirty="0">
+              <a:rPr lang="en" altLang="zh-CN" sz="2000" dirty="0">
                 <a:solidFill>
                   <a:srgbClr val="001080"/>
                 </a:solidFill>
@@ -20516,7 +23789,7 @@
               <a:t>b</a:t>
             </a:r>
             <a:r>
-              <a:rPr lang="en" altLang="zh-CN" dirty="0">
+              <a:rPr lang="en" altLang="zh-CN" sz="2000" dirty="0">
                 <a:solidFill>
                   <a:srgbClr val="000000"/>
                 </a:solidFill>
@@ -20524,6 +23797,12 @@
               </a:rPr>
               <a:t>;</a:t>
             </a:r>
+          </a:p>
+          <a:p>
+            <a:endParaRPr kumimoji="1" lang="en-US" altLang="zh-CN" dirty="0"/>
+          </a:p>
+          <a:p>
+            <a:endParaRPr kumimoji="1" lang="en-US" altLang="zh-CN" dirty="0"/>
           </a:p>
           <a:p>
             <a:endParaRPr kumimoji="1" lang="en-US" altLang="zh-CN" dirty="0"/>
@@ -20640,245 +23919,245 @@
           <p:nvPr>
             <p:extLst>
               <p:ext uri="{D42A27DB-BD31-4B8C-83A1-F6EECF244321}">
-                <p14:modId xmlns:p14="http://schemas.microsoft.com/office/powerpoint/2010/main" val="954269184"/>
+                <p14:modId xmlns:p14="http://schemas.microsoft.com/office/powerpoint/2010/main" val="40095849"/>
               </p:ext>
             </p:extLst>
           </p:nvPr>
         </p:nvGraphicFramePr>
         <p:xfrm>
-          <a:off x="1376479" y="5179132"/>
-          <a:ext cx="7835905" cy="1574800"/>
+          <a:off x="1376479" y="2821530"/>
+          <a:ext cx="6819674" cy="1214939"/>
         </p:xfrm>
         <a:graphic>
           <a:graphicData uri="http://schemas.openxmlformats.org/drawingml/2006/table">
             <a:tbl>
               <a:tblPr/>
               <a:tblGrid>
-                <a:gridCol w="915233">
+                <a:gridCol w="796538">
                   <a:extLst>
                     <a:ext uri="{9D8B030D-6E8A-4147-A177-3AD203B41FA5}">
                       <a16:colId xmlns:a16="http://schemas.microsoft.com/office/drawing/2014/main" val="699698844"/>
                     </a:ext>
                   </a:extLst>
                 </a:gridCol>
-                <a:gridCol w="216271">
+                <a:gridCol w="188223">
                   <a:extLst>
                     <a:ext uri="{9D8B030D-6E8A-4147-A177-3AD203B41FA5}">
                       <a16:colId xmlns:a16="http://schemas.microsoft.com/office/drawing/2014/main" val="1235522902"/>
                     </a:ext>
                   </a:extLst>
                 </a:gridCol>
-                <a:gridCol w="216271">
+                <a:gridCol w="188223">
                   <a:extLst>
                     <a:ext uri="{9D8B030D-6E8A-4147-A177-3AD203B41FA5}">
                       <a16:colId xmlns:a16="http://schemas.microsoft.com/office/drawing/2014/main" val="993963888"/>
                     </a:ext>
                   </a:extLst>
                 </a:gridCol>
-                <a:gridCol w="216271">
+                <a:gridCol w="188223">
                   <a:extLst>
                     <a:ext uri="{9D8B030D-6E8A-4147-A177-3AD203B41FA5}">
                       <a16:colId xmlns:a16="http://schemas.microsoft.com/office/drawing/2014/main" val="3460901240"/>
                     </a:ext>
                   </a:extLst>
                 </a:gridCol>
-                <a:gridCol w="216271">
+                <a:gridCol w="188223">
                   <a:extLst>
                     <a:ext uri="{9D8B030D-6E8A-4147-A177-3AD203B41FA5}">
                       <a16:colId xmlns:a16="http://schemas.microsoft.com/office/drawing/2014/main" val="2318172046"/>
                     </a:ext>
                   </a:extLst>
                 </a:gridCol>
-                <a:gridCol w="216271">
+                <a:gridCol w="188223">
                   <a:extLst>
                     <a:ext uri="{9D8B030D-6E8A-4147-A177-3AD203B41FA5}">
                       <a16:colId xmlns:a16="http://schemas.microsoft.com/office/drawing/2014/main" val="3128419811"/>
                     </a:ext>
                   </a:extLst>
                 </a:gridCol>
-                <a:gridCol w="216271">
+                <a:gridCol w="188223">
                   <a:extLst>
                     <a:ext uri="{9D8B030D-6E8A-4147-A177-3AD203B41FA5}">
                       <a16:colId xmlns:a16="http://schemas.microsoft.com/office/drawing/2014/main" val="3350436376"/>
                     </a:ext>
                   </a:extLst>
                 </a:gridCol>
-                <a:gridCol w="216271">
+                <a:gridCol w="188223">
                   <a:extLst>
                     <a:ext uri="{9D8B030D-6E8A-4147-A177-3AD203B41FA5}">
                       <a16:colId xmlns:a16="http://schemas.microsoft.com/office/drawing/2014/main" val="1519223397"/>
                     </a:ext>
                   </a:extLst>
                 </a:gridCol>
-                <a:gridCol w="216271">
+                <a:gridCol w="188223">
                   <a:extLst>
                     <a:ext uri="{9D8B030D-6E8A-4147-A177-3AD203B41FA5}">
                       <a16:colId xmlns:a16="http://schemas.microsoft.com/office/drawing/2014/main" val="2670310428"/>
                     </a:ext>
                   </a:extLst>
                 </a:gridCol>
-                <a:gridCol w="216271">
+                <a:gridCol w="188223">
                   <a:extLst>
                     <a:ext uri="{9D8B030D-6E8A-4147-A177-3AD203B41FA5}">
                       <a16:colId xmlns:a16="http://schemas.microsoft.com/office/drawing/2014/main" val="1211376795"/>
                     </a:ext>
                   </a:extLst>
                 </a:gridCol>
-                <a:gridCol w="216271">
+                <a:gridCol w="188223">
                   <a:extLst>
                     <a:ext uri="{9D8B030D-6E8A-4147-A177-3AD203B41FA5}">
                       <a16:colId xmlns:a16="http://schemas.microsoft.com/office/drawing/2014/main" val="662847415"/>
                     </a:ext>
                   </a:extLst>
                 </a:gridCol>
-                <a:gridCol w="216271">
+                <a:gridCol w="188223">
                   <a:extLst>
                     <a:ext uri="{9D8B030D-6E8A-4147-A177-3AD203B41FA5}">
                       <a16:colId xmlns:a16="http://schemas.microsoft.com/office/drawing/2014/main" val="3295376958"/>
                     </a:ext>
                   </a:extLst>
                 </a:gridCol>
-                <a:gridCol w="216271">
+                <a:gridCol w="188223">
                   <a:extLst>
                     <a:ext uri="{9D8B030D-6E8A-4147-A177-3AD203B41FA5}">
                       <a16:colId xmlns:a16="http://schemas.microsoft.com/office/drawing/2014/main" val="2572403797"/>
                     </a:ext>
                   </a:extLst>
                 </a:gridCol>
-                <a:gridCol w="216271">
+                <a:gridCol w="188223">
                   <a:extLst>
                     <a:ext uri="{9D8B030D-6E8A-4147-A177-3AD203B41FA5}">
                       <a16:colId xmlns:a16="http://schemas.microsoft.com/office/drawing/2014/main" val="1344563638"/>
                     </a:ext>
                   </a:extLst>
                 </a:gridCol>
-                <a:gridCol w="216271">
+                <a:gridCol w="188223">
                   <a:extLst>
                     <a:ext uri="{9D8B030D-6E8A-4147-A177-3AD203B41FA5}">
                       <a16:colId xmlns:a16="http://schemas.microsoft.com/office/drawing/2014/main" val="2592978276"/>
                     </a:ext>
                   </a:extLst>
                 </a:gridCol>
-                <a:gridCol w="216271">
+                <a:gridCol w="188223">
                   <a:extLst>
                     <a:ext uri="{9D8B030D-6E8A-4147-A177-3AD203B41FA5}">
                       <a16:colId xmlns:a16="http://schemas.microsoft.com/office/drawing/2014/main" val="3515939218"/>
                     </a:ext>
                   </a:extLst>
                 </a:gridCol>
-                <a:gridCol w="216271">
+                <a:gridCol w="188223">
                   <a:extLst>
                     <a:ext uri="{9D8B030D-6E8A-4147-A177-3AD203B41FA5}">
                       <a16:colId xmlns:a16="http://schemas.microsoft.com/office/drawing/2014/main" val="4242852791"/>
                     </a:ext>
                   </a:extLst>
                 </a:gridCol>
-                <a:gridCol w="216271">
+                <a:gridCol w="188223">
                   <a:extLst>
                     <a:ext uri="{9D8B030D-6E8A-4147-A177-3AD203B41FA5}">
                       <a16:colId xmlns:a16="http://schemas.microsoft.com/office/drawing/2014/main" val="1552438722"/>
                     </a:ext>
                   </a:extLst>
                 </a:gridCol>
-                <a:gridCol w="216271">
+                <a:gridCol w="188223">
                   <a:extLst>
                     <a:ext uri="{9D8B030D-6E8A-4147-A177-3AD203B41FA5}">
                       <a16:colId xmlns:a16="http://schemas.microsoft.com/office/drawing/2014/main" val="3758021884"/>
                     </a:ext>
                   </a:extLst>
                 </a:gridCol>
-                <a:gridCol w="216271">
+                <a:gridCol w="188223">
                   <a:extLst>
                     <a:ext uri="{9D8B030D-6E8A-4147-A177-3AD203B41FA5}">
                       <a16:colId xmlns:a16="http://schemas.microsoft.com/office/drawing/2014/main" val="2446182970"/>
                     </a:ext>
                   </a:extLst>
                 </a:gridCol>
-                <a:gridCol w="216271">
+                <a:gridCol w="188223">
                   <a:extLst>
                     <a:ext uri="{9D8B030D-6E8A-4147-A177-3AD203B41FA5}">
                       <a16:colId xmlns:a16="http://schemas.microsoft.com/office/drawing/2014/main" val="631049297"/>
                     </a:ext>
                   </a:extLst>
                 </a:gridCol>
-                <a:gridCol w="216271">
+                <a:gridCol w="188223">
                   <a:extLst>
                     <a:ext uri="{9D8B030D-6E8A-4147-A177-3AD203B41FA5}">
                       <a16:colId xmlns:a16="http://schemas.microsoft.com/office/drawing/2014/main" val="989257966"/>
                     </a:ext>
                   </a:extLst>
                 </a:gridCol>
-                <a:gridCol w="216271">
+                <a:gridCol w="188223">
                   <a:extLst>
                     <a:ext uri="{9D8B030D-6E8A-4147-A177-3AD203B41FA5}">
                       <a16:colId xmlns:a16="http://schemas.microsoft.com/office/drawing/2014/main" val="4130923551"/>
                     </a:ext>
                   </a:extLst>
                 </a:gridCol>
-                <a:gridCol w="216271">
+                <a:gridCol w="188223">
                   <a:extLst>
                     <a:ext uri="{9D8B030D-6E8A-4147-A177-3AD203B41FA5}">
                       <a16:colId xmlns:a16="http://schemas.microsoft.com/office/drawing/2014/main" val="754523039"/>
                     </a:ext>
                   </a:extLst>
                 </a:gridCol>
-                <a:gridCol w="216271">
+                <a:gridCol w="188223">
                   <a:extLst>
                     <a:ext uri="{9D8B030D-6E8A-4147-A177-3AD203B41FA5}">
                       <a16:colId xmlns:a16="http://schemas.microsoft.com/office/drawing/2014/main" val="663588075"/>
                     </a:ext>
                   </a:extLst>
                 </a:gridCol>
-                <a:gridCol w="216271">
+                <a:gridCol w="188223">
                   <a:extLst>
                     <a:ext uri="{9D8B030D-6E8A-4147-A177-3AD203B41FA5}">
                       <a16:colId xmlns:a16="http://schemas.microsoft.com/office/drawing/2014/main" val="514181409"/>
                     </a:ext>
                   </a:extLst>
                 </a:gridCol>
-                <a:gridCol w="216271">
+                <a:gridCol w="188223">
                   <a:extLst>
                     <a:ext uri="{9D8B030D-6E8A-4147-A177-3AD203B41FA5}">
                       <a16:colId xmlns:a16="http://schemas.microsoft.com/office/drawing/2014/main" val="331155467"/>
                     </a:ext>
                   </a:extLst>
                 </a:gridCol>
-                <a:gridCol w="216271">
+                <a:gridCol w="188223">
                   <a:extLst>
                     <a:ext uri="{9D8B030D-6E8A-4147-A177-3AD203B41FA5}">
                       <a16:colId xmlns:a16="http://schemas.microsoft.com/office/drawing/2014/main" val="3442976084"/>
                     </a:ext>
                   </a:extLst>
                 </a:gridCol>
-                <a:gridCol w="216271">
+                <a:gridCol w="188223">
                   <a:extLst>
                     <a:ext uri="{9D8B030D-6E8A-4147-A177-3AD203B41FA5}">
                       <a16:colId xmlns:a16="http://schemas.microsoft.com/office/drawing/2014/main" val="302937644"/>
                     </a:ext>
                   </a:extLst>
                 </a:gridCol>
-                <a:gridCol w="216271">
+                <a:gridCol w="188223">
                   <a:extLst>
                     <a:ext uri="{9D8B030D-6E8A-4147-A177-3AD203B41FA5}">
                       <a16:colId xmlns:a16="http://schemas.microsoft.com/office/drawing/2014/main" val="248600138"/>
                     </a:ext>
                   </a:extLst>
                 </a:gridCol>
-                <a:gridCol w="216271">
+                <a:gridCol w="188223">
                   <a:extLst>
                     <a:ext uri="{9D8B030D-6E8A-4147-A177-3AD203B41FA5}">
                       <a16:colId xmlns:a16="http://schemas.microsoft.com/office/drawing/2014/main" val="2037089083"/>
                     </a:ext>
                   </a:extLst>
                 </a:gridCol>
-                <a:gridCol w="216271">
+                <a:gridCol w="188223">
                   <a:extLst>
                     <a:ext uri="{9D8B030D-6E8A-4147-A177-3AD203B41FA5}">
                       <a16:colId xmlns:a16="http://schemas.microsoft.com/office/drawing/2014/main" val="4168700311"/>
                     </a:ext>
                   </a:extLst>
                 </a:gridCol>
-                <a:gridCol w="216271">
+                <a:gridCol w="188223">
                   <a:extLst>
                     <a:ext uri="{9D8B030D-6E8A-4147-A177-3AD203B41FA5}">
                       <a16:colId xmlns:a16="http://schemas.microsoft.com/office/drawing/2014/main" val="940563998"/>
@@ -20886,7 +24165,7 @@
                   </a:extLst>
                 </a:gridCol>
               </a:tblGrid>
-              <a:tr h="355600">
+              <a:tr h="265102">
                 <a:tc>
                   <a:txBody>
                     <a:bodyPr/>
@@ -22204,7 +25483,7 @@
                   </a:ext>
                 </a:extLst>
               </a:tr>
-              <a:tr h="508000">
+              <a:tr h="378716">
                 <a:tc>
                   <a:txBody>
                     <a:bodyPr/>
@@ -24110,7 +27389,7 @@
                   </a:ext>
                 </a:extLst>
               </a:tr>
-              <a:tr h="203200">
+              <a:tr h="176831">
                 <a:tc>
                   <a:txBody>
                     <a:bodyPr/>
@@ -25524,7 +28803,7 @@
                   </a:ext>
                 </a:extLst>
               </a:tr>
-              <a:tr h="508000">
+              <a:tr h="378716">
                 <a:tc>
                   <a:txBody>
                     <a:bodyPr/>
@@ -26616,7 +29895,7 @@
                     <a:p>
                       <a:pPr algn="l" fontAlgn="ctr"/>
                       <a:r>
-                        <a:rPr lang="zh-CN" altLang="en-US" sz="1200" b="0" i="0" u="none" strike="noStrike">
+                        <a:rPr lang="zh-CN" altLang="en-US" sz="1200" b="0" i="0" u="none" strike="noStrike" dirty="0">
                           <a:solidFill>
                             <a:srgbClr val="000000"/>
                           </a:solidFill>
@@ -26732,7 +30011,7 @@
                     <a:p>
                       <a:pPr algn="l" fontAlgn="ctr"/>
                       <a:r>
-                        <a:rPr lang="zh-CN" altLang="en-US" sz="1200" b="0" i="0" u="none" strike="noStrike">
+                        <a:rPr lang="zh-CN" altLang="en-US" sz="1200" b="0" i="0" u="none" strike="noStrike" dirty="0">
                           <a:solidFill>
                             <a:srgbClr val="000000"/>
                           </a:solidFill>
@@ -27080,7 +30359,7 @@
                     <a:p>
                       <a:pPr algn="l" fontAlgn="ctr"/>
                       <a:r>
-                        <a:rPr lang="zh-CN" altLang="en-US" sz="1200" b="0" i="0" u="none" strike="noStrike">
+                        <a:rPr lang="zh-CN" altLang="en-US" sz="1200" b="0" i="0" u="none" strike="noStrike" dirty="0">
                           <a:solidFill>
                             <a:srgbClr val="000000"/>
                           </a:solidFill>
@@ -27441,6 +30720,183 @@
   <p:clrMapOvr>
     <a:masterClrMapping/>
   </p:clrMapOvr>
+  <p:timing>
+    <p:tnLst>
+      <p:par>
+        <p:cTn id="1" dur="indefinite" restart="never" nodeType="tmRoot">
+          <p:childTnLst>
+            <p:seq concurrent="1" nextAc="seek">
+              <p:cTn id="2" dur="indefinite" nodeType="mainSeq">
+                <p:childTnLst>
+                  <p:par>
+                    <p:cTn id="3" fill="hold">
+                      <p:stCondLst>
+                        <p:cond delay="indefinite"/>
+                      </p:stCondLst>
+                      <p:childTnLst>
+                        <p:par>
+                          <p:cTn id="4" fill="hold">
+                            <p:stCondLst>
+                              <p:cond delay="0"/>
+                            </p:stCondLst>
+                            <p:childTnLst>
+                              <p:par>
+                                <p:cTn id="5" presetID="1" presetClass="entr" presetSubtype="0" fill="hold" nodeType="clickEffect">
+                                  <p:stCondLst>
+                                    <p:cond delay="0"/>
+                                  </p:stCondLst>
+                                  <p:childTnLst>
+                                    <p:set>
+                                      <p:cBhvr>
+                                        <p:cTn id="6" dur="1" fill="hold">
+                                          <p:stCondLst>
+                                            <p:cond delay="0"/>
+                                          </p:stCondLst>
+                                        </p:cTn>
+                                        <p:tgtEl>
+                                          <p:spTgt spid="3">
+                                            <p:txEl>
+                                              <p:pRg st="7" end="7"/>
+                                            </p:txEl>
+                                          </p:spTgt>
+                                        </p:tgtEl>
+                                        <p:attrNameLst>
+                                          <p:attrName>style.visibility</p:attrName>
+                                        </p:attrNameLst>
+                                      </p:cBhvr>
+                                      <p:to>
+                                        <p:strVal val="visible"/>
+                                      </p:to>
+                                    </p:set>
+                                  </p:childTnLst>
+                                </p:cTn>
+                              </p:par>
+                            </p:childTnLst>
+                          </p:cTn>
+                        </p:par>
+                      </p:childTnLst>
+                    </p:cTn>
+                  </p:par>
+                  <p:par>
+                    <p:cTn id="7" fill="hold">
+                      <p:stCondLst>
+                        <p:cond delay="indefinite"/>
+                      </p:stCondLst>
+                      <p:childTnLst>
+                        <p:par>
+                          <p:cTn id="8" fill="hold">
+                            <p:stCondLst>
+                              <p:cond delay="0"/>
+                            </p:stCondLst>
+                            <p:childTnLst>
+                              <p:par>
+                                <p:cTn id="9" presetID="1" presetClass="entr" presetSubtype="0" fill="hold" nodeType="clickEffect">
+                                  <p:stCondLst>
+                                    <p:cond delay="0"/>
+                                  </p:stCondLst>
+                                  <p:childTnLst>
+                                    <p:set>
+                                      <p:cBhvr>
+                                        <p:cTn id="10" dur="1" fill="hold">
+                                          <p:stCondLst>
+                                            <p:cond delay="0"/>
+                                          </p:stCondLst>
+                                        </p:cTn>
+                                        <p:tgtEl>
+                                          <p:spTgt spid="3">
+                                            <p:txEl>
+                                              <p:pRg st="8" end="8"/>
+                                            </p:txEl>
+                                          </p:spTgt>
+                                        </p:tgtEl>
+                                        <p:attrNameLst>
+                                          <p:attrName>style.visibility</p:attrName>
+                                        </p:attrNameLst>
+                                      </p:cBhvr>
+                                      <p:to>
+                                        <p:strVal val="visible"/>
+                                      </p:to>
+                                    </p:set>
+                                  </p:childTnLst>
+                                </p:cTn>
+                              </p:par>
+                            </p:childTnLst>
+                          </p:cTn>
+                        </p:par>
+                      </p:childTnLst>
+                    </p:cTn>
+                  </p:par>
+                  <p:par>
+                    <p:cTn id="11" fill="hold">
+                      <p:stCondLst>
+                        <p:cond delay="indefinite"/>
+                      </p:stCondLst>
+                      <p:childTnLst>
+                        <p:par>
+                          <p:cTn id="12" fill="hold">
+                            <p:stCondLst>
+                              <p:cond delay="0"/>
+                            </p:stCondLst>
+                            <p:childTnLst>
+                              <p:par>
+                                <p:cTn id="13" presetID="1" presetClass="entr" presetSubtype="0" fill="hold" nodeType="clickEffect">
+                                  <p:stCondLst>
+                                    <p:cond delay="0"/>
+                                  </p:stCondLst>
+                                  <p:childTnLst>
+                                    <p:set>
+                                      <p:cBhvr>
+                                        <p:cTn id="14" dur="1" fill="hold">
+                                          <p:stCondLst>
+                                            <p:cond delay="0"/>
+                                          </p:stCondLst>
+                                        </p:cTn>
+                                        <p:tgtEl>
+                                          <p:spTgt spid="3">
+                                            <p:txEl>
+                                              <p:pRg st="9" end="9"/>
+                                            </p:txEl>
+                                          </p:spTgt>
+                                        </p:tgtEl>
+                                        <p:attrNameLst>
+                                          <p:attrName>style.visibility</p:attrName>
+                                        </p:attrNameLst>
+                                      </p:cBhvr>
+                                      <p:to>
+                                        <p:strVal val="visible"/>
+                                      </p:to>
+                                    </p:set>
+                                  </p:childTnLst>
+                                </p:cTn>
+                              </p:par>
+                            </p:childTnLst>
+                          </p:cTn>
+                        </p:par>
+                      </p:childTnLst>
+                    </p:cTn>
+                  </p:par>
+                </p:childTnLst>
+              </p:cTn>
+              <p:prevCondLst>
+                <p:cond evt="onPrev" delay="0">
+                  <p:tgtEl>
+                    <p:sldTgt/>
+                  </p:tgtEl>
+                </p:cond>
+              </p:prevCondLst>
+              <p:nextCondLst>
+                <p:cond evt="onNext" delay="0">
+                  <p:tgtEl>
+                    <p:sldTgt/>
+                  </p:tgtEl>
+                </p:cond>
+              </p:nextCondLst>
+            </p:seq>
+          </p:childTnLst>
+        </p:cTn>
+      </p:par>
+    </p:tnLst>
+  </p:timing>
 </p:sld>
 </file>
 
@@ -27670,17 +31126,22 @@
           <a:p>
             <a:r>
               <a:rPr kumimoji="1" lang="en-US" altLang="zh-CN" dirty="0"/>
-              <a:t>Width in bits of different data model</a:t>
-            </a:r>
-          </a:p>
-          <a:p>
-            <a:r>
-              <a:rPr kumimoji="1" lang="en-US" altLang="zh-CN" dirty="0" err="1"/>
+              <a:t>Width in bits of different data models</a:t>
+            </a:r>
+          </a:p>
+          <a:p>
+            <a:r>
+              <a:rPr kumimoji="1" lang="en-US" altLang="zh-CN" dirty="0" err="1">
+                <a:solidFill>
+                  <a:srgbClr val="0000CC"/>
+                </a:solidFill>
+                <a:latin typeface="Courier" pitchFamily="2" charset="0"/>
+              </a:rPr>
               <a:t>sizeof</a:t>
             </a:r>
             <a:r>
               <a:rPr kumimoji="1" lang="en-US" altLang="zh-CN" dirty="0"/>
-              <a:t> operator can return the width</a:t>
+              <a:t> operator can return the width in bytes.</a:t>
             </a:r>
             <a:endParaRPr kumimoji="1" lang="zh-CN" altLang="en-US" dirty="0"/>
           </a:p>

--- a/week02/Lecture02.pptx
+++ b/week02/Lecture02.pptx
@@ -19,29 +19,31 @@
     <p:sldId id="265" r:id="rId13"/>
     <p:sldId id="279" r:id="rId14"/>
     <p:sldId id="268" r:id="rId15"/>
-    <p:sldId id="270" r:id="rId16"/>
-    <p:sldId id="271" r:id="rId17"/>
-    <p:sldId id="269" r:id="rId18"/>
-    <p:sldId id="273" r:id="rId19"/>
-    <p:sldId id="420" r:id="rId20"/>
-    <p:sldId id="423" r:id="rId21"/>
-    <p:sldId id="421" r:id="rId22"/>
-    <p:sldId id="272" r:id="rId23"/>
-    <p:sldId id="288" r:id="rId24"/>
-    <p:sldId id="277" r:id="rId25"/>
-    <p:sldId id="276" r:id="rId26"/>
-    <p:sldId id="275" r:id="rId27"/>
-    <p:sldId id="280" r:id="rId28"/>
-    <p:sldId id="286" r:id="rId29"/>
-    <p:sldId id="274" r:id="rId30"/>
-    <p:sldId id="281" r:id="rId31"/>
-    <p:sldId id="282" r:id="rId32"/>
-    <p:sldId id="283" r:id="rId33"/>
-    <p:sldId id="285" r:id="rId34"/>
-    <p:sldId id="287" r:id="rId35"/>
-    <p:sldId id="418" r:id="rId36"/>
-    <p:sldId id="419" r:id="rId37"/>
-    <p:sldId id="284" r:id="rId38"/>
+    <p:sldId id="424" r:id="rId16"/>
+    <p:sldId id="425" r:id="rId17"/>
+    <p:sldId id="270" r:id="rId18"/>
+    <p:sldId id="271" r:id="rId19"/>
+    <p:sldId id="269" r:id="rId20"/>
+    <p:sldId id="273" r:id="rId21"/>
+    <p:sldId id="420" r:id="rId22"/>
+    <p:sldId id="423" r:id="rId23"/>
+    <p:sldId id="421" r:id="rId24"/>
+    <p:sldId id="272" r:id="rId25"/>
+    <p:sldId id="288" r:id="rId26"/>
+    <p:sldId id="277" r:id="rId27"/>
+    <p:sldId id="276" r:id="rId28"/>
+    <p:sldId id="275" r:id="rId29"/>
+    <p:sldId id="280" r:id="rId30"/>
+    <p:sldId id="286" r:id="rId31"/>
+    <p:sldId id="274" r:id="rId32"/>
+    <p:sldId id="281" r:id="rId33"/>
+    <p:sldId id="282" r:id="rId34"/>
+    <p:sldId id="283" r:id="rId35"/>
+    <p:sldId id="285" r:id="rId36"/>
+    <p:sldId id="287" r:id="rId37"/>
+    <p:sldId id="418" r:id="rId38"/>
+    <p:sldId id="419" r:id="rId39"/>
+    <p:sldId id="284" r:id="rId40"/>
   </p:sldIdLst>
   <p:sldSz cx="12192000" cy="6858000"/>
   <p:notesSz cx="6858000" cy="9144000"/>
@@ -3643,7 +3645,7 @@
           <a:p>
             <a:fld id="{FC19A4FA-3D9A-4114-B0D5-759CBD56F1AB}" type="datetimeFigureOut">
               <a:rPr lang="zh-CN" altLang="en-US" smtClean="0"/>
-              <a:t>2021/9/10</a:t>
+              <a:t>2021/9/12</a:t>
             </a:fld>
             <a:endParaRPr lang="zh-CN" altLang="en-US"/>
           </a:p>
@@ -3846,7 +3848,7 @@
           <a:p>
             <a:fld id="{FC19A4FA-3D9A-4114-B0D5-759CBD56F1AB}" type="datetimeFigureOut">
               <a:rPr lang="zh-CN" altLang="en-US" smtClean="0"/>
-              <a:t>2021/9/10</a:t>
+              <a:t>2021/9/12</a:t>
             </a:fld>
             <a:endParaRPr lang="zh-CN" altLang="en-US"/>
           </a:p>
@@ -4024,7 +4026,7 @@
           <a:p>
             <a:fld id="{FC19A4FA-3D9A-4114-B0D5-759CBD56F1AB}" type="datetimeFigureOut">
               <a:rPr lang="zh-CN" altLang="en-US" smtClean="0"/>
-              <a:t>2021/9/10</a:t>
+              <a:t>2021/9/12</a:t>
             </a:fld>
             <a:endParaRPr lang="zh-CN" altLang="en-US"/>
           </a:p>
@@ -4248,7 +4250,7 @@
           <a:p>
             <a:fld id="{FC19A4FA-3D9A-4114-B0D5-759CBD56F1AB}" type="datetimeFigureOut">
               <a:rPr lang="zh-CN" altLang="en-US" smtClean="0"/>
-              <a:t>2021/9/10</a:t>
+              <a:t>2021/9/12</a:t>
             </a:fld>
             <a:endParaRPr lang="zh-CN" altLang="en-US"/>
           </a:p>
@@ -4482,7 +4484,7 @@
           <a:p>
             <a:fld id="{FC19A4FA-3D9A-4114-B0D5-759CBD56F1AB}" type="datetimeFigureOut">
               <a:rPr lang="zh-CN" altLang="en-US" smtClean="0"/>
-              <a:t>2021/9/10</a:t>
+              <a:t>2021/9/12</a:t>
             </a:fld>
             <a:endParaRPr lang="zh-CN" altLang="en-US"/>
           </a:p>
@@ -4881,7 +4883,7 @@
           <a:p>
             <a:fld id="{FC19A4FA-3D9A-4114-B0D5-759CBD56F1AB}" type="datetimeFigureOut">
               <a:rPr lang="zh-CN" altLang="en-US" smtClean="0"/>
-              <a:t>2021/9/10</a:t>
+              <a:t>2021/9/12</a:t>
             </a:fld>
             <a:endParaRPr lang="zh-CN" altLang="en-US"/>
           </a:p>
@@ -5161,7 +5163,7 @@
           <a:p>
             <a:fld id="{FC19A4FA-3D9A-4114-B0D5-759CBD56F1AB}" type="datetimeFigureOut">
               <a:rPr lang="zh-CN" altLang="en-US" smtClean="0"/>
-              <a:t>2021/9/10</a:t>
+              <a:t>2021/9/12</a:t>
             </a:fld>
             <a:endParaRPr lang="zh-CN" altLang="en-US"/>
           </a:p>
@@ -5313,7 +5315,7 @@
           <a:p>
             <a:fld id="{FC19A4FA-3D9A-4114-B0D5-759CBD56F1AB}" type="datetimeFigureOut">
               <a:rPr lang="zh-CN" altLang="en-US" smtClean="0"/>
-              <a:t>2021/9/10</a:t>
+              <a:t>2021/9/12</a:t>
             </a:fld>
             <a:endParaRPr lang="zh-CN" altLang="en-US"/>
           </a:p>
@@ -5443,7 +5445,7 @@
           <a:p>
             <a:fld id="{FC19A4FA-3D9A-4114-B0D5-759CBD56F1AB}" type="datetimeFigureOut">
               <a:rPr lang="zh-CN" altLang="en-US" smtClean="0"/>
-              <a:t>2021/9/10</a:t>
+              <a:t>2021/9/12</a:t>
             </a:fld>
             <a:endParaRPr lang="zh-CN" altLang="en-US"/>
           </a:p>
@@ -5753,7 +5755,7 @@
           <a:p>
             <a:fld id="{FC19A4FA-3D9A-4114-B0D5-759CBD56F1AB}" type="datetimeFigureOut">
               <a:rPr lang="zh-CN" altLang="en-US" smtClean="0"/>
-              <a:t>2021/9/10</a:t>
+              <a:t>2021/9/12</a:t>
             </a:fld>
             <a:endParaRPr lang="zh-CN" altLang="en-US"/>
           </a:p>
@@ -6040,7 +6042,7 @@
           <a:p>
             <a:fld id="{FC19A4FA-3D9A-4114-B0D5-759CBD56F1AB}" type="datetimeFigureOut">
               <a:rPr lang="zh-CN" altLang="en-US" smtClean="0"/>
-              <a:t>2021/9/10</a:t>
+              <a:t>2021/9/12</a:t>
             </a:fld>
             <a:endParaRPr lang="zh-CN" altLang="en-US"/>
           </a:p>
@@ -6333,7 +6335,7 @@
           <a:p>
             <a:fld id="{FC19A4FA-3D9A-4114-B0D5-759CBD56F1AB}" type="datetimeFigureOut">
               <a:rPr lang="zh-CN" altLang="en-US" smtClean="0"/>
-              <a:t>2021/9/10</a:t>
+              <a:t>2021/9/12</a:t>
             </a:fld>
             <a:endParaRPr lang="zh-CN" altLang="en-US"/>
           </a:p>
@@ -9808,10 +9810,1270 @@
   <p:clrMapOvr>
     <a:masterClrMapping/>
   </p:clrMapOvr>
+  <p:timing>
+    <p:tnLst>
+      <p:par>
+        <p:cTn id="1" dur="indefinite" restart="never" nodeType="tmRoot">
+          <p:childTnLst>
+            <p:seq concurrent="1" nextAc="seek">
+              <p:cTn id="2" dur="indefinite" nodeType="mainSeq">
+                <p:childTnLst>
+                  <p:par>
+                    <p:cTn id="3" fill="hold">
+                      <p:stCondLst>
+                        <p:cond delay="indefinite"/>
+                      </p:stCondLst>
+                      <p:childTnLst>
+                        <p:par>
+                          <p:cTn id="4" fill="hold">
+                            <p:stCondLst>
+                              <p:cond delay="0"/>
+                            </p:stCondLst>
+                            <p:childTnLst>
+                              <p:par>
+                                <p:cTn id="5" presetID="1" presetClass="entr" presetSubtype="0" fill="hold" nodeType="clickEffect">
+                                  <p:stCondLst>
+                                    <p:cond delay="0"/>
+                                  </p:stCondLst>
+                                  <p:childTnLst>
+                                    <p:set>
+                                      <p:cBhvr>
+                                        <p:cTn id="6" dur="1" fill="hold">
+                                          <p:stCondLst>
+                                            <p:cond delay="0"/>
+                                          </p:stCondLst>
+                                        </p:cTn>
+                                        <p:tgtEl>
+                                          <p:spTgt spid="3">
+                                            <p:txEl>
+                                              <p:pRg st="4" end="4"/>
+                                            </p:txEl>
+                                          </p:spTgt>
+                                        </p:tgtEl>
+                                        <p:attrNameLst>
+                                          <p:attrName>style.visibility</p:attrName>
+                                        </p:attrNameLst>
+                                      </p:cBhvr>
+                                      <p:to>
+                                        <p:strVal val="visible"/>
+                                      </p:to>
+                                    </p:set>
+                                  </p:childTnLst>
+                                </p:cTn>
+                              </p:par>
+                            </p:childTnLst>
+                          </p:cTn>
+                        </p:par>
+                      </p:childTnLst>
+                    </p:cTn>
+                  </p:par>
+                  <p:par>
+                    <p:cTn id="7" fill="hold">
+                      <p:stCondLst>
+                        <p:cond delay="indefinite"/>
+                      </p:stCondLst>
+                      <p:childTnLst>
+                        <p:par>
+                          <p:cTn id="8" fill="hold">
+                            <p:stCondLst>
+                              <p:cond delay="0"/>
+                            </p:stCondLst>
+                            <p:childTnLst>
+                              <p:par>
+                                <p:cTn id="9" presetID="1" presetClass="entr" presetSubtype="0" fill="hold" grpId="0" nodeType="clickEffect">
+                                  <p:stCondLst>
+                                    <p:cond delay="0"/>
+                                  </p:stCondLst>
+                                  <p:childTnLst>
+                                    <p:set>
+                                      <p:cBhvr>
+                                        <p:cTn id="10" dur="1" fill="hold">
+                                          <p:stCondLst>
+                                            <p:cond delay="0"/>
+                                          </p:stCondLst>
+                                        </p:cTn>
+                                        <p:tgtEl>
+                                          <p:spTgt spid="5"/>
+                                        </p:tgtEl>
+                                        <p:attrNameLst>
+                                          <p:attrName>style.visibility</p:attrName>
+                                        </p:attrNameLst>
+                                      </p:cBhvr>
+                                      <p:to>
+                                        <p:strVal val="visible"/>
+                                      </p:to>
+                                    </p:set>
+                                  </p:childTnLst>
+                                </p:cTn>
+                              </p:par>
+                              <p:par>
+                                <p:cTn id="11" presetID="1" presetClass="entr" presetSubtype="0" fill="hold" grpId="0" nodeType="withEffect">
+                                  <p:stCondLst>
+                                    <p:cond delay="0"/>
+                                  </p:stCondLst>
+                                  <p:childTnLst>
+                                    <p:set>
+                                      <p:cBhvr>
+                                        <p:cTn id="12" dur="1" fill="hold">
+                                          <p:stCondLst>
+                                            <p:cond delay="0"/>
+                                          </p:stCondLst>
+                                        </p:cTn>
+                                        <p:tgtEl>
+                                          <p:spTgt spid="4"/>
+                                        </p:tgtEl>
+                                        <p:attrNameLst>
+                                          <p:attrName>style.visibility</p:attrName>
+                                        </p:attrNameLst>
+                                      </p:cBhvr>
+                                      <p:to>
+                                        <p:strVal val="visible"/>
+                                      </p:to>
+                                    </p:set>
+                                  </p:childTnLst>
+                                </p:cTn>
+                              </p:par>
+                            </p:childTnLst>
+                          </p:cTn>
+                        </p:par>
+                      </p:childTnLst>
+                    </p:cTn>
+                  </p:par>
+                </p:childTnLst>
+              </p:cTn>
+              <p:prevCondLst>
+                <p:cond evt="onPrev" delay="0">
+                  <p:tgtEl>
+                    <p:sldTgt/>
+                  </p:tgtEl>
+                </p:cond>
+              </p:prevCondLst>
+              <p:nextCondLst>
+                <p:cond evt="onNext" delay="0">
+                  <p:tgtEl>
+                    <p:sldTgt/>
+                  </p:tgtEl>
+                </p:cond>
+              </p:nextCondLst>
+            </p:seq>
+          </p:childTnLst>
+        </p:cTn>
+      </p:par>
+    </p:tnLst>
+    <p:bldLst>
+      <p:bldP spid="4" grpId="0"/>
+      <p:bldP spid="5" grpId="0" animBg="1"/>
+    </p:bldLst>
+  </p:timing>
 </p:sld>
 </file>
 
 <file path=ppt/slides/slide15.xml><?xml version="1.0" encoding="utf-8"?>
+<p:sld xmlns:a="http://schemas.openxmlformats.org/drawingml/2006/main" xmlns:r="http://schemas.openxmlformats.org/officeDocument/2006/relationships" xmlns:p="http://schemas.openxmlformats.org/presentationml/2006/main">
+  <p:cSld>
+    <p:spTree>
+      <p:nvGrpSpPr>
+        <p:cNvPr id="1" name=""/>
+        <p:cNvGrpSpPr/>
+        <p:nvPr/>
+      </p:nvGrpSpPr>
+      <p:grpSpPr>
+        <a:xfrm>
+          <a:off x="0" y="0"/>
+          <a:ext cx="0" cy="0"/>
+          <a:chOff x="0" y="0"/>
+          <a:chExt cx="0" cy="0"/>
+        </a:xfrm>
+      </p:grpSpPr>
+      <p:sp>
+        <p:nvSpPr>
+          <p:cNvPr id="2" name="标题 1">
+            <a:extLst>
+              <a:ext uri="{FF2B5EF4-FFF2-40B4-BE49-F238E27FC236}">
+                <a16:creationId xmlns:a16="http://schemas.microsoft.com/office/drawing/2014/main" id="{D2AFB472-4FFD-C94D-AAB8-45896F4901F6}"/>
+              </a:ext>
+            </a:extLst>
+          </p:cNvPr>
+          <p:cNvSpPr>
+            <a:spLocks noGrp="1"/>
+          </p:cNvSpPr>
+          <p:nvPr>
+            <p:ph type="title"/>
+          </p:nvPr>
+        </p:nvSpPr>
+        <p:spPr/>
+        <p:txBody>
+          <a:bodyPr/>
+          <a:lstStyle/>
+          <a:p>
+            <a:r>
+              <a:rPr kumimoji="1" lang="en-US" altLang="zh-CN" dirty="0"/>
+              <a:t>bool</a:t>
+            </a:r>
+            <a:endParaRPr kumimoji="1" lang="zh-CN" altLang="en-US" dirty="0"/>
+          </a:p>
+        </p:txBody>
+      </p:sp>
+      <p:sp>
+        <p:nvSpPr>
+          <p:cNvPr id="3" name="内容占位符 2">
+            <a:extLst>
+              <a:ext uri="{FF2B5EF4-FFF2-40B4-BE49-F238E27FC236}">
+                <a16:creationId xmlns:a16="http://schemas.microsoft.com/office/drawing/2014/main" id="{16E6CE2C-614E-DA4C-9572-A684EE24B610}"/>
+              </a:ext>
+            </a:extLst>
+          </p:cNvPr>
+          <p:cNvSpPr>
+            <a:spLocks noGrp="1"/>
+          </p:cNvSpPr>
+          <p:nvPr>
+            <p:ph idx="1"/>
+          </p:nvPr>
+        </p:nvSpPr>
+        <p:spPr>
+          <a:xfrm>
+            <a:off x="838199" y="1326995"/>
+            <a:ext cx="11053879" cy="684685"/>
+          </a:xfrm>
+        </p:spPr>
+        <p:txBody>
+          <a:bodyPr/>
+          <a:lstStyle/>
+          <a:p>
+            <a:r>
+              <a:rPr kumimoji="1" lang="en-US" altLang="zh-CN" dirty="0"/>
+              <a:t>Boolean data conversion</a:t>
+            </a:r>
+            <a:endParaRPr kumimoji="1" lang="zh-CN" altLang="en-US" dirty="0"/>
+          </a:p>
+        </p:txBody>
+      </p:sp>
+      <p:sp>
+        <p:nvSpPr>
+          <p:cNvPr id="4" name="矩形 3">
+            <a:extLst>
+              <a:ext uri="{FF2B5EF4-FFF2-40B4-BE49-F238E27FC236}">
+                <a16:creationId xmlns:a16="http://schemas.microsoft.com/office/drawing/2014/main" id="{44F00B69-B454-2A44-B291-6BD538DADAF8}"/>
+              </a:ext>
+            </a:extLst>
+          </p:cNvPr>
+          <p:cNvSpPr/>
+          <p:nvPr/>
+        </p:nvSpPr>
+        <p:spPr>
+          <a:xfrm>
+            <a:off x="838199" y="2291724"/>
+            <a:ext cx="6096000" cy="646331"/>
+          </a:xfrm>
+          <a:prstGeom prst="rect">
+            <a:avLst/>
+          </a:prstGeom>
+        </p:spPr>
+        <p:txBody>
+          <a:bodyPr>
+            <a:spAutoFit/>
+          </a:bodyPr>
+          <a:lstStyle/>
+          <a:p>
+            <a:r>
+              <a:rPr lang="en" altLang="zh-CN" dirty="0">
+                <a:solidFill>
+                  <a:srgbClr val="0000FF"/>
+                </a:solidFill>
+                <a:latin typeface="Menlo" panose="020B0609030804020204" pitchFamily="49" charset="0"/>
+              </a:rPr>
+              <a:t>bool</a:t>
+            </a:r>
+            <a:r>
+              <a:rPr lang="en" altLang="zh-CN" dirty="0">
+                <a:solidFill>
+                  <a:srgbClr val="000000"/>
+                </a:solidFill>
+                <a:latin typeface="Menlo" panose="020B0609030804020204" pitchFamily="49" charset="0"/>
+              </a:rPr>
+              <a:t> b = </a:t>
+            </a:r>
+            <a:r>
+              <a:rPr lang="en" altLang="zh-CN" dirty="0">
+                <a:solidFill>
+                  <a:srgbClr val="0000FF"/>
+                </a:solidFill>
+                <a:latin typeface="Menlo" panose="020B0609030804020204" pitchFamily="49" charset="0"/>
+              </a:rPr>
+              <a:t>true</a:t>
+            </a:r>
+            <a:r>
+              <a:rPr lang="en" altLang="zh-CN" dirty="0">
+                <a:solidFill>
+                  <a:srgbClr val="000000"/>
+                </a:solidFill>
+                <a:latin typeface="Menlo" panose="020B0609030804020204" pitchFamily="49" charset="0"/>
+              </a:rPr>
+              <a:t>;</a:t>
+            </a:r>
+          </a:p>
+          <a:p>
+            <a:r>
+              <a:rPr lang="en" altLang="zh-CN" dirty="0">
+                <a:solidFill>
+                  <a:srgbClr val="0000FF"/>
+                </a:solidFill>
+                <a:latin typeface="Menlo" panose="020B0609030804020204" pitchFamily="49" charset="0"/>
+              </a:rPr>
+              <a:t>int</a:t>
+            </a:r>
+            <a:r>
+              <a:rPr lang="en" altLang="zh-CN" dirty="0">
+                <a:solidFill>
+                  <a:srgbClr val="000000"/>
+                </a:solidFill>
+                <a:latin typeface="Menlo" panose="020B0609030804020204" pitchFamily="49" charset="0"/>
+              </a:rPr>
+              <a:t> </a:t>
+            </a:r>
+            <a:r>
+              <a:rPr lang="en" altLang="zh-CN" dirty="0" err="1">
+                <a:solidFill>
+                  <a:srgbClr val="000000"/>
+                </a:solidFill>
+                <a:latin typeface="Menlo" panose="020B0609030804020204" pitchFamily="49" charset="0"/>
+              </a:rPr>
+              <a:t>i</a:t>
+            </a:r>
+            <a:r>
+              <a:rPr lang="en" altLang="zh-CN" dirty="0">
+                <a:solidFill>
+                  <a:srgbClr val="000000"/>
+                </a:solidFill>
+                <a:latin typeface="Menlo" panose="020B0609030804020204" pitchFamily="49" charset="0"/>
+              </a:rPr>
+              <a:t> = b;</a:t>
+            </a:r>
+            <a:r>
+              <a:rPr lang="en" altLang="zh-CN" dirty="0">
+                <a:solidFill>
+                  <a:srgbClr val="008000"/>
+                </a:solidFill>
+                <a:latin typeface="Menlo" panose="020B0609030804020204" pitchFamily="49" charset="0"/>
+              </a:rPr>
+              <a:t> // the value of </a:t>
+            </a:r>
+            <a:r>
+              <a:rPr lang="en" altLang="zh-CN" dirty="0" err="1">
+                <a:solidFill>
+                  <a:srgbClr val="008000"/>
+                </a:solidFill>
+                <a:latin typeface="Menlo" panose="020B0609030804020204" pitchFamily="49" charset="0"/>
+              </a:rPr>
+              <a:t>i</a:t>
+            </a:r>
+            <a:r>
+              <a:rPr lang="en" altLang="zh-CN" dirty="0">
+                <a:solidFill>
+                  <a:srgbClr val="008000"/>
+                </a:solidFill>
+                <a:latin typeface="Menlo" panose="020B0609030804020204" pitchFamily="49" charset="0"/>
+              </a:rPr>
+              <a:t> is 1.</a:t>
+            </a:r>
+            <a:endParaRPr lang="en" altLang="zh-CN" b="0" dirty="0">
+              <a:solidFill>
+                <a:srgbClr val="000000"/>
+              </a:solidFill>
+              <a:effectLst/>
+              <a:latin typeface="Menlo" panose="020B0609030804020204" pitchFamily="49" charset="0"/>
+            </a:endParaRPr>
+          </a:p>
+        </p:txBody>
+      </p:sp>
+      <p:sp>
+        <p:nvSpPr>
+          <p:cNvPr id="5" name="矩形 4">
+            <a:extLst>
+              <a:ext uri="{FF2B5EF4-FFF2-40B4-BE49-F238E27FC236}">
+                <a16:creationId xmlns:a16="http://schemas.microsoft.com/office/drawing/2014/main" id="{8A7BF8CA-E5A9-B341-A7A8-6F057FED74CC}"/>
+              </a:ext>
+            </a:extLst>
+          </p:cNvPr>
+          <p:cNvSpPr/>
+          <p:nvPr/>
+        </p:nvSpPr>
+        <p:spPr>
+          <a:xfrm>
+            <a:off x="838199" y="3530589"/>
+            <a:ext cx="6096000" cy="646331"/>
+          </a:xfrm>
+          <a:prstGeom prst="rect">
+            <a:avLst/>
+          </a:prstGeom>
+        </p:spPr>
+        <p:txBody>
+          <a:bodyPr>
+            <a:spAutoFit/>
+          </a:bodyPr>
+          <a:lstStyle/>
+          <a:p>
+            <a:r>
+              <a:rPr lang="en" altLang="zh-CN" dirty="0">
+                <a:solidFill>
+                  <a:srgbClr val="0000FF"/>
+                </a:solidFill>
+                <a:latin typeface="Menlo" panose="020B0609030804020204" pitchFamily="49" charset="0"/>
+              </a:rPr>
+              <a:t>bool</a:t>
+            </a:r>
+            <a:r>
+              <a:rPr lang="en" altLang="zh-CN" dirty="0">
+                <a:solidFill>
+                  <a:srgbClr val="000000"/>
+                </a:solidFill>
+                <a:latin typeface="Menlo" panose="020B0609030804020204" pitchFamily="49" charset="0"/>
+              </a:rPr>
+              <a:t> b = -</a:t>
+            </a:r>
+            <a:r>
+              <a:rPr lang="en" altLang="zh-CN" dirty="0">
+                <a:solidFill>
+                  <a:srgbClr val="098658"/>
+                </a:solidFill>
+                <a:latin typeface="Menlo" panose="020B0609030804020204" pitchFamily="49" charset="0"/>
+              </a:rPr>
+              <a:t>256</a:t>
+            </a:r>
+            <a:r>
+              <a:rPr lang="en" altLang="zh-CN" dirty="0">
+                <a:solidFill>
+                  <a:srgbClr val="000000"/>
+                </a:solidFill>
+                <a:latin typeface="Menlo" panose="020B0609030804020204" pitchFamily="49" charset="0"/>
+              </a:rPr>
+              <a:t>;</a:t>
+            </a:r>
+            <a:r>
+              <a:rPr lang="en" altLang="zh-CN" dirty="0">
+                <a:solidFill>
+                  <a:srgbClr val="008000"/>
+                </a:solidFill>
+                <a:latin typeface="Menlo" panose="020B0609030804020204" pitchFamily="49" charset="0"/>
+              </a:rPr>
+              <a:t> // unrecommended conversion. the value of b is true</a:t>
+            </a:r>
+            <a:endParaRPr lang="en" altLang="zh-CN" b="0" dirty="0">
+              <a:solidFill>
+                <a:srgbClr val="000000"/>
+              </a:solidFill>
+              <a:effectLst/>
+              <a:latin typeface="Menlo" panose="020B0609030804020204" pitchFamily="49" charset="0"/>
+            </a:endParaRPr>
+          </a:p>
+        </p:txBody>
+      </p:sp>
+      <p:sp>
+        <p:nvSpPr>
+          <p:cNvPr id="6" name="矩形 5">
+            <a:extLst>
+              <a:ext uri="{FF2B5EF4-FFF2-40B4-BE49-F238E27FC236}">
+                <a16:creationId xmlns:a16="http://schemas.microsoft.com/office/drawing/2014/main" id="{9F57E1FA-E5CA-8F4F-998C-BC344F038ABC}"/>
+              </a:ext>
+            </a:extLst>
+          </p:cNvPr>
+          <p:cNvSpPr/>
+          <p:nvPr/>
+        </p:nvSpPr>
+        <p:spPr>
+          <a:xfrm>
+            <a:off x="835586" y="4238863"/>
+            <a:ext cx="5984067" cy="369332"/>
+          </a:xfrm>
+          <a:prstGeom prst="rect">
+            <a:avLst/>
+          </a:prstGeom>
+        </p:spPr>
+        <p:txBody>
+          <a:bodyPr wrap="square">
+            <a:spAutoFit/>
+          </a:bodyPr>
+          <a:lstStyle/>
+          <a:p>
+            <a:r>
+              <a:rPr lang="en" altLang="zh-CN" dirty="0">
+                <a:solidFill>
+                  <a:srgbClr val="0000FF"/>
+                </a:solidFill>
+                <a:latin typeface="Menlo" panose="020B0609030804020204" pitchFamily="49" charset="0"/>
+              </a:rPr>
+              <a:t>bool</a:t>
+            </a:r>
+            <a:r>
+              <a:rPr lang="en" altLang="zh-CN" dirty="0">
+                <a:solidFill>
+                  <a:srgbClr val="000000"/>
+                </a:solidFill>
+                <a:latin typeface="Menlo" panose="020B0609030804020204" pitchFamily="49" charset="0"/>
+              </a:rPr>
+              <a:t> b = (-</a:t>
+            </a:r>
+            <a:r>
+              <a:rPr lang="en" altLang="zh-CN" dirty="0">
+                <a:solidFill>
+                  <a:srgbClr val="098658"/>
+                </a:solidFill>
+                <a:latin typeface="Menlo" panose="020B0609030804020204" pitchFamily="49" charset="0"/>
+              </a:rPr>
+              <a:t>256</a:t>
+            </a:r>
+            <a:r>
+              <a:rPr lang="en" altLang="zh-CN" dirty="0">
+                <a:solidFill>
+                  <a:srgbClr val="000000"/>
+                </a:solidFill>
+                <a:latin typeface="Menlo" panose="020B0609030804020204" pitchFamily="49" charset="0"/>
+              </a:rPr>
+              <a:t> != </a:t>
+            </a:r>
+            <a:r>
+              <a:rPr lang="en" altLang="zh-CN" dirty="0">
+                <a:solidFill>
+                  <a:srgbClr val="098658"/>
+                </a:solidFill>
+                <a:latin typeface="Menlo" panose="020B0609030804020204" pitchFamily="49" charset="0"/>
+              </a:rPr>
+              <a:t>0</a:t>
+            </a:r>
+            <a:r>
+              <a:rPr lang="en" altLang="zh-CN" dirty="0">
+                <a:solidFill>
+                  <a:srgbClr val="000000"/>
+                </a:solidFill>
+                <a:latin typeface="Menlo" panose="020B0609030804020204" pitchFamily="49" charset="0"/>
+              </a:rPr>
+              <a:t>);</a:t>
+            </a:r>
+            <a:r>
+              <a:rPr lang="en" altLang="zh-CN" dirty="0">
+                <a:solidFill>
+                  <a:srgbClr val="008000"/>
+                </a:solidFill>
+                <a:latin typeface="Menlo" panose="020B0609030804020204" pitchFamily="49" charset="0"/>
+              </a:rPr>
+              <a:t> // better choice</a:t>
+            </a:r>
+            <a:r>
+              <a:rPr lang="en" altLang="zh-CN" dirty="0">
+                <a:solidFill>
+                  <a:srgbClr val="000000"/>
+                </a:solidFill>
+                <a:latin typeface="Menlo" panose="020B0609030804020204" pitchFamily="49" charset="0"/>
+              </a:rPr>
+              <a:t> </a:t>
+            </a:r>
+            <a:endParaRPr lang="en" altLang="zh-CN" b="0" dirty="0">
+              <a:solidFill>
+                <a:srgbClr val="000000"/>
+              </a:solidFill>
+              <a:effectLst/>
+              <a:latin typeface="Menlo" panose="020B0609030804020204" pitchFamily="49" charset="0"/>
+            </a:endParaRPr>
+          </a:p>
+        </p:txBody>
+      </p:sp>
+    </p:spTree>
+    <p:extLst>
+      <p:ext uri="{BB962C8B-B14F-4D97-AF65-F5344CB8AC3E}">
+        <p14:creationId xmlns:p14="http://schemas.microsoft.com/office/powerpoint/2010/main" val="594972338"/>
+      </p:ext>
+    </p:extLst>
+  </p:cSld>
+  <p:clrMapOvr>
+    <a:masterClrMapping/>
+  </p:clrMapOvr>
+  <p:timing>
+    <p:tnLst>
+      <p:par>
+        <p:cTn id="1" dur="indefinite" restart="never" nodeType="tmRoot">
+          <p:childTnLst>
+            <p:seq concurrent="1" nextAc="seek">
+              <p:cTn id="2" dur="indefinite" nodeType="mainSeq">
+                <p:childTnLst>
+                  <p:par>
+                    <p:cTn id="3" fill="hold">
+                      <p:stCondLst>
+                        <p:cond delay="indefinite"/>
+                      </p:stCondLst>
+                      <p:childTnLst>
+                        <p:par>
+                          <p:cTn id="4" fill="hold">
+                            <p:stCondLst>
+                              <p:cond delay="0"/>
+                            </p:stCondLst>
+                            <p:childTnLst>
+                              <p:par>
+                                <p:cTn id="5" presetID="1" presetClass="entr" presetSubtype="0" fill="hold" grpId="0" nodeType="clickEffect">
+                                  <p:stCondLst>
+                                    <p:cond delay="0"/>
+                                  </p:stCondLst>
+                                  <p:childTnLst>
+                                    <p:set>
+                                      <p:cBhvr>
+                                        <p:cTn id="6" dur="1" fill="hold">
+                                          <p:stCondLst>
+                                            <p:cond delay="0"/>
+                                          </p:stCondLst>
+                                        </p:cTn>
+                                        <p:tgtEl>
+                                          <p:spTgt spid="5"/>
+                                        </p:tgtEl>
+                                        <p:attrNameLst>
+                                          <p:attrName>style.visibility</p:attrName>
+                                        </p:attrNameLst>
+                                      </p:cBhvr>
+                                      <p:to>
+                                        <p:strVal val="visible"/>
+                                      </p:to>
+                                    </p:set>
+                                  </p:childTnLst>
+                                </p:cTn>
+                              </p:par>
+                            </p:childTnLst>
+                          </p:cTn>
+                        </p:par>
+                      </p:childTnLst>
+                    </p:cTn>
+                  </p:par>
+                  <p:par>
+                    <p:cTn id="7" fill="hold">
+                      <p:stCondLst>
+                        <p:cond delay="indefinite"/>
+                      </p:stCondLst>
+                      <p:childTnLst>
+                        <p:par>
+                          <p:cTn id="8" fill="hold">
+                            <p:stCondLst>
+                              <p:cond delay="0"/>
+                            </p:stCondLst>
+                            <p:childTnLst>
+                              <p:par>
+                                <p:cTn id="9" presetID="1" presetClass="entr" presetSubtype="0" fill="hold" grpId="0" nodeType="clickEffect">
+                                  <p:stCondLst>
+                                    <p:cond delay="0"/>
+                                  </p:stCondLst>
+                                  <p:childTnLst>
+                                    <p:set>
+                                      <p:cBhvr>
+                                        <p:cTn id="10" dur="1" fill="hold">
+                                          <p:stCondLst>
+                                            <p:cond delay="0"/>
+                                          </p:stCondLst>
+                                        </p:cTn>
+                                        <p:tgtEl>
+                                          <p:spTgt spid="6"/>
+                                        </p:tgtEl>
+                                        <p:attrNameLst>
+                                          <p:attrName>style.visibility</p:attrName>
+                                        </p:attrNameLst>
+                                      </p:cBhvr>
+                                      <p:to>
+                                        <p:strVal val="visible"/>
+                                      </p:to>
+                                    </p:set>
+                                  </p:childTnLst>
+                                </p:cTn>
+                              </p:par>
+                            </p:childTnLst>
+                          </p:cTn>
+                        </p:par>
+                      </p:childTnLst>
+                    </p:cTn>
+                  </p:par>
+                </p:childTnLst>
+              </p:cTn>
+              <p:prevCondLst>
+                <p:cond evt="onPrev" delay="0">
+                  <p:tgtEl>
+                    <p:sldTgt/>
+                  </p:tgtEl>
+                </p:cond>
+              </p:prevCondLst>
+              <p:nextCondLst>
+                <p:cond evt="onNext" delay="0">
+                  <p:tgtEl>
+                    <p:sldTgt/>
+                  </p:tgtEl>
+                </p:cond>
+              </p:nextCondLst>
+            </p:seq>
+          </p:childTnLst>
+        </p:cTn>
+      </p:par>
+    </p:tnLst>
+    <p:bldLst>
+      <p:bldP spid="5" grpId="0"/>
+      <p:bldP spid="6" grpId="0"/>
+    </p:bldLst>
+  </p:timing>
+</p:sld>
+</file>
+
+<file path=ppt/slides/slide16.xml><?xml version="1.0" encoding="utf-8"?>
+<p:sld xmlns:a="http://schemas.openxmlformats.org/drawingml/2006/main" xmlns:r="http://schemas.openxmlformats.org/officeDocument/2006/relationships" xmlns:p="http://schemas.openxmlformats.org/presentationml/2006/main">
+  <p:cSld>
+    <p:spTree>
+      <p:nvGrpSpPr>
+        <p:cNvPr id="1" name=""/>
+        <p:cNvGrpSpPr/>
+        <p:nvPr/>
+      </p:nvGrpSpPr>
+      <p:grpSpPr>
+        <a:xfrm>
+          <a:off x="0" y="0"/>
+          <a:ext cx="0" cy="0"/>
+          <a:chOff x="0" y="0"/>
+          <a:chExt cx="0" cy="0"/>
+        </a:xfrm>
+      </p:grpSpPr>
+      <p:sp>
+        <p:nvSpPr>
+          <p:cNvPr id="2" name="标题 1">
+            <a:extLst>
+              <a:ext uri="{FF2B5EF4-FFF2-40B4-BE49-F238E27FC236}">
+                <a16:creationId xmlns:a16="http://schemas.microsoft.com/office/drawing/2014/main" id="{396885F2-7F03-5C42-932E-46A1D8534F71}"/>
+              </a:ext>
+            </a:extLst>
+          </p:cNvPr>
+          <p:cNvSpPr>
+            <a:spLocks noGrp="1"/>
+          </p:cNvSpPr>
+          <p:nvPr>
+            <p:ph type="title"/>
+          </p:nvPr>
+        </p:nvSpPr>
+        <p:spPr/>
+        <p:txBody>
+          <a:bodyPr/>
+          <a:lstStyle/>
+          <a:p>
+            <a:r>
+              <a:rPr kumimoji="1" lang="en-US" altLang="zh-CN" dirty="0"/>
+              <a:t>Boolean in C</a:t>
+            </a:r>
+            <a:endParaRPr kumimoji="1" lang="zh-CN" altLang="en-US" dirty="0"/>
+          </a:p>
+        </p:txBody>
+      </p:sp>
+      <p:sp>
+        <p:nvSpPr>
+          <p:cNvPr id="3" name="内容占位符 2">
+            <a:extLst>
+              <a:ext uri="{FF2B5EF4-FFF2-40B4-BE49-F238E27FC236}">
+                <a16:creationId xmlns:a16="http://schemas.microsoft.com/office/drawing/2014/main" id="{AA9824AE-CC70-C242-9321-E63DA94CC3D2}"/>
+              </a:ext>
+            </a:extLst>
+          </p:cNvPr>
+          <p:cNvSpPr>
+            <a:spLocks noGrp="1"/>
+          </p:cNvSpPr>
+          <p:nvPr>
+            <p:ph idx="1"/>
+          </p:nvPr>
+        </p:nvSpPr>
+        <p:spPr>
+          <a:xfrm>
+            <a:off x="838199" y="1326995"/>
+            <a:ext cx="11053879" cy="661088"/>
+          </a:xfrm>
+        </p:spPr>
+        <p:txBody>
+          <a:bodyPr/>
+          <a:lstStyle/>
+          <a:p>
+            <a:r>
+              <a:rPr kumimoji="1" lang="en-US" altLang="zh-CN" dirty="0"/>
+              <a:t>Use </a:t>
+            </a:r>
+            <a:r>
+              <a:rPr kumimoji="1" lang="en-US" altLang="zh-CN" dirty="0">
+                <a:solidFill>
+                  <a:srgbClr val="0000CC"/>
+                </a:solidFill>
+                <a:latin typeface="Courier" pitchFamily="2" charset="0"/>
+              </a:rPr>
+              <a:t>typedef</a:t>
+            </a:r>
+            <a:r>
+              <a:rPr kumimoji="1" lang="en-US" altLang="zh-CN" dirty="0"/>
+              <a:t> to create a type</a:t>
+            </a:r>
+            <a:endParaRPr kumimoji="1" lang="zh-CN" altLang="en-US" dirty="0"/>
+          </a:p>
+        </p:txBody>
+      </p:sp>
+      <p:sp>
+        <p:nvSpPr>
+          <p:cNvPr id="4" name="矩形 3">
+            <a:extLst>
+              <a:ext uri="{FF2B5EF4-FFF2-40B4-BE49-F238E27FC236}">
+                <a16:creationId xmlns:a16="http://schemas.microsoft.com/office/drawing/2014/main" id="{94DC79A8-3607-DF44-8FB2-1C8AFD7B84FD}"/>
+              </a:ext>
+            </a:extLst>
+          </p:cNvPr>
+          <p:cNvSpPr/>
+          <p:nvPr/>
+        </p:nvSpPr>
+        <p:spPr>
+          <a:xfrm>
+            <a:off x="838199" y="2064734"/>
+            <a:ext cx="6096000" cy="923330"/>
+          </a:xfrm>
+          <a:prstGeom prst="rect">
+            <a:avLst/>
+          </a:prstGeom>
+        </p:spPr>
+        <p:txBody>
+          <a:bodyPr>
+            <a:spAutoFit/>
+          </a:bodyPr>
+          <a:lstStyle/>
+          <a:p>
+            <a:r>
+              <a:rPr lang="en" altLang="zh-CN" dirty="0">
+                <a:solidFill>
+                  <a:srgbClr val="0000FF"/>
+                </a:solidFill>
+                <a:latin typeface="Menlo" panose="020B0609030804020204" pitchFamily="49" charset="0"/>
+              </a:rPr>
+              <a:t>typedef</a:t>
+            </a:r>
+            <a:r>
+              <a:rPr lang="en" altLang="zh-CN" dirty="0">
+                <a:solidFill>
+                  <a:srgbClr val="000000"/>
+                </a:solidFill>
+                <a:latin typeface="Menlo" panose="020B0609030804020204" pitchFamily="49" charset="0"/>
+              </a:rPr>
+              <a:t> </a:t>
+            </a:r>
+            <a:r>
+              <a:rPr lang="en" altLang="zh-CN" dirty="0">
+                <a:solidFill>
+                  <a:srgbClr val="0000FF"/>
+                </a:solidFill>
+                <a:latin typeface="Menlo" panose="020B0609030804020204" pitchFamily="49" charset="0"/>
+              </a:rPr>
+              <a:t>char</a:t>
+            </a:r>
+            <a:r>
+              <a:rPr lang="en" altLang="zh-CN" dirty="0">
+                <a:solidFill>
+                  <a:srgbClr val="000000"/>
+                </a:solidFill>
+                <a:latin typeface="Menlo" panose="020B0609030804020204" pitchFamily="49" charset="0"/>
+              </a:rPr>
+              <a:t> </a:t>
+            </a:r>
+            <a:r>
+              <a:rPr lang="en" altLang="zh-CN" dirty="0">
+                <a:solidFill>
+                  <a:srgbClr val="0000FF"/>
+                </a:solidFill>
+                <a:latin typeface="Menlo" panose="020B0609030804020204" pitchFamily="49" charset="0"/>
+              </a:rPr>
+              <a:t>bool</a:t>
+            </a:r>
+            <a:r>
+              <a:rPr lang="en" altLang="zh-CN" dirty="0">
+                <a:solidFill>
+                  <a:srgbClr val="000000"/>
+                </a:solidFill>
+                <a:latin typeface="Menlo" panose="020B0609030804020204" pitchFamily="49" charset="0"/>
+              </a:rPr>
+              <a:t>;</a:t>
+            </a:r>
+          </a:p>
+          <a:p>
+            <a:r>
+              <a:rPr lang="en" altLang="zh-CN" dirty="0">
+                <a:solidFill>
+                  <a:srgbClr val="AF00DB"/>
+                </a:solidFill>
+                <a:latin typeface="Menlo" panose="020B0609030804020204" pitchFamily="49" charset="0"/>
+              </a:rPr>
+              <a:t>#define</a:t>
+            </a:r>
+            <a:r>
+              <a:rPr lang="en" altLang="zh-CN" dirty="0">
+                <a:solidFill>
+                  <a:srgbClr val="0000FF"/>
+                </a:solidFill>
+                <a:latin typeface="Menlo" panose="020B0609030804020204" pitchFamily="49" charset="0"/>
+              </a:rPr>
+              <a:t> true </a:t>
+            </a:r>
+            <a:r>
+              <a:rPr lang="en" altLang="zh-CN" dirty="0">
+                <a:solidFill>
+                  <a:srgbClr val="098658"/>
+                </a:solidFill>
+                <a:latin typeface="Menlo" panose="020B0609030804020204" pitchFamily="49" charset="0"/>
+              </a:rPr>
+              <a:t>1</a:t>
+            </a:r>
+            <a:endParaRPr lang="en" altLang="zh-CN" dirty="0">
+              <a:solidFill>
+                <a:srgbClr val="000000"/>
+              </a:solidFill>
+              <a:latin typeface="Menlo" panose="020B0609030804020204" pitchFamily="49" charset="0"/>
+            </a:endParaRPr>
+          </a:p>
+          <a:p>
+            <a:r>
+              <a:rPr lang="en" altLang="zh-CN" dirty="0">
+                <a:solidFill>
+                  <a:srgbClr val="AF00DB"/>
+                </a:solidFill>
+                <a:latin typeface="Menlo" panose="020B0609030804020204" pitchFamily="49" charset="0"/>
+              </a:rPr>
+              <a:t>#define</a:t>
+            </a:r>
+            <a:r>
+              <a:rPr lang="en" altLang="zh-CN" dirty="0">
+                <a:solidFill>
+                  <a:srgbClr val="0000FF"/>
+                </a:solidFill>
+                <a:latin typeface="Menlo" panose="020B0609030804020204" pitchFamily="49" charset="0"/>
+              </a:rPr>
+              <a:t> false </a:t>
+            </a:r>
+            <a:r>
+              <a:rPr lang="en" altLang="zh-CN" dirty="0">
+                <a:solidFill>
+                  <a:srgbClr val="098658"/>
+                </a:solidFill>
+                <a:latin typeface="Menlo" panose="020B0609030804020204" pitchFamily="49" charset="0"/>
+              </a:rPr>
+              <a:t>0</a:t>
+            </a:r>
+            <a:endParaRPr lang="en" altLang="zh-CN" b="0" dirty="0">
+              <a:solidFill>
+                <a:srgbClr val="000000"/>
+              </a:solidFill>
+              <a:effectLst/>
+              <a:latin typeface="Menlo" panose="020B0609030804020204" pitchFamily="49" charset="0"/>
+            </a:endParaRPr>
+          </a:p>
+        </p:txBody>
+      </p:sp>
+      <p:sp>
+        <p:nvSpPr>
+          <p:cNvPr id="5" name="内容占位符 2">
+            <a:extLst>
+              <a:ext uri="{FF2B5EF4-FFF2-40B4-BE49-F238E27FC236}">
+                <a16:creationId xmlns:a16="http://schemas.microsoft.com/office/drawing/2014/main" id="{635A7C8B-EF1A-134E-8124-597ED6F15807}"/>
+              </a:ext>
+            </a:extLst>
+          </p:cNvPr>
+          <p:cNvSpPr txBox="1">
+            <a:spLocks/>
+          </p:cNvSpPr>
+          <p:nvPr/>
+        </p:nvSpPr>
+        <p:spPr>
+          <a:xfrm>
+            <a:off x="838199" y="3485176"/>
+            <a:ext cx="11053879" cy="661088"/>
+          </a:xfrm>
+          <a:prstGeom prst="rect">
+            <a:avLst/>
+          </a:prstGeom>
+        </p:spPr>
+        <p:txBody>
+          <a:bodyPr vert="horz" lIns="91440" tIns="45720" rIns="91440" bIns="45720" rtlCol="0">
+            <a:normAutofit/>
+          </a:bodyPr>
+          <a:lstStyle>
+            <a:lvl1pPr marL="228600" indent="-228600" algn="l" defTabSz="914400" rtl="0" eaLnBrk="1" latinLnBrk="0" hangingPunct="1">
+              <a:lnSpc>
+                <a:spcPct val="90000"/>
+              </a:lnSpc>
+              <a:spcBef>
+                <a:spcPts val="1000"/>
+              </a:spcBef>
+              <a:buFont typeface="Arial" panose="020B0604020202020204" pitchFamily="34" charset="0"/>
+              <a:buChar char="•"/>
+              <a:defRPr sz="2800" kern="1200">
+                <a:solidFill>
+                  <a:schemeClr val="tx1"/>
+                </a:solidFill>
+                <a:latin typeface="+mn-lt"/>
+                <a:ea typeface="+mn-ea"/>
+                <a:cs typeface="+mn-cs"/>
+              </a:defRPr>
+            </a:lvl1pPr>
+            <a:lvl2pPr marL="914400" indent="-457200" algn="l" defTabSz="914400" rtl="0" eaLnBrk="1" latinLnBrk="0" hangingPunct="1">
+              <a:lnSpc>
+                <a:spcPct val="90000"/>
+              </a:lnSpc>
+              <a:spcBef>
+                <a:spcPts val="500"/>
+              </a:spcBef>
+              <a:buFont typeface="Wingdings" panose="05000000000000000000" pitchFamily="2" charset="2"/>
+              <a:buChar char="Ø"/>
+              <a:defRPr sz="2400" kern="1200">
+                <a:solidFill>
+                  <a:schemeClr val="tx1"/>
+                </a:solidFill>
+                <a:latin typeface="+mn-lt"/>
+                <a:ea typeface="+mn-ea"/>
+                <a:cs typeface="+mn-cs"/>
+              </a:defRPr>
+            </a:lvl2pPr>
+            <a:lvl3pPr marL="1143000" indent="-228600" algn="l" defTabSz="914400" rtl="0" eaLnBrk="1" latinLnBrk="0" hangingPunct="1">
+              <a:lnSpc>
+                <a:spcPct val="90000"/>
+              </a:lnSpc>
+              <a:spcBef>
+                <a:spcPts val="500"/>
+              </a:spcBef>
+              <a:buFont typeface="Wingdings" panose="05000000000000000000" pitchFamily="2" charset="2"/>
+              <a:buChar char="ü"/>
+              <a:defRPr sz="2000" kern="1200">
+                <a:solidFill>
+                  <a:schemeClr val="tx1"/>
+                </a:solidFill>
+                <a:latin typeface="+mn-lt"/>
+                <a:ea typeface="+mn-ea"/>
+                <a:cs typeface="+mn-cs"/>
+              </a:defRPr>
+            </a:lvl3pPr>
+            <a:lvl4pPr marL="1600200" indent="-228600" algn="l" defTabSz="914400" rtl="0" eaLnBrk="1" latinLnBrk="0" hangingPunct="1">
+              <a:lnSpc>
+                <a:spcPct val="90000"/>
+              </a:lnSpc>
+              <a:spcBef>
+                <a:spcPts val="500"/>
+              </a:spcBef>
+              <a:buFont typeface="Arial" panose="020B0604020202020204" pitchFamily="34" charset="0"/>
+              <a:buChar char="•"/>
+              <a:defRPr sz="1800" kern="1200">
+                <a:solidFill>
+                  <a:schemeClr val="tx1"/>
+                </a:solidFill>
+                <a:latin typeface="+mn-lt"/>
+                <a:ea typeface="+mn-ea"/>
+                <a:cs typeface="+mn-cs"/>
+              </a:defRPr>
+            </a:lvl4pPr>
+            <a:lvl5pPr marL="2057400" indent="-228600" algn="l" defTabSz="914400" rtl="0" eaLnBrk="1" latinLnBrk="0" hangingPunct="1">
+              <a:lnSpc>
+                <a:spcPct val="90000"/>
+              </a:lnSpc>
+              <a:spcBef>
+                <a:spcPts val="500"/>
+              </a:spcBef>
+              <a:buFont typeface="Arial" panose="020B0604020202020204" pitchFamily="34" charset="0"/>
+              <a:buChar char="•"/>
+              <a:defRPr sz="1800" kern="1200">
+                <a:solidFill>
+                  <a:schemeClr val="tx1"/>
+                </a:solidFill>
+                <a:latin typeface="+mn-lt"/>
+                <a:ea typeface="+mn-ea"/>
+                <a:cs typeface="+mn-cs"/>
+              </a:defRPr>
+            </a:lvl5pPr>
+            <a:lvl6pPr marL="2514600" indent="-228600" algn="l" defTabSz="914400" rtl="0" eaLnBrk="1" latinLnBrk="0" hangingPunct="1">
+              <a:lnSpc>
+                <a:spcPct val="90000"/>
+              </a:lnSpc>
+              <a:spcBef>
+                <a:spcPts val="500"/>
+              </a:spcBef>
+              <a:buFont typeface="Arial" panose="020B0604020202020204" pitchFamily="34" charset="0"/>
+              <a:buChar char="•"/>
+              <a:defRPr sz="1800" kern="1200">
+                <a:solidFill>
+                  <a:schemeClr val="tx1"/>
+                </a:solidFill>
+                <a:latin typeface="+mn-lt"/>
+                <a:ea typeface="+mn-ea"/>
+                <a:cs typeface="+mn-cs"/>
+              </a:defRPr>
+            </a:lvl6pPr>
+            <a:lvl7pPr marL="2971800" indent="-228600" algn="l" defTabSz="914400" rtl="0" eaLnBrk="1" latinLnBrk="0" hangingPunct="1">
+              <a:lnSpc>
+                <a:spcPct val="90000"/>
+              </a:lnSpc>
+              <a:spcBef>
+                <a:spcPts val="500"/>
+              </a:spcBef>
+              <a:buFont typeface="Arial" panose="020B0604020202020204" pitchFamily="34" charset="0"/>
+              <a:buChar char="•"/>
+              <a:defRPr sz="1800" kern="1200">
+                <a:solidFill>
+                  <a:schemeClr val="tx1"/>
+                </a:solidFill>
+                <a:latin typeface="+mn-lt"/>
+                <a:ea typeface="+mn-ea"/>
+                <a:cs typeface="+mn-cs"/>
+              </a:defRPr>
+            </a:lvl7pPr>
+            <a:lvl8pPr marL="3429000" indent="-228600" algn="l" defTabSz="914400" rtl="0" eaLnBrk="1" latinLnBrk="0" hangingPunct="1">
+              <a:lnSpc>
+                <a:spcPct val="90000"/>
+              </a:lnSpc>
+              <a:spcBef>
+                <a:spcPts val="500"/>
+              </a:spcBef>
+              <a:buFont typeface="Arial" panose="020B0604020202020204" pitchFamily="34" charset="0"/>
+              <a:buChar char="•"/>
+              <a:defRPr sz="1800" kern="1200">
+                <a:solidFill>
+                  <a:schemeClr val="tx1"/>
+                </a:solidFill>
+                <a:latin typeface="+mn-lt"/>
+                <a:ea typeface="+mn-ea"/>
+                <a:cs typeface="+mn-cs"/>
+              </a:defRPr>
+            </a:lvl8pPr>
+            <a:lvl9pPr marL="3886200" indent="-228600" algn="l" defTabSz="914400" rtl="0" eaLnBrk="1" latinLnBrk="0" hangingPunct="1">
+              <a:lnSpc>
+                <a:spcPct val="90000"/>
+              </a:lnSpc>
+              <a:spcBef>
+                <a:spcPts val="500"/>
+              </a:spcBef>
+              <a:buFont typeface="Arial" panose="020B0604020202020204" pitchFamily="34" charset="0"/>
+              <a:buChar char="•"/>
+              <a:defRPr sz="1800" kern="1200">
+                <a:solidFill>
+                  <a:schemeClr val="tx1"/>
+                </a:solidFill>
+                <a:latin typeface="+mn-lt"/>
+                <a:ea typeface="+mn-ea"/>
+                <a:cs typeface="+mn-cs"/>
+              </a:defRPr>
+            </a:lvl9pPr>
+          </a:lstStyle>
+          <a:p>
+            <a:r>
+              <a:rPr kumimoji="1" lang="en-US" altLang="zh-CN" dirty="0"/>
+              <a:t>Defined in </a:t>
+            </a:r>
+            <a:r>
+              <a:rPr kumimoji="1" lang="en-US" altLang="zh-CN" dirty="0" err="1">
+                <a:solidFill>
+                  <a:srgbClr val="0000CC"/>
+                </a:solidFill>
+                <a:latin typeface="Courier" pitchFamily="2" charset="0"/>
+              </a:rPr>
+              <a:t>stdbool.h</a:t>
+            </a:r>
+            <a:r>
+              <a:rPr kumimoji="1" lang="en-US" altLang="zh-CN" dirty="0"/>
+              <a:t> since </a:t>
+            </a:r>
+            <a:r>
+              <a:rPr lang="en" altLang="zh-CN" dirty="0"/>
+              <a:t>C99</a:t>
+            </a:r>
+          </a:p>
+        </p:txBody>
+      </p:sp>
+      <p:sp>
+        <p:nvSpPr>
+          <p:cNvPr id="6" name="矩形 5">
+            <a:extLst>
+              <a:ext uri="{FF2B5EF4-FFF2-40B4-BE49-F238E27FC236}">
+                <a16:creationId xmlns:a16="http://schemas.microsoft.com/office/drawing/2014/main" id="{F2646722-DA6B-7948-84FF-A5E5C26E1DB0}"/>
+              </a:ext>
+            </a:extLst>
+          </p:cNvPr>
+          <p:cNvSpPr/>
+          <p:nvPr/>
+        </p:nvSpPr>
+        <p:spPr>
+          <a:xfrm>
+            <a:off x="912308" y="4221170"/>
+            <a:ext cx="2973891" cy="369332"/>
+          </a:xfrm>
+          <a:prstGeom prst="rect">
+            <a:avLst/>
+          </a:prstGeom>
+        </p:spPr>
+        <p:txBody>
+          <a:bodyPr wrap="none">
+            <a:spAutoFit/>
+          </a:bodyPr>
+          <a:lstStyle/>
+          <a:p>
+            <a:r>
+              <a:rPr lang="en" altLang="zh-CN" dirty="0">
+                <a:solidFill>
+                  <a:srgbClr val="AF00DB"/>
+                </a:solidFill>
+                <a:latin typeface="Menlo" panose="020B0609030804020204" pitchFamily="49" charset="0"/>
+              </a:rPr>
+              <a:t>#include</a:t>
+            </a:r>
+            <a:r>
+              <a:rPr lang="en" altLang="zh-CN" dirty="0">
+                <a:solidFill>
+                  <a:srgbClr val="0000FF"/>
+                </a:solidFill>
+                <a:latin typeface="Menlo" panose="020B0609030804020204" pitchFamily="49" charset="0"/>
+              </a:rPr>
+              <a:t> </a:t>
+            </a:r>
+            <a:r>
+              <a:rPr lang="en" altLang="zh-CN" dirty="0">
+                <a:solidFill>
+                  <a:srgbClr val="A31515"/>
+                </a:solidFill>
+                <a:latin typeface="Menlo" panose="020B0609030804020204" pitchFamily="49" charset="0"/>
+              </a:rPr>
+              <a:t>&lt;</a:t>
+            </a:r>
+            <a:r>
+              <a:rPr lang="en" altLang="zh-CN" dirty="0" err="1">
+                <a:solidFill>
+                  <a:srgbClr val="A31515"/>
+                </a:solidFill>
+                <a:latin typeface="Menlo" panose="020B0609030804020204" pitchFamily="49" charset="0"/>
+              </a:rPr>
+              <a:t>stdbool.h</a:t>
+            </a:r>
+            <a:r>
+              <a:rPr lang="en" altLang="zh-CN" dirty="0">
+                <a:solidFill>
+                  <a:srgbClr val="A31515"/>
+                </a:solidFill>
+                <a:latin typeface="Menlo" panose="020B0609030804020204" pitchFamily="49" charset="0"/>
+              </a:rPr>
+              <a:t>&gt;</a:t>
+            </a:r>
+            <a:endParaRPr lang="en" altLang="zh-CN" b="0" dirty="0">
+              <a:solidFill>
+                <a:srgbClr val="000000"/>
+              </a:solidFill>
+              <a:effectLst/>
+              <a:latin typeface="Menlo" panose="020B0609030804020204" pitchFamily="49" charset="0"/>
+            </a:endParaRPr>
+          </a:p>
+        </p:txBody>
+      </p:sp>
+    </p:spTree>
+    <p:extLst>
+      <p:ext uri="{BB962C8B-B14F-4D97-AF65-F5344CB8AC3E}">
+        <p14:creationId xmlns:p14="http://schemas.microsoft.com/office/powerpoint/2010/main" val="1200798367"/>
+      </p:ext>
+    </p:extLst>
+  </p:cSld>
+  <p:clrMapOvr>
+    <a:masterClrMapping/>
+  </p:clrMapOvr>
+</p:sld>
+</file>
+
+<file path=ppt/slides/slide17.xml><?xml version="1.0" encoding="utf-8"?>
 <p:sld xmlns:a="http://schemas.openxmlformats.org/drawingml/2006/main" xmlns:r="http://schemas.openxmlformats.org/officeDocument/2006/relationships" xmlns:p="http://schemas.openxmlformats.org/presentationml/2006/main">
   <p:cSld>
     <p:spTree>
@@ -9920,7 +11182,7 @@
         <p:spPr>
           <a:xfrm>
             <a:off x="838198" y="3214463"/>
-            <a:ext cx="6808305" cy="2932085"/>
+            <a:ext cx="7066937" cy="2932085"/>
           </a:xfrm>
           <a:prstGeom prst="rect">
             <a:avLst/>
@@ -10032,7 +11294,7 @@
                   <a:prstClr val="black"/>
                 </a:solidFill>
               </a:rPr>
-              <a:t>can store the maximum size of a theoretically possible object of any type</a:t>
+              <a:t>Can store the maximum size of a theoretically possible object of any type</a:t>
             </a:r>
           </a:p>
           <a:p>
@@ -10278,7 +11540,7 @@
 </p:sld>
 </file>
 
-<file path=ppt/slides/slide16.xml><?xml version="1.0" encoding="utf-8"?>
+<file path=ppt/slides/slide18.xml><?xml version="1.0" encoding="utf-8"?>
 <p:sld xmlns:a="http://schemas.openxmlformats.org/drawingml/2006/main" xmlns:r="http://schemas.openxmlformats.org/officeDocument/2006/relationships" xmlns:p="http://schemas.openxmlformats.org/presentationml/2006/main">
   <p:cSld>
     <p:spTree>
@@ -11372,7 +12634,7 @@
 </p:sld>
 </file>
 
-<file path=ppt/slides/slide17.xml><?xml version="1.0" encoding="utf-8"?>
+<file path=ppt/slides/slide19.xml><?xml version="1.0" encoding="utf-8"?>
 <p:sld xmlns:a="http://schemas.openxmlformats.org/drawingml/2006/main" xmlns:r="http://schemas.openxmlformats.org/officeDocument/2006/relationships" xmlns:p="http://schemas.openxmlformats.org/presentationml/2006/main">
   <p:cSld>
     <p:spTree>
@@ -11555,7 +12817,7 @@
         <p:spPr>
           <a:xfrm>
             <a:off x="2978754" y="2897432"/>
-            <a:ext cx="4364015" cy="369332"/>
+            <a:ext cx="4374211" cy="369332"/>
           </a:xfrm>
           <a:prstGeom prst="rect">
             <a:avLst/>
@@ -11586,7 +12848,7 @@
                   <a:srgbClr val="0070C0"/>
                 </a:solidFill>
               </a:rPr>
-              <a:t>3 = 76,204,800 = 76M Pixels </a:t>
+              <a:t>3 = 76,204,800 = 76M Bytes </a:t>
             </a:r>
             <a:endParaRPr lang="zh-CN" altLang="en-US" b="1" dirty="0">
               <a:solidFill>
@@ -11600,1046 +12862,6 @@
     <p:extLst>
       <p:ext uri="{BB962C8B-B14F-4D97-AF65-F5344CB8AC3E}">
         <p14:creationId xmlns:p14="http://schemas.microsoft.com/office/powerpoint/2010/main" val="2997452219"/>
-      </p:ext>
-    </p:extLst>
-  </p:cSld>
-  <p:clrMapOvr>
-    <a:masterClrMapping/>
-  </p:clrMapOvr>
-</p:sld>
-</file>
-
-<file path=ppt/slides/slide18.xml><?xml version="1.0" encoding="utf-8"?>
-<p:sld xmlns:a="http://schemas.openxmlformats.org/drawingml/2006/main" xmlns:r="http://schemas.openxmlformats.org/officeDocument/2006/relationships" xmlns:p="http://schemas.openxmlformats.org/presentationml/2006/main">
-  <p:cSld>
-    <p:spTree>
-      <p:nvGrpSpPr>
-        <p:cNvPr id="1" name=""/>
-        <p:cNvGrpSpPr/>
-        <p:nvPr/>
-      </p:nvGrpSpPr>
-      <p:grpSpPr>
-        <a:xfrm>
-          <a:off x="0" y="0"/>
-          <a:ext cx="0" cy="0"/>
-          <a:chOff x="0" y="0"/>
-          <a:chExt cx="0" cy="0"/>
-        </a:xfrm>
-      </p:grpSpPr>
-      <p:sp>
-        <p:nvSpPr>
-          <p:cNvPr id="4" name="标题 3">
-            <a:extLst>
-              <a:ext uri="{FF2B5EF4-FFF2-40B4-BE49-F238E27FC236}">
-                <a16:creationId xmlns:a16="http://schemas.microsoft.com/office/drawing/2014/main" id="{0AC0775F-980B-3B49-9DFF-873BEADE1821}"/>
-              </a:ext>
-            </a:extLst>
-          </p:cNvPr>
-          <p:cNvSpPr>
-            <a:spLocks noGrp="1"/>
-          </p:cNvSpPr>
-          <p:nvPr>
-            <p:ph type="ctrTitle"/>
-          </p:nvPr>
-        </p:nvSpPr>
-        <p:spPr/>
-        <p:txBody>
-          <a:bodyPr/>
-          <a:lstStyle/>
-          <a:p>
-            <a:r>
-              <a:rPr lang="en-US" altLang="zh-CN" dirty="0"/>
-              <a:t>Floating-point numbers</a:t>
-            </a:r>
-            <a:endParaRPr lang="zh-CN" altLang="en-US" dirty="0"/>
-          </a:p>
-        </p:txBody>
-      </p:sp>
-      <p:sp>
-        <p:nvSpPr>
-          <p:cNvPr id="5" name="副标题 4">
-            <a:extLst>
-              <a:ext uri="{FF2B5EF4-FFF2-40B4-BE49-F238E27FC236}">
-                <a16:creationId xmlns:a16="http://schemas.microsoft.com/office/drawing/2014/main" id="{208DAF44-5162-214F-8C1A-50F345DEF592}"/>
-              </a:ext>
-            </a:extLst>
-          </p:cNvPr>
-          <p:cNvSpPr>
-            <a:spLocks noGrp="1"/>
-          </p:cNvSpPr>
-          <p:nvPr>
-            <p:ph type="subTitle" idx="1"/>
-          </p:nvPr>
-        </p:nvSpPr>
-        <p:spPr/>
-        <p:txBody>
-          <a:bodyPr/>
-          <a:lstStyle/>
-          <a:p>
-            <a:endParaRPr lang="zh-CN" altLang="en-US"/>
-          </a:p>
-        </p:txBody>
-      </p:sp>
-    </p:spTree>
-    <p:extLst>
-      <p:ext uri="{BB962C8B-B14F-4D97-AF65-F5344CB8AC3E}">
-        <p14:creationId xmlns:p14="http://schemas.microsoft.com/office/powerpoint/2010/main" val="495899949"/>
-      </p:ext>
-    </p:extLst>
-  </p:cSld>
-  <p:clrMapOvr>
-    <a:masterClrMapping/>
-  </p:clrMapOvr>
-</p:sld>
-</file>
-
-<file path=ppt/slides/slide19.xml><?xml version="1.0" encoding="utf-8"?>
-<p:sld xmlns:a="http://schemas.openxmlformats.org/drawingml/2006/main" xmlns:r="http://schemas.openxmlformats.org/officeDocument/2006/relationships" xmlns:p="http://schemas.openxmlformats.org/presentationml/2006/main">
-  <p:cSld>
-    <p:spTree>
-      <p:nvGrpSpPr>
-        <p:cNvPr id="1" name=""/>
-        <p:cNvGrpSpPr/>
-        <p:nvPr/>
-      </p:nvGrpSpPr>
-      <p:grpSpPr>
-        <a:xfrm>
-          <a:off x="0" y="0"/>
-          <a:ext cx="0" cy="0"/>
-          <a:chOff x="0" y="0"/>
-          <a:chExt cx="0" cy="0"/>
-        </a:xfrm>
-      </p:grpSpPr>
-      <p:sp>
-        <p:nvSpPr>
-          <p:cNvPr id="2" name="标题 1">
-            <a:extLst>
-              <a:ext uri="{FF2B5EF4-FFF2-40B4-BE49-F238E27FC236}">
-                <a16:creationId xmlns:a16="http://schemas.microsoft.com/office/drawing/2014/main" id="{D88AA0EB-8D06-3A42-986C-8FCB909E60C9}"/>
-              </a:ext>
-            </a:extLst>
-          </p:cNvPr>
-          <p:cNvSpPr>
-            <a:spLocks noGrp="1"/>
-          </p:cNvSpPr>
-          <p:nvPr>
-            <p:ph type="title"/>
-          </p:nvPr>
-        </p:nvSpPr>
-        <p:spPr/>
-        <p:txBody>
-          <a:bodyPr/>
-          <a:lstStyle/>
-          <a:p>
-            <a:r>
-              <a:rPr kumimoji="1" lang="en-US" altLang="zh-CN"/>
-              <a:t>What’s the output?</a:t>
-            </a:r>
-            <a:endParaRPr kumimoji="1" lang="zh-CN" altLang="en-US" dirty="0"/>
-          </a:p>
-        </p:txBody>
-      </p:sp>
-      <p:sp>
-        <p:nvSpPr>
-          <p:cNvPr id="3" name="内容占位符 2">
-            <a:extLst>
-              <a:ext uri="{FF2B5EF4-FFF2-40B4-BE49-F238E27FC236}">
-                <a16:creationId xmlns:a16="http://schemas.microsoft.com/office/drawing/2014/main" id="{63868BED-849F-184A-8C4D-F3876C39791C}"/>
-              </a:ext>
-            </a:extLst>
-          </p:cNvPr>
-          <p:cNvSpPr>
-            <a:spLocks noGrp="1"/>
-          </p:cNvSpPr>
-          <p:nvPr>
-            <p:ph idx="1"/>
-          </p:nvPr>
-        </p:nvSpPr>
-        <p:spPr>
-          <a:xfrm>
-            <a:off x="838199" y="1326995"/>
-            <a:ext cx="11593011" cy="5266784"/>
-          </a:xfrm>
-        </p:spPr>
-        <p:txBody>
-          <a:bodyPr>
-            <a:normAutofit/>
-          </a:bodyPr>
-          <a:lstStyle/>
-          <a:p>
-            <a:pPr marL="0" indent="0">
-              <a:buNone/>
-            </a:pPr>
-            <a:r>
-              <a:rPr lang="en" altLang="zh-CN" sz="2000" dirty="0">
-                <a:solidFill>
-                  <a:srgbClr val="AF00DB"/>
-                </a:solidFill>
-                <a:latin typeface="Menlo" panose="020B0609030804020204" pitchFamily="49" charset="0"/>
-              </a:rPr>
-              <a:t>#include</a:t>
-            </a:r>
-            <a:r>
-              <a:rPr lang="en" altLang="zh-CN" sz="2000" dirty="0">
-                <a:solidFill>
-                  <a:srgbClr val="0000FF"/>
-                </a:solidFill>
-                <a:latin typeface="Menlo" panose="020B0609030804020204" pitchFamily="49" charset="0"/>
-              </a:rPr>
-              <a:t> </a:t>
-            </a:r>
-            <a:r>
-              <a:rPr lang="en" altLang="zh-CN" sz="2000" dirty="0">
-                <a:solidFill>
-                  <a:srgbClr val="A31515"/>
-                </a:solidFill>
-                <a:latin typeface="Menlo" panose="020B0609030804020204" pitchFamily="49" charset="0"/>
-              </a:rPr>
-              <a:t>&lt;iostream&gt;</a:t>
-            </a:r>
-            <a:endParaRPr lang="en" altLang="zh-CN" sz="2000" dirty="0">
-              <a:solidFill>
-                <a:srgbClr val="000000"/>
-              </a:solidFill>
-              <a:latin typeface="Menlo" panose="020B0609030804020204" pitchFamily="49" charset="0"/>
-            </a:endParaRPr>
-          </a:p>
-          <a:p>
-            <a:pPr marL="0" indent="0">
-              <a:buNone/>
-            </a:pPr>
-            <a:r>
-              <a:rPr lang="en" altLang="zh-CN" sz="2000" dirty="0">
-                <a:solidFill>
-                  <a:srgbClr val="AF00DB"/>
-                </a:solidFill>
-                <a:latin typeface="Menlo" panose="020B0609030804020204" pitchFamily="49" charset="0"/>
-              </a:rPr>
-              <a:t>#include</a:t>
-            </a:r>
-            <a:r>
-              <a:rPr lang="en" altLang="zh-CN" sz="2000" dirty="0">
-                <a:solidFill>
-                  <a:srgbClr val="0000FF"/>
-                </a:solidFill>
-                <a:latin typeface="Menlo" panose="020B0609030804020204" pitchFamily="49" charset="0"/>
-              </a:rPr>
-              <a:t> </a:t>
-            </a:r>
-            <a:r>
-              <a:rPr lang="en" altLang="zh-CN" sz="2000" dirty="0">
-                <a:solidFill>
-                  <a:srgbClr val="A31515"/>
-                </a:solidFill>
-                <a:latin typeface="Menlo" panose="020B0609030804020204" pitchFamily="49" charset="0"/>
-              </a:rPr>
-              <a:t>&lt;</a:t>
-            </a:r>
-            <a:r>
-              <a:rPr lang="en" altLang="zh-CN" sz="2000" dirty="0" err="1">
-                <a:solidFill>
-                  <a:srgbClr val="A31515"/>
-                </a:solidFill>
-                <a:latin typeface="Menlo" panose="020B0609030804020204" pitchFamily="49" charset="0"/>
-              </a:rPr>
-              <a:t>iomanip</a:t>
-            </a:r>
-            <a:r>
-              <a:rPr lang="en" altLang="zh-CN" sz="2000" dirty="0">
-                <a:solidFill>
-                  <a:srgbClr val="A31515"/>
-                </a:solidFill>
-                <a:latin typeface="Menlo" panose="020B0609030804020204" pitchFamily="49" charset="0"/>
-              </a:rPr>
-              <a:t>&gt;</a:t>
-            </a:r>
-            <a:endParaRPr lang="en" altLang="zh-CN" sz="2000" dirty="0">
-              <a:solidFill>
-                <a:srgbClr val="000000"/>
-              </a:solidFill>
-              <a:latin typeface="Menlo" panose="020B0609030804020204" pitchFamily="49" charset="0"/>
-            </a:endParaRPr>
-          </a:p>
-          <a:p>
-            <a:pPr marL="0" indent="0">
-              <a:buNone/>
-            </a:pPr>
-            <a:r>
-              <a:rPr lang="en" altLang="zh-CN" sz="2000" dirty="0">
-                <a:solidFill>
-                  <a:srgbClr val="AF00DB"/>
-                </a:solidFill>
-                <a:latin typeface="Menlo" panose="020B0609030804020204" pitchFamily="49" charset="0"/>
-              </a:rPr>
-              <a:t>using</a:t>
-            </a:r>
-            <a:r>
-              <a:rPr lang="en" altLang="zh-CN" sz="2000" dirty="0">
-                <a:solidFill>
-                  <a:srgbClr val="000000"/>
-                </a:solidFill>
-                <a:latin typeface="Menlo" panose="020B0609030804020204" pitchFamily="49" charset="0"/>
-              </a:rPr>
-              <a:t> </a:t>
-            </a:r>
-            <a:r>
-              <a:rPr lang="en" altLang="zh-CN" sz="2000" dirty="0">
-                <a:solidFill>
-                  <a:srgbClr val="0000FF"/>
-                </a:solidFill>
-                <a:latin typeface="Menlo" panose="020B0609030804020204" pitchFamily="49" charset="0"/>
-              </a:rPr>
-              <a:t>namespace</a:t>
-            </a:r>
-            <a:r>
-              <a:rPr lang="en" altLang="zh-CN" sz="2000" dirty="0">
-                <a:solidFill>
-                  <a:srgbClr val="000000"/>
-                </a:solidFill>
-                <a:latin typeface="Menlo" panose="020B0609030804020204" pitchFamily="49" charset="0"/>
-              </a:rPr>
-              <a:t> </a:t>
-            </a:r>
-            <a:r>
-              <a:rPr lang="en" altLang="zh-CN" sz="2000" dirty="0">
-                <a:solidFill>
-                  <a:srgbClr val="267F99"/>
-                </a:solidFill>
-                <a:latin typeface="Menlo" panose="020B0609030804020204" pitchFamily="49" charset="0"/>
-              </a:rPr>
-              <a:t>std</a:t>
-            </a:r>
-            <a:r>
-              <a:rPr lang="en" altLang="zh-CN" sz="2000" dirty="0">
-                <a:solidFill>
-                  <a:srgbClr val="000000"/>
-                </a:solidFill>
-                <a:latin typeface="Menlo" panose="020B0609030804020204" pitchFamily="49" charset="0"/>
-              </a:rPr>
-              <a:t>;</a:t>
-            </a:r>
-          </a:p>
-          <a:p>
-            <a:pPr marL="0" indent="0">
-              <a:buNone/>
-            </a:pPr>
-            <a:r>
-              <a:rPr lang="en" altLang="zh-CN" sz="2000" dirty="0">
-                <a:solidFill>
-                  <a:srgbClr val="0000FF"/>
-                </a:solidFill>
-                <a:latin typeface="Menlo" panose="020B0609030804020204" pitchFamily="49" charset="0"/>
-              </a:rPr>
-              <a:t>int</a:t>
-            </a:r>
-            <a:r>
-              <a:rPr lang="en" altLang="zh-CN" sz="2000" dirty="0">
-                <a:solidFill>
-                  <a:srgbClr val="000000"/>
-                </a:solidFill>
-                <a:latin typeface="Menlo" panose="020B0609030804020204" pitchFamily="49" charset="0"/>
-              </a:rPr>
-              <a:t> </a:t>
-            </a:r>
-            <a:r>
-              <a:rPr lang="en" altLang="zh-CN" sz="2000" dirty="0">
-                <a:solidFill>
-                  <a:srgbClr val="795E26"/>
-                </a:solidFill>
-                <a:latin typeface="Menlo" panose="020B0609030804020204" pitchFamily="49" charset="0"/>
-              </a:rPr>
-              <a:t>main</a:t>
-            </a:r>
-            <a:r>
-              <a:rPr lang="en" altLang="zh-CN" sz="2000" dirty="0">
-                <a:solidFill>
-                  <a:srgbClr val="000000"/>
-                </a:solidFill>
-                <a:latin typeface="Menlo" panose="020B0609030804020204" pitchFamily="49" charset="0"/>
-              </a:rPr>
-              <a:t>()</a:t>
-            </a:r>
-          </a:p>
-          <a:p>
-            <a:pPr marL="0" indent="0">
-              <a:buNone/>
-            </a:pPr>
-            <a:r>
-              <a:rPr lang="en" altLang="zh-CN" sz="2000" dirty="0">
-                <a:solidFill>
-                  <a:srgbClr val="000000"/>
-                </a:solidFill>
-                <a:latin typeface="Menlo" panose="020B0609030804020204" pitchFamily="49" charset="0"/>
-              </a:rPr>
-              <a:t>{</a:t>
-            </a:r>
-          </a:p>
-          <a:p>
-            <a:pPr marL="0" indent="0">
-              <a:buNone/>
-            </a:pPr>
-            <a:r>
-              <a:rPr lang="en" altLang="zh-CN" sz="2000" dirty="0">
-                <a:solidFill>
-                  <a:srgbClr val="0000FF"/>
-                </a:solidFill>
-                <a:latin typeface="Menlo" panose="020B0609030804020204" pitchFamily="49" charset="0"/>
-              </a:rPr>
-              <a:t>    float</a:t>
-            </a:r>
-            <a:r>
-              <a:rPr lang="en" altLang="zh-CN" sz="2000" dirty="0">
-                <a:solidFill>
-                  <a:srgbClr val="000000"/>
-                </a:solidFill>
-                <a:latin typeface="Menlo" panose="020B0609030804020204" pitchFamily="49" charset="0"/>
-              </a:rPr>
-              <a:t> </a:t>
-            </a:r>
-            <a:r>
-              <a:rPr lang="en" altLang="zh-CN" sz="2000" dirty="0">
-                <a:solidFill>
-                  <a:srgbClr val="001080"/>
-                </a:solidFill>
-                <a:latin typeface="Menlo" panose="020B0609030804020204" pitchFamily="49" charset="0"/>
-              </a:rPr>
-              <a:t>f1</a:t>
-            </a:r>
-            <a:r>
-              <a:rPr lang="en" altLang="zh-CN" sz="2000" dirty="0">
-                <a:solidFill>
-                  <a:srgbClr val="000000"/>
-                </a:solidFill>
-                <a:latin typeface="Menlo" panose="020B0609030804020204" pitchFamily="49" charset="0"/>
-              </a:rPr>
-              <a:t> = </a:t>
-            </a:r>
-            <a:r>
-              <a:rPr lang="en" altLang="zh-CN" sz="2000" dirty="0">
-                <a:solidFill>
-                  <a:srgbClr val="098658"/>
-                </a:solidFill>
-                <a:latin typeface="Menlo" panose="020B0609030804020204" pitchFamily="49" charset="0"/>
-              </a:rPr>
-              <a:t>1.2f</a:t>
-            </a:r>
-            <a:r>
-              <a:rPr lang="en" altLang="zh-CN" sz="2000" dirty="0">
-                <a:solidFill>
-                  <a:srgbClr val="000000"/>
-                </a:solidFill>
-                <a:latin typeface="Menlo" panose="020B0609030804020204" pitchFamily="49" charset="0"/>
-              </a:rPr>
-              <a:t>;</a:t>
-            </a:r>
-          </a:p>
-          <a:p>
-            <a:pPr marL="0" indent="0">
-              <a:buNone/>
-            </a:pPr>
-            <a:r>
-              <a:rPr lang="en" altLang="zh-CN" sz="2000" dirty="0">
-                <a:solidFill>
-                  <a:srgbClr val="0000FF"/>
-                </a:solidFill>
-                <a:latin typeface="Menlo" panose="020B0609030804020204" pitchFamily="49" charset="0"/>
-              </a:rPr>
-              <a:t>    float</a:t>
-            </a:r>
-            <a:r>
-              <a:rPr lang="en" altLang="zh-CN" sz="2000" dirty="0">
-                <a:solidFill>
-                  <a:srgbClr val="000000"/>
-                </a:solidFill>
-                <a:latin typeface="Menlo" panose="020B0609030804020204" pitchFamily="49" charset="0"/>
-              </a:rPr>
-              <a:t> </a:t>
-            </a:r>
-            <a:r>
-              <a:rPr lang="en" altLang="zh-CN" sz="2000" dirty="0">
-                <a:solidFill>
-                  <a:srgbClr val="001080"/>
-                </a:solidFill>
-                <a:latin typeface="Menlo" panose="020B0609030804020204" pitchFamily="49" charset="0"/>
-              </a:rPr>
-              <a:t>f2</a:t>
-            </a:r>
-            <a:r>
-              <a:rPr lang="en" altLang="zh-CN" sz="2000" dirty="0">
-                <a:solidFill>
-                  <a:srgbClr val="000000"/>
-                </a:solidFill>
-                <a:latin typeface="Menlo" panose="020B0609030804020204" pitchFamily="49" charset="0"/>
-              </a:rPr>
-              <a:t> = </a:t>
-            </a:r>
-            <a:r>
-              <a:rPr lang="en" altLang="zh-CN" sz="2000" dirty="0">
-                <a:solidFill>
-                  <a:srgbClr val="001080"/>
-                </a:solidFill>
-                <a:latin typeface="Menlo" panose="020B0609030804020204" pitchFamily="49" charset="0"/>
-              </a:rPr>
-              <a:t>f1</a:t>
-            </a:r>
-            <a:r>
-              <a:rPr lang="en" altLang="zh-CN" sz="2000" dirty="0">
-                <a:solidFill>
-                  <a:srgbClr val="000000"/>
-                </a:solidFill>
-                <a:latin typeface="Menlo" panose="020B0609030804020204" pitchFamily="49" charset="0"/>
-              </a:rPr>
-              <a:t> * </a:t>
-            </a:r>
-            <a:r>
-              <a:rPr lang="en" altLang="zh-CN" sz="2000" dirty="0">
-                <a:solidFill>
-                  <a:srgbClr val="098658"/>
-                </a:solidFill>
-                <a:latin typeface="Menlo" panose="020B0609030804020204" pitchFamily="49" charset="0"/>
-              </a:rPr>
-              <a:t>1000000000000000</a:t>
-            </a:r>
-            <a:r>
-              <a:rPr lang="en" altLang="zh-CN" sz="2000" dirty="0">
-                <a:solidFill>
-                  <a:srgbClr val="000000"/>
-                </a:solidFill>
-                <a:latin typeface="Menlo" panose="020B0609030804020204" pitchFamily="49" charset="0"/>
-              </a:rPr>
-              <a:t>; </a:t>
-            </a:r>
-            <a:r>
-              <a:rPr lang="en" altLang="zh-CN" sz="2000" dirty="0">
-                <a:solidFill>
-                  <a:srgbClr val="098658"/>
-                </a:solidFill>
-                <a:latin typeface="Menlo" panose="020B0609030804020204" pitchFamily="49" charset="0"/>
-              </a:rPr>
-              <a:t>//1.0e15</a:t>
-            </a:r>
-          </a:p>
-          <a:p>
-            <a:pPr marL="0" indent="0">
-              <a:buNone/>
-            </a:pPr>
-            <a:r>
-              <a:rPr lang="en" altLang="zh-CN" sz="2000" dirty="0">
-                <a:solidFill>
-                  <a:srgbClr val="001080"/>
-                </a:solidFill>
-                <a:latin typeface="Menlo" panose="020B0609030804020204" pitchFamily="49" charset="0"/>
-              </a:rPr>
-              <a:t>    </a:t>
-            </a:r>
-            <a:r>
-              <a:rPr lang="en" altLang="zh-CN" sz="2000" dirty="0" err="1">
-                <a:solidFill>
-                  <a:srgbClr val="001080"/>
-                </a:solidFill>
-                <a:latin typeface="Menlo" panose="020B0609030804020204" pitchFamily="49" charset="0"/>
-              </a:rPr>
-              <a:t>cout</a:t>
-            </a:r>
-            <a:r>
-              <a:rPr lang="en" altLang="zh-CN" sz="2000" dirty="0">
-                <a:solidFill>
-                  <a:srgbClr val="000000"/>
-                </a:solidFill>
-                <a:latin typeface="Menlo" panose="020B0609030804020204" pitchFamily="49" charset="0"/>
-              </a:rPr>
-              <a:t> </a:t>
-            </a:r>
-            <a:r>
-              <a:rPr lang="en" altLang="zh-CN" sz="2000" dirty="0">
-                <a:solidFill>
-                  <a:srgbClr val="795E26"/>
-                </a:solidFill>
-                <a:latin typeface="Menlo" panose="020B0609030804020204" pitchFamily="49" charset="0"/>
-              </a:rPr>
-              <a:t>&lt;&lt;</a:t>
-            </a:r>
-            <a:r>
-              <a:rPr lang="en" altLang="zh-CN" sz="2000" dirty="0">
-                <a:solidFill>
-                  <a:srgbClr val="000000"/>
-                </a:solidFill>
-                <a:latin typeface="Menlo" panose="020B0609030804020204" pitchFamily="49" charset="0"/>
-              </a:rPr>
-              <a:t> </a:t>
-            </a:r>
-            <a:r>
-              <a:rPr lang="en" altLang="zh-CN" sz="2000" dirty="0">
-                <a:solidFill>
-                  <a:srgbClr val="267F99"/>
-                </a:solidFill>
-                <a:latin typeface="Menlo" panose="020B0609030804020204" pitchFamily="49" charset="0"/>
-              </a:rPr>
-              <a:t>std</a:t>
-            </a:r>
-            <a:r>
-              <a:rPr lang="en" altLang="zh-CN" sz="2000" dirty="0">
-                <a:solidFill>
-                  <a:srgbClr val="000000"/>
-                </a:solidFill>
-                <a:latin typeface="Menlo" panose="020B0609030804020204" pitchFamily="49" charset="0"/>
-              </a:rPr>
-              <a:t>::</a:t>
-            </a:r>
-            <a:r>
-              <a:rPr lang="en" altLang="zh-CN" sz="2000" dirty="0">
-                <a:solidFill>
-                  <a:srgbClr val="795E26"/>
-                </a:solidFill>
-                <a:latin typeface="Menlo" panose="020B0609030804020204" pitchFamily="49" charset="0"/>
-              </a:rPr>
-              <a:t>fixed</a:t>
-            </a:r>
-            <a:r>
-              <a:rPr lang="en" altLang="zh-CN" sz="2000" dirty="0">
-                <a:solidFill>
-                  <a:srgbClr val="000000"/>
-                </a:solidFill>
-                <a:latin typeface="Menlo" panose="020B0609030804020204" pitchFamily="49" charset="0"/>
-              </a:rPr>
-              <a:t> </a:t>
-            </a:r>
-            <a:r>
-              <a:rPr lang="en" altLang="zh-CN" sz="2000" dirty="0">
-                <a:solidFill>
-                  <a:srgbClr val="795E26"/>
-                </a:solidFill>
-                <a:latin typeface="Menlo" panose="020B0609030804020204" pitchFamily="49" charset="0"/>
-              </a:rPr>
-              <a:t>&lt;&lt;</a:t>
-            </a:r>
-            <a:r>
-              <a:rPr lang="en" altLang="zh-CN" sz="2000" dirty="0">
-                <a:solidFill>
-                  <a:srgbClr val="000000"/>
-                </a:solidFill>
-                <a:latin typeface="Menlo" panose="020B0609030804020204" pitchFamily="49" charset="0"/>
-              </a:rPr>
-              <a:t> </a:t>
-            </a:r>
-            <a:r>
-              <a:rPr lang="en" altLang="zh-CN" sz="2000" dirty="0">
-                <a:solidFill>
-                  <a:srgbClr val="267F99"/>
-                </a:solidFill>
-                <a:latin typeface="Menlo" panose="020B0609030804020204" pitchFamily="49" charset="0"/>
-              </a:rPr>
-              <a:t>std</a:t>
-            </a:r>
-            <a:r>
-              <a:rPr lang="en" altLang="zh-CN" sz="2000" dirty="0">
-                <a:solidFill>
-                  <a:srgbClr val="000000"/>
-                </a:solidFill>
-                <a:latin typeface="Menlo" panose="020B0609030804020204" pitchFamily="49" charset="0"/>
-              </a:rPr>
-              <a:t>::</a:t>
-            </a:r>
-            <a:r>
-              <a:rPr lang="en" altLang="zh-CN" sz="2000" dirty="0" err="1">
-                <a:solidFill>
-                  <a:srgbClr val="795E26"/>
-                </a:solidFill>
-                <a:latin typeface="Menlo" panose="020B0609030804020204" pitchFamily="49" charset="0"/>
-              </a:rPr>
-              <a:t>setprecision</a:t>
-            </a:r>
-            <a:r>
-              <a:rPr lang="en" altLang="zh-CN" sz="2000" dirty="0">
-                <a:solidFill>
-                  <a:srgbClr val="000000"/>
-                </a:solidFill>
-                <a:latin typeface="Menlo" panose="020B0609030804020204" pitchFamily="49" charset="0"/>
-              </a:rPr>
-              <a:t>(</a:t>
-            </a:r>
-            <a:r>
-              <a:rPr lang="en" altLang="zh-CN" sz="2000" dirty="0">
-                <a:solidFill>
-                  <a:srgbClr val="098658"/>
-                </a:solidFill>
-                <a:latin typeface="Menlo" panose="020B0609030804020204" pitchFamily="49" charset="0"/>
-              </a:rPr>
-              <a:t>15</a:t>
-            </a:r>
-            <a:r>
-              <a:rPr lang="en" altLang="zh-CN" sz="2000" dirty="0">
-                <a:solidFill>
-                  <a:srgbClr val="000000"/>
-                </a:solidFill>
-                <a:latin typeface="Menlo" panose="020B0609030804020204" pitchFamily="49" charset="0"/>
-              </a:rPr>
-              <a:t>) </a:t>
-            </a:r>
-            <a:r>
-              <a:rPr lang="en" altLang="zh-CN" sz="2000" dirty="0">
-                <a:solidFill>
-                  <a:srgbClr val="795E26"/>
-                </a:solidFill>
-                <a:latin typeface="Menlo" panose="020B0609030804020204" pitchFamily="49" charset="0"/>
-              </a:rPr>
-              <a:t>&lt;&lt;</a:t>
-            </a:r>
-            <a:r>
-              <a:rPr lang="en" altLang="zh-CN" sz="2000" dirty="0">
-                <a:solidFill>
-                  <a:srgbClr val="000000"/>
-                </a:solidFill>
-                <a:latin typeface="Menlo" panose="020B0609030804020204" pitchFamily="49" charset="0"/>
-              </a:rPr>
-              <a:t> </a:t>
-            </a:r>
-            <a:r>
-              <a:rPr lang="en" altLang="zh-CN" sz="2000" dirty="0">
-                <a:solidFill>
-                  <a:srgbClr val="001080"/>
-                </a:solidFill>
-                <a:latin typeface="Menlo" panose="020B0609030804020204" pitchFamily="49" charset="0"/>
-              </a:rPr>
-              <a:t>f1</a:t>
-            </a:r>
-            <a:r>
-              <a:rPr lang="en" altLang="zh-CN" sz="2000" dirty="0">
-                <a:solidFill>
-                  <a:srgbClr val="000000"/>
-                </a:solidFill>
-                <a:latin typeface="Menlo" panose="020B0609030804020204" pitchFamily="49" charset="0"/>
-              </a:rPr>
-              <a:t> </a:t>
-            </a:r>
-            <a:r>
-              <a:rPr lang="en" altLang="zh-CN" sz="2000" dirty="0">
-                <a:solidFill>
-                  <a:srgbClr val="795E26"/>
-                </a:solidFill>
-                <a:latin typeface="Menlo" panose="020B0609030804020204" pitchFamily="49" charset="0"/>
-              </a:rPr>
-              <a:t>&lt;&lt;</a:t>
-            </a:r>
-            <a:r>
-              <a:rPr lang="en" altLang="zh-CN" sz="2000" dirty="0">
-                <a:solidFill>
-                  <a:srgbClr val="000000"/>
-                </a:solidFill>
-                <a:latin typeface="Menlo" panose="020B0609030804020204" pitchFamily="49" charset="0"/>
-              </a:rPr>
-              <a:t> </a:t>
-            </a:r>
-            <a:r>
-              <a:rPr lang="en" altLang="zh-CN" sz="2000" dirty="0" err="1">
-                <a:solidFill>
-                  <a:srgbClr val="795E26"/>
-                </a:solidFill>
-                <a:latin typeface="Menlo" panose="020B0609030804020204" pitchFamily="49" charset="0"/>
-              </a:rPr>
-              <a:t>endl</a:t>
-            </a:r>
-            <a:r>
-              <a:rPr lang="en" altLang="zh-CN" sz="2000" dirty="0">
-                <a:solidFill>
-                  <a:srgbClr val="000000"/>
-                </a:solidFill>
-                <a:latin typeface="Menlo" panose="020B0609030804020204" pitchFamily="49" charset="0"/>
-              </a:rPr>
-              <a:t>;</a:t>
-            </a:r>
-          </a:p>
-          <a:p>
-            <a:pPr marL="0" indent="0">
-              <a:buNone/>
-            </a:pPr>
-            <a:r>
-              <a:rPr lang="en" altLang="zh-CN" sz="2000" dirty="0">
-                <a:solidFill>
-                  <a:srgbClr val="001080"/>
-                </a:solidFill>
-                <a:latin typeface="Menlo" panose="020B0609030804020204" pitchFamily="49" charset="0"/>
-              </a:rPr>
-              <a:t>    </a:t>
-            </a:r>
-            <a:r>
-              <a:rPr lang="en" altLang="zh-CN" sz="2000" dirty="0" err="1">
-                <a:solidFill>
-                  <a:srgbClr val="001080"/>
-                </a:solidFill>
-                <a:latin typeface="Menlo" panose="020B0609030804020204" pitchFamily="49" charset="0"/>
-              </a:rPr>
-              <a:t>cout</a:t>
-            </a:r>
-            <a:r>
-              <a:rPr lang="en" altLang="zh-CN" sz="2000" dirty="0">
-                <a:solidFill>
-                  <a:srgbClr val="000000"/>
-                </a:solidFill>
-                <a:latin typeface="Menlo" panose="020B0609030804020204" pitchFamily="49" charset="0"/>
-              </a:rPr>
-              <a:t> </a:t>
-            </a:r>
-            <a:r>
-              <a:rPr lang="en" altLang="zh-CN" sz="2000" dirty="0">
-                <a:solidFill>
-                  <a:srgbClr val="795E26"/>
-                </a:solidFill>
-                <a:latin typeface="Menlo" panose="020B0609030804020204" pitchFamily="49" charset="0"/>
-              </a:rPr>
-              <a:t>&lt;&lt;</a:t>
-            </a:r>
-            <a:r>
-              <a:rPr lang="en" altLang="zh-CN" sz="2000" dirty="0">
-                <a:solidFill>
-                  <a:srgbClr val="000000"/>
-                </a:solidFill>
-                <a:latin typeface="Menlo" panose="020B0609030804020204" pitchFamily="49" charset="0"/>
-              </a:rPr>
-              <a:t> </a:t>
-            </a:r>
-            <a:r>
-              <a:rPr lang="en" altLang="zh-CN" sz="2000" dirty="0">
-                <a:solidFill>
-                  <a:srgbClr val="267F99"/>
-                </a:solidFill>
-                <a:latin typeface="Menlo" panose="020B0609030804020204" pitchFamily="49" charset="0"/>
-              </a:rPr>
-              <a:t>std</a:t>
-            </a:r>
-            <a:r>
-              <a:rPr lang="en" altLang="zh-CN" sz="2000" dirty="0">
-                <a:solidFill>
-                  <a:srgbClr val="000000"/>
-                </a:solidFill>
-                <a:latin typeface="Menlo" panose="020B0609030804020204" pitchFamily="49" charset="0"/>
-              </a:rPr>
-              <a:t>::</a:t>
-            </a:r>
-            <a:r>
-              <a:rPr lang="en" altLang="zh-CN" sz="2000" dirty="0">
-                <a:solidFill>
-                  <a:srgbClr val="795E26"/>
-                </a:solidFill>
-                <a:latin typeface="Menlo" panose="020B0609030804020204" pitchFamily="49" charset="0"/>
-              </a:rPr>
-              <a:t>fixed</a:t>
-            </a:r>
-            <a:r>
-              <a:rPr lang="en" altLang="zh-CN" sz="2000" dirty="0">
-                <a:solidFill>
-                  <a:srgbClr val="000000"/>
-                </a:solidFill>
-                <a:latin typeface="Menlo" panose="020B0609030804020204" pitchFamily="49" charset="0"/>
-              </a:rPr>
-              <a:t> </a:t>
-            </a:r>
-            <a:r>
-              <a:rPr lang="en" altLang="zh-CN" sz="2000" dirty="0">
-                <a:solidFill>
-                  <a:srgbClr val="795E26"/>
-                </a:solidFill>
-                <a:latin typeface="Menlo" panose="020B0609030804020204" pitchFamily="49" charset="0"/>
-              </a:rPr>
-              <a:t>&lt;&lt;</a:t>
-            </a:r>
-            <a:r>
-              <a:rPr lang="en" altLang="zh-CN" sz="2000" dirty="0">
-                <a:solidFill>
-                  <a:srgbClr val="000000"/>
-                </a:solidFill>
-                <a:latin typeface="Menlo" panose="020B0609030804020204" pitchFamily="49" charset="0"/>
-              </a:rPr>
-              <a:t> </a:t>
-            </a:r>
-            <a:r>
-              <a:rPr lang="en" altLang="zh-CN" sz="2000" dirty="0">
-                <a:solidFill>
-                  <a:srgbClr val="267F99"/>
-                </a:solidFill>
-                <a:latin typeface="Menlo" panose="020B0609030804020204" pitchFamily="49" charset="0"/>
-              </a:rPr>
-              <a:t>std</a:t>
-            </a:r>
-            <a:r>
-              <a:rPr lang="en" altLang="zh-CN" sz="2000" dirty="0">
-                <a:solidFill>
-                  <a:srgbClr val="000000"/>
-                </a:solidFill>
-                <a:latin typeface="Menlo" panose="020B0609030804020204" pitchFamily="49" charset="0"/>
-              </a:rPr>
-              <a:t>::</a:t>
-            </a:r>
-            <a:r>
-              <a:rPr lang="en" altLang="zh-CN" sz="2000" dirty="0" err="1">
-                <a:solidFill>
-                  <a:srgbClr val="795E26"/>
-                </a:solidFill>
-                <a:latin typeface="Menlo" panose="020B0609030804020204" pitchFamily="49" charset="0"/>
-              </a:rPr>
-              <a:t>setprecision</a:t>
-            </a:r>
-            <a:r>
-              <a:rPr lang="en" altLang="zh-CN" sz="2000" dirty="0">
-                <a:solidFill>
-                  <a:srgbClr val="000000"/>
-                </a:solidFill>
-                <a:latin typeface="Menlo" panose="020B0609030804020204" pitchFamily="49" charset="0"/>
-              </a:rPr>
-              <a:t>(</a:t>
-            </a:r>
-            <a:r>
-              <a:rPr lang="en" altLang="zh-CN" sz="2000" dirty="0">
-                <a:solidFill>
-                  <a:srgbClr val="098658"/>
-                </a:solidFill>
-                <a:latin typeface="Menlo" panose="020B0609030804020204" pitchFamily="49" charset="0"/>
-              </a:rPr>
-              <a:t>15</a:t>
-            </a:r>
-            <a:r>
-              <a:rPr lang="en" altLang="zh-CN" sz="2000" dirty="0">
-                <a:solidFill>
-                  <a:srgbClr val="000000"/>
-                </a:solidFill>
-                <a:latin typeface="Menlo" panose="020B0609030804020204" pitchFamily="49" charset="0"/>
-              </a:rPr>
-              <a:t>) </a:t>
-            </a:r>
-            <a:r>
-              <a:rPr lang="en" altLang="zh-CN" sz="2000" dirty="0">
-                <a:solidFill>
-                  <a:srgbClr val="795E26"/>
-                </a:solidFill>
-                <a:latin typeface="Menlo" panose="020B0609030804020204" pitchFamily="49" charset="0"/>
-              </a:rPr>
-              <a:t>&lt;&lt;</a:t>
-            </a:r>
-            <a:r>
-              <a:rPr lang="en" altLang="zh-CN" sz="2000" dirty="0">
-                <a:solidFill>
-                  <a:srgbClr val="000000"/>
-                </a:solidFill>
-                <a:latin typeface="Menlo" panose="020B0609030804020204" pitchFamily="49" charset="0"/>
-              </a:rPr>
-              <a:t> </a:t>
-            </a:r>
-            <a:r>
-              <a:rPr lang="en" altLang="zh-CN" sz="2000" dirty="0">
-                <a:solidFill>
-                  <a:srgbClr val="001080"/>
-                </a:solidFill>
-                <a:latin typeface="Menlo" panose="020B0609030804020204" pitchFamily="49" charset="0"/>
-              </a:rPr>
-              <a:t>f2</a:t>
-            </a:r>
-            <a:r>
-              <a:rPr lang="en" altLang="zh-CN" sz="2000" dirty="0">
-                <a:solidFill>
-                  <a:srgbClr val="000000"/>
-                </a:solidFill>
-                <a:latin typeface="Menlo" panose="020B0609030804020204" pitchFamily="49" charset="0"/>
-              </a:rPr>
-              <a:t> </a:t>
-            </a:r>
-            <a:r>
-              <a:rPr lang="en" altLang="zh-CN" sz="2000" dirty="0">
-                <a:solidFill>
-                  <a:srgbClr val="795E26"/>
-                </a:solidFill>
-                <a:latin typeface="Menlo" panose="020B0609030804020204" pitchFamily="49" charset="0"/>
-              </a:rPr>
-              <a:t>&lt;&lt;</a:t>
-            </a:r>
-            <a:r>
-              <a:rPr lang="en" altLang="zh-CN" sz="2000" dirty="0">
-                <a:solidFill>
-                  <a:srgbClr val="000000"/>
-                </a:solidFill>
-                <a:latin typeface="Menlo" panose="020B0609030804020204" pitchFamily="49" charset="0"/>
-              </a:rPr>
-              <a:t> </a:t>
-            </a:r>
-            <a:r>
-              <a:rPr lang="en" altLang="zh-CN" sz="2000" dirty="0" err="1">
-                <a:solidFill>
-                  <a:srgbClr val="795E26"/>
-                </a:solidFill>
-                <a:latin typeface="Menlo" panose="020B0609030804020204" pitchFamily="49" charset="0"/>
-              </a:rPr>
-              <a:t>endl</a:t>
-            </a:r>
-            <a:r>
-              <a:rPr lang="en" altLang="zh-CN" sz="2000" dirty="0">
-                <a:solidFill>
-                  <a:srgbClr val="000000"/>
-                </a:solidFill>
-                <a:latin typeface="Menlo" panose="020B0609030804020204" pitchFamily="49" charset="0"/>
-              </a:rPr>
-              <a:t>;</a:t>
-            </a:r>
-          </a:p>
-          <a:p>
-            <a:pPr marL="0" indent="0">
-              <a:buNone/>
-            </a:pPr>
-            <a:r>
-              <a:rPr lang="en" altLang="zh-CN" sz="2000" dirty="0">
-                <a:solidFill>
-                  <a:srgbClr val="AF00DB"/>
-                </a:solidFill>
-                <a:latin typeface="Menlo" panose="020B0609030804020204" pitchFamily="49" charset="0"/>
-              </a:rPr>
-              <a:t>    return</a:t>
-            </a:r>
-            <a:r>
-              <a:rPr lang="en" altLang="zh-CN" sz="2000" dirty="0">
-                <a:solidFill>
-                  <a:srgbClr val="000000"/>
-                </a:solidFill>
-                <a:latin typeface="Menlo" panose="020B0609030804020204" pitchFamily="49" charset="0"/>
-              </a:rPr>
-              <a:t> </a:t>
-            </a:r>
-            <a:r>
-              <a:rPr lang="en" altLang="zh-CN" sz="2000" dirty="0">
-                <a:solidFill>
-                  <a:srgbClr val="098658"/>
-                </a:solidFill>
-                <a:latin typeface="Menlo" panose="020B0609030804020204" pitchFamily="49" charset="0"/>
-              </a:rPr>
-              <a:t>0</a:t>
-            </a:r>
-            <a:r>
-              <a:rPr lang="en" altLang="zh-CN" sz="2000" dirty="0">
-                <a:solidFill>
-                  <a:srgbClr val="000000"/>
-                </a:solidFill>
-                <a:latin typeface="Menlo" panose="020B0609030804020204" pitchFamily="49" charset="0"/>
-              </a:rPr>
-              <a:t>;</a:t>
-            </a:r>
-          </a:p>
-          <a:p>
-            <a:pPr marL="0" indent="0">
-              <a:buNone/>
-            </a:pPr>
-            <a:r>
-              <a:rPr lang="en" altLang="zh-CN" sz="2000" dirty="0">
-                <a:solidFill>
-                  <a:srgbClr val="000000"/>
-                </a:solidFill>
-                <a:latin typeface="Menlo" panose="020B0609030804020204" pitchFamily="49" charset="0"/>
-              </a:rPr>
-              <a:t>}</a:t>
-            </a:r>
-          </a:p>
-        </p:txBody>
-      </p:sp>
-    </p:spTree>
-    <p:extLst>
-      <p:ext uri="{BB962C8B-B14F-4D97-AF65-F5344CB8AC3E}">
-        <p14:creationId xmlns:p14="http://schemas.microsoft.com/office/powerpoint/2010/main" val="2521910001"/>
       </p:ext>
     </p:extLst>
   </p:cSld>
@@ -12689,7 +12911,7 @@
           <a:p>
             <a:r>
               <a:rPr lang="en" altLang="zh-CN" dirty="0"/>
-              <a:t>Integer numbers</a:t>
+              <a:t>Integer Numbers</a:t>
             </a:r>
             <a:endParaRPr lang="zh-CN" altLang="en-US" dirty="0"/>
           </a:p>
@@ -12734,6 +12956,1046 @@
 </file>
 
 <file path=ppt/slides/slide20.xml><?xml version="1.0" encoding="utf-8"?>
+<p:sld xmlns:a="http://schemas.openxmlformats.org/drawingml/2006/main" xmlns:r="http://schemas.openxmlformats.org/officeDocument/2006/relationships" xmlns:p="http://schemas.openxmlformats.org/presentationml/2006/main">
+  <p:cSld>
+    <p:spTree>
+      <p:nvGrpSpPr>
+        <p:cNvPr id="1" name=""/>
+        <p:cNvGrpSpPr/>
+        <p:nvPr/>
+      </p:nvGrpSpPr>
+      <p:grpSpPr>
+        <a:xfrm>
+          <a:off x="0" y="0"/>
+          <a:ext cx="0" cy="0"/>
+          <a:chOff x="0" y="0"/>
+          <a:chExt cx="0" cy="0"/>
+        </a:xfrm>
+      </p:grpSpPr>
+      <p:sp>
+        <p:nvSpPr>
+          <p:cNvPr id="4" name="标题 3">
+            <a:extLst>
+              <a:ext uri="{FF2B5EF4-FFF2-40B4-BE49-F238E27FC236}">
+                <a16:creationId xmlns:a16="http://schemas.microsoft.com/office/drawing/2014/main" id="{0AC0775F-980B-3B49-9DFF-873BEADE1821}"/>
+              </a:ext>
+            </a:extLst>
+          </p:cNvPr>
+          <p:cNvSpPr>
+            <a:spLocks noGrp="1"/>
+          </p:cNvSpPr>
+          <p:nvPr>
+            <p:ph type="ctrTitle"/>
+          </p:nvPr>
+        </p:nvSpPr>
+        <p:spPr/>
+        <p:txBody>
+          <a:bodyPr/>
+          <a:lstStyle/>
+          <a:p>
+            <a:r>
+              <a:rPr lang="en-US" altLang="zh-CN" dirty="0"/>
+              <a:t>Floating-point Numbers</a:t>
+            </a:r>
+            <a:endParaRPr lang="zh-CN" altLang="en-US" dirty="0"/>
+          </a:p>
+        </p:txBody>
+      </p:sp>
+      <p:sp>
+        <p:nvSpPr>
+          <p:cNvPr id="5" name="副标题 4">
+            <a:extLst>
+              <a:ext uri="{FF2B5EF4-FFF2-40B4-BE49-F238E27FC236}">
+                <a16:creationId xmlns:a16="http://schemas.microsoft.com/office/drawing/2014/main" id="{208DAF44-5162-214F-8C1A-50F345DEF592}"/>
+              </a:ext>
+            </a:extLst>
+          </p:cNvPr>
+          <p:cNvSpPr>
+            <a:spLocks noGrp="1"/>
+          </p:cNvSpPr>
+          <p:nvPr>
+            <p:ph type="subTitle" idx="1"/>
+          </p:nvPr>
+        </p:nvSpPr>
+        <p:spPr/>
+        <p:txBody>
+          <a:bodyPr/>
+          <a:lstStyle/>
+          <a:p>
+            <a:endParaRPr lang="zh-CN" altLang="en-US"/>
+          </a:p>
+        </p:txBody>
+      </p:sp>
+    </p:spTree>
+    <p:extLst>
+      <p:ext uri="{BB962C8B-B14F-4D97-AF65-F5344CB8AC3E}">
+        <p14:creationId xmlns:p14="http://schemas.microsoft.com/office/powerpoint/2010/main" val="495899949"/>
+      </p:ext>
+    </p:extLst>
+  </p:cSld>
+  <p:clrMapOvr>
+    <a:masterClrMapping/>
+  </p:clrMapOvr>
+</p:sld>
+</file>
+
+<file path=ppt/slides/slide21.xml><?xml version="1.0" encoding="utf-8"?>
+<p:sld xmlns:a="http://schemas.openxmlformats.org/drawingml/2006/main" xmlns:r="http://schemas.openxmlformats.org/officeDocument/2006/relationships" xmlns:p="http://schemas.openxmlformats.org/presentationml/2006/main">
+  <p:cSld>
+    <p:spTree>
+      <p:nvGrpSpPr>
+        <p:cNvPr id="1" name=""/>
+        <p:cNvGrpSpPr/>
+        <p:nvPr/>
+      </p:nvGrpSpPr>
+      <p:grpSpPr>
+        <a:xfrm>
+          <a:off x="0" y="0"/>
+          <a:ext cx="0" cy="0"/>
+          <a:chOff x="0" y="0"/>
+          <a:chExt cx="0" cy="0"/>
+        </a:xfrm>
+      </p:grpSpPr>
+      <p:sp>
+        <p:nvSpPr>
+          <p:cNvPr id="2" name="标题 1">
+            <a:extLst>
+              <a:ext uri="{FF2B5EF4-FFF2-40B4-BE49-F238E27FC236}">
+                <a16:creationId xmlns:a16="http://schemas.microsoft.com/office/drawing/2014/main" id="{D88AA0EB-8D06-3A42-986C-8FCB909E60C9}"/>
+              </a:ext>
+            </a:extLst>
+          </p:cNvPr>
+          <p:cNvSpPr>
+            <a:spLocks noGrp="1"/>
+          </p:cNvSpPr>
+          <p:nvPr>
+            <p:ph type="title"/>
+          </p:nvPr>
+        </p:nvSpPr>
+        <p:spPr/>
+        <p:txBody>
+          <a:bodyPr/>
+          <a:lstStyle/>
+          <a:p>
+            <a:r>
+              <a:rPr kumimoji="1" lang="en-US" altLang="zh-CN"/>
+              <a:t>What’s the output?</a:t>
+            </a:r>
+            <a:endParaRPr kumimoji="1" lang="zh-CN" altLang="en-US" dirty="0"/>
+          </a:p>
+        </p:txBody>
+      </p:sp>
+      <p:sp>
+        <p:nvSpPr>
+          <p:cNvPr id="3" name="内容占位符 2">
+            <a:extLst>
+              <a:ext uri="{FF2B5EF4-FFF2-40B4-BE49-F238E27FC236}">
+                <a16:creationId xmlns:a16="http://schemas.microsoft.com/office/drawing/2014/main" id="{63868BED-849F-184A-8C4D-F3876C39791C}"/>
+              </a:ext>
+            </a:extLst>
+          </p:cNvPr>
+          <p:cNvSpPr>
+            <a:spLocks noGrp="1"/>
+          </p:cNvSpPr>
+          <p:nvPr>
+            <p:ph idx="1"/>
+          </p:nvPr>
+        </p:nvSpPr>
+        <p:spPr>
+          <a:xfrm>
+            <a:off x="838199" y="1326995"/>
+            <a:ext cx="11593011" cy="5266784"/>
+          </a:xfrm>
+        </p:spPr>
+        <p:txBody>
+          <a:bodyPr>
+            <a:normAutofit/>
+          </a:bodyPr>
+          <a:lstStyle/>
+          <a:p>
+            <a:pPr marL="0" indent="0">
+              <a:buNone/>
+            </a:pPr>
+            <a:r>
+              <a:rPr lang="en" altLang="zh-CN" sz="2000" dirty="0">
+                <a:solidFill>
+                  <a:srgbClr val="AF00DB"/>
+                </a:solidFill>
+                <a:latin typeface="Menlo" panose="020B0609030804020204" pitchFamily="49" charset="0"/>
+              </a:rPr>
+              <a:t>#include</a:t>
+            </a:r>
+            <a:r>
+              <a:rPr lang="en" altLang="zh-CN" sz="2000" dirty="0">
+                <a:solidFill>
+                  <a:srgbClr val="0000FF"/>
+                </a:solidFill>
+                <a:latin typeface="Menlo" panose="020B0609030804020204" pitchFamily="49" charset="0"/>
+              </a:rPr>
+              <a:t> </a:t>
+            </a:r>
+            <a:r>
+              <a:rPr lang="en" altLang="zh-CN" sz="2000" dirty="0">
+                <a:solidFill>
+                  <a:srgbClr val="A31515"/>
+                </a:solidFill>
+                <a:latin typeface="Menlo" panose="020B0609030804020204" pitchFamily="49" charset="0"/>
+              </a:rPr>
+              <a:t>&lt;iostream&gt;</a:t>
+            </a:r>
+            <a:endParaRPr lang="en" altLang="zh-CN" sz="2000" dirty="0">
+              <a:solidFill>
+                <a:srgbClr val="000000"/>
+              </a:solidFill>
+              <a:latin typeface="Menlo" panose="020B0609030804020204" pitchFamily="49" charset="0"/>
+            </a:endParaRPr>
+          </a:p>
+          <a:p>
+            <a:pPr marL="0" indent="0">
+              <a:buNone/>
+            </a:pPr>
+            <a:r>
+              <a:rPr lang="en" altLang="zh-CN" sz="2000" dirty="0">
+                <a:solidFill>
+                  <a:srgbClr val="AF00DB"/>
+                </a:solidFill>
+                <a:latin typeface="Menlo" panose="020B0609030804020204" pitchFamily="49" charset="0"/>
+              </a:rPr>
+              <a:t>#include</a:t>
+            </a:r>
+            <a:r>
+              <a:rPr lang="en" altLang="zh-CN" sz="2000" dirty="0">
+                <a:solidFill>
+                  <a:srgbClr val="0000FF"/>
+                </a:solidFill>
+                <a:latin typeface="Menlo" panose="020B0609030804020204" pitchFamily="49" charset="0"/>
+              </a:rPr>
+              <a:t> </a:t>
+            </a:r>
+            <a:r>
+              <a:rPr lang="en" altLang="zh-CN" sz="2000" dirty="0">
+                <a:solidFill>
+                  <a:srgbClr val="A31515"/>
+                </a:solidFill>
+                <a:latin typeface="Menlo" panose="020B0609030804020204" pitchFamily="49" charset="0"/>
+              </a:rPr>
+              <a:t>&lt;</a:t>
+            </a:r>
+            <a:r>
+              <a:rPr lang="en" altLang="zh-CN" sz="2000" dirty="0" err="1">
+                <a:solidFill>
+                  <a:srgbClr val="A31515"/>
+                </a:solidFill>
+                <a:latin typeface="Menlo" panose="020B0609030804020204" pitchFamily="49" charset="0"/>
+              </a:rPr>
+              <a:t>iomanip</a:t>
+            </a:r>
+            <a:r>
+              <a:rPr lang="en" altLang="zh-CN" sz="2000" dirty="0">
+                <a:solidFill>
+                  <a:srgbClr val="A31515"/>
+                </a:solidFill>
+                <a:latin typeface="Menlo" panose="020B0609030804020204" pitchFamily="49" charset="0"/>
+              </a:rPr>
+              <a:t>&gt;</a:t>
+            </a:r>
+            <a:endParaRPr lang="en" altLang="zh-CN" sz="2000" dirty="0">
+              <a:solidFill>
+                <a:srgbClr val="000000"/>
+              </a:solidFill>
+              <a:latin typeface="Menlo" panose="020B0609030804020204" pitchFamily="49" charset="0"/>
+            </a:endParaRPr>
+          </a:p>
+          <a:p>
+            <a:pPr marL="0" indent="0">
+              <a:buNone/>
+            </a:pPr>
+            <a:r>
+              <a:rPr lang="en" altLang="zh-CN" sz="2000" dirty="0">
+                <a:solidFill>
+                  <a:srgbClr val="AF00DB"/>
+                </a:solidFill>
+                <a:latin typeface="Menlo" panose="020B0609030804020204" pitchFamily="49" charset="0"/>
+              </a:rPr>
+              <a:t>using</a:t>
+            </a:r>
+            <a:r>
+              <a:rPr lang="en" altLang="zh-CN" sz="2000" dirty="0">
+                <a:solidFill>
+                  <a:srgbClr val="000000"/>
+                </a:solidFill>
+                <a:latin typeface="Menlo" panose="020B0609030804020204" pitchFamily="49" charset="0"/>
+              </a:rPr>
+              <a:t> </a:t>
+            </a:r>
+            <a:r>
+              <a:rPr lang="en" altLang="zh-CN" sz="2000" dirty="0">
+                <a:solidFill>
+                  <a:srgbClr val="0000FF"/>
+                </a:solidFill>
+                <a:latin typeface="Menlo" panose="020B0609030804020204" pitchFamily="49" charset="0"/>
+              </a:rPr>
+              <a:t>namespace</a:t>
+            </a:r>
+            <a:r>
+              <a:rPr lang="en" altLang="zh-CN" sz="2000" dirty="0">
+                <a:solidFill>
+                  <a:srgbClr val="000000"/>
+                </a:solidFill>
+                <a:latin typeface="Menlo" panose="020B0609030804020204" pitchFamily="49" charset="0"/>
+              </a:rPr>
+              <a:t> </a:t>
+            </a:r>
+            <a:r>
+              <a:rPr lang="en" altLang="zh-CN" sz="2000" dirty="0">
+                <a:solidFill>
+                  <a:srgbClr val="267F99"/>
+                </a:solidFill>
+                <a:latin typeface="Menlo" panose="020B0609030804020204" pitchFamily="49" charset="0"/>
+              </a:rPr>
+              <a:t>std</a:t>
+            </a:r>
+            <a:r>
+              <a:rPr lang="en" altLang="zh-CN" sz="2000" dirty="0">
+                <a:solidFill>
+                  <a:srgbClr val="000000"/>
+                </a:solidFill>
+                <a:latin typeface="Menlo" panose="020B0609030804020204" pitchFamily="49" charset="0"/>
+              </a:rPr>
+              <a:t>;</a:t>
+            </a:r>
+          </a:p>
+          <a:p>
+            <a:pPr marL="0" indent="0">
+              <a:buNone/>
+            </a:pPr>
+            <a:r>
+              <a:rPr lang="en" altLang="zh-CN" sz="2000" dirty="0">
+                <a:solidFill>
+                  <a:srgbClr val="0000FF"/>
+                </a:solidFill>
+                <a:latin typeface="Menlo" panose="020B0609030804020204" pitchFamily="49" charset="0"/>
+              </a:rPr>
+              <a:t>int</a:t>
+            </a:r>
+            <a:r>
+              <a:rPr lang="en" altLang="zh-CN" sz="2000" dirty="0">
+                <a:solidFill>
+                  <a:srgbClr val="000000"/>
+                </a:solidFill>
+                <a:latin typeface="Menlo" panose="020B0609030804020204" pitchFamily="49" charset="0"/>
+              </a:rPr>
+              <a:t> </a:t>
+            </a:r>
+            <a:r>
+              <a:rPr lang="en" altLang="zh-CN" sz="2000" dirty="0">
+                <a:solidFill>
+                  <a:srgbClr val="795E26"/>
+                </a:solidFill>
+                <a:latin typeface="Menlo" panose="020B0609030804020204" pitchFamily="49" charset="0"/>
+              </a:rPr>
+              <a:t>main</a:t>
+            </a:r>
+            <a:r>
+              <a:rPr lang="en" altLang="zh-CN" sz="2000" dirty="0">
+                <a:solidFill>
+                  <a:srgbClr val="000000"/>
+                </a:solidFill>
+                <a:latin typeface="Menlo" panose="020B0609030804020204" pitchFamily="49" charset="0"/>
+              </a:rPr>
+              <a:t>()</a:t>
+            </a:r>
+          </a:p>
+          <a:p>
+            <a:pPr marL="0" indent="0">
+              <a:buNone/>
+            </a:pPr>
+            <a:r>
+              <a:rPr lang="en" altLang="zh-CN" sz="2000" dirty="0">
+                <a:solidFill>
+                  <a:srgbClr val="000000"/>
+                </a:solidFill>
+                <a:latin typeface="Menlo" panose="020B0609030804020204" pitchFamily="49" charset="0"/>
+              </a:rPr>
+              <a:t>{</a:t>
+            </a:r>
+          </a:p>
+          <a:p>
+            <a:pPr marL="0" indent="0">
+              <a:buNone/>
+            </a:pPr>
+            <a:r>
+              <a:rPr lang="en" altLang="zh-CN" sz="2000" dirty="0">
+                <a:solidFill>
+                  <a:srgbClr val="0000FF"/>
+                </a:solidFill>
+                <a:latin typeface="Menlo" panose="020B0609030804020204" pitchFamily="49" charset="0"/>
+              </a:rPr>
+              <a:t>    float</a:t>
+            </a:r>
+            <a:r>
+              <a:rPr lang="en" altLang="zh-CN" sz="2000" dirty="0">
+                <a:solidFill>
+                  <a:srgbClr val="000000"/>
+                </a:solidFill>
+                <a:latin typeface="Menlo" panose="020B0609030804020204" pitchFamily="49" charset="0"/>
+              </a:rPr>
+              <a:t> </a:t>
+            </a:r>
+            <a:r>
+              <a:rPr lang="en" altLang="zh-CN" sz="2000" dirty="0">
+                <a:solidFill>
+                  <a:srgbClr val="001080"/>
+                </a:solidFill>
+                <a:latin typeface="Menlo" panose="020B0609030804020204" pitchFamily="49" charset="0"/>
+              </a:rPr>
+              <a:t>f1</a:t>
+            </a:r>
+            <a:r>
+              <a:rPr lang="en" altLang="zh-CN" sz="2000" dirty="0">
+                <a:solidFill>
+                  <a:srgbClr val="000000"/>
+                </a:solidFill>
+                <a:latin typeface="Menlo" panose="020B0609030804020204" pitchFamily="49" charset="0"/>
+              </a:rPr>
+              <a:t> = </a:t>
+            </a:r>
+            <a:r>
+              <a:rPr lang="en" altLang="zh-CN" sz="2000" dirty="0">
+                <a:solidFill>
+                  <a:srgbClr val="098658"/>
+                </a:solidFill>
+                <a:latin typeface="Menlo" panose="020B0609030804020204" pitchFamily="49" charset="0"/>
+              </a:rPr>
+              <a:t>1.2f</a:t>
+            </a:r>
+            <a:r>
+              <a:rPr lang="en" altLang="zh-CN" sz="2000" dirty="0">
+                <a:solidFill>
+                  <a:srgbClr val="000000"/>
+                </a:solidFill>
+                <a:latin typeface="Menlo" panose="020B0609030804020204" pitchFamily="49" charset="0"/>
+              </a:rPr>
+              <a:t>;</a:t>
+            </a:r>
+          </a:p>
+          <a:p>
+            <a:pPr marL="0" indent="0">
+              <a:buNone/>
+            </a:pPr>
+            <a:r>
+              <a:rPr lang="en" altLang="zh-CN" sz="2000" dirty="0">
+                <a:solidFill>
+                  <a:srgbClr val="0000FF"/>
+                </a:solidFill>
+                <a:latin typeface="Menlo" panose="020B0609030804020204" pitchFamily="49" charset="0"/>
+              </a:rPr>
+              <a:t>    float</a:t>
+            </a:r>
+            <a:r>
+              <a:rPr lang="en" altLang="zh-CN" sz="2000" dirty="0">
+                <a:solidFill>
+                  <a:srgbClr val="000000"/>
+                </a:solidFill>
+                <a:latin typeface="Menlo" panose="020B0609030804020204" pitchFamily="49" charset="0"/>
+              </a:rPr>
+              <a:t> </a:t>
+            </a:r>
+            <a:r>
+              <a:rPr lang="en" altLang="zh-CN" sz="2000" dirty="0">
+                <a:solidFill>
+                  <a:srgbClr val="001080"/>
+                </a:solidFill>
+                <a:latin typeface="Menlo" panose="020B0609030804020204" pitchFamily="49" charset="0"/>
+              </a:rPr>
+              <a:t>f2</a:t>
+            </a:r>
+            <a:r>
+              <a:rPr lang="en" altLang="zh-CN" sz="2000" dirty="0">
+                <a:solidFill>
+                  <a:srgbClr val="000000"/>
+                </a:solidFill>
+                <a:latin typeface="Menlo" panose="020B0609030804020204" pitchFamily="49" charset="0"/>
+              </a:rPr>
+              <a:t> = </a:t>
+            </a:r>
+            <a:r>
+              <a:rPr lang="en" altLang="zh-CN" sz="2000" dirty="0">
+                <a:solidFill>
+                  <a:srgbClr val="001080"/>
+                </a:solidFill>
+                <a:latin typeface="Menlo" panose="020B0609030804020204" pitchFamily="49" charset="0"/>
+              </a:rPr>
+              <a:t>f1</a:t>
+            </a:r>
+            <a:r>
+              <a:rPr lang="en" altLang="zh-CN" sz="2000" dirty="0">
+                <a:solidFill>
+                  <a:srgbClr val="000000"/>
+                </a:solidFill>
+                <a:latin typeface="Menlo" panose="020B0609030804020204" pitchFamily="49" charset="0"/>
+              </a:rPr>
+              <a:t> * </a:t>
+            </a:r>
+            <a:r>
+              <a:rPr lang="en" altLang="zh-CN" sz="2000" dirty="0">
+                <a:solidFill>
+                  <a:srgbClr val="098658"/>
+                </a:solidFill>
+                <a:latin typeface="Menlo" panose="020B0609030804020204" pitchFamily="49" charset="0"/>
+              </a:rPr>
+              <a:t>1000000000000000</a:t>
+            </a:r>
+            <a:r>
+              <a:rPr lang="en" altLang="zh-CN" sz="2000" dirty="0">
+                <a:solidFill>
+                  <a:srgbClr val="000000"/>
+                </a:solidFill>
+                <a:latin typeface="Menlo" panose="020B0609030804020204" pitchFamily="49" charset="0"/>
+              </a:rPr>
+              <a:t>; </a:t>
+            </a:r>
+            <a:r>
+              <a:rPr lang="en" altLang="zh-CN" sz="2000" dirty="0">
+                <a:solidFill>
+                  <a:srgbClr val="098658"/>
+                </a:solidFill>
+                <a:latin typeface="Menlo" panose="020B0609030804020204" pitchFamily="49" charset="0"/>
+              </a:rPr>
+              <a:t>//1.0e15</a:t>
+            </a:r>
+          </a:p>
+          <a:p>
+            <a:pPr marL="0" indent="0">
+              <a:buNone/>
+            </a:pPr>
+            <a:r>
+              <a:rPr lang="en" altLang="zh-CN" sz="2000" dirty="0">
+                <a:solidFill>
+                  <a:srgbClr val="001080"/>
+                </a:solidFill>
+                <a:latin typeface="Menlo" panose="020B0609030804020204" pitchFamily="49" charset="0"/>
+              </a:rPr>
+              <a:t>    </a:t>
+            </a:r>
+            <a:r>
+              <a:rPr lang="en" altLang="zh-CN" sz="2000" dirty="0" err="1">
+                <a:solidFill>
+                  <a:srgbClr val="001080"/>
+                </a:solidFill>
+                <a:latin typeface="Menlo" panose="020B0609030804020204" pitchFamily="49" charset="0"/>
+              </a:rPr>
+              <a:t>cout</a:t>
+            </a:r>
+            <a:r>
+              <a:rPr lang="en" altLang="zh-CN" sz="2000" dirty="0">
+                <a:solidFill>
+                  <a:srgbClr val="000000"/>
+                </a:solidFill>
+                <a:latin typeface="Menlo" panose="020B0609030804020204" pitchFamily="49" charset="0"/>
+              </a:rPr>
+              <a:t> </a:t>
+            </a:r>
+            <a:r>
+              <a:rPr lang="en" altLang="zh-CN" sz="2000" dirty="0">
+                <a:solidFill>
+                  <a:srgbClr val="795E26"/>
+                </a:solidFill>
+                <a:latin typeface="Menlo" panose="020B0609030804020204" pitchFamily="49" charset="0"/>
+              </a:rPr>
+              <a:t>&lt;&lt;</a:t>
+            </a:r>
+            <a:r>
+              <a:rPr lang="en" altLang="zh-CN" sz="2000" dirty="0">
+                <a:solidFill>
+                  <a:srgbClr val="000000"/>
+                </a:solidFill>
+                <a:latin typeface="Menlo" panose="020B0609030804020204" pitchFamily="49" charset="0"/>
+              </a:rPr>
+              <a:t> </a:t>
+            </a:r>
+            <a:r>
+              <a:rPr lang="en" altLang="zh-CN" sz="2000" dirty="0">
+                <a:solidFill>
+                  <a:srgbClr val="267F99"/>
+                </a:solidFill>
+                <a:latin typeface="Menlo" panose="020B0609030804020204" pitchFamily="49" charset="0"/>
+              </a:rPr>
+              <a:t>std</a:t>
+            </a:r>
+            <a:r>
+              <a:rPr lang="en" altLang="zh-CN" sz="2000" dirty="0">
+                <a:solidFill>
+                  <a:srgbClr val="000000"/>
+                </a:solidFill>
+                <a:latin typeface="Menlo" panose="020B0609030804020204" pitchFamily="49" charset="0"/>
+              </a:rPr>
+              <a:t>::</a:t>
+            </a:r>
+            <a:r>
+              <a:rPr lang="en" altLang="zh-CN" sz="2000" dirty="0">
+                <a:solidFill>
+                  <a:srgbClr val="795E26"/>
+                </a:solidFill>
+                <a:latin typeface="Menlo" panose="020B0609030804020204" pitchFamily="49" charset="0"/>
+              </a:rPr>
+              <a:t>fixed</a:t>
+            </a:r>
+            <a:r>
+              <a:rPr lang="en" altLang="zh-CN" sz="2000" dirty="0">
+                <a:solidFill>
+                  <a:srgbClr val="000000"/>
+                </a:solidFill>
+                <a:latin typeface="Menlo" panose="020B0609030804020204" pitchFamily="49" charset="0"/>
+              </a:rPr>
+              <a:t> </a:t>
+            </a:r>
+            <a:r>
+              <a:rPr lang="en" altLang="zh-CN" sz="2000" dirty="0">
+                <a:solidFill>
+                  <a:srgbClr val="795E26"/>
+                </a:solidFill>
+                <a:latin typeface="Menlo" panose="020B0609030804020204" pitchFamily="49" charset="0"/>
+              </a:rPr>
+              <a:t>&lt;&lt;</a:t>
+            </a:r>
+            <a:r>
+              <a:rPr lang="en" altLang="zh-CN" sz="2000" dirty="0">
+                <a:solidFill>
+                  <a:srgbClr val="000000"/>
+                </a:solidFill>
+                <a:latin typeface="Menlo" panose="020B0609030804020204" pitchFamily="49" charset="0"/>
+              </a:rPr>
+              <a:t> </a:t>
+            </a:r>
+            <a:r>
+              <a:rPr lang="en" altLang="zh-CN" sz="2000" dirty="0">
+                <a:solidFill>
+                  <a:srgbClr val="267F99"/>
+                </a:solidFill>
+                <a:latin typeface="Menlo" panose="020B0609030804020204" pitchFamily="49" charset="0"/>
+              </a:rPr>
+              <a:t>std</a:t>
+            </a:r>
+            <a:r>
+              <a:rPr lang="en" altLang="zh-CN" sz="2000" dirty="0">
+                <a:solidFill>
+                  <a:srgbClr val="000000"/>
+                </a:solidFill>
+                <a:latin typeface="Menlo" panose="020B0609030804020204" pitchFamily="49" charset="0"/>
+              </a:rPr>
+              <a:t>::</a:t>
+            </a:r>
+            <a:r>
+              <a:rPr lang="en" altLang="zh-CN" sz="2000" dirty="0" err="1">
+                <a:solidFill>
+                  <a:srgbClr val="795E26"/>
+                </a:solidFill>
+                <a:latin typeface="Menlo" panose="020B0609030804020204" pitchFamily="49" charset="0"/>
+              </a:rPr>
+              <a:t>setprecision</a:t>
+            </a:r>
+            <a:r>
+              <a:rPr lang="en" altLang="zh-CN" sz="2000" dirty="0">
+                <a:solidFill>
+                  <a:srgbClr val="000000"/>
+                </a:solidFill>
+                <a:latin typeface="Menlo" panose="020B0609030804020204" pitchFamily="49" charset="0"/>
+              </a:rPr>
+              <a:t>(</a:t>
+            </a:r>
+            <a:r>
+              <a:rPr lang="en" altLang="zh-CN" sz="2000" dirty="0">
+                <a:solidFill>
+                  <a:srgbClr val="098658"/>
+                </a:solidFill>
+                <a:latin typeface="Menlo" panose="020B0609030804020204" pitchFamily="49" charset="0"/>
+              </a:rPr>
+              <a:t>15</a:t>
+            </a:r>
+            <a:r>
+              <a:rPr lang="en" altLang="zh-CN" sz="2000" dirty="0">
+                <a:solidFill>
+                  <a:srgbClr val="000000"/>
+                </a:solidFill>
+                <a:latin typeface="Menlo" panose="020B0609030804020204" pitchFamily="49" charset="0"/>
+              </a:rPr>
+              <a:t>) </a:t>
+            </a:r>
+            <a:r>
+              <a:rPr lang="en" altLang="zh-CN" sz="2000" dirty="0">
+                <a:solidFill>
+                  <a:srgbClr val="795E26"/>
+                </a:solidFill>
+                <a:latin typeface="Menlo" panose="020B0609030804020204" pitchFamily="49" charset="0"/>
+              </a:rPr>
+              <a:t>&lt;&lt;</a:t>
+            </a:r>
+            <a:r>
+              <a:rPr lang="en" altLang="zh-CN" sz="2000" dirty="0">
+                <a:solidFill>
+                  <a:srgbClr val="000000"/>
+                </a:solidFill>
+                <a:latin typeface="Menlo" panose="020B0609030804020204" pitchFamily="49" charset="0"/>
+              </a:rPr>
+              <a:t> </a:t>
+            </a:r>
+            <a:r>
+              <a:rPr lang="en" altLang="zh-CN" sz="2000" dirty="0">
+                <a:solidFill>
+                  <a:srgbClr val="001080"/>
+                </a:solidFill>
+                <a:latin typeface="Menlo" panose="020B0609030804020204" pitchFamily="49" charset="0"/>
+              </a:rPr>
+              <a:t>f1</a:t>
+            </a:r>
+            <a:r>
+              <a:rPr lang="en" altLang="zh-CN" sz="2000" dirty="0">
+                <a:solidFill>
+                  <a:srgbClr val="000000"/>
+                </a:solidFill>
+                <a:latin typeface="Menlo" panose="020B0609030804020204" pitchFamily="49" charset="0"/>
+              </a:rPr>
+              <a:t> </a:t>
+            </a:r>
+            <a:r>
+              <a:rPr lang="en" altLang="zh-CN" sz="2000" dirty="0">
+                <a:solidFill>
+                  <a:srgbClr val="795E26"/>
+                </a:solidFill>
+                <a:latin typeface="Menlo" panose="020B0609030804020204" pitchFamily="49" charset="0"/>
+              </a:rPr>
+              <a:t>&lt;&lt;</a:t>
+            </a:r>
+            <a:r>
+              <a:rPr lang="en" altLang="zh-CN" sz="2000" dirty="0">
+                <a:solidFill>
+                  <a:srgbClr val="000000"/>
+                </a:solidFill>
+                <a:latin typeface="Menlo" panose="020B0609030804020204" pitchFamily="49" charset="0"/>
+              </a:rPr>
+              <a:t> </a:t>
+            </a:r>
+            <a:r>
+              <a:rPr lang="en" altLang="zh-CN" sz="2000" dirty="0" err="1">
+                <a:solidFill>
+                  <a:srgbClr val="795E26"/>
+                </a:solidFill>
+                <a:latin typeface="Menlo" panose="020B0609030804020204" pitchFamily="49" charset="0"/>
+              </a:rPr>
+              <a:t>endl</a:t>
+            </a:r>
+            <a:r>
+              <a:rPr lang="en" altLang="zh-CN" sz="2000" dirty="0">
+                <a:solidFill>
+                  <a:srgbClr val="000000"/>
+                </a:solidFill>
+                <a:latin typeface="Menlo" panose="020B0609030804020204" pitchFamily="49" charset="0"/>
+              </a:rPr>
+              <a:t>;</a:t>
+            </a:r>
+          </a:p>
+          <a:p>
+            <a:pPr marL="0" indent="0">
+              <a:buNone/>
+            </a:pPr>
+            <a:r>
+              <a:rPr lang="en" altLang="zh-CN" sz="2000" dirty="0">
+                <a:solidFill>
+                  <a:srgbClr val="001080"/>
+                </a:solidFill>
+                <a:latin typeface="Menlo" panose="020B0609030804020204" pitchFamily="49" charset="0"/>
+              </a:rPr>
+              <a:t>    </a:t>
+            </a:r>
+            <a:r>
+              <a:rPr lang="en" altLang="zh-CN" sz="2000" dirty="0" err="1">
+                <a:solidFill>
+                  <a:srgbClr val="001080"/>
+                </a:solidFill>
+                <a:latin typeface="Menlo" panose="020B0609030804020204" pitchFamily="49" charset="0"/>
+              </a:rPr>
+              <a:t>cout</a:t>
+            </a:r>
+            <a:r>
+              <a:rPr lang="en" altLang="zh-CN" sz="2000" dirty="0">
+                <a:solidFill>
+                  <a:srgbClr val="000000"/>
+                </a:solidFill>
+                <a:latin typeface="Menlo" panose="020B0609030804020204" pitchFamily="49" charset="0"/>
+              </a:rPr>
+              <a:t> </a:t>
+            </a:r>
+            <a:r>
+              <a:rPr lang="en" altLang="zh-CN" sz="2000" dirty="0">
+                <a:solidFill>
+                  <a:srgbClr val="795E26"/>
+                </a:solidFill>
+                <a:latin typeface="Menlo" panose="020B0609030804020204" pitchFamily="49" charset="0"/>
+              </a:rPr>
+              <a:t>&lt;&lt;</a:t>
+            </a:r>
+            <a:r>
+              <a:rPr lang="en" altLang="zh-CN" sz="2000" dirty="0">
+                <a:solidFill>
+                  <a:srgbClr val="000000"/>
+                </a:solidFill>
+                <a:latin typeface="Menlo" panose="020B0609030804020204" pitchFamily="49" charset="0"/>
+              </a:rPr>
+              <a:t> </a:t>
+            </a:r>
+            <a:r>
+              <a:rPr lang="en" altLang="zh-CN" sz="2000" dirty="0">
+                <a:solidFill>
+                  <a:srgbClr val="267F99"/>
+                </a:solidFill>
+                <a:latin typeface="Menlo" panose="020B0609030804020204" pitchFamily="49" charset="0"/>
+              </a:rPr>
+              <a:t>std</a:t>
+            </a:r>
+            <a:r>
+              <a:rPr lang="en" altLang="zh-CN" sz="2000" dirty="0">
+                <a:solidFill>
+                  <a:srgbClr val="000000"/>
+                </a:solidFill>
+                <a:latin typeface="Menlo" panose="020B0609030804020204" pitchFamily="49" charset="0"/>
+              </a:rPr>
+              <a:t>::</a:t>
+            </a:r>
+            <a:r>
+              <a:rPr lang="en" altLang="zh-CN" sz="2000" dirty="0">
+                <a:solidFill>
+                  <a:srgbClr val="795E26"/>
+                </a:solidFill>
+                <a:latin typeface="Menlo" panose="020B0609030804020204" pitchFamily="49" charset="0"/>
+              </a:rPr>
+              <a:t>fixed</a:t>
+            </a:r>
+            <a:r>
+              <a:rPr lang="en" altLang="zh-CN" sz="2000" dirty="0">
+                <a:solidFill>
+                  <a:srgbClr val="000000"/>
+                </a:solidFill>
+                <a:latin typeface="Menlo" panose="020B0609030804020204" pitchFamily="49" charset="0"/>
+              </a:rPr>
+              <a:t> </a:t>
+            </a:r>
+            <a:r>
+              <a:rPr lang="en" altLang="zh-CN" sz="2000" dirty="0">
+                <a:solidFill>
+                  <a:srgbClr val="795E26"/>
+                </a:solidFill>
+                <a:latin typeface="Menlo" panose="020B0609030804020204" pitchFamily="49" charset="0"/>
+              </a:rPr>
+              <a:t>&lt;&lt;</a:t>
+            </a:r>
+            <a:r>
+              <a:rPr lang="en" altLang="zh-CN" sz="2000" dirty="0">
+                <a:solidFill>
+                  <a:srgbClr val="000000"/>
+                </a:solidFill>
+                <a:latin typeface="Menlo" panose="020B0609030804020204" pitchFamily="49" charset="0"/>
+              </a:rPr>
+              <a:t> </a:t>
+            </a:r>
+            <a:r>
+              <a:rPr lang="en" altLang="zh-CN" sz="2000" dirty="0">
+                <a:solidFill>
+                  <a:srgbClr val="267F99"/>
+                </a:solidFill>
+                <a:latin typeface="Menlo" panose="020B0609030804020204" pitchFamily="49" charset="0"/>
+              </a:rPr>
+              <a:t>std</a:t>
+            </a:r>
+            <a:r>
+              <a:rPr lang="en" altLang="zh-CN" sz="2000" dirty="0">
+                <a:solidFill>
+                  <a:srgbClr val="000000"/>
+                </a:solidFill>
+                <a:latin typeface="Menlo" panose="020B0609030804020204" pitchFamily="49" charset="0"/>
+              </a:rPr>
+              <a:t>::</a:t>
+            </a:r>
+            <a:r>
+              <a:rPr lang="en" altLang="zh-CN" sz="2000" dirty="0" err="1">
+                <a:solidFill>
+                  <a:srgbClr val="795E26"/>
+                </a:solidFill>
+                <a:latin typeface="Menlo" panose="020B0609030804020204" pitchFamily="49" charset="0"/>
+              </a:rPr>
+              <a:t>setprecision</a:t>
+            </a:r>
+            <a:r>
+              <a:rPr lang="en" altLang="zh-CN" sz="2000" dirty="0">
+                <a:solidFill>
+                  <a:srgbClr val="000000"/>
+                </a:solidFill>
+                <a:latin typeface="Menlo" panose="020B0609030804020204" pitchFamily="49" charset="0"/>
+              </a:rPr>
+              <a:t>(</a:t>
+            </a:r>
+            <a:r>
+              <a:rPr lang="en" altLang="zh-CN" sz="2000" dirty="0">
+                <a:solidFill>
+                  <a:srgbClr val="098658"/>
+                </a:solidFill>
+                <a:latin typeface="Menlo" panose="020B0609030804020204" pitchFamily="49" charset="0"/>
+              </a:rPr>
+              <a:t>15</a:t>
+            </a:r>
+            <a:r>
+              <a:rPr lang="en" altLang="zh-CN" sz="2000" dirty="0">
+                <a:solidFill>
+                  <a:srgbClr val="000000"/>
+                </a:solidFill>
+                <a:latin typeface="Menlo" panose="020B0609030804020204" pitchFamily="49" charset="0"/>
+              </a:rPr>
+              <a:t>) </a:t>
+            </a:r>
+            <a:r>
+              <a:rPr lang="en" altLang="zh-CN" sz="2000" dirty="0">
+                <a:solidFill>
+                  <a:srgbClr val="795E26"/>
+                </a:solidFill>
+                <a:latin typeface="Menlo" panose="020B0609030804020204" pitchFamily="49" charset="0"/>
+              </a:rPr>
+              <a:t>&lt;&lt;</a:t>
+            </a:r>
+            <a:r>
+              <a:rPr lang="en" altLang="zh-CN" sz="2000" dirty="0">
+                <a:solidFill>
+                  <a:srgbClr val="000000"/>
+                </a:solidFill>
+                <a:latin typeface="Menlo" panose="020B0609030804020204" pitchFamily="49" charset="0"/>
+              </a:rPr>
+              <a:t> </a:t>
+            </a:r>
+            <a:r>
+              <a:rPr lang="en" altLang="zh-CN" sz="2000" dirty="0">
+                <a:solidFill>
+                  <a:srgbClr val="001080"/>
+                </a:solidFill>
+                <a:latin typeface="Menlo" panose="020B0609030804020204" pitchFamily="49" charset="0"/>
+              </a:rPr>
+              <a:t>f2</a:t>
+            </a:r>
+            <a:r>
+              <a:rPr lang="en" altLang="zh-CN" sz="2000" dirty="0">
+                <a:solidFill>
+                  <a:srgbClr val="000000"/>
+                </a:solidFill>
+                <a:latin typeface="Menlo" panose="020B0609030804020204" pitchFamily="49" charset="0"/>
+              </a:rPr>
+              <a:t> </a:t>
+            </a:r>
+            <a:r>
+              <a:rPr lang="en" altLang="zh-CN" sz="2000" dirty="0">
+                <a:solidFill>
+                  <a:srgbClr val="795E26"/>
+                </a:solidFill>
+                <a:latin typeface="Menlo" panose="020B0609030804020204" pitchFamily="49" charset="0"/>
+              </a:rPr>
+              <a:t>&lt;&lt;</a:t>
+            </a:r>
+            <a:r>
+              <a:rPr lang="en" altLang="zh-CN" sz="2000" dirty="0">
+                <a:solidFill>
+                  <a:srgbClr val="000000"/>
+                </a:solidFill>
+                <a:latin typeface="Menlo" panose="020B0609030804020204" pitchFamily="49" charset="0"/>
+              </a:rPr>
+              <a:t> </a:t>
+            </a:r>
+            <a:r>
+              <a:rPr lang="en" altLang="zh-CN" sz="2000" dirty="0" err="1">
+                <a:solidFill>
+                  <a:srgbClr val="795E26"/>
+                </a:solidFill>
+                <a:latin typeface="Menlo" panose="020B0609030804020204" pitchFamily="49" charset="0"/>
+              </a:rPr>
+              <a:t>endl</a:t>
+            </a:r>
+            <a:r>
+              <a:rPr lang="en" altLang="zh-CN" sz="2000" dirty="0">
+                <a:solidFill>
+                  <a:srgbClr val="000000"/>
+                </a:solidFill>
+                <a:latin typeface="Menlo" panose="020B0609030804020204" pitchFamily="49" charset="0"/>
+              </a:rPr>
+              <a:t>;</a:t>
+            </a:r>
+          </a:p>
+          <a:p>
+            <a:pPr marL="0" indent="0">
+              <a:buNone/>
+            </a:pPr>
+            <a:r>
+              <a:rPr lang="en" altLang="zh-CN" sz="2000" dirty="0">
+                <a:solidFill>
+                  <a:srgbClr val="AF00DB"/>
+                </a:solidFill>
+                <a:latin typeface="Menlo" panose="020B0609030804020204" pitchFamily="49" charset="0"/>
+              </a:rPr>
+              <a:t>    return</a:t>
+            </a:r>
+            <a:r>
+              <a:rPr lang="en" altLang="zh-CN" sz="2000" dirty="0">
+                <a:solidFill>
+                  <a:srgbClr val="000000"/>
+                </a:solidFill>
+                <a:latin typeface="Menlo" panose="020B0609030804020204" pitchFamily="49" charset="0"/>
+              </a:rPr>
+              <a:t> </a:t>
+            </a:r>
+            <a:r>
+              <a:rPr lang="en" altLang="zh-CN" sz="2000" dirty="0">
+                <a:solidFill>
+                  <a:srgbClr val="098658"/>
+                </a:solidFill>
+                <a:latin typeface="Menlo" panose="020B0609030804020204" pitchFamily="49" charset="0"/>
+              </a:rPr>
+              <a:t>0</a:t>
+            </a:r>
+            <a:r>
+              <a:rPr lang="en" altLang="zh-CN" sz="2000" dirty="0">
+                <a:solidFill>
+                  <a:srgbClr val="000000"/>
+                </a:solidFill>
+                <a:latin typeface="Menlo" panose="020B0609030804020204" pitchFamily="49" charset="0"/>
+              </a:rPr>
+              <a:t>;</a:t>
+            </a:r>
+          </a:p>
+          <a:p>
+            <a:pPr marL="0" indent="0">
+              <a:buNone/>
+            </a:pPr>
+            <a:r>
+              <a:rPr lang="en" altLang="zh-CN" sz="2000" dirty="0">
+                <a:solidFill>
+                  <a:srgbClr val="000000"/>
+                </a:solidFill>
+                <a:latin typeface="Menlo" panose="020B0609030804020204" pitchFamily="49" charset="0"/>
+              </a:rPr>
+              <a:t>}</a:t>
+            </a:r>
+          </a:p>
+        </p:txBody>
+      </p:sp>
+    </p:spTree>
+    <p:extLst>
+      <p:ext uri="{BB962C8B-B14F-4D97-AF65-F5344CB8AC3E}">
+        <p14:creationId xmlns:p14="http://schemas.microsoft.com/office/powerpoint/2010/main" val="2521910001"/>
+      </p:ext>
+    </p:extLst>
+  </p:cSld>
+  <p:clrMapOvr>
+    <a:masterClrMapping/>
+  </p:clrMapOvr>
+</p:sld>
+</file>
+
+<file path=ppt/slides/slide22.xml><?xml version="1.0" encoding="utf-8"?>
 <p:sld xmlns:a="http://schemas.openxmlformats.org/drawingml/2006/main" xmlns:r="http://schemas.openxmlformats.org/officeDocument/2006/relationships" xmlns:p="http://schemas.openxmlformats.org/presentationml/2006/main">
   <p:cSld>
     <p:spTree>
@@ -12917,7 +14179,7 @@
 </p:sld>
 </file>
 
-<file path=ppt/slides/slide21.xml><?xml version="1.0" encoding="utf-8"?>
+<file path=ppt/slides/slide23.xml><?xml version="1.0" encoding="utf-8"?>
 <p:sld xmlns:a="http://schemas.openxmlformats.org/drawingml/2006/main" xmlns:r="http://schemas.openxmlformats.org/officeDocument/2006/relationships" xmlns:p="http://schemas.openxmlformats.org/presentationml/2006/main">
   <p:cSld>
     <p:spTree>
@@ -13031,7 +14293,7 @@
 </p:sld>
 </file>
 
-<file path=ppt/slides/slide22.xml><?xml version="1.0" encoding="utf-8"?>
+<file path=ppt/slides/slide24.xml><?xml version="1.0" encoding="utf-8"?>
 <p:sld xmlns:a="http://schemas.openxmlformats.org/drawingml/2006/main" xmlns:r="http://schemas.openxmlformats.org/officeDocument/2006/relationships" xmlns:p="http://schemas.openxmlformats.org/presentationml/2006/main">
   <p:cSld>
     <p:spTree>
@@ -13529,7 +14791,7 @@
 </p:sld>
 </file>
 
-<file path=ppt/slides/slide23.xml><?xml version="1.0" encoding="utf-8"?>
+<file path=ppt/slides/slide25.xml><?xml version="1.0" encoding="utf-8"?>
 <p:sld xmlns:a="http://schemas.openxmlformats.org/drawingml/2006/main" xmlns:r="http://schemas.openxmlformats.org/officeDocument/2006/relationships" xmlns:p="http://schemas.openxmlformats.org/presentationml/2006/main">
   <p:cSld>
     <p:spTree>
@@ -13667,7 +14929,7 @@
 </p:sld>
 </file>
 
-<file path=ppt/slides/slide24.xml><?xml version="1.0" encoding="utf-8"?>
+<file path=ppt/slides/slide26.xml><?xml version="1.0" encoding="utf-8"?>
 <p:sld xmlns:a="http://schemas.openxmlformats.org/drawingml/2006/main" xmlns:r="http://schemas.openxmlformats.org/officeDocument/2006/relationships" xmlns:p="http://schemas.openxmlformats.org/presentationml/2006/main">
   <p:cSld>
     <p:spTree>
@@ -14237,7 +15499,7 @@
 </p:sld>
 </file>
 
-<file path=ppt/slides/slide25.xml><?xml version="1.0" encoding="utf-8"?>
+<file path=ppt/slides/slide27.xml><?xml version="1.0" encoding="utf-8"?>
 <p:sld xmlns:a="http://schemas.openxmlformats.org/drawingml/2006/main" xmlns:r="http://schemas.openxmlformats.org/officeDocument/2006/relationships" xmlns:p="http://schemas.openxmlformats.org/presentationml/2006/main">
   <p:cSld>
     <p:spTree>
@@ -14584,7 +15846,7 @@
 </p:sld>
 </file>
 
-<file path=ppt/slides/slide26.xml><?xml version="1.0" encoding="utf-8"?>
+<file path=ppt/slides/slide28.xml><?xml version="1.0" encoding="utf-8"?>
 <p:sld xmlns:a="http://schemas.openxmlformats.org/drawingml/2006/main" xmlns:r="http://schemas.openxmlformats.org/officeDocument/2006/relationships" xmlns:p="http://schemas.openxmlformats.org/presentationml/2006/main">
   <p:cSld>
     <p:spTree>
@@ -14667,7 +15929,7 @@
 </p:sld>
 </file>
 
-<file path=ppt/slides/slide27.xml><?xml version="1.0" encoding="utf-8"?>
+<file path=ppt/slides/slide29.xml><?xml version="1.0" encoding="utf-8"?>
 <p:sld xmlns:a="http://schemas.openxmlformats.org/drawingml/2006/main" xmlns:r="http://schemas.openxmlformats.org/officeDocument/2006/relationships" xmlns:p="http://schemas.openxmlformats.org/presentationml/2006/main">
   <p:cSld>
     <p:spTree>
@@ -15547,7 +16809,467 @@
 </p:sld>
 </file>
 
-<file path=ppt/slides/slide28.xml><?xml version="1.0" encoding="utf-8"?>
+<file path=ppt/slides/slide3.xml><?xml version="1.0" encoding="utf-8"?>
+<p:sld xmlns:a="http://schemas.openxmlformats.org/drawingml/2006/main" xmlns:r="http://schemas.openxmlformats.org/officeDocument/2006/relationships" xmlns:p="http://schemas.openxmlformats.org/presentationml/2006/main">
+  <p:cSld>
+    <p:spTree>
+      <p:nvGrpSpPr>
+        <p:cNvPr id="1" name=""/>
+        <p:cNvGrpSpPr/>
+        <p:nvPr/>
+      </p:nvGrpSpPr>
+      <p:grpSpPr>
+        <a:xfrm>
+          <a:off x="0" y="0"/>
+          <a:ext cx="0" cy="0"/>
+          <a:chOff x="0" y="0"/>
+          <a:chExt cx="0" cy="0"/>
+        </a:xfrm>
+      </p:grpSpPr>
+      <p:sp>
+        <p:nvSpPr>
+          <p:cNvPr id="2" name="标题 1">
+            <a:extLst>
+              <a:ext uri="{FF2B5EF4-FFF2-40B4-BE49-F238E27FC236}">
+                <a16:creationId xmlns:a16="http://schemas.microsoft.com/office/drawing/2014/main" id="{E81030F7-AA92-0B42-86F0-2E8B05A9BC6C}"/>
+              </a:ext>
+            </a:extLst>
+          </p:cNvPr>
+          <p:cNvSpPr>
+            <a:spLocks noGrp="1"/>
+          </p:cNvSpPr>
+          <p:nvPr>
+            <p:ph type="title"/>
+          </p:nvPr>
+        </p:nvSpPr>
+        <p:spPr/>
+        <p:txBody>
+          <a:bodyPr/>
+          <a:lstStyle/>
+          <a:p>
+            <a:r>
+              <a:rPr kumimoji="1" lang="en-US" altLang="zh-CN" dirty="0"/>
+              <a:t>int</a:t>
+            </a:r>
+            <a:endParaRPr kumimoji="1" lang="zh-CN" altLang="en-US" dirty="0"/>
+          </a:p>
+        </p:txBody>
+      </p:sp>
+      <p:sp>
+        <p:nvSpPr>
+          <p:cNvPr id="3" name="内容占位符 2">
+            <a:extLst>
+              <a:ext uri="{FF2B5EF4-FFF2-40B4-BE49-F238E27FC236}">
+                <a16:creationId xmlns:a16="http://schemas.microsoft.com/office/drawing/2014/main" id="{DF6467DA-28DA-4E4F-986C-8CD5CBDC70B6}"/>
+              </a:ext>
+            </a:extLst>
+          </p:cNvPr>
+          <p:cNvSpPr>
+            <a:spLocks noGrp="1"/>
+          </p:cNvSpPr>
+          <p:nvPr>
+            <p:ph idx="1"/>
+          </p:nvPr>
+        </p:nvSpPr>
+        <p:spPr/>
+        <p:txBody>
+          <a:bodyPr/>
+          <a:lstStyle/>
+          <a:p>
+            <a:r>
+              <a:rPr kumimoji="1" lang="en-US" altLang="zh-CN" dirty="0">
+                <a:solidFill>
+                  <a:schemeClr val="accent6">
+                    <a:lumMod val="75000"/>
+                  </a:schemeClr>
+                </a:solidFill>
+              </a:rPr>
+              <a:t>int</a:t>
+            </a:r>
+            <a:r>
+              <a:rPr kumimoji="1" lang="en-US" altLang="zh-CN" dirty="0"/>
+              <a:t> is the most frequently used integer type</a:t>
+            </a:r>
+          </a:p>
+          <a:p>
+            <a:pPr marL="685800" lvl="1" indent="0">
+              <a:buNone/>
+            </a:pPr>
+            <a:r>
+              <a:rPr kumimoji="1" lang="en-US" altLang="zh-CN" dirty="0">
+                <a:solidFill>
+                  <a:schemeClr val="accent6">
+                    <a:lumMod val="50000"/>
+                  </a:schemeClr>
+                </a:solidFill>
+                <a:latin typeface="Courier" pitchFamily="2" charset="0"/>
+              </a:rPr>
+              <a:t>int </a:t>
+            </a:r>
+            <a:r>
+              <a:rPr kumimoji="1" lang="en-US" altLang="zh-CN" dirty="0" err="1">
+                <a:solidFill>
+                  <a:schemeClr val="accent6">
+                    <a:lumMod val="50000"/>
+                  </a:schemeClr>
+                </a:solidFill>
+                <a:latin typeface="Courier" pitchFamily="2" charset="0"/>
+              </a:rPr>
+              <a:t>i</a:t>
+            </a:r>
+            <a:r>
+              <a:rPr kumimoji="1" lang="en-US" altLang="zh-CN" dirty="0">
+                <a:solidFill>
+                  <a:schemeClr val="accent6">
+                    <a:lumMod val="50000"/>
+                  </a:schemeClr>
+                </a:solidFill>
+                <a:latin typeface="Courier" pitchFamily="2" charset="0"/>
+              </a:rPr>
+              <a:t>; //declare a variable</a:t>
+            </a:r>
+          </a:p>
+          <a:p>
+            <a:pPr marL="685800" lvl="1" indent="0">
+              <a:buNone/>
+            </a:pPr>
+            <a:r>
+              <a:rPr kumimoji="1" lang="en-US" altLang="zh-CN" dirty="0">
+                <a:solidFill>
+                  <a:schemeClr val="accent6">
+                    <a:lumMod val="50000"/>
+                  </a:schemeClr>
+                </a:solidFill>
+                <a:latin typeface="Courier" pitchFamily="2" charset="0"/>
+              </a:rPr>
+              <a:t>int j = 10; //declare and initialize </a:t>
+            </a:r>
+          </a:p>
+          <a:p>
+            <a:pPr marL="685800" lvl="1" indent="0">
+              <a:buNone/>
+            </a:pPr>
+            <a:r>
+              <a:rPr kumimoji="1" lang="en-US" altLang="zh-CN" dirty="0">
+                <a:solidFill>
+                  <a:schemeClr val="accent6">
+                    <a:lumMod val="50000"/>
+                  </a:schemeClr>
+                </a:solidFill>
+                <a:latin typeface="Courier" pitchFamily="2" charset="0"/>
+              </a:rPr>
+              <a:t>int k;</a:t>
+            </a:r>
+          </a:p>
+          <a:p>
+            <a:pPr marL="685800" lvl="1" indent="0">
+              <a:buNone/>
+            </a:pPr>
+            <a:r>
+              <a:rPr kumimoji="1" lang="en-US" altLang="zh-CN" dirty="0">
+                <a:solidFill>
+                  <a:schemeClr val="accent6">
+                    <a:lumMod val="50000"/>
+                  </a:schemeClr>
+                </a:solidFill>
+                <a:latin typeface="Courier" pitchFamily="2" charset="0"/>
+              </a:rPr>
+              <a:t>k = 20; //assign a value</a:t>
+            </a:r>
+          </a:p>
+          <a:p>
+            <a:endParaRPr kumimoji="1" lang="en-US" altLang="zh-CN" dirty="0"/>
+          </a:p>
+          <a:p>
+            <a:r>
+              <a:rPr kumimoji="1" lang="en-US" altLang="zh-CN" dirty="0"/>
+              <a:t>Remember to initialize a variable!</a:t>
+            </a:r>
+          </a:p>
+          <a:p>
+            <a:r>
+              <a:rPr kumimoji="1" lang="en-US" altLang="zh-CN" dirty="0"/>
+              <a:t>Will the compiler give an error?</a:t>
+            </a:r>
+          </a:p>
+          <a:p>
+            <a:pPr marL="685800" lvl="1" indent="0">
+              <a:buNone/>
+            </a:pPr>
+            <a:r>
+              <a:rPr kumimoji="1" lang="en-US" altLang="zh-CN" dirty="0">
+                <a:solidFill>
+                  <a:schemeClr val="accent6">
+                    <a:lumMod val="50000"/>
+                  </a:schemeClr>
+                </a:solidFill>
+                <a:latin typeface="Courier" pitchFamily="2" charset="0"/>
+              </a:rPr>
+              <a:t>int </a:t>
+            </a:r>
+            <a:r>
+              <a:rPr kumimoji="1" lang="en-US" altLang="zh-CN" dirty="0" err="1">
+                <a:solidFill>
+                  <a:schemeClr val="accent6">
+                    <a:lumMod val="50000"/>
+                  </a:schemeClr>
+                </a:solidFill>
+                <a:latin typeface="Courier" pitchFamily="2" charset="0"/>
+              </a:rPr>
+              <a:t>i</a:t>
+            </a:r>
+            <a:r>
+              <a:rPr kumimoji="1" lang="en-US" altLang="zh-CN" dirty="0">
+                <a:solidFill>
+                  <a:schemeClr val="accent6">
+                    <a:lumMod val="50000"/>
+                  </a:schemeClr>
+                </a:solidFill>
+                <a:latin typeface="Courier" pitchFamily="2" charset="0"/>
+              </a:rPr>
+              <a:t>; </a:t>
+            </a:r>
+          </a:p>
+          <a:p>
+            <a:pPr marL="685800" lvl="1" indent="0">
+              <a:buNone/>
+            </a:pPr>
+            <a:r>
+              <a:rPr kumimoji="1" lang="en-US" altLang="zh-CN" dirty="0" err="1">
+                <a:solidFill>
+                  <a:schemeClr val="accent6">
+                    <a:lumMod val="50000"/>
+                  </a:schemeClr>
+                </a:solidFill>
+                <a:latin typeface="Courier" pitchFamily="2" charset="0"/>
+              </a:rPr>
+              <a:t>cout</a:t>
+            </a:r>
+            <a:r>
+              <a:rPr kumimoji="1" lang="en-US" altLang="zh-CN" dirty="0">
+                <a:solidFill>
+                  <a:schemeClr val="accent6">
+                    <a:lumMod val="50000"/>
+                  </a:schemeClr>
+                </a:solidFill>
+                <a:latin typeface="Courier" pitchFamily="2" charset="0"/>
+              </a:rPr>
+              <a:t> &lt;&lt; </a:t>
+            </a:r>
+            <a:r>
+              <a:rPr kumimoji="1" lang="en-US" altLang="zh-CN" dirty="0" err="1">
+                <a:solidFill>
+                  <a:schemeClr val="accent6">
+                    <a:lumMod val="50000"/>
+                  </a:schemeClr>
+                </a:solidFill>
+                <a:latin typeface="Courier" pitchFamily="2" charset="0"/>
+              </a:rPr>
+              <a:t>i</a:t>
+            </a:r>
+            <a:r>
+              <a:rPr kumimoji="1" lang="en-US" altLang="zh-CN" dirty="0">
+                <a:solidFill>
+                  <a:schemeClr val="accent6">
+                    <a:lumMod val="50000"/>
+                  </a:schemeClr>
+                </a:solidFill>
+                <a:latin typeface="Courier" pitchFamily="2" charset="0"/>
+              </a:rPr>
+              <a:t>; //what is i's value?</a:t>
+            </a:r>
+          </a:p>
+          <a:p>
+            <a:endParaRPr kumimoji="1" lang="en-US" altLang="zh-CN" dirty="0"/>
+          </a:p>
+        </p:txBody>
+      </p:sp>
+    </p:spTree>
+    <p:extLst>
+      <p:ext uri="{BB962C8B-B14F-4D97-AF65-F5344CB8AC3E}">
+        <p14:creationId xmlns:p14="http://schemas.microsoft.com/office/powerpoint/2010/main" val="2512627072"/>
+      </p:ext>
+    </p:extLst>
+  </p:cSld>
+  <p:clrMapOvr>
+    <a:masterClrMapping/>
+  </p:clrMapOvr>
+  <p:timing>
+    <p:tnLst>
+      <p:par>
+        <p:cTn id="1" dur="indefinite" restart="never" nodeType="tmRoot">
+          <p:childTnLst>
+            <p:seq concurrent="1" nextAc="seek">
+              <p:cTn id="2" dur="indefinite" nodeType="mainSeq">
+                <p:childTnLst>
+                  <p:par>
+                    <p:cTn id="3" fill="hold">
+                      <p:stCondLst>
+                        <p:cond delay="indefinite"/>
+                      </p:stCondLst>
+                      <p:childTnLst>
+                        <p:par>
+                          <p:cTn id="4" fill="hold">
+                            <p:stCondLst>
+                              <p:cond delay="0"/>
+                            </p:stCondLst>
+                            <p:childTnLst>
+                              <p:par>
+                                <p:cTn id="5" presetID="1" presetClass="entr" presetSubtype="0" fill="hold" nodeType="clickEffect">
+                                  <p:stCondLst>
+                                    <p:cond delay="0"/>
+                                  </p:stCondLst>
+                                  <p:childTnLst>
+                                    <p:set>
+                                      <p:cBhvr>
+                                        <p:cTn id="6" dur="1" fill="hold">
+                                          <p:stCondLst>
+                                            <p:cond delay="0"/>
+                                          </p:stCondLst>
+                                        </p:cTn>
+                                        <p:tgtEl>
+                                          <p:spTgt spid="3">
+                                            <p:txEl>
+                                              <p:pRg st="6" end="6"/>
+                                            </p:txEl>
+                                          </p:spTgt>
+                                        </p:tgtEl>
+                                        <p:attrNameLst>
+                                          <p:attrName>style.visibility</p:attrName>
+                                        </p:attrNameLst>
+                                      </p:cBhvr>
+                                      <p:to>
+                                        <p:strVal val="visible"/>
+                                      </p:to>
+                                    </p:set>
+                                  </p:childTnLst>
+                                </p:cTn>
+                              </p:par>
+                              <p:par>
+                                <p:cTn id="7" presetID="1" presetClass="entr" presetSubtype="0" fill="hold" nodeType="withEffect">
+                                  <p:stCondLst>
+                                    <p:cond delay="0"/>
+                                  </p:stCondLst>
+                                  <p:childTnLst>
+                                    <p:set>
+                                      <p:cBhvr>
+                                        <p:cTn id="8" dur="1" fill="hold">
+                                          <p:stCondLst>
+                                            <p:cond delay="0"/>
+                                          </p:stCondLst>
+                                        </p:cTn>
+                                        <p:tgtEl>
+                                          <p:spTgt spid="3">
+                                            <p:txEl>
+                                              <p:pRg st="7" end="7"/>
+                                            </p:txEl>
+                                          </p:spTgt>
+                                        </p:tgtEl>
+                                        <p:attrNameLst>
+                                          <p:attrName>style.visibility</p:attrName>
+                                        </p:attrNameLst>
+                                      </p:cBhvr>
+                                      <p:to>
+                                        <p:strVal val="visible"/>
+                                      </p:to>
+                                    </p:set>
+                                  </p:childTnLst>
+                                </p:cTn>
+                              </p:par>
+                              <p:par>
+                                <p:cTn id="9" presetID="1" presetClass="entr" presetSubtype="0" fill="hold" nodeType="withEffect">
+                                  <p:stCondLst>
+                                    <p:cond delay="0"/>
+                                  </p:stCondLst>
+                                  <p:childTnLst>
+                                    <p:set>
+                                      <p:cBhvr>
+                                        <p:cTn id="10" dur="1" fill="hold">
+                                          <p:stCondLst>
+                                            <p:cond delay="0"/>
+                                          </p:stCondLst>
+                                        </p:cTn>
+                                        <p:tgtEl>
+                                          <p:spTgt spid="3">
+                                            <p:txEl>
+                                              <p:pRg st="8" end="8"/>
+                                            </p:txEl>
+                                          </p:spTgt>
+                                        </p:tgtEl>
+                                        <p:attrNameLst>
+                                          <p:attrName>style.visibility</p:attrName>
+                                        </p:attrNameLst>
+                                      </p:cBhvr>
+                                      <p:to>
+                                        <p:strVal val="visible"/>
+                                      </p:to>
+                                    </p:set>
+                                  </p:childTnLst>
+                                </p:cTn>
+                              </p:par>
+                              <p:par>
+                                <p:cTn id="11" presetID="1" presetClass="entr" presetSubtype="0" fill="hold" nodeType="withEffect">
+                                  <p:stCondLst>
+                                    <p:cond delay="0"/>
+                                  </p:stCondLst>
+                                  <p:childTnLst>
+                                    <p:set>
+                                      <p:cBhvr>
+                                        <p:cTn id="12" dur="1" fill="hold">
+                                          <p:stCondLst>
+                                            <p:cond delay="0"/>
+                                          </p:stCondLst>
+                                        </p:cTn>
+                                        <p:tgtEl>
+                                          <p:spTgt spid="3">
+                                            <p:txEl>
+                                              <p:pRg st="9" end="9"/>
+                                            </p:txEl>
+                                          </p:spTgt>
+                                        </p:tgtEl>
+                                        <p:attrNameLst>
+                                          <p:attrName>style.visibility</p:attrName>
+                                        </p:attrNameLst>
+                                      </p:cBhvr>
+                                      <p:to>
+                                        <p:strVal val="visible"/>
+                                      </p:to>
+                                    </p:set>
+                                  </p:childTnLst>
+                                </p:cTn>
+                              </p:par>
+                            </p:childTnLst>
+                          </p:cTn>
+                        </p:par>
+                      </p:childTnLst>
+                    </p:cTn>
+                  </p:par>
+                </p:childTnLst>
+              </p:cTn>
+              <p:prevCondLst>
+                <p:cond evt="onPrev" delay="0">
+                  <p:tgtEl>
+                    <p:sldTgt/>
+                  </p:tgtEl>
+                </p:cond>
+              </p:prevCondLst>
+              <p:nextCondLst>
+                <p:cond evt="onNext" delay="0">
+                  <p:tgtEl>
+                    <p:sldTgt/>
+                  </p:tgtEl>
+                </p:cond>
+              </p:nextCondLst>
+            </p:seq>
+          </p:childTnLst>
+        </p:cTn>
+      </p:par>
+    </p:tnLst>
+  </p:timing>
+</p:sld>
+</file>
+
+<file path=ppt/slides/slide30.xml><?xml version="1.0" encoding="utf-8"?>
 <p:sld xmlns:a="http://schemas.openxmlformats.org/drawingml/2006/main" xmlns:r="http://schemas.openxmlformats.org/officeDocument/2006/relationships" xmlns:p="http://schemas.openxmlformats.org/presentationml/2006/main">
   <p:cSld>
     <p:spTree>
@@ -15777,7 +17499,7 @@
 </p:sld>
 </file>
 
-<file path=ppt/slides/slide29.xml><?xml version="1.0" encoding="utf-8"?>
+<file path=ppt/slides/slide31.xml><?xml version="1.0" encoding="utf-8"?>
 <p:sld xmlns:a="http://schemas.openxmlformats.org/drawingml/2006/main" xmlns:r="http://schemas.openxmlformats.org/officeDocument/2006/relationships" xmlns:p="http://schemas.openxmlformats.org/presentationml/2006/main">
   <p:cSld>
     <p:spTree>
@@ -16677,295 +18399,7 @@
 </p:sld>
 </file>
 
-<file path=ppt/slides/slide3.xml><?xml version="1.0" encoding="utf-8"?>
-<p:sld xmlns:a="http://schemas.openxmlformats.org/drawingml/2006/main" xmlns:r="http://schemas.openxmlformats.org/officeDocument/2006/relationships" xmlns:p="http://schemas.openxmlformats.org/presentationml/2006/main">
-  <p:cSld>
-    <p:spTree>
-      <p:nvGrpSpPr>
-        <p:cNvPr id="1" name=""/>
-        <p:cNvGrpSpPr/>
-        <p:nvPr/>
-      </p:nvGrpSpPr>
-      <p:grpSpPr>
-        <a:xfrm>
-          <a:off x="0" y="0"/>
-          <a:ext cx="0" cy="0"/>
-          <a:chOff x="0" y="0"/>
-          <a:chExt cx="0" cy="0"/>
-        </a:xfrm>
-      </p:grpSpPr>
-      <p:sp>
-        <p:nvSpPr>
-          <p:cNvPr id="2" name="标题 1">
-            <a:extLst>
-              <a:ext uri="{FF2B5EF4-FFF2-40B4-BE49-F238E27FC236}">
-                <a16:creationId xmlns:a16="http://schemas.microsoft.com/office/drawing/2014/main" id="{E81030F7-AA92-0B42-86F0-2E8B05A9BC6C}"/>
-              </a:ext>
-            </a:extLst>
-          </p:cNvPr>
-          <p:cNvSpPr>
-            <a:spLocks noGrp="1"/>
-          </p:cNvSpPr>
-          <p:nvPr>
-            <p:ph type="title"/>
-          </p:nvPr>
-        </p:nvSpPr>
-        <p:spPr/>
-        <p:txBody>
-          <a:bodyPr/>
-          <a:lstStyle/>
-          <a:p>
-            <a:r>
-              <a:rPr kumimoji="1" lang="en-US" altLang="zh-CN" dirty="0"/>
-              <a:t>int</a:t>
-            </a:r>
-            <a:endParaRPr kumimoji="1" lang="zh-CN" altLang="en-US" dirty="0"/>
-          </a:p>
-        </p:txBody>
-      </p:sp>
-      <p:sp>
-        <p:nvSpPr>
-          <p:cNvPr id="3" name="内容占位符 2">
-            <a:extLst>
-              <a:ext uri="{FF2B5EF4-FFF2-40B4-BE49-F238E27FC236}">
-                <a16:creationId xmlns:a16="http://schemas.microsoft.com/office/drawing/2014/main" id="{DF6467DA-28DA-4E4F-986C-8CD5CBDC70B6}"/>
-              </a:ext>
-            </a:extLst>
-          </p:cNvPr>
-          <p:cNvSpPr>
-            <a:spLocks noGrp="1"/>
-          </p:cNvSpPr>
-          <p:nvPr>
-            <p:ph idx="1"/>
-          </p:nvPr>
-        </p:nvSpPr>
-        <p:spPr/>
-        <p:txBody>
-          <a:bodyPr/>
-          <a:lstStyle/>
-          <a:p>
-            <a:r>
-              <a:rPr kumimoji="1" lang="en-US" altLang="zh-CN" dirty="0">
-                <a:solidFill>
-                  <a:schemeClr val="accent6">
-                    <a:lumMod val="75000"/>
-                  </a:schemeClr>
-                </a:solidFill>
-              </a:rPr>
-              <a:t>int</a:t>
-            </a:r>
-            <a:r>
-              <a:rPr kumimoji="1" lang="en-US" altLang="zh-CN" dirty="0"/>
-              <a:t> is the most used integer type</a:t>
-            </a:r>
-          </a:p>
-          <a:p>
-            <a:pPr marL="685800" lvl="1" indent="0">
-              <a:buNone/>
-            </a:pPr>
-            <a:r>
-              <a:rPr kumimoji="1" lang="en-US" altLang="zh-CN" dirty="0">
-                <a:solidFill>
-                  <a:schemeClr val="accent6">
-                    <a:lumMod val="50000"/>
-                  </a:schemeClr>
-                </a:solidFill>
-                <a:latin typeface="Courier" pitchFamily="2" charset="0"/>
-              </a:rPr>
-              <a:t>int </a:t>
-            </a:r>
-            <a:r>
-              <a:rPr kumimoji="1" lang="en-US" altLang="zh-CN" dirty="0" err="1">
-                <a:solidFill>
-                  <a:schemeClr val="accent6">
-                    <a:lumMod val="50000"/>
-                  </a:schemeClr>
-                </a:solidFill>
-                <a:latin typeface="Courier" pitchFamily="2" charset="0"/>
-              </a:rPr>
-              <a:t>i</a:t>
-            </a:r>
-            <a:r>
-              <a:rPr kumimoji="1" lang="en-US" altLang="zh-CN" dirty="0">
-                <a:solidFill>
-                  <a:schemeClr val="accent6">
-                    <a:lumMod val="50000"/>
-                  </a:schemeClr>
-                </a:solidFill>
-                <a:latin typeface="Courier" pitchFamily="2" charset="0"/>
-              </a:rPr>
-              <a:t>; //declare a variable</a:t>
-            </a:r>
-          </a:p>
-          <a:p>
-            <a:pPr marL="685800" lvl="1" indent="0">
-              <a:buNone/>
-            </a:pPr>
-            <a:r>
-              <a:rPr kumimoji="1" lang="en-US" altLang="zh-CN" dirty="0">
-                <a:solidFill>
-                  <a:schemeClr val="accent6">
-                    <a:lumMod val="50000"/>
-                  </a:schemeClr>
-                </a:solidFill>
-                <a:latin typeface="Courier" pitchFamily="2" charset="0"/>
-              </a:rPr>
-              <a:t>int j = 10; //declare and initialize </a:t>
-            </a:r>
-          </a:p>
-          <a:p>
-            <a:pPr marL="685800" lvl="1" indent="0">
-              <a:buNone/>
-            </a:pPr>
-            <a:r>
-              <a:rPr kumimoji="1" lang="en-US" altLang="zh-CN" dirty="0">
-                <a:solidFill>
-                  <a:schemeClr val="accent6">
-                    <a:lumMod val="50000"/>
-                  </a:schemeClr>
-                </a:solidFill>
-                <a:latin typeface="Courier" pitchFamily="2" charset="0"/>
-              </a:rPr>
-              <a:t>int k;</a:t>
-            </a:r>
-          </a:p>
-          <a:p>
-            <a:pPr marL="685800" lvl="1" indent="0">
-              <a:buNone/>
-            </a:pPr>
-            <a:r>
-              <a:rPr kumimoji="1" lang="en-US" altLang="zh-CN" dirty="0">
-                <a:solidFill>
-                  <a:schemeClr val="accent6">
-                    <a:lumMod val="50000"/>
-                  </a:schemeClr>
-                </a:solidFill>
-                <a:latin typeface="Courier" pitchFamily="2" charset="0"/>
-              </a:rPr>
-              <a:t>k = 20; //assign a value</a:t>
-            </a:r>
-          </a:p>
-          <a:p>
-            <a:endParaRPr kumimoji="1" lang="en-US" altLang="zh-CN" dirty="0"/>
-          </a:p>
-          <a:p>
-            <a:r>
-              <a:rPr kumimoji="1" lang="en-US" altLang="zh-CN" dirty="0"/>
-              <a:t>Remember to initialize a variable!</a:t>
-            </a:r>
-          </a:p>
-          <a:p>
-            <a:r>
-              <a:rPr kumimoji="1" lang="en-US" altLang="zh-CN" dirty="0"/>
-              <a:t>Will the compiler give an error?</a:t>
-            </a:r>
-          </a:p>
-          <a:p>
-            <a:pPr marL="685800" lvl="1" indent="0">
-              <a:buNone/>
-            </a:pPr>
-            <a:r>
-              <a:rPr kumimoji="1" lang="en-US" altLang="zh-CN" dirty="0">
-                <a:solidFill>
-                  <a:schemeClr val="accent6">
-                    <a:lumMod val="50000"/>
-                  </a:schemeClr>
-                </a:solidFill>
-                <a:latin typeface="Courier" pitchFamily="2" charset="0"/>
-              </a:rPr>
-              <a:t>int </a:t>
-            </a:r>
-            <a:r>
-              <a:rPr kumimoji="1" lang="en-US" altLang="zh-CN" dirty="0" err="1">
-                <a:solidFill>
-                  <a:schemeClr val="accent6">
-                    <a:lumMod val="50000"/>
-                  </a:schemeClr>
-                </a:solidFill>
-                <a:latin typeface="Courier" pitchFamily="2" charset="0"/>
-              </a:rPr>
-              <a:t>i</a:t>
-            </a:r>
-            <a:r>
-              <a:rPr kumimoji="1" lang="en-US" altLang="zh-CN" dirty="0">
-                <a:solidFill>
-                  <a:schemeClr val="accent6">
-                    <a:lumMod val="50000"/>
-                  </a:schemeClr>
-                </a:solidFill>
-                <a:latin typeface="Courier" pitchFamily="2" charset="0"/>
-              </a:rPr>
-              <a:t>; </a:t>
-            </a:r>
-          </a:p>
-          <a:p>
-            <a:pPr marL="685800" lvl="1" indent="0">
-              <a:buNone/>
-            </a:pPr>
-            <a:r>
-              <a:rPr kumimoji="1" lang="en-US" altLang="zh-CN" dirty="0" err="1">
-                <a:solidFill>
-                  <a:schemeClr val="accent6">
-                    <a:lumMod val="50000"/>
-                  </a:schemeClr>
-                </a:solidFill>
-                <a:latin typeface="Courier" pitchFamily="2" charset="0"/>
-              </a:rPr>
-              <a:t>cout</a:t>
-            </a:r>
-            <a:r>
-              <a:rPr kumimoji="1" lang="en-US" altLang="zh-CN" dirty="0">
-                <a:solidFill>
-                  <a:schemeClr val="accent6">
-                    <a:lumMod val="50000"/>
-                  </a:schemeClr>
-                </a:solidFill>
-                <a:latin typeface="Courier" pitchFamily="2" charset="0"/>
-              </a:rPr>
-              <a:t> &lt;&lt; </a:t>
-            </a:r>
-            <a:r>
-              <a:rPr kumimoji="1" lang="en-US" altLang="zh-CN" dirty="0" err="1">
-                <a:solidFill>
-                  <a:schemeClr val="accent6">
-                    <a:lumMod val="50000"/>
-                  </a:schemeClr>
-                </a:solidFill>
-                <a:latin typeface="Courier" pitchFamily="2" charset="0"/>
-              </a:rPr>
-              <a:t>i</a:t>
-            </a:r>
-            <a:r>
-              <a:rPr kumimoji="1" lang="en-US" altLang="zh-CN" dirty="0">
-                <a:solidFill>
-                  <a:schemeClr val="accent6">
-                    <a:lumMod val="50000"/>
-                  </a:schemeClr>
-                </a:solidFill>
-                <a:latin typeface="Courier" pitchFamily="2" charset="0"/>
-              </a:rPr>
-              <a:t>; //what is i's value?</a:t>
-            </a:r>
-          </a:p>
-          <a:p>
-            <a:endParaRPr kumimoji="1" lang="en-US" altLang="zh-CN" dirty="0"/>
-          </a:p>
-        </p:txBody>
-      </p:sp>
-    </p:spTree>
-    <p:extLst>
-      <p:ext uri="{BB962C8B-B14F-4D97-AF65-F5344CB8AC3E}">
-        <p14:creationId xmlns:p14="http://schemas.microsoft.com/office/powerpoint/2010/main" val="2512627072"/>
-      </p:ext>
-    </p:extLst>
-  </p:cSld>
-  <p:clrMapOvr>
-    <a:masterClrMapping/>
-  </p:clrMapOvr>
-</p:sld>
-</file>
-
-<file path=ppt/slides/slide30.xml><?xml version="1.0" encoding="utf-8"?>
+<file path=ppt/slides/slide32.xml><?xml version="1.0" encoding="utf-8"?>
 <p:sld xmlns:a="http://schemas.openxmlformats.org/drawingml/2006/main" xmlns:r="http://schemas.openxmlformats.org/officeDocument/2006/relationships" xmlns:p="http://schemas.openxmlformats.org/presentationml/2006/main">
   <p:cSld>
     <p:spTree>
@@ -17937,7 +19371,7 @@
 </p:sld>
 </file>
 
-<file path=ppt/slides/slide31.xml><?xml version="1.0" encoding="utf-8"?>
+<file path=ppt/slides/slide33.xml><?xml version="1.0" encoding="utf-8"?>
 <p:sld xmlns:a="http://schemas.openxmlformats.org/drawingml/2006/main" xmlns:r="http://schemas.openxmlformats.org/officeDocument/2006/relationships" xmlns:p="http://schemas.openxmlformats.org/presentationml/2006/main">
   <p:cSld>
     <p:spTree>
@@ -18738,7 +20172,7 @@
 </p:sld>
 </file>
 
-<file path=ppt/slides/slide32.xml><?xml version="1.0" encoding="utf-8"?>
+<file path=ppt/slides/slide34.xml><?xml version="1.0" encoding="utf-8"?>
 <p:sld xmlns:a="http://schemas.openxmlformats.org/drawingml/2006/main" xmlns:r="http://schemas.openxmlformats.org/officeDocument/2006/relationships" xmlns:p="http://schemas.openxmlformats.org/presentationml/2006/main">
   <p:cSld>
     <p:spTree>
@@ -19629,7 +21063,7 @@
 </p:sld>
 </file>
 
-<file path=ppt/slides/slide33.xml><?xml version="1.0" encoding="utf-8"?>
+<file path=ppt/slides/slide35.xml><?xml version="1.0" encoding="utf-8"?>
 <p:sld xmlns:a="http://schemas.openxmlformats.org/drawingml/2006/main" xmlns:r="http://schemas.openxmlformats.org/officeDocument/2006/relationships" xmlns:p="http://schemas.openxmlformats.org/presentationml/2006/main">
   <p:cSld>
     <p:spTree>
@@ -20254,10 +21688,172 @@
   <p:clrMapOvr>
     <a:masterClrMapping/>
   </p:clrMapOvr>
+  <p:timing>
+    <p:tnLst>
+      <p:par>
+        <p:cTn id="1" dur="indefinite" restart="never" nodeType="tmRoot">
+          <p:childTnLst>
+            <p:seq concurrent="1" nextAc="seek">
+              <p:cTn id="2" dur="indefinite" nodeType="mainSeq">
+                <p:childTnLst>
+                  <p:par>
+                    <p:cTn id="3" fill="hold">
+                      <p:stCondLst>
+                        <p:cond delay="indefinite"/>
+                      </p:stCondLst>
+                      <p:childTnLst>
+                        <p:par>
+                          <p:cTn id="4" fill="hold">
+                            <p:stCondLst>
+                              <p:cond delay="0"/>
+                            </p:stCondLst>
+                            <p:childTnLst>
+                              <p:par>
+                                <p:cTn id="5" presetID="1" presetClass="entr" presetSubtype="0" fill="hold" grpId="0" nodeType="clickEffect">
+                                  <p:stCondLst>
+                                    <p:cond delay="0"/>
+                                  </p:stCondLst>
+                                  <p:childTnLst>
+                                    <p:set>
+                                      <p:cBhvr>
+                                        <p:cTn id="6" dur="1" fill="hold">
+                                          <p:stCondLst>
+                                            <p:cond delay="0"/>
+                                          </p:stCondLst>
+                                        </p:cTn>
+                                        <p:tgtEl>
+                                          <p:spTgt spid="10"/>
+                                        </p:tgtEl>
+                                        <p:attrNameLst>
+                                          <p:attrName>style.visibility</p:attrName>
+                                        </p:attrNameLst>
+                                      </p:cBhvr>
+                                      <p:to>
+                                        <p:strVal val="visible"/>
+                                      </p:to>
+                                    </p:set>
+                                  </p:childTnLst>
+                                </p:cTn>
+                              </p:par>
+                              <p:par>
+                                <p:cTn id="7" presetID="1" presetClass="entr" presetSubtype="0" fill="hold" grpId="0" nodeType="withEffect">
+                                  <p:stCondLst>
+                                    <p:cond delay="0"/>
+                                  </p:stCondLst>
+                                  <p:childTnLst>
+                                    <p:set>
+                                      <p:cBhvr>
+                                        <p:cTn id="8" dur="1" fill="hold">
+                                          <p:stCondLst>
+                                            <p:cond delay="0"/>
+                                          </p:stCondLst>
+                                        </p:cTn>
+                                        <p:tgtEl>
+                                          <p:spTgt spid="11"/>
+                                        </p:tgtEl>
+                                        <p:attrNameLst>
+                                          <p:attrName>style.visibility</p:attrName>
+                                        </p:attrNameLst>
+                                      </p:cBhvr>
+                                      <p:to>
+                                        <p:strVal val="visible"/>
+                                      </p:to>
+                                    </p:set>
+                                  </p:childTnLst>
+                                </p:cTn>
+                              </p:par>
+                              <p:par>
+                                <p:cTn id="9" presetID="1" presetClass="entr" presetSubtype="0" fill="hold" grpId="0" nodeType="withEffect">
+                                  <p:stCondLst>
+                                    <p:cond delay="0"/>
+                                  </p:stCondLst>
+                                  <p:childTnLst>
+                                    <p:set>
+                                      <p:cBhvr>
+                                        <p:cTn id="10" dur="1" fill="hold">
+                                          <p:stCondLst>
+                                            <p:cond delay="0"/>
+                                          </p:stCondLst>
+                                        </p:cTn>
+                                        <p:tgtEl>
+                                          <p:spTgt spid="9"/>
+                                        </p:tgtEl>
+                                        <p:attrNameLst>
+                                          <p:attrName>style.visibility</p:attrName>
+                                        </p:attrNameLst>
+                                      </p:cBhvr>
+                                      <p:to>
+                                        <p:strVal val="visible"/>
+                                      </p:to>
+                                    </p:set>
+                                  </p:childTnLst>
+                                </p:cTn>
+                              </p:par>
+                              <p:par>
+                                <p:cTn id="11" presetID="1" presetClass="entr" presetSubtype="0" fill="hold" grpId="0" nodeType="withEffect">
+                                  <p:stCondLst>
+                                    <p:cond delay="0"/>
+                                  </p:stCondLst>
+                                  <p:childTnLst>
+                                    <p:set>
+                                      <p:cBhvr>
+                                        <p:cTn id="12" dur="1" fill="hold">
+                                          <p:stCondLst>
+                                            <p:cond delay="0"/>
+                                          </p:stCondLst>
+                                        </p:cTn>
+                                        <p:tgtEl>
+                                          <p:spTgt spid="12"/>
+                                        </p:tgtEl>
+                                        <p:attrNameLst>
+                                          <p:attrName>style.visibility</p:attrName>
+                                        </p:attrNameLst>
+                                      </p:cBhvr>
+                                      <p:to>
+                                        <p:strVal val="visible"/>
+                                      </p:to>
+                                    </p:set>
+                                  </p:childTnLst>
+                                </p:cTn>
+                              </p:par>
+                            </p:childTnLst>
+                          </p:cTn>
+                        </p:par>
+                      </p:childTnLst>
+                    </p:cTn>
+                  </p:par>
+                </p:childTnLst>
+              </p:cTn>
+              <p:prevCondLst>
+                <p:cond evt="onPrev" delay="0">
+                  <p:tgtEl>
+                    <p:sldTgt/>
+                  </p:tgtEl>
+                </p:cond>
+              </p:prevCondLst>
+              <p:nextCondLst>
+                <p:cond evt="onNext" delay="0">
+                  <p:tgtEl>
+                    <p:sldTgt/>
+                  </p:tgtEl>
+                </p:cond>
+              </p:nextCondLst>
+            </p:seq>
+          </p:childTnLst>
+        </p:cTn>
+      </p:par>
+    </p:tnLst>
+    <p:bldLst>
+      <p:bldP spid="9" grpId="0"/>
+      <p:bldP spid="10" grpId="0"/>
+      <p:bldP spid="11" grpId="0" animBg="1"/>
+      <p:bldP spid="12" grpId="0"/>
+    </p:bldLst>
+  </p:timing>
 </p:sld>
 </file>
 
-<file path=ppt/slides/slide34.xml><?xml version="1.0" encoding="utf-8"?>
+<file path=ppt/slides/slide36.xml><?xml version="1.0" encoding="utf-8"?>
 <p:sld xmlns:a="http://schemas.openxmlformats.org/drawingml/2006/main" xmlns:r="http://schemas.openxmlformats.org/officeDocument/2006/relationships" xmlns:p="http://schemas.openxmlformats.org/presentationml/2006/main">
   <p:cSld>
     <p:spTree>
@@ -20576,7 +22172,7 @@
 </p:sld>
 </file>
 
-<file path=ppt/slides/slide35.xml><?xml version="1.0" encoding="utf-8"?>
+<file path=ppt/slides/slide37.xml><?xml version="1.0" encoding="utf-8"?>
 <p:sld xmlns:a="http://schemas.openxmlformats.org/drawingml/2006/main" xmlns:r="http://schemas.openxmlformats.org/officeDocument/2006/relationships" xmlns:p="http://schemas.openxmlformats.org/presentationml/2006/main">
   <p:cSld>
     <p:spTree>
@@ -20765,7 +22361,84 @@
             </a:r>
           </a:p>
           <a:p>
-            <a:pPr lvl="1"/>
+            <a:pPr marL="685800" lvl="2" indent="0">
+              <a:buNone/>
+            </a:pPr>
+            <a:r>
+              <a:rPr lang="en" altLang="zh-CN" sz="2200" dirty="0">
+                <a:solidFill>
+                  <a:srgbClr val="0000FF"/>
+                </a:solidFill>
+                <a:latin typeface="Menlo" panose="020B0609030804020204" pitchFamily="49" charset="0"/>
+              </a:rPr>
+              <a:t>  float</a:t>
+            </a:r>
+            <a:r>
+              <a:rPr lang="en" altLang="zh-CN" sz="2200" dirty="0">
+                <a:solidFill>
+                  <a:srgbClr val="000000"/>
+                </a:solidFill>
+                <a:latin typeface="Menlo" panose="020B0609030804020204" pitchFamily="49" charset="0"/>
+              </a:rPr>
+              <a:t> </a:t>
+            </a:r>
+            <a:r>
+              <a:rPr lang="en" altLang="zh-CN" sz="2200" dirty="0">
+                <a:solidFill>
+                  <a:srgbClr val="001080"/>
+                </a:solidFill>
+                <a:latin typeface="Menlo" panose="020B0609030804020204" pitchFamily="49" charset="0"/>
+              </a:rPr>
+              <a:t>f</a:t>
+            </a:r>
+            <a:r>
+              <a:rPr lang="en" altLang="zh-CN" sz="2200" dirty="0">
+                <a:solidFill>
+                  <a:srgbClr val="000000"/>
+                </a:solidFill>
+                <a:latin typeface="Menlo" panose="020B0609030804020204" pitchFamily="49" charset="0"/>
+              </a:rPr>
+              <a:t> = </a:t>
+            </a:r>
+            <a:r>
+              <a:rPr lang="en" altLang="zh-CN" sz="2200" dirty="0">
+                <a:solidFill>
+                  <a:srgbClr val="098658"/>
+                </a:solidFill>
+                <a:latin typeface="Menlo" panose="020B0609030804020204" pitchFamily="49" charset="0"/>
+              </a:rPr>
+              <a:t>17</a:t>
+            </a:r>
+            <a:r>
+              <a:rPr lang="en" altLang="zh-CN" sz="2200" dirty="0">
+                <a:solidFill>
+                  <a:srgbClr val="000000"/>
+                </a:solidFill>
+                <a:latin typeface="Menlo" panose="020B0609030804020204" pitchFamily="49" charset="0"/>
+              </a:rPr>
+              <a:t> / </a:t>
+            </a:r>
+            <a:r>
+              <a:rPr lang="en" altLang="zh-CN" sz="2200" dirty="0">
+                <a:solidFill>
+                  <a:srgbClr val="098658"/>
+                </a:solidFill>
+                <a:latin typeface="Menlo" panose="020B0609030804020204" pitchFamily="49" charset="0"/>
+              </a:rPr>
+              <a:t>5.f</a:t>
+            </a:r>
+            <a:r>
+              <a:rPr lang="en" altLang="zh-CN" sz="2200" dirty="0">
+                <a:solidFill>
+                  <a:prstClr val="black"/>
+                </a:solidFill>
+                <a:latin typeface="Menlo" panose="020B0609030804020204" pitchFamily="49" charset="0"/>
+              </a:rPr>
+              <a:t>; // f will be 3.4f.</a:t>
+            </a:r>
+            <a:endParaRPr kumimoji="1" lang="en-US" altLang="zh-CN" dirty="0"/>
+          </a:p>
+          <a:p>
             <a:endParaRPr kumimoji="1" lang="en-US" altLang="zh-CN" dirty="0"/>
           </a:p>
           <a:p>
@@ -20787,10 +22460,151 @@
   <p:clrMapOvr>
     <a:masterClrMapping/>
   </p:clrMapOvr>
+  <p:timing>
+    <p:tnLst>
+      <p:par>
+        <p:cTn id="1" dur="indefinite" restart="never" nodeType="tmRoot">
+          <p:childTnLst>
+            <p:seq concurrent="1" nextAc="seek">
+              <p:cTn id="2" dur="indefinite" nodeType="mainSeq">
+                <p:childTnLst>
+                  <p:par>
+                    <p:cTn id="3" fill="hold">
+                      <p:stCondLst>
+                        <p:cond delay="indefinite"/>
+                      </p:stCondLst>
+                      <p:childTnLst>
+                        <p:par>
+                          <p:cTn id="4" fill="hold">
+                            <p:stCondLst>
+                              <p:cond delay="0"/>
+                            </p:stCondLst>
+                            <p:childTnLst>
+                              <p:par>
+                                <p:cTn id="5" presetID="1" presetClass="entr" presetSubtype="0" fill="hold" nodeType="clickEffect">
+                                  <p:stCondLst>
+                                    <p:cond delay="0"/>
+                                  </p:stCondLst>
+                                  <p:childTnLst>
+                                    <p:set>
+                                      <p:cBhvr>
+                                        <p:cTn id="6" dur="1" fill="hold">
+                                          <p:stCondLst>
+                                            <p:cond delay="0"/>
+                                          </p:stCondLst>
+                                        </p:cTn>
+                                        <p:tgtEl>
+                                          <p:spTgt spid="3">
+                                            <p:txEl>
+                                              <p:pRg st="5" end="5"/>
+                                            </p:txEl>
+                                          </p:spTgt>
+                                        </p:tgtEl>
+                                        <p:attrNameLst>
+                                          <p:attrName>style.visibility</p:attrName>
+                                        </p:attrNameLst>
+                                      </p:cBhvr>
+                                      <p:to>
+                                        <p:strVal val="visible"/>
+                                      </p:to>
+                                    </p:set>
+                                  </p:childTnLst>
+                                </p:cTn>
+                              </p:par>
+                              <p:par>
+                                <p:cTn id="7" presetID="1" presetClass="entr" presetSubtype="0" fill="hold" nodeType="withEffect">
+                                  <p:stCondLst>
+                                    <p:cond delay="0"/>
+                                  </p:stCondLst>
+                                  <p:childTnLst>
+                                    <p:set>
+                                      <p:cBhvr>
+                                        <p:cTn id="8" dur="1" fill="hold">
+                                          <p:stCondLst>
+                                            <p:cond delay="0"/>
+                                          </p:stCondLst>
+                                        </p:cTn>
+                                        <p:tgtEl>
+                                          <p:spTgt spid="3">
+                                            <p:txEl>
+                                              <p:pRg st="6" end="6"/>
+                                            </p:txEl>
+                                          </p:spTgt>
+                                        </p:tgtEl>
+                                        <p:attrNameLst>
+                                          <p:attrName>style.visibility</p:attrName>
+                                        </p:attrNameLst>
+                                      </p:cBhvr>
+                                      <p:to>
+                                        <p:strVal val="visible"/>
+                                      </p:to>
+                                    </p:set>
+                                  </p:childTnLst>
+                                </p:cTn>
+                              </p:par>
+                              <p:par>
+                                <p:cTn id="9" presetID="1" presetClass="entr" presetSubtype="0" fill="hold" nodeType="withEffect">
+                                  <p:stCondLst>
+                                    <p:cond delay="0"/>
+                                  </p:stCondLst>
+                                  <p:childTnLst>
+                                    <p:set>
+                                      <p:cBhvr>
+                                        <p:cTn id="10" dur="1" fill="hold">
+                                          <p:stCondLst>
+                                            <p:cond delay="0"/>
+                                          </p:stCondLst>
+                                        </p:cTn>
+                                        <p:tgtEl>
+                                          <p:spTgt spid="3">
+                                            <p:txEl>
+                                              <p:pRg st="7" end="7"/>
+                                            </p:txEl>
+                                          </p:spTgt>
+                                        </p:tgtEl>
+                                        <p:attrNameLst>
+                                          <p:attrName>style.visibility</p:attrName>
+                                        </p:attrNameLst>
+                                      </p:cBhvr>
+                                      <p:to>
+                                        <p:strVal val="visible"/>
+                                      </p:to>
+                                    </p:set>
+                                  </p:childTnLst>
+                                </p:cTn>
+                              </p:par>
+                            </p:childTnLst>
+                          </p:cTn>
+                        </p:par>
+                      </p:childTnLst>
+                    </p:cTn>
+                  </p:par>
+                </p:childTnLst>
+              </p:cTn>
+              <p:prevCondLst>
+                <p:cond evt="onPrev" delay="0">
+                  <p:tgtEl>
+                    <p:sldTgt/>
+                  </p:tgtEl>
+                </p:cond>
+              </p:prevCondLst>
+              <p:nextCondLst>
+                <p:cond evt="onNext" delay="0">
+                  <p:tgtEl>
+                    <p:sldTgt/>
+                  </p:tgtEl>
+                </p:cond>
+              </p:nextCondLst>
+            </p:seq>
+          </p:childTnLst>
+        </p:cTn>
+      </p:par>
+    </p:tnLst>
+  </p:timing>
 </p:sld>
 </file>
 
-<file path=ppt/slides/slide36.xml><?xml version="1.0" encoding="utf-8"?>
+<file path=ppt/slides/slide38.xml><?xml version="1.0" encoding="utf-8"?>
 <p:sld xmlns:a="http://schemas.openxmlformats.org/drawingml/2006/main" xmlns:r="http://schemas.openxmlformats.org/officeDocument/2006/relationships" xmlns:p="http://schemas.openxmlformats.org/presentationml/2006/main">
   <p:cSld>
     <p:spTree>
@@ -21317,7 +23131,7 @@
 </p:sld>
 </file>
 
-<file path=ppt/slides/slide37.xml><?xml version="1.0" encoding="utf-8"?>
+<file path=ppt/slides/slide39.xml><?xml version="1.0" encoding="utf-8"?>
 <p:sld xmlns:a="http://schemas.openxmlformats.org/drawingml/2006/main" xmlns:r="http://schemas.openxmlformats.org/officeDocument/2006/relationships" xmlns:p="http://schemas.openxmlformats.org/presentationml/2006/main">
   <p:cSld>
     <p:spTree>
@@ -23832,11 +25646,11 @@
             </a:r>
             <a:r>
               <a:rPr kumimoji="1" lang="en-US" altLang="zh-CN" dirty="0"/>
-              <a:t>. Its range </a:t>
+              <a:t>. Its range is</a:t>
             </a:r>
             <a:r>
               <a:rPr kumimoji="1" lang="en-US" altLang="zh-CN" b="1" dirty="0"/>
-              <a:t>may be </a:t>
+              <a:t> </a:t>
             </a:r>
             <a:r>
               <a:rPr kumimoji="1" lang="en-US" altLang="zh-CN" dirty="0"/>
@@ -23856,7 +25670,7 @@
             </a:r>
             <a:r>
               <a:rPr kumimoji="1" lang="en-US" altLang="zh-CN" dirty="0"/>
-              <a:t>-1].</a:t>
+              <a:t>-1] if it’s 32-bit.</a:t>
             </a:r>
           </a:p>
           <a:p>
@@ -23871,11 +25685,11 @@
             </a:r>
             <a:r>
               <a:rPr kumimoji="1" lang="en-US" altLang="zh-CN" dirty="0"/>
-              <a:t>: Its range </a:t>
+              <a:t>: Its range is</a:t>
             </a:r>
             <a:r>
               <a:rPr kumimoji="1" lang="en-US" altLang="zh-CN" b="1" dirty="0"/>
-              <a:t>may be </a:t>
+              <a:t> </a:t>
             </a:r>
             <a:r>
               <a:rPr kumimoji="1" lang="en-US" altLang="zh-CN" dirty="0"/>
@@ -23887,7 +25701,7 @@
             </a:r>
             <a:r>
               <a:rPr kumimoji="1" lang="en-US" altLang="zh-CN" dirty="0"/>
-              <a:t>-1].</a:t>
+              <a:t>-1] if it’s 32-bit.</a:t>
             </a:r>
           </a:p>
           <a:p>

--- a/week02/Lecture02.pptx
+++ b/week02/Lecture02.pptx
@@ -3645,7 +3645,7 @@
           <a:p>
             <a:fld id="{FC19A4FA-3D9A-4114-B0D5-759CBD56F1AB}" type="datetimeFigureOut">
               <a:rPr lang="zh-CN" altLang="en-US" smtClean="0"/>
-              <a:t>2021/9/12</a:t>
+              <a:t>2021/9/21</a:t>
             </a:fld>
             <a:endParaRPr lang="zh-CN" altLang="en-US"/>
           </a:p>
@@ -3848,7 +3848,7 @@
           <a:p>
             <a:fld id="{FC19A4FA-3D9A-4114-B0D5-759CBD56F1AB}" type="datetimeFigureOut">
               <a:rPr lang="zh-CN" altLang="en-US" smtClean="0"/>
-              <a:t>2021/9/12</a:t>
+              <a:t>2021/9/21</a:t>
             </a:fld>
             <a:endParaRPr lang="zh-CN" altLang="en-US"/>
           </a:p>
@@ -4026,7 +4026,7 @@
           <a:p>
             <a:fld id="{FC19A4FA-3D9A-4114-B0D5-759CBD56F1AB}" type="datetimeFigureOut">
               <a:rPr lang="zh-CN" altLang="en-US" smtClean="0"/>
-              <a:t>2021/9/12</a:t>
+              <a:t>2021/9/21</a:t>
             </a:fld>
             <a:endParaRPr lang="zh-CN" altLang="en-US"/>
           </a:p>
@@ -4250,7 +4250,7 @@
           <a:p>
             <a:fld id="{FC19A4FA-3D9A-4114-B0D5-759CBD56F1AB}" type="datetimeFigureOut">
               <a:rPr lang="zh-CN" altLang="en-US" smtClean="0"/>
-              <a:t>2021/9/12</a:t>
+              <a:t>2021/9/21</a:t>
             </a:fld>
             <a:endParaRPr lang="zh-CN" altLang="en-US"/>
           </a:p>
@@ -4484,7 +4484,7 @@
           <a:p>
             <a:fld id="{FC19A4FA-3D9A-4114-B0D5-759CBD56F1AB}" type="datetimeFigureOut">
               <a:rPr lang="zh-CN" altLang="en-US" smtClean="0"/>
-              <a:t>2021/9/12</a:t>
+              <a:t>2021/9/21</a:t>
             </a:fld>
             <a:endParaRPr lang="zh-CN" altLang="en-US"/>
           </a:p>
@@ -4883,7 +4883,7 @@
           <a:p>
             <a:fld id="{FC19A4FA-3D9A-4114-B0D5-759CBD56F1AB}" type="datetimeFigureOut">
               <a:rPr lang="zh-CN" altLang="en-US" smtClean="0"/>
-              <a:t>2021/9/12</a:t>
+              <a:t>2021/9/21</a:t>
             </a:fld>
             <a:endParaRPr lang="zh-CN" altLang="en-US"/>
           </a:p>
@@ -5163,7 +5163,7 @@
           <a:p>
             <a:fld id="{FC19A4FA-3D9A-4114-B0D5-759CBD56F1AB}" type="datetimeFigureOut">
               <a:rPr lang="zh-CN" altLang="en-US" smtClean="0"/>
-              <a:t>2021/9/12</a:t>
+              <a:t>2021/9/21</a:t>
             </a:fld>
             <a:endParaRPr lang="zh-CN" altLang="en-US"/>
           </a:p>
@@ -5315,7 +5315,7 @@
           <a:p>
             <a:fld id="{FC19A4FA-3D9A-4114-B0D5-759CBD56F1AB}" type="datetimeFigureOut">
               <a:rPr lang="zh-CN" altLang="en-US" smtClean="0"/>
-              <a:t>2021/9/12</a:t>
+              <a:t>2021/9/21</a:t>
             </a:fld>
             <a:endParaRPr lang="zh-CN" altLang="en-US"/>
           </a:p>
@@ -5445,7 +5445,7 @@
           <a:p>
             <a:fld id="{FC19A4FA-3D9A-4114-B0D5-759CBD56F1AB}" type="datetimeFigureOut">
               <a:rPr lang="zh-CN" altLang="en-US" smtClean="0"/>
-              <a:t>2021/9/12</a:t>
+              <a:t>2021/9/21</a:t>
             </a:fld>
             <a:endParaRPr lang="zh-CN" altLang="en-US"/>
           </a:p>
@@ -5755,7 +5755,7 @@
           <a:p>
             <a:fld id="{FC19A4FA-3D9A-4114-B0D5-759CBD56F1AB}" type="datetimeFigureOut">
               <a:rPr lang="zh-CN" altLang="en-US" smtClean="0"/>
-              <a:t>2021/9/12</a:t>
+              <a:t>2021/9/21</a:t>
             </a:fld>
             <a:endParaRPr lang="zh-CN" altLang="en-US"/>
           </a:p>
@@ -6042,7 +6042,7 @@
           <a:p>
             <a:fld id="{FC19A4FA-3D9A-4114-B0D5-759CBD56F1AB}" type="datetimeFigureOut">
               <a:rPr lang="zh-CN" altLang="en-US" smtClean="0"/>
-              <a:t>2021/9/12</a:t>
+              <a:t>2021/9/21</a:t>
             </a:fld>
             <a:endParaRPr lang="zh-CN" altLang="en-US"/>
           </a:p>
@@ -6335,7 +6335,7 @@
           <a:p>
             <a:fld id="{FC19A4FA-3D9A-4114-B0D5-759CBD56F1AB}" type="datetimeFigureOut">
               <a:rPr lang="zh-CN" altLang="en-US" smtClean="0"/>
-              <a:t>2021/9/12</a:t>
+              <a:t>2021/9/21</a:t>
             </a:fld>
             <a:endParaRPr lang="zh-CN" altLang="en-US"/>
           </a:p>
@@ -20359,7 +20359,25 @@
                 </a:solidFill>
                 <a:latin typeface="Menlo" panose="020B0609030804020204" pitchFamily="49" charset="0"/>
               </a:rPr>
-              <a:t> // assigning an int value to num_int1</a:t>
+              <a:t> </a:t>
+            </a:r>
+            <a:r>
+              <a:rPr lang="en" altLang="zh-CN">
+                <a:solidFill>
+                  <a:srgbClr val="008000"/>
+                </a:solidFill>
+                <a:latin typeface="Menlo" panose="020B0609030804020204" pitchFamily="49" charset="0"/>
+              </a:rPr>
+              <a:t>// initializing </a:t>
+            </a:r>
+            <a:r>
+              <a:rPr lang="en" altLang="zh-CN" dirty="0">
+                <a:solidFill>
+                  <a:srgbClr val="008000"/>
+                </a:solidFill>
+                <a:latin typeface="Menlo" panose="020B0609030804020204" pitchFamily="49" charset="0"/>
+              </a:rPr>
+              <a:t>an int value to num_int1</a:t>
             </a:r>
             <a:endParaRPr lang="en" altLang="zh-CN" dirty="0">
               <a:solidFill>

--- a/week02/Lecture02.pptx
+++ b/week02/Lecture02.pptx
@@ -3645,7 +3645,7 @@
           <a:p>
             <a:fld id="{FC19A4FA-3D9A-4114-B0D5-759CBD56F1AB}" type="datetimeFigureOut">
               <a:rPr lang="zh-CN" altLang="en-US" smtClean="0"/>
-              <a:t>2021/9/21</a:t>
+              <a:t>2022/9/13</a:t>
             </a:fld>
             <a:endParaRPr lang="zh-CN" altLang="en-US"/>
           </a:p>
@@ -3848,7 +3848,7 @@
           <a:p>
             <a:fld id="{FC19A4FA-3D9A-4114-B0D5-759CBD56F1AB}" type="datetimeFigureOut">
               <a:rPr lang="zh-CN" altLang="en-US" smtClean="0"/>
-              <a:t>2021/9/21</a:t>
+              <a:t>2022/9/13</a:t>
             </a:fld>
             <a:endParaRPr lang="zh-CN" altLang="en-US"/>
           </a:p>
@@ -4026,7 +4026,7 @@
           <a:p>
             <a:fld id="{FC19A4FA-3D9A-4114-B0D5-759CBD56F1AB}" type="datetimeFigureOut">
               <a:rPr lang="zh-CN" altLang="en-US" smtClean="0"/>
-              <a:t>2021/9/21</a:t>
+              <a:t>2022/9/13</a:t>
             </a:fld>
             <a:endParaRPr lang="zh-CN" altLang="en-US"/>
           </a:p>
@@ -4250,7 +4250,7 @@
           <a:p>
             <a:fld id="{FC19A4FA-3D9A-4114-B0D5-759CBD56F1AB}" type="datetimeFigureOut">
               <a:rPr lang="zh-CN" altLang="en-US" smtClean="0"/>
-              <a:t>2021/9/21</a:t>
+              <a:t>2022/9/13</a:t>
             </a:fld>
             <a:endParaRPr lang="zh-CN" altLang="en-US"/>
           </a:p>
@@ -4484,7 +4484,7 @@
           <a:p>
             <a:fld id="{FC19A4FA-3D9A-4114-B0D5-759CBD56F1AB}" type="datetimeFigureOut">
               <a:rPr lang="zh-CN" altLang="en-US" smtClean="0"/>
-              <a:t>2021/9/21</a:t>
+              <a:t>2022/9/13</a:t>
             </a:fld>
             <a:endParaRPr lang="zh-CN" altLang="en-US"/>
           </a:p>
@@ -4883,7 +4883,7 @@
           <a:p>
             <a:fld id="{FC19A4FA-3D9A-4114-B0D5-759CBD56F1AB}" type="datetimeFigureOut">
               <a:rPr lang="zh-CN" altLang="en-US" smtClean="0"/>
-              <a:t>2021/9/21</a:t>
+              <a:t>2022/9/13</a:t>
             </a:fld>
             <a:endParaRPr lang="zh-CN" altLang="en-US"/>
           </a:p>
@@ -5163,7 +5163,7 @@
           <a:p>
             <a:fld id="{FC19A4FA-3D9A-4114-B0D5-759CBD56F1AB}" type="datetimeFigureOut">
               <a:rPr lang="zh-CN" altLang="en-US" smtClean="0"/>
-              <a:t>2021/9/21</a:t>
+              <a:t>2022/9/13</a:t>
             </a:fld>
             <a:endParaRPr lang="zh-CN" altLang="en-US"/>
           </a:p>
@@ -5315,7 +5315,7 @@
           <a:p>
             <a:fld id="{FC19A4FA-3D9A-4114-B0D5-759CBD56F1AB}" type="datetimeFigureOut">
               <a:rPr lang="zh-CN" altLang="en-US" smtClean="0"/>
-              <a:t>2021/9/21</a:t>
+              <a:t>2022/9/13</a:t>
             </a:fld>
             <a:endParaRPr lang="zh-CN" altLang="en-US"/>
           </a:p>
@@ -5445,7 +5445,7 @@
           <a:p>
             <a:fld id="{FC19A4FA-3D9A-4114-B0D5-759CBD56F1AB}" type="datetimeFigureOut">
               <a:rPr lang="zh-CN" altLang="en-US" smtClean="0"/>
-              <a:t>2021/9/21</a:t>
+              <a:t>2022/9/13</a:t>
             </a:fld>
             <a:endParaRPr lang="zh-CN" altLang="en-US"/>
           </a:p>
@@ -5755,7 +5755,7 @@
           <a:p>
             <a:fld id="{FC19A4FA-3D9A-4114-B0D5-759CBD56F1AB}" type="datetimeFigureOut">
               <a:rPr lang="zh-CN" altLang="en-US" smtClean="0"/>
-              <a:t>2021/9/21</a:t>
+              <a:t>2022/9/13</a:t>
             </a:fld>
             <a:endParaRPr lang="zh-CN" altLang="en-US"/>
           </a:p>
@@ -6042,7 +6042,7 @@
           <a:p>
             <a:fld id="{FC19A4FA-3D9A-4114-B0D5-759CBD56F1AB}" type="datetimeFigureOut">
               <a:rPr lang="zh-CN" altLang="en-US" smtClean="0"/>
-              <a:t>2021/9/21</a:t>
+              <a:t>2022/9/13</a:t>
             </a:fld>
             <a:endParaRPr lang="zh-CN" altLang="en-US"/>
           </a:p>
@@ -6335,7 +6335,7 @@
           <a:p>
             <a:fld id="{FC19A4FA-3D9A-4114-B0D5-759CBD56F1AB}" type="datetimeFigureOut">
               <a:rPr lang="zh-CN" altLang="en-US" smtClean="0"/>
-              <a:t>2021/9/21</a:t>
+              <a:t>2022/9/13</a:t>
             </a:fld>
             <a:endParaRPr lang="zh-CN" altLang="en-US"/>
           </a:p>
@@ -17382,7 +17382,7 @@
                 </a:solidFill>
                 <a:latin typeface="Menlo" panose="020B0609030804020204" pitchFamily="49" charset="0"/>
               </a:rPr>
-              <a:t>PI</a:t>
+              <a:t>pi</a:t>
             </a:r>
             <a:r>
               <a:rPr lang="en" altLang="zh-CN" dirty="0">
@@ -17417,22 +17417,31 @@
               <a:buNone/>
             </a:pPr>
             <a:r>
-              <a:rPr lang="en" altLang="zh-CN" dirty="0">
+              <a:rPr lang="en" altLang="zh-CN">
                 <a:solidFill>
                   <a:srgbClr val="001080"/>
                 </a:solidFill>
                 <a:latin typeface="Menlo" panose="020B0609030804020204" pitchFamily="49" charset="0"/>
               </a:rPr>
-              <a:t>PI</a:t>
-            </a:r>
-            <a:r>
-              <a:rPr lang="en" altLang="zh-CN" dirty="0">
+              <a:t>pi</a:t>
+            </a:r>
+            <a:r>
+              <a:rPr lang="en" altLang="zh-CN">
                 <a:solidFill>
                   <a:srgbClr val="000000"/>
                 </a:solidFill>
                 <a:latin typeface="Menlo" panose="020B0609030804020204" pitchFamily="49" charset="0"/>
               </a:rPr>
-              <a:t> += </a:t>
+              <a:t> </a:t>
+            </a:r>
+            <a:r>
+              <a:rPr lang="en" altLang="zh-CN" dirty="0">
+                <a:solidFill>
+                  <a:srgbClr val="000000"/>
+                </a:solidFill>
+                <a:latin typeface="Menlo" panose="020B0609030804020204" pitchFamily="49" charset="0"/>
+              </a:rPr>
+              <a:t>+= </a:t>
             </a:r>
             <a:r>
               <a:rPr lang="en" altLang="zh-CN" dirty="0">
@@ -21396,7 +21405,7 @@
                 </a:solidFill>
                 <a:latin typeface="Menlo" panose="020B0609030804020204" pitchFamily="49" charset="0"/>
               </a:rPr>
-              <a:t>0x7ABCDEF0</a:t>
+              <a:t>100000004</a:t>
             </a:r>
             <a:r>
               <a:rPr lang="en" altLang="zh-CN" dirty="0">

--- a/week02/Lecture02.pptx
+++ b/week02/Lecture02.pptx
@@ -3645,7 +3645,7 @@
           <a:p>
             <a:fld id="{FC19A4FA-3D9A-4114-B0D5-759CBD56F1AB}" type="datetimeFigureOut">
               <a:rPr lang="zh-CN" altLang="en-US" smtClean="0"/>
-              <a:t>2022/9/13</a:t>
+              <a:t>2022/9/15</a:t>
             </a:fld>
             <a:endParaRPr lang="zh-CN" altLang="en-US"/>
           </a:p>
@@ -3848,7 +3848,7 @@
           <a:p>
             <a:fld id="{FC19A4FA-3D9A-4114-B0D5-759CBD56F1AB}" type="datetimeFigureOut">
               <a:rPr lang="zh-CN" altLang="en-US" smtClean="0"/>
-              <a:t>2022/9/13</a:t>
+              <a:t>2022/9/15</a:t>
             </a:fld>
             <a:endParaRPr lang="zh-CN" altLang="en-US"/>
           </a:p>
@@ -4026,7 +4026,7 @@
           <a:p>
             <a:fld id="{FC19A4FA-3D9A-4114-B0D5-759CBD56F1AB}" type="datetimeFigureOut">
               <a:rPr lang="zh-CN" altLang="en-US" smtClean="0"/>
-              <a:t>2022/9/13</a:t>
+              <a:t>2022/9/15</a:t>
             </a:fld>
             <a:endParaRPr lang="zh-CN" altLang="en-US"/>
           </a:p>
@@ -4250,7 +4250,7 @@
           <a:p>
             <a:fld id="{FC19A4FA-3D9A-4114-B0D5-759CBD56F1AB}" type="datetimeFigureOut">
               <a:rPr lang="zh-CN" altLang="en-US" smtClean="0"/>
-              <a:t>2022/9/13</a:t>
+              <a:t>2022/9/15</a:t>
             </a:fld>
             <a:endParaRPr lang="zh-CN" altLang="en-US"/>
           </a:p>
@@ -4484,7 +4484,7 @@
           <a:p>
             <a:fld id="{FC19A4FA-3D9A-4114-B0D5-759CBD56F1AB}" type="datetimeFigureOut">
               <a:rPr lang="zh-CN" altLang="en-US" smtClean="0"/>
-              <a:t>2022/9/13</a:t>
+              <a:t>2022/9/15</a:t>
             </a:fld>
             <a:endParaRPr lang="zh-CN" altLang="en-US"/>
           </a:p>
@@ -4883,7 +4883,7 @@
           <a:p>
             <a:fld id="{FC19A4FA-3D9A-4114-B0D5-759CBD56F1AB}" type="datetimeFigureOut">
               <a:rPr lang="zh-CN" altLang="en-US" smtClean="0"/>
-              <a:t>2022/9/13</a:t>
+              <a:t>2022/9/15</a:t>
             </a:fld>
             <a:endParaRPr lang="zh-CN" altLang="en-US"/>
           </a:p>
@@ -5163,7 +5163,7 @@
           <a:p>
             <a:fld id="{FC19A4FA-3D9A-4114-B0D5-759CBD56F1AB}" type="datetimeFigureOut">
               <a:rPr lang="zh-CN" altLang="en-US" smtClean="0"/>
-              <a:t>2022/9/13</a:t>
+              <a:t>2022/9/15</a:t>
             </a:fld>
             <a:endParaRPr lang="zh-CN" altLang="en-US"/>
           </a:p>
@@ -5315,7 +5315,7 @@
           <a:p>
             <a:fld id="{FC19A4FA-3D9A-4114-B0D5-759CBD56F1AB}" type="datetimeFigureOut">
               <a:rPr lang="zh-CN" altLang="en-US" smtClean="0"/>
-              <a:t>2022/9/13</a:t>
+              <a:t>2022/9/15</a:t>
             </a:fld>
             <a:endParaRPr lang="zh-CN" altLang="en-US"/>
           </a:p>
@@ -5445,7 +5445,7 @@
           <a:p>
             <a:fld id="{FC19A4FA-3D9A-4114-B0D5-759CBD56F1AB}" type="datetimeFigureOut">
               <a:rPr lang="zh-CN" altLang="en-US" smtClean="0"/>
-              <a:t>2022/9/13</a:t>
+              <a:t>2022/9/15</a:t>
             </a:fld>
             <a:endParaRPr lang="zh-CN" altLang="en-US"/>
           </a:p>
@@ -5755,7 +5755,7 @@
           <a:p>
             <a:fld id="{FC19A4FA-3D9A-4114-B0D5-759CBD56F1AB}" type="datetimeFigureOut">
               <a:rPr lang="zh-CN" altLang="en-US" smtClean="0"/>
-              <a:t>2022/9/13</a:t>
+              <a:t>2022/9/15</a:t>
             </a:fld>
             <a:endParaRPr lang="zh-CN" altLang="en-US"/>
           </a:p>
@@ -6042,7 +6042,7 @@
           <a:p>
             <a:fld id="{FC19A4FA-3D9A-4114-B0D5-759CBD56F1AB}" type="datetimeFigureOut">
               <a:rPr lang="zh-CN" altLang="en-US" smtClean="0"/>
-              <a:t>2022/9/13</a:t>
+              <a:t>2022/9/15</a:t>
             </a:fld>
             <a:endParaRPr lang="zh-CN" altLang="en-US"/>
           </a:p>
@@ -6335,7 +6335,7 @@
           <a:p>
             <a:fld id="{FC19A4FA-3D9A-4114-B0D5-759CBD56F1AB}" type="datetimeFigureOut">
               <a:rPr lang="zh-CN" altLang="en-US" smtClean="0"/>
-              <a:t>2022/9/13</a:t>
+              <a:t>2022/9/15</a:t>
             </a:fld>
             <a:endParaRPr lang="zh-CN" altLang="en-US"/>
           </a:p>
@@ -13982,6 +13982,59 @@
           </a:p>
         </p:txBody>
       </p:sp>
+      <p:sp>
+        <p:nvSpPr>
+          <p:cNvPr id="4" name="矩形 3">
+            <a:extLst>
+              <a:ext uri="{FF2B5EF4-FFF2-40B4-BE49-F238E27FC236}">
+                <a16:creationId xmlns:a16="http://schemas.microsoft.com/office/drawing/2014/main" id="{F673816E-9281-004A-B1FD-CD3DBF779347}"/>
+              </a:ext>
+            </a:extLst>
+          </p:cNvPr>
+          <p:cNvSpPr/>
+          <p:nvPr/>
+        </p:nvSpPr>
+        <p:spPr>
+          <a:xfrm>
+            <a:off x="838199" y="926885"/>
+            <a:ext cx="1569660" cy="400110"/>
+          </a:xfrm>
+          <a:prstGeom prst="rect">
+            <a:avLst/>
+          </a:prstGeom>
+          <a:solidFill>
+            <a:schemeClr val="bg1"/>
+          </a:solidFill>
+        </p:spPr>
+        <p:txBody>
+          <a:bodyPr wrap="none">
+            <a:spAutoFit/>
+          </a:bodyPr>
+          <a:lstStyle/>
+          <a:p>
+            <a:r>
+              <a:rPr lang="en" altLang="zh-CN" sz="2000" dirty="0" err="1">
+                <a:solidFill>
+                  <a:srgbClr val="0000CC"/>
+                </a:solidFill>
+                <a:highlight>
+                  <a:srgbClr val="FFFF00"/>
+                </a:highlight>
+                <a:latin typeface="Menlo" panose="020B0609030804020204" pitchFamily="49" charset="0"/>
+              </a:rPr>
+              <a:t>float.cpp</a:t>
+            </a:r>
+            <a:endParaRPr lang="zh-CN" altLang="en-US" sz="2000" dirty="0">
+              <a:solidFill>
+                <a:srgbClr val="0000CC"/>
+              </a:solidFill>
+              <a:highlight>
+                <a:srgbClr val="FFFF00"/>
+              </a:highlight>
+            </a:endParaRPr>
+          </a:p>
+        </p:txBody>
+      </p:sp>
     </p:spTree>
     <p:extLst>
       <p:ext uri="{BB962C8B-B14F-4D97-AF65-F5344CB8AC3E}">
@@ -14458,7 +14511,7 @@
             </a:r>
             <a:r>
               <a:rPr kumimoji="1" lang="en-US" altLang="zh-CN" sz="2000" dirty="0"/>
-              <a:t>(used in deep learning, but not a C++ standard)</a:t>
+              <a:t>(popular in deep learning, but not a C++ standard)</a:t>
             </a:r>
             <a:endParaRPr kumimoji="1" lang="zh-CN" altLang="en-US" dirty="0"/>
           </a:p>

--- a/week02/Lecture02.pptx
+++ b/week02/Lecture02.pptx
@@ -3645,7 +3645,7 @@
           <a:p>
             <a:fld id="{FC19A4FA-3D9A-4114-B0D5-759CBD56F1AB}" type="datetimeFigureOut">
               <a:rPr lang="zh-CN" altLang="en-US" smtClean="0"/>
-              <a:t>2022/9/15</a:t>
+              <a:t>2023/2/22</a:t>
             </a:fld>
             <a:endParaRPr lang="zh-CN" altLang="en-US"/>
           </a:p>
@@ -3848,7 +3848,7 @@
           <a:p>
             <a:fld id="{FC19A4FA-3D9A-4114-B0D5-759CBD56F1AB}" type="datetimeFigureOut">
               <a:rPr lang="zh-CN" altLang="en-US" smtClean="0"/>
-              <a:t>2022/9/15</a:t>
+              <a:t>2023/2/22</a:t>
             </a:fld>
             <a:endParaRPr lang="zh-CN" altLang="en-US"/>
           </a:p>
@@ -4026,7 +4026,7 @@
           <a:p>
             <a:fld id="{FC19A4FA-3D9A-4114-B0D5-759CBD56F1AB}" type="datetimeFigureOut">
               <a:rPr lang="zh-CN" altLang="en-US" smtClean="0"/>
-              <a:t>2022/9/15</a:t>
+              <a:t>2023/2/22</a:t>
             </a:fld>
             <a:endParaRPr lang="zh-CN" altLang="en-US"/>
           </a:p>
@@ -4250,7 +4250,7 @@
           <a:p>
             <a:fld id="{FC19A4FA-3D9A-4114-B0D5-759CBD56F1AB}" type="datetimeFigureOut">
               <a:rPr lang="zh-CN" altLang="en-US" smtClean="0"/>
-              <a:t>2022/9/15</a:t>
+              <a:t>2023/2/22</a:t>
             </a:fld>
             <a:endParaRPr lang="zh-CN" altLang="en-US"/>
           </a:p>
@@ -4484,7 +4484,7 @@
           <a:p>
             <a:fld id="{FC19A4FA-3D9A-4114-B0D5-759CBD56F1AB}" type="datetimeFigureOut">
               <a:rPr lang="zh-CN" altLang="en-US" smtClean="0"/>
-              <a:t>2022/9/15</a:t>
+              <a:t>2023/2/22</a:t>
             </a:fld>
             <a:endParaRPr lang="zh-CN" altLang="en-US"/>
           </a:p>
@@ -4883,7 +4883,7 @@
           <a:p>
             <a:fld id="{FC19A4FA-3D9A-4114-B0D5-759CBD56F1AB}" type="datetimeFigureOut">
               <a:rPr lang="zh-CN" altLang="en-US" smtClean="0"/>
-              <a:t>2022/9/15</a:t>
+              <a:t>2023/2/22</a:t>
             </a:fld>
             <a:endParaRPr lang="zh-CN" altLang="en-US"/>
           </a:p>
@@ -5163,7 +5163,7 @@
           <a:p>
             <a:fld id="{FC19A4FA-3D9A-4114-B0D5-759CBD56F1AB}" type="datetimeFigureOut">
               <a:rPr lang="zh-CN" altLang="en-US" smtClean="0"/>
-              <a:t>2022/9/15</a:t>
+              <a:t>2023/2/22</a:t>
             </a:fld>
             <a:endParaRPr lang="zh-CN" altLang="en-US"/>
           </a:p>
@@ -5315,7 +5315,7 @@
           <a:p>
             <a:fld id="{FC19A4FA-3D9A-4114-B0D5-759CBD56F1AB}" type="datetimeFigureOut">
               <a:rPr lang="zh-CN" altLang="en-US" smtClean="0"/>
-              <a:t>2022/9/15</a:t>
+              <a:t>2023/2/22</a:t>
             </a:fld>
             <a:endParaRPr lang="zh-CN" altLang="en-US"/>
           </a:p>
@@ -5445,7 +5445,7 @@
           <a:p>
             <a:fld id="{FC19A4FA-3D9A-4114-B0D5-759CBD56F1AB}" type="datetimeFigureOut">
               <a:rPr lang="zh-CN" altLang="en-US" smtClean="0"/>
-              <a:t>2022/9/15</a:t>
+              <a:t>2023/2/22</a:t>
             </a:fld>
             <a:endParaRPr lang="zh-CN" altLang="en-US"/>
           </a:p>
@@ -5755,7 +5755,7 @@
           <a:p>
             <a:fld id="{FC19A4FA-3D9A-4114-B0D5-759CBD56F1AB}" type="datetimeFigureOut">
               <a:rPr lang="zh-CN" altLang="en-US" smtClean="0"/>
-              <a:t>2022/9/15</a:t>
+              <a:t>2023/2/22</a:t>
             </a:fld>
             <a:endParaRPr lang="zh-CN" altLang="en-US"/>
           </a:p>
@@ -6042,7 +6042,7 @@
           <a:p>
             <a:fld id="{FC19A4FA-3D9A-4114-B0D5-759CBD56F1AB}" type="datetimeFigureOut">
               <a:rPr lang="zh-CN" altLang="en-US" smtClean="0"/>
-              <a:t>2022/9/15</a:t>
+              <a:t>2023/2/22</a:t>
             </a:fld>
             <a:endParaRPr lang="zh-CN" altLang="en-US"/>
           </a:p>
@@ -6335,7 +6335,7 @@
           <a:p>
             <a:fld id="{FC19A4FA-3D9A-4114-B0D5-759CBD56F1AB}" type="datetimeFigureOut">
               <a:rPr lang="zh-CN" altLang="en-US" smtClean="0"/>
-              <a:t>2022/9/15</a:t>
+              <a:t>2023/2/22</a:t>
             </a:fld>
             <a:endParaRPr lang="zh-CN" altLang="en-US"/>
           </a:p>
@@ -8617,7 +8617,7 @@
                 </a:solidFill>
                 <a:latin typeface="Menlo" panose="020B0609030804020204" pitchFamily="49" charset="0"/>
               </a:rPr>
-              <a:t>'C'</a:t>
+              <a:t>'C’</a:t>
             </a:r>
             <a:r>
               <a:rPr lang="en" altLang="zh-CN" dirty="0">
@@ -8626,7 +8626,18 @@
                 </a:solidFill>
                 <a:latin typeface="Menlo" panose="020B0609030804020204" pitchFamily="49" charset="0"/>
               </a:rPr>
-              <a:t>;</a:t>
+              <a:t>;  //</a:t>
+            </a:r>
+            <a:r>
+              <a:rPr lang="en" altLang="zh-CN" dirty="0">
+                <a:solidFill>
+                  <a:schemeClr val="accent6">
+                    <a:lumMod val="50000"/>
+                  </a:schemeClr>
+                </a:solidFill>
+                <a:latin typeface="Menlo" panose="020B0609030804020204" pitchFamily="49" charset="0"/>
+              </a:rPr>
+              <a:t>its ASCII code is 80</a:t>
             </a:r>
           </a:p>
           <a:p>
@@ -8685,7 +8696,18 @@
                 </a:solidFill>
                 <a:latin typeface="Menlo" panose="020B0609030804020204" pitchFamily="49" charset="0"/>
               </a:rPr>
-              <a:t>;</a:t>
+              <a:t>;  //</a:t>
+            </a:r>
+            <a:r>
+              <a:rPr lang="en" altLang="zh-CN" dirty="0">
+                <a:solidFill>
+                  <a:schemeClr val="accent6">
+                    <a:lumMod val="50000"/>
+                  </a:schemeClr>
+                </a:solidFill>
+                <a:latin typeface="Menlo" panose="020B0609030804020204" pitchFamily="49" charset="0"/>
+              </a:rPr>
+              <a:t>in decimal</a:t>
             </a:r>
           </a:p>
           <a:p>
@@ -8744,7 +8766,18 @@
                 </a:solidFill>
                 <a:latin typeface="Menlo" panose="020B0609030804020204" pitchFamily="49" charset="0"/>
               </a:rPr>
-              <a:t>;</a:t>
+              <a:t>; //</a:t>
+            </a:r>
+            <a:r>
+              <a:rPr lang="en" altLang="zh-CN" dirty="0">
+                <a:solidFill>
+                  <a:schemeClr val="accent6">
+                    <a:lumMod val="50000"/>
+                  </a:schemeClr>
+                </a:solidFill>
+                <a:latin typeface="Menlo" panose="020B0609030804020204" pitchFamily="49" charset="0"/>
+              </a:rPr>
+              <a:t>in hexadecimal</a:t>
             </a:r>
           </a:p>
           <a:p>
@@ -13826,7 +13859,7 @@
               <a:t>setprecision</a:t>
             </a:r>
             <a:r>
-              <a:rPr lang="en" altLang="zh-CN" sz="2000" dirty="0">
+              <a:rPr lang="en" altLang="zh-CN" sz="2000">
                 <a:solidFill>
                   <a:srgbClr val="000000"/>
                 </a:solidFill>
@@ -13835,16 +13868,16 @@
               <a:t>(</a:t>
             </a:r>
             <a:r>
-              <a:rPr lang="en" altLang="zh-CN" sz="2000" dirty="0">
+              <a:rPr lang="en" altLang="zh-CN" sz="2000">
                 <a:solidFill>
                   <a:srgbClr val="098658"/>
                 </a:solidFill>
                 <a:latin typeface="Menlo" panose="020B0609030804020204" pitchFamily="49" charset="0"/>
               </a:rPr>
-              <a:t>15</a:t>
-            </a:r>
-            <a:r>
-              <a:rPr lang="en" altLang="zh-CN" sz="2000" dirty="0">
+              <a:t>1</a:t>
+            </a:r>
+            <a:r>
+              <a:rPr lang="en" altLang="zh-CN" sz="2000">
                 <a:solidFill>
                   <a:srgbClr val="000000"/>
                 </a:solidFill>

--- a/week02/Lecture02.pptx
+++ b/week02/Lecture02.pptx
@@ -15145,10 +15145,19 @@
                 </a:solidFill>
                 <a:latin typeface="Menlo" panose="020B0609030804020204" pitchFamily="49" charset="0"/>
               </a:rPr>
-              <a:t>2.34E+10f</a:t>
-            </a:r>
-            <a:r>
-              <a:rPr lang="en" altLang="zh-CN" dirty="0">
+              <a:t>234</a:t>
+            </a:r>
+            <a:r>
+              <a:rPr lang="en-US" altLang="zh-CN">
+                <a:solidFill>
+                  <a:srgbClr val="098658"/>
+                </a:solidFill>
+                <a:latin typeface="Menlo" panose="020B0609030804020204" pitchFamily="49" charset="0"/>
+              </a:rPr>
+              <a:t>00000000</a:t>
+            </a:r>
+            <a:r>
+              <a:rPr lang="en" altLang="zh-CN">
                 <a:solidFill>
                   <a:srgbClr val="000000"/>
                 </a:solidFill>
@@ -15156,6 +15165,12 @@
               </a:rPr>
               <a:t>;</a:t>
             </a:r>
+            <a:endParaRPr lang="en" altLang="zh-CN" dirty="0">
+              <a:solidFill>
+                <a:srgbClr val="000000"/>
+              </a:solidFill>
+              <a:latin typeface="Menlo" panose="020B0609030804020204" pitchFamily="49" charset="0"/>
+            </a:endParaRPr>
           </a:p>
           <a:p>
             <a:pPr marL="685800" lvl="1" indent="0">

--- a/week02/Lecture02.pptx
+++ b/week02/Lecture02.pptx
@@ -3645,7 +3645,7 @@
           <a:p>
             <a:fld id="{FC19A4FA-3D9A-4114-B0D5-759CBD56F1AB}" type="datetimeFigureOut">
               <a:rPr lang="zh-CN" altLang="en-US" smtClean="0"/>
-              <a:t>2023/2/22</a:t>
+              <a:t>2025/2/23</a:t>
             </a:fld>
             <a:endParaRPr lang="zh-CN" altLang="en-US"/>
           </a:p>
@@ -3848,7 +3848,7 @@
           <a:p>
             <a:fld id="{FC19A4FA-3D9A-4114-B0D5-759CBD56F1AB}" type="datetimeFigureOut">
               <a:rPr lang="zh-CN" altLang="en-US" smtClean="0"/>
-              <a:t>2023/2/22</a:t>
+              <a:t>2025/2/23</a:t>
             </a:fld>
             <a:endParaRPr lang="zh-CN" altLang="en-US"/>
           </a:p>
@@ -4026,7 +4026,7 @@
           <a:p>
             <a:fld id="{FC19A4FA-3D9A-4114-B0D5-759CBD56F1AB}" type="datetimeFigureOut">
               <a:rPr lang="zh-CN" altLang="en-US" smtClean="0"/>
-              <a:t>2023/2/22</a:t>
+              <a:t>2025/2/23</a:t>
             </a:fld>
             <a:endParaRPr lang="zh-CN" altLang="en-US"/>
           </a:p>
@@ -4250,7 +4250,7 @@
           <a:p>
             <a:fld id="{FC19A4FA-3D9A-4114-B0D5-759CBD56F1AB}" type="datetimeFigureOut">
               <a:rPr lang="zh-CN" altLang="en-US" smtClean="0"/>
-              <a:t>2023/2/22</a:t>
+              <a:t>2025/2/23</a:t>
             </a:fld>
             <a:endParaRPr lang="zh-CN" altLang="en-US"/>
           </a:p>
@@ -4484,7 +4484,7 @@
           <a:p>
             <a:fld id="{FC19A4FA-3D9A-4114-B0D5-759CBD56F1AB}" type="datetimeFigureOut">
               <a:rPr lang="zh-CN" altLang="en-US" smtClean="0"/>
-              <a:t>2023/2/22</a:t>
+              <a:t>2025/2/23</a:t>
             </a:fld>
             <a:endParaRPr lang="zh-CN" altLang="en-US"/>
           </a:p>
@@ -4883,7 +4883,7 @@
           <a:p>
             <a:fld id="{FC19A4FA-3D9A-4114-B0D5-759CBD56F1AB}" type="datetimeFigureOut">
               <a:rPr lang="zh-CN" altLang="en-US" smtClean="0"/>
-              <a:t>2023/2/22</a:t>
+              <a:t>2025/2/23</a:t>
             </a:fld>
             <a:endParaRPr lang="zh-CN" altLang="en-US"/>
           </a:p>
@@ -5163,7 +5163,7 @@
           <a:p>
             <a:fld id="{FC19A4FA-3D9A-4114-B0D5-759CBD56F1AB}" type="datetimeFigureOut">
               <a:rPr lang="zh-CN" altLang="en-US" smtClean="0"/>
-              <a:t>2023/2/22</a:t>
+              <a:t>2025/2/23</a:t>
             </a:fld>
             <a:endParaRPr lang="zh-CN" altLang="en-US"/>
           </a:p>
@@ -5315,7 +5315,7 @@
           <a:p>
             <a:fld id="{FC19A4FA-3D9A-4114-B0D5-759CBD56F1AB}" type="datetimeFigureOut">
               <a:rPr lang="zh-CN" altLang="en-US" smtClean="0"/>
-              <a:t>2023/2/22</a:t>
+              <a:t>2025/2/23</a:t>
             </a:fld>
             <a:endParaRPr lang="zh-CN" altLang="en-US"/>
           </a:p>
@@ -5445,7 +5445,7 @@
           <a:p>
             <a:fld id="{FC19A4FA-3D9A-4114-B0D5-759CBD56F1AB}" type="datetimeFigureOut">
               <a:rPr lang="zh-CN" altLang="en-US" smtClean="0"/>
-              <a:t>2023/2/22</a:t>
+              <a:t>2025/2/23</a:t>
             </a:fld>
             <a:endParaRPr lang="zh-CN" altLang="en-US"/>
           </a:p>
@@ -5755,7 +5755,7 @@
           <a:p>
             <a:fld id="{FC19A4FA-3D9A-4114-B0D5-759CBD56F1AB}" type="datetimeFigureOut">
               <a:rPr lang="zh-CN" altLang="en-US" smtClean="0"/>
-              <a:t>2023/2/22</a:t>
+              <a:t>2025/2/23</a:t>
             </a:fld>
             <a:endParaRPr lang="zh-CN" altLang="en-US"/>
           </a:p>
@@ -6042,7 +6042,7 @@
           <a:p>
             <a:fld id="{FC19A4FA-3D9A-4114-B0D5-759CBD56F1AB}" type="datetimeFigureOut">
               <a:rPr lang="zh-CN" altLang="en-US" smtClean="0"/>
-              <a:t>2023/2/22</a:t>
+              <a:t>2025/2/23</a:t>
             </a:fld>
             <a:endParaRPr lang="zh-CN" altLang="en-US"/>
           </a:p>
@@ -6335,7 +6335,7 @@
           <a:p>
             <a:fld id="{FC19A4FA-3D9A-4114-B0D5-759CBD56F1AB}" type="datetimeFigureOut">
               <a:rPr lang="zh-CN" altLang="en-US" smtClean="0"/>
-              <a:t>2023/2/22</a:t>
+              <a:t>2025/2/23</a:t>
             </a:fld>
             <a:endParaRPr lang="zh-CN" altLang="en-US"/>
           </a:p>
@@ -6766,19 +6766,7 @@
               <a:rPr lang="en-US" altLang="zh-CN" b="1" dirty="0">
                 <a:latin typeface="Franklin Gothic Demi" panose="020B0703020102020204" pitchFamily="34" charset="0"/>
               </a:rPr>
-              <a:t>C/C++</a:t>
-            </a:r>
-            <a:r>
-              <a:rPr lang="zh-CN" altLang="en-US" b="1" dirty="0">
-                <a:latin typeface="Franklin Gothic Demi" panose="020B0703020102020204" pitchFamily="34" charset="0"/>
-              </a:rPr>
-              <a:t> </a:t>
-            </a:r>
-            <a:r>
-              <a:rPr lang="en-US" altLang="zh-CN" b="1" dirty="0">
-                <a:latin typeface="Franklin Gothic Demi" panose="020B0703020102020204" pitchFamily="34" charset="0"/>
-              </a:rPr>
-              <a:t>Program Design</a:t>
+              <a:t>Advanced Programming</a:t>
             </a:r>
             <a:endParaRPr lang="zh-CN" altLang="en-US" b="1" dirty="0">
               <a:latin typeface="Franklin Gothic Demi" panose="020B0703020102020204" pitchFamily="34" charset="0"/>
@@ -6807,14 +6795,6 @@
             <a:normAutofit/>
           </a:bodyPr>
           <a:lstStyle/>
-          <a:p>
-            <a:r>
-              <a:rPr lang="en-US" altLang="zh-CN" sz="3600" dirty="0">
-                <a:latin typeface="Franklin Gothic Medium" panose="020B0603020102020204" pitchFamily="34" charset="0"/>
-              </a:rPr>
-              <a:t>CS205</a:t>
-            </a:r>
-          </a:p>
           <a:p>
             <a:endParaRPr lang="en-US" altLang="zh-CN" dirty="0">
               <a:latin typeface="Franklin Gothic Medium" panose="020B0603020102020204" pitchFamily="34" charset="0"/>
